--- a/postfix/postfix_preso.pptx
+++ b/postfix/postfix_preso.pptx
@@ -5,25 +5,24 @@
     <p:sldMasterId id="2147483648" r:id="rId1"/>
   </p:sldMasterIdLst>
   <p:sldIdLst>
-    <p:sldId id="256" r:id="rId2"/>
-    <p:sldId id="257" r:id="rId3"/>
-    <p:sldId id="258" r:id="rId4"/>
-    <p:sldId id="259" r:id="rId5"/>
-    <p:sldId id="260" r:id="rId6"/>
-    <p:sldId id="261" r:id="rId7"/>
-    <p:sldId id="262" r:id="rId8"/>
-    <p:sldId id="263" r:id="rId9"/>
-    <p:sldId id="264" r:id="rId10"/>
-    <p:sldId id="265" r:id="rId11"/>
-    <p:sldId id="266" r:id="rId12"/>
-    <p:sldId id="267" r:id="rId13"/>
-    <p:sldId id="268" r:id="rId14"/>
-    <p:sldId id="269" r:id="rId15"/>
-    <p:sldId id="270" r:id="rId16"/>
-    <p:sldId id="271" r:id="rId17"/>
-    <p:sldId id="272" r:id="rId18"/>
-    <p:sldId id="273" r:id="rId19"/>
-    <p:sldId id="274" r:id="rId20"/>
+    <p:sldId id="257" r:id="rId2"/>
+    <p:sldId id="258" r:id="rId3"/>
+    <p:sldId id="259" r:id="rId4"/>
+    <p:sldId id="260" r:id="rId5"/>
+    <p:sldId id="261" r:id="rId6"/>
+    <p:sldId id="262" r:id="rId7"/>
+    <p:sldId id="263" r:id="rId8"/>
+    <p:sldId id="264" r:id="rId9"/>
+    <p:sldId id="265" r:id="rId10"/>
+    <p:sldId id="266" r:id="rId11"/>
+    <p:sldId id="267" r:id="rId12"/>
+    <p:sldId id="268" r:id="rId13"/>
+    <p:sldId id="269" r:id="rId14"/>
+    <p:sldId id="270" r:id="rId15"/>
+    <p:sldId id="271" r:id="rId16"/>
+    <p:sldId id="272" r:id="rId17"/>
+    <p:sldId id="273" r:id="rId18"/>
+    <p:sldId id="274" r:id="rId19"/>
   </p:sldIdLst>
   <p:sldSz cx="12192000" cy="6858000"/>
   <p:notesSz cx="6858000" cy="9144000"/>
@@ -122,6 +121,11 @@
       </a:defRPr>
     </a:lvl9pPr>
   </p:defaultTextStyle>
+  <p:extLst>
+    <p:ext uri="{EFAFB233-063F-42B5-8137-9DF3F51BA10A}">
+      <p15:sldGuideLst xmlns:p15="http://schemas.microsoft.com/office/powerpoint/2012/main"/>
+    </p:ext>
+  </p:extLst>
 </p:presentation>
 </file>
 
@@ -256,7 +260,7 @@
           <a:p>
             <a:fld id="{2330926E-6BBF-8F40-92E7-D37C823A4294}" type="datetimeFigureOut">
               <a:rPr lang="en-US" smtClean="0"/>
-              <a:t>5/23/17</a:t>
+              <a:t>5/24/17</a:t>
             </a:fld>
             <a:endParaRPr lang="en-US"/>
           </a:p>
@@ -426,7 +430,7 @@
           <a:p>
             <a:fld id="{2330926E-6BBF-8F40-92E7-D37C823A4294}" type="datetimeFigureOut">
               <a:rPr lang="en-US" smtClean="0"/>
-              <a:t>5/23/17</a:t>
+              <a:t>5/24/17</a:t>
             </a:fld>
             <a:endParaRPr lang="en-US"/>
           </a:p>
@@ -606,7 +610,7 @@
           <a:p>
             <a:fld id="{2330926E-6BBF-8F40-92E7-D37C823A4294}" type="datetimeFigureOut">
               <a:rPr lang="en-US" smtClean="0"/>
-              <a:t>5/23/17</a:t>
+              <a:t>5/24/17</a:t>
             </a:fld>
             <a:endParaRPr lang="en-US"/>
           </a:p>
@@ -776,7 +780,7 @@
           <a:p>
             <a:fld id="{2330926E-6BBF-8F40-92E7-D37C823A4294}" type="datetimeFigureOut">
               <a:rPr lang="en-US" smtClean="0"/>
-              <a:t>5/23/17</a:t>
+              <a:t>5/24/17</a:t>
             </a:fld>
             <a:endParaRPr lang="en-US"/>
           </a:p>
@@ -1022,7 +1026,7 @@
           <a:p>
             <a:fld id="{2330926E-6BBF-8F40-92E7-D37C823A4294}" type="datetimeFigureOut">
               <a:rPr lang="en-US" smtClean="0"/>
-              <a:t>5/23/17</a:t>
+              <a:t>5/24/17</a:t>
             </a:fld>
             <a:endParaRPr lang="en-US"/>
           </a:p>
@@ -1254,7 +1258,7 @@
           <a:p>
             <a:fld id="{2330926E-6BBF-8F40-92E7-D37C823A4294}" type="datetimeFigureOut">
               <a:rPr lang="en-US" smtClean="0"/>
-              <a:t>5/23/17</a:t>
+              <a:t>5/24/17</a:t>
             </a:fld>
             <a:endParaRPr lang="en-US"/>
           </a:p>
@@ -1621,7 +1625,7 @@
           <a:p>
             <a:fld id="{2330926E-6BBF-8F40-92E7-D37C823A4294}" type="datetimeFigureOut">
               <a:rPr lang="en-US" smtClean="0"/>
-              <a:t>5/23/17</a:t>
+              <a:t>5/24/17</a:t>
             </a:fld>
             <a:endParaRPr lang="en-US"/>
           </a:p>
@@ -1739,7 +1743,7 @@
           <a:p>
             <a:fld id="{2330926E-6BBF-8F40-92E7-D37C823A4294}" type="datetimeFigureOut">
               <a:rPr lang="en-US" smtClean="0"/>
-              <a:t>5/23/17</a:t>
+              <a:t>5/24/17</a:t>
             </a:fld>
             <a:endParaRPr lang="en-US"/>
           </a:p>
@@ -1834,7 +1838,7 @@
           <a:p>
             <a:fld id="{2330926E-6BBF-8F40-92E7-D37C823A4294}" type="datetimeFigureOut">
               <a:rPr lang="en-US" smtClean="0"/>
-              <a:t>5/23/17</a:t>
+              <a:t>5/24/17</a:t>
             </a:fld>
             <a:endParaRPr lang="en-US"/>
           </a:p>
@@ -2111,7 +2115,7 @@
           <a:p>
             <a:fld id="{2330926E-6BBF-8F40-92E7-D37C823A4294}" type="datetimeFigureOut">
               <a:rPr lang="en-US" smtClean="0"/>
-              <a:t>5/23/17</a:t>
+              <a:t>5/24/17</a:t>
             </a:fld>
             <a:endParaRPr lang="en-US"/>
           </a:p>
@@ -2364,7 +2368,7 @@
           <a:p>
             <a:fld id="{2330926E-6BBF-8F40-92E7-D37C823A4294}" type="datetimeFigureOut">
               <a:rPr lang="en-US" smtClean="0"/>
-              <a:t>5/23/17</a:t>
+              <a:t>5/24/17</a:t>
             </a:fld>
             <a:endParaRPr lang="en-US"/>
           </a:p>
@@ -2577,7 +2581,7 @@
           <a:p>
             <a:fld id="{2330926E-6BBF-8F40-92E7-D37C823A4294}" type="datetimeFigureOut">
               <a:rPr lang="en-US" smtClean="0"/>
-              <a:t>5/23/17</a:t>
+              <a:t>5/24/17</a:t>
             </a:fld>
             <a:endParaRPr lang="en-US"/>
           </a:p>
@@ -2997,7 +3001,11 @@
           <a:bodyPr/>
           <a:lstStyle/>
           <a:p>
-            <a:endParaRPr lang="en-US"/>
+            <a:r>
+              <a:rPr lang="en-US" b="1" dirty="0" smtClean="0"/>
+              <a:t>Postfix Mail Server</a:t>
+            </a:r>
+            <a:endParaRPr lang="en-US" b="1" dirty="0"/>
           </a:p>
         </p:txBody>
       </p:sp>
@@ -3016,14 +3024,24 @@
           <a:bodyPr/>
           <a:lstStyle/>
           <a:p>
-            <a:endParaRPr lang="en-US"/>
+            <a:r>
+              <a:rPr lang="en-US" dirty="0" smtClean="0"/>
+              <a:t>Kevin Chege</a:t>
+            </a:r>
+          </a:p>
+          <a:p>
+            <a:r>
+              <a:rPr lang="en-US" dirty="0" smtClean="0"/>
+              <a:t>ISOC</a:t>
+            </a:r>
+            <a:endParaRPr lang="en-US" dirty="0"/>
           </a:p>
         </p:txBody>
       </p:sp>
     </p:spTree>
     <p:extLst>
       <p:ext uri="{BB962C8B-B14F-4D97-AF65-F5344CB8AC3E}">
-        <p14:creationId xmlns:p14="http://schemas.microsoft.com/office/powerpoint/2010/main" val="93193371"/>
+        <p14:creationId xmlns:p14="http://schemas.microsoft.com/office/powerpoint/2010/main" val="1913290876"/>
       </p:ext>
     </p:extLst>
   </p:cSld>
@@ -3074,7 +3092,7 @@
           <a:p>
             <a:r>
               <a:rPr lang="en-US" b="1" dirty="0" smtClean="0"/>
-              <a:t>Relaying Mail – From</a:t>
+              <a:t>Relaying mail - to</a:t>
             </a:r>
             <a:endParaRPr lang="en-US" b="1" dirty="0"/>
           </a:p>
@@ -3093,93 +3111,57 @@
         <p:spPr/>
         <p:txBody>
           <a:bodyPr>
-            <a:normAutofit fontScale="85000" lnSpcReduction="10000"/>
+            <a:normAutofit/>
           </a:bodyPr>
           <a:lstStyle/>
           <a:p>
             <a:r>
               <a:rPr lang="en-US" dirty="0" smtClean="0"/>
-              <a:t>Postfix will forward mail from clients in authorized network blocks to any destination</a:t>
-            </a:r>
-          </a:p>
-          <a:p>
-            <a:r>
-              <a:rPr lang="en-US" dirty="0" smtClean="0"/>
-              <a:t>Authorized networks are defined with the </a:t>
+              <a:t>By default, Postfix will forward mail from strangers (clients outside authorized networks) to authorized remote destinations only. </a:t>
+            </a:r>
+          </a:p>
+          <a:p>
+            <a:r>
+              <a:rPr lang="en-US" dirty="0" smtClean="0"/>
+              <a:t>Authorized remote destinations are defined with the </a:t>
             </a:r>
             <a:r>
               <a:rPr lang="en-US" dirty="0" smtClean="0">
                 <a:hlinkClick r:id="rId2"/>
               </a:rPr>
-              <a:t>mynetworks</a:t>
-            </a:r>
-            <a:r>
-              <a:rPr lang="en-US" dirty="0" smtClean="0"/>
-              <a:t> configuration parameter</a:t>
-            </a:r>
-          </a:p>
-          <a:p>
-            <a:r>
-              <a:rPr lang="en-US" dirty="0" smtClean="0"/>
-              <a:t>The default is to authorize all clients in the IP </a:t>
-            </a:r>
-            <a:r>
-              <a:rPr lang="en-US" dirty="0" err="1" smtClean="0"/>
-              <a:t>subnetworks</a:t>
-            </a:r>
-            <a:r>
-              <a:rPr lang="en-US" dirty="0" smtClean="0"/>
-              <a:t> that the local machine is attached to.</a:t>
-            </a:r>
-          </a:p>
-          <a:p>
-            <a:r>
-              <a:rPr lang="en-US" dirty="0" smtClean="0"/>
-              <a:t>By default, Postfix will NOT be an open relay </a:t>
-            </a:r>
-            <a:r>
-              <a:rPr lang="en-US" dirty="0" err="1" smtClean="0"/>
-              <a:t>ie</a:t>
-            </a:r>
-            <a:r>
-              <a:rPr lang="en-US" dirty="0" smtClean="0"/>
-              <a:t> it will not forward from IPs outside your network to the Internet</a:t>
-            </a:r>
-          </a:p>
-          <a:p>
-            <a:pPr lvl="1"/>
+              <a:t>relay_domains</a:t>
+            </a:r>
+            <a:r>
+              <a:rPr lang="en-US" dirty="0" smtClean="0"/>
+              <a:t> configuration parameter. </a:t>
+            </a:r>
+          </a:p>
+          <a:p>
+            <a:r>
+              <a:rPr lang="en-US" dirty="0" smtClean="0"/>
+              <a:t>The default is to authorize all domains (and subdomains) of the domains listed with the </a:t>
+            </a:r>
             <a:r>
               <a:rPr lang="en-US" dirty="0" smtClean="0">
                 <a:hlinkClick r:id="rId3"/>
               </a:rPr>
-              <a:t>mynetworks_style</a:t>
-            </a:r>
-            <a:r>
-              <a:rPr lang="en-US" dirty="0" smtClean="0"/>
-              <a:t> = subnet </a:t>
-            </a:r>
-          </a:p>
-          <a:p>
-            <a:pPr lvl="1"/>
-            <a:r>
-              <a:rPr lang="en-US" dirty="0" smtClean="0">
-                <a:hlinkClick r:id="rId2"/>
-              </a:rPr>
-              <a:t>mynetworks</a:t>
-            </a:r>
-            <a:r>
-              <a:rPr lang="en-US" dirty="0" smtClean="0"/>
-              <a:t> = 127.0.0.0/8 168.100.189.2/32</a:t>
-            </a:r>
-          </a:p>
-          <a:p>
-            <a:pPr lvl="1"/>
-            <a:endParaRPr lang="en-US" dirty="0" smtClean="0"/>
-          </a:p>
-          <a:p>
-            <a:endParaRPr lang="en-US" dirty="0" smtClean="0"/>
-          </a:p>
-          <a:p>
+              <a:t>mydestination</a:t>
+            </a:r>
+            <a:r>
+              <a:rPr lang="en-US" dirty="0" smtClean="0"/>
+              <a:t> parameter. </a:t>
+            </a:r>
+          </a:p>
+          <a:p>
+            <a:r>
+              <a:rPr lang="en-US" dirty="0" smtClean="0"/>
+              <a:t>This means that by default, your Postfix mail server will accept mail from anyone to recipients to the local Postfix server</a:t>
+            </a:r>
+          </a:p>
+          <a:p>
+            <a:pPr marL="0" indent="0">
+              <a:buNone/>
+            </a:pPr>
             <a:endParaRPr lang="en-US" dirty="0"/>
           </a:p>
         </p:txBody>
@@ -3187,7 +3169,7 @@
     </p:spTree>
     <p:extLst>
       <p:ext uri="{BB962C8B-B14F-4D97-AF65-F5344CB8AC3E}">
-        <p14:creationId xmlns:p14="http://schemas.microsoft.com/office/powerpoint/2010/main" val="830610643"/>
+        <p14:creationId xmlns:p14="http://schemas.microsoft.com/office/powerpoint/2010/main" val="1429371401"/>
       </p:ext>
     </p:extLst>
   </p:cSld>
@@ -3238,7 +3220,7 @@
           <a:p>
             <a:r>
               <a:rPr lang="en-US" b="1" dirty="0" smtClean="0"/>
-              <a:t>Relaying mail - to</a:t>
+              <a:t>Outbound emails</a:t>
             </a:r>
             <a:endParaRPr lang="en-US" b="1" dirty="0"/>
           </a:p>
@@ -3257,57 +3239,70 @@
         <p:spPr/>
         <p:txBody>
           <a:bodyPr>
-            <a:normAutofit/>
+            <a:normAutofit fontScale="92500" lnSpcReduction="20000"/>
           </a:bodyPr>
           <a:lstStyle/>
           <a:p>
             <a:r>
               <a:rPr lang="en-US" dirty="0" smtClean="0"/>
-              <a:t>By default, Postfix will forward mail from strangers (clients outside authorized networks) to authorized remote destinations only. </a:t>
-            </a:r>
-          </a:p>
-          <a:p>
-            <a:r>
-              <a:rPr lang="en-US" dirty="0" smtClean="0"/>
-              <a:t>Authorized remote destinations are defined with the </a:t>
+              <a:t>By default, Postfix tries to deliver mail directly to the Internet. </a:t>
+            </a:r>
+          </a:p>
+          <a:p>
+            <a:r>
+              <a:rPr lang="en-US" dirty="0" smtClean="0"/>
+              <a:t>Depending on your local conditions this may not be possible or desirable</a:t>
+            </a:r>
+          </a:p>
+          <a:p>
+            <a:r>
+              <a:rPr lang="en-US" dirty="0" smtClean="0"/>
+              <a:t>For example, your system may be behind a firewall, or it may be connected via a provider who does not allow direct mail to the Internet.</a:t>
+            </a:r>
+          </a:p>
+          <a:p>
+            <a:r>
+              <a:rPr lang="en-US" dirty="0" smtClean="0"/>
+              <a:t>In those cases you need to configure Postfix to deliver mail indirectly via a </a:t>
             </a:r>
             <a:r>
               <a:rPr lang="en-US" dirty="0" smtClean="0">
                 <a:hlinkClick r:id="rId2"/>
               </a:rPr>
-              <a:t>relay_domains</a:t>
-            </a:r>
-            <a:r>
-              <a:rPr lang="en-US" dirty="0" smtClean="0"/>
-              <a:t> configuration parameter. </a:t>
-            </a:r>
-          </a:p>
-          <a:p>
-            <a:r>
-              <a:rPr lang="en-US" dirty="0" smtClean="0"/>
-              <a:t>The default is to authorize all domains (and subdomains) of the domains listed with the </a:t>
-            </a:r>
+              <a:t>relay host</a:t>
+            </a:r>
+            <a:r>
+              <a:rPr lang="en-US" dirty="0" smtClean="0"/>
+              <a:t>. </a:t>
+            </a:r>
+          </a:p>
+          <a:p>
+            <a:pPr lvl="1"/>
             <a:r>
               <a:rPr lang="en-US" dirty="0" smtClean="0">
-                <a:hlinkClick r:id="rId3"/>
+                <a:hlinkClick r:id="rId2"/>
               </a:rPr>
-              <a:t>mydestination</a:t>
-            </a:r>
-            <a:r>
-              <a:rPr lang="en-US" dirty="0" smtClean="0"/>
-              <a:t> parameter. </a:t>
-            </a:r>
-          </a:p>
-          <a:p>
-            <a:r>
-              <a:rPr lang="en-US" dirty="0" smtClean="0"/>
-              <a:t>This means that by default, your Postfix mail server will accept mail from anyone to recipients to the local Postfix server</a:t>
-            </a:r>
-          </a:p>
-          <a:p>
-            <a:pPr marL="0" indent="0">
-              <a:buNone/>
-            </a:pPr>
+              <a:t>relayhost</a:t>
+            </a:r>
+            <a:r>
+              <a:rPr lang="en-US" dirty="0" smtClean="0"/>
+              <a:t> = [</a:t>
+            </a:r>
+            <a:r>
+              <a:rPr lang="en-US" dirty="0" err="1" smtClean="0"/>
+              <a:t>mail.isp.tld</a:t>
+            </a:r>
+            <a:r>
+              <a:rPr lang="en-US" dirty="0" smtClean="0"/>
+              <a:t>]</a:t>
+            </a:r>
+          </a:p>
+          <a:p>
+            <a:pPr lvl="1"/>
+            <a:r>
+              <a:rPr lang="en-US" dirty="0" smtClean="0"/>
+              <a:t>Note that the [] disables MX lookups so is necessary</a:t>
+            </a:r>
             <a:endParaRPr lang="en-US" dirty="0"/>
           </a:p>
         </p:txBody>
@@ -3315,7 +3310,7 @@
     </p:spTree>
     <p:extLst>
       <p:ext uri="{BB962C8B-B14F-4D97-AF65-F5344CB8AC3E}">
-        <p14:creationId xmlns:p14="http://schemas.microsoft.com/office/powerpoint/2010/main" val="1429371401"/>
+        <p14:creationId xmlns:p14="http://schemas.microsoft.com/office/powerpoint/2010/main" val="1693061265"/>
       </p:ext>
     </p:extLst>
   </p:cSld>
@@ -3366,7 +3361,7 @@
           <a:p>
             <a:r>
               <a:rPr lang="en-US" b="1" dirty="0" smtClean="0"/>
-              <a:t>Outbound emails</a:t>
+              <a:t>Reporting problems</a:t>
             </a:r>
             <a:endParaRPr lang="en-US" b="1" dirty="0"/>
           </a:p>
@@ -3385,70 +3380,106 @@
         <p:spPr/>
         <p:txBody>
           <a:bodyPr>
-            <a:normAutofit fontScale="92500" lnSpcReduction="20000"/>
+            <a:normAutofit fontScale="85000" lnSpcReduction="10000"/>
           </a:bodyPr>
           <a:lstStyle/>
           <a:p>
             <a:r>
               <a:rPr lang="en-US" dirty="0" smtClean="0"/>
-              <a:t>By default, Postfix tries to deliver mail directly to the Internet. </a:t>
-            </a:r>
-          </a:p>
-          <a:p>
-            <a:r>
-              <a:rPr lang="en-US" dirty="0" smtClean="0"/>
-              <a:t>Depending on your local conditions this may not be possible or desirable</a:t>
-            </a:r>
-          </a:p>
-          <a:p>
-            <a:r>
-              <a:rPr lang="en-US" dirty="0" smtClean="0"/>
-              <a:t>For example, your system may be behind a firewall, or it may be connected via a provider who does not allow direct mail to the Internet.</a:t>
-            </a:r>
-          </a:p>
-          <a:p>
-            <a:r>
-              <a:rPr lang="en-US" dirty="0" smtClean="0"/>
-              <a:t>In those cases you need to configure Postfix to deliver mail indirectly via a </a:t>
+              <a:t>You should set up a postmaster alias in the aliases table that directs mail to a real person</a:t>
+            </a:r>
+          </a:p>
+          <a:p>
+            <a:r>
+              <a:rPr lang="en-US" dirty="0" smtClean="0"/>
+              <a:t>The postmaster address is required to exist, so that people can report mail delivery problems.</a:t>
+            </a:r>
+          </a:p>
+          <a:p>
+            <a:r>
+              <a:rPr lang="en-US" dirty="0" smtClean="0"/>
+              <a:t>While you're updating the </a:t>
             </a:r>
             <a:r>
               <a:rPr lang="en-US" dirty="0" smtClean="0">
                 <a:hlinkClick r:id="rId2"/>
               </a:rPr>
-              <a:t>relay host</a:t>
-            </a:r>
-            <a:r>
-              <a:rPr lang="en-US" dirty="0" smtClean="0"/>
-              <a:t>. </a:t>
-            </a:r>
-          </a:p>
-          <a:p>
-            <a:pPr lvl="1"/>
-            <a:r>
-              <a:rPr lang="en-US" dirty="0" smtClean="0">
-                <a:hlinkClick r:id="rId2"/>
-              </a:rPr>
-              <a:t>relayhost</a:t>
-            </a:r>
-            <a:r>
-              <a:rPr lang="en-US" dirty="0" smtClean="0"/>
-              <a:t> = [</a:t>
+              <a:t>aliases(5)</a:t>
+            </a:r>
+            <a:r>
+              <a:rPr lang="en-US" dirty="0" smtClean="0"/>
+              <a:t> table, be sure to direct mail for the super-user to a human person too. </a:t>
+            </a:r>
+            <a:br>
+              <a:rPr lang="en-US" dirty="0" smtClean="0"/>
+            </a:br>
+            <a:r>
+              <a:rPr lang="en-US" dirty="0" smtClean="0"/>
+              <a:t>	/</a:t>
             </a:r>
             <a:r>
               <a:rPr lang="en-US" dirty="0" err="1" smtClean="0"/>
-              <a:t>mail.isp.tld</a:t>
-            </a:r>
-            <a:r>
-              <a:rPr lang="en-US" dirty="0" smtClean="0"/>
-              <a:t>]</a:t>
-            </a:r>
-          </a:p>
-          <a:p>
-            <a:pPr lvl="1"/>
-            <a:r>
-              <a:rPr lang="en-US" dirty="0" smtClean="0"/>
-              <a:t>Note that the [] disables MX lookups so is necessary</a:t>
-            </a:r>
+              <a:t>etc</a:t>
+            </a:r>
+            <a:r>
+              <a:rPr lang="en-US" dirty="0" smtClean="0"/>
+              <a:t>/aliases: </a:t>
+            </a:r>
+            <a:br>
+              <a:rPr lang="en-US" dirty="0" smtClean="0"/>
+            </a:br>
+            <a:r>
+              <a:rPr lang="en-US" dirty="0" smtClean="0"/>
+              <a:t>postmaster: </a:t>
+            </a:r>
+            <a:r>
+              <a:rPr lang="en-US" dirty="0" err="1" smtClean="0"/>
+              <a:t>afnog</a:t>
+            </a:r>
+            <a:r>
+              <a:rPr lang="en-US" dirty="0" smtClean="0"/>
+              <a:t> </a:t>
+            </a:r>
+            <a:br>
+              <a:rPr lang="en-US" dirty="0" smtClean="0"/>
+            </a:br>
+            <a:r>
+              <a:rPr lang="en-US" dirty="0" smtClean="0"/>
+              <a:t>root: </a:t>
+            </a:r>
+            <a:r>
+              <a:rPr lang="en-US" dirty="0" err="1" smtClean="0"/>
+              <a:t>afnog</a:t>
+            </a:r>
+            <a:endParaRPr lang="en-US" dirty="0" smtClean="0"/>
+          </a:p>
+          <a:p>
+            <a:r>
+              <a:rPr lang="en-US" dirty="0" smtClean="0"/>
+              <a:t>After editing the aliases file, run the command </a:t>
+            </a:r>
+            <a:r>
+              <a:rPr lang="en-US" i="1" dirty="0" smtClean="0"/>
+              <a:t>$</a:t>
+            </a:r>
+            <a:r>
+              <a:rPr lang="en-US" i="1" dirty="0" err="1" smtClean="0"/>
+              <a:t>sudo</a:t>
+            </a:r>
+            <a:r>
+              <a:rPr lang="en-US" i="1" dirty="0" smtClean="0"/>
+              <a:t> </a:t>
+            </a:r>
+            <a:r>
+              <a:rPr lang="en-US" i="1" dirty="0" err="1" smtClean="0"/>
+              <a:t>newaliases</a:t>
+            </a:r>
+            <a:endParaRPr lang="en-US" dirty="0" smtClean="0"/>
+          </a:p>
+          <a:p>
+            <a:pPr marL="457200" lvl="1" indent="0">
+              <a:buNone/>
+            </a:pPr>
             <a:endParaRPr lang="en-US" dirty="0"/>
           </a:p>
         </p:txBody>
@@ -3456,7 +3487,7 @@
     </p:spTree>
     <p:extLst>
       <p:ext uri="{BB962C8B-B14F-4D97-AF65-F5344CB8AC3E}">
-        <p14:creationId xmlns:p14="http://schemas.microsoft.com/office/powerpoint/2010/main" val="1693061265"/>
+        <p14:creationId xmlns:p14="http://schemas.microsoft.com/office/powerpoint/2010/main" val="1122358105"/>
       </p:ext>
     </p:extLst>
   </p:cSld>
@@ -3500,14 +3531,21 @@
             <p:ph type="title"/>
           </p:nvPr>
         </p:nvSpPr>
-        <p:spPr/>
-        <p:txBody>
-          <a:bodyPr/>
+        <p:spPr>
+          <a:xfrm>
+            <a:off x="1981200" y="274639"/>
+            <a:ext cx="8229600" cy="619117"/>
+          </a:xfrm>
+        </p:spPr>
+        <p:txBody>
+          <a:bodyPr>
+            <a:normAutofit fontScale="90000"/>
+          </a:bodyPr>
           <a:lstStyle/>
           <a:p>
             <a:r>
               <a:rPr lang="en-US" b="1" dirty="0" smtClean="0"/>
-              <a:t>Reporting problems</a:t>
+              <a:t>Default reports</a:t>
             </a:r>
             <a:endParaRPr lang="en-US" b="1" dirty="0"/>
           </a:p>
@@ -3523,109 +3561,111 @@
             <p:ph idx="1"/>
           </p:nvPr>
         </p:nvSpPr>
-        <p:spPr/>
+        <p:spPr>
+          <a:xfrm>
+            <a:off x="1868910" y="893756"/>
+            <a:ext cx="8654073" cy="5801565"/>
+          </a:xfrm>
+        </p:spPr>
         <p:txBody>
           <a:bodyPr>
-            <a:normAutofit fontScale="85000" lnSpcReduction="10000"/>
+            <a:normAutofit fontScale="62500" lnSpcReduction="20000"/>
           </a:bodyPr>
           <a:lstStyle/>
           <a:p>
             <a:r>
-              <a:rPr lang="en-US" dirty="0" smtClean="0"/>
-              <a:t>You should set up a postmaster alias in the aliases table that directs mail to a real person</a:t>
-            </a:r>
-          </a:p>
-          <a:p>
-            <a:r>
-              <a:rPr lang="en-US" dirty="0" smtClean="0"/>
-              <a:t>The postmaster address is required to exist, so that people can report mail delivery problems.</a:t>
-            </a:r>
-          </a:p>
-          <a:p>
-            <a:r>
-              <a:rPr lang="en-US" dirty="0" smtClean="0"/>
-              <a:t>While you're updating the </a:t>
-            </a:r>
-            <a:r>
-              <a:rPr lang="en-US" dirty="0" smtClean="0">
-                <a:hlinkClick r:id="rId2"/>
-              </a:rPr>
-              <a:t>aliases(5)</a:t>
-            </a:r>
-            <a:r>
-              <a:rPr lang="en-US" dirty="0" smtClean="0"/>
-              <a:t> table, be sure to direct mail for the super-user to a human person too. </a:t>
-            </a:r>
-            <a:br>
-              <a:rPr lang="en-US" dirty="0" smtClean="0"/>
-            </a:br>
-            <a:r>
-              <a:rPr lang="en-US" dirty="0" smtClean="0"/>
-              <a:t>	/</a:t>
-            </a:r>
-            <a:r>
-              <a:rPr lang="en-US" dirty="0" err="1" smtClean="0"/>
-              <a:t>etc</a:t>
-            </a:r>
-            <a:r>
-              <a:rPr lang="en-US" dirty="0" smtClean="0"/>
-              <a:t>/aliases: </a:t>
-            </a:r>
-            <a:br>
-              <a:rPr lang="en-US" dirty="0" smtClean="0"/>
-            </a:br>
-            <a:r>
-              <a:rPr lang="en-US" dirty="0" smtClean="0"/>
-              <a:t>postmaster: </a:t>
-            </a:r>
-            <a:r>
-              <a:rPr lang="en-US" dirty="0" err="1" smtClean="0"/>
-              <a:t>afnog</a:t>
-            </a:r>
-            <a:r>
-              <a:rPr lang="en-US" dirty="0" smtClean="0"/>
-              <a:t> </a:t>
-            </a:r>
-            <a:br>
-              <a:rPr lang="en-US" dirty="0" smtClean="0"/>
-            </a:br>
-            <a:r>
-              <a:rPr lang="en-US" dirty="0" smtClean="0"/>
-              <a:t>root: </a:t>
-            </a:r>
-            <a:r>
-              <a:rPr lang="en-US" dirty="0" err="1" smtClean="0"/>
-              <a:t>afnog</a:t>
-            </a:r>
-            <a:endParaRPr lang="en-US" dirty="0" smtClean="0"/>
-          </a:p>
-          <a:p>
-            <a:r>
-              <a:rPr lang="en-US" dirty="0" smtClean="0"/>
-              <a:t>After editing the aliases file, run the command </a:t>
-            </a:r>
-            <a:r>
-              <a:rPr lang="en-US" i="1" dirty="0" smtClean="0"/>
-              <a:t>$</a:t>
-            </a:r>
-            <a:r>
-              <a:rPr lang="en-US" i="1" dirty="0" err="1" smtClean="0"/>
-              <a:t>sudo</a:t>
-            </a:r>
-            <a:r>
-              <a:rPr lang="en-US" i="1" dirty="0" smtClean="0"/>
-              <a:t> </a:t>
-            </a:r>
-            <a:r>
-              <a:rPr lang="en-US" i="1" dirty="0" err="1" smtClean="0"/>
-              <a:t>newaliases</a:t>
-            </a:r>
-            <a:endParaRPr lang="en-US" dirty="0" smtClean="0"/>
-          </a:p>
-          <a:p>
-            <a:pPr marL="457200" lvl="1" indent="0">
-              <a:buNone/>
-            </a:pPr>
+              <a:rPr lang="en-US" dirty="0"/>
+              <a:t>b</a:t>
+            </a:r>
+            <a:r>
+              <a:rPr lang="en-US" dirty="0" smtClean="0"/>
+              <a:t>ounce</a:t>
+            </a:r>
+          </a:p>
+          <a:p>
+            <a:pPr lvl="1"/>
+            <a:r>
+              <a:rPr lang="en-US" dirty="0" smtClean="0"/>
+              <a:t> Inform the postmaster of undeliverable mail. Either send the postmaster a copy of undeliverable mail that is returned to the sender, or send a transcript of the SMTP </a:t>
+            </a:r>
+          </a:p>
+          <a:p>
+            <a:r>
+              <a:rPr lang="en-US" dirty="0" smtClean="0"/>
+              <a:t>2bounce </a:t>
+            </a:r>
+          </a:p>
+          <a:p>
+            <a:pPr lvl="1"/>
+            <a:r>
+              <a:rPr lang="en-US" dirty="0" smtClean="0"/>
+              <a:t>When Postfix is unable to return undeliverable mail to the sender, </a:t>
+            </a:r>
+          </a:p>
+          <a:p>
+            <a:r>
+              <a:rPr lang="en-US" dirty="0" smtClean="0"/>
+              <a:t>delay </a:t>
+            </a:r>
+          </a:p>
+          <a:p>
+            <a:pPr lvl="1"/>
+            <a:r>
+              <a:rPr lang="en-US" dirty="0" smtClean="0"/>
+              <a:t>Inform the postmaster of delayed mail. In this case, the postmaster receives message headers only. </a:t>
+            </a:r>
+          </a:p>
+          <a:p>
+            <a:r>
+              <a:rPr lang="en-US" dirty="0" smtClean="0"/>
+              <a:t>policy </a:t>
+            </a:r>
+          </a:p>
+          <a:p>
+            <a:pPr lvl="1"/>
+            <a:r>
+              <a:rPr lang="en-US" dirty="0" smtClean="0"/>
+              <a:t>Inform the postmaster of client requests that were rejected because of (UCE) policy restrictions. The postmaster receives a transcript of the SMTP session.</a:t>
+            </a:r>
+          </a:p>
+          <a:p>
+            <a:r>
+              <a:rPr lang="en-US" dirty="0" smtClean="0"/>
+              <a:t>protocol </a:t>
+            </a:r>
+          </a:p>
+          <a:p>
+            <a:pPr lvl="1"/>
+            <a:r>
+              <a:rPr lang="en-US" dirty="0" smtClean="0"/>
+              <a:t>Inform the postmaster of protocol errors (client or server side) or attempts by a client to execute unimplemented commands. </a:t>
+            </a:r>
+          </a:p>
+          <a:p>
+            <a:r>
+              <a:rPr lang="en-US" dirty="0" smtClean="0"/>
+              <a:t>resource </a:t>
+            </a:r>
+          </a:p>
+          <a:p>
+            <a:pPr lvl="1"/>
+            <a:r>
+              <a:rPr lang="en-US" dirty="0" smtClean="0"/>
+              <a:t>Inform the postmaster of mail not delivered due to resource problems (for example, queue file write errors)</a:t>
+            </a:r>
+          </a:p>
+          <a:p>
+            <a:r>
+              <a:rPr lang="en-US" dirty="0" smtClean="0"/>
+              <a:t>software </a:t>
+            </a:r>
+          </a:p>
+          <a:p>
+            <a:pPr lvl="1"/>
+            <a:r>
+              <a:rPr lang="en-US" dirty="0" smtClean="0"/>
+              <a:t>Inform the postmaster of mail not delivered due to software problems. </a:t>
+            </a:r>
             <a:endParaRPr lang="en-US" dirty="0"/>
           </a:p>
         </p:txBody>
@@ -3633,7 +3673,7 @@
     </p:spTree>
     <p:extLst>
       <p:ext uri="{BB962C8B-B14F-4D97-AF65-F5344CB8AC3E}">
-        <p14:creationId xmlns:p14="http://schemas.microsoft.com/office/powerpoint/2010/main" val="1122358105"/>
+        <p14:creationId xmlns:p14="http://schemas.microsoft.com/office/powerpoint/2010/main" val="2123799134"/>
       </p:ext>
     </p:extLst>
   </p:cSld>
@@ -3677,140 +3717,88 @@
             <p:ph type="title"/>
           </p:nvPr>
         </p:nvSpPr>
+        <p:spPr/>
+        <p:txBody>
+          <a:bodyPr/>
+          <a:lstStyle/>
+          <a:p>
+            <a:r>
+              <a:rPr lang="en-US" b="1" dirty="0" smtClean="0"/>
+              <a:t>Logging</a:t>
+            </a:r>
+            <a:endParaRPr lang="en-US" b="1" dirty="0"/>
+          </a:p>
+        </p:txBody>
+      </p:sp>
+      <p:sp>
+        <p:nvSpPr>
+          <p:cNvPr id="3" name="Content Placeholder 2"/>
+          <p:cNvSpPr>
+            <a:spLocks noGrp="1"/>
+          </p:cNvSpPr>
+          <p:nvPr>
+            <p:ph idx="1"/>
+          </p:nvPr>
+        </p:nvSpPr>
         <p:spPr>
           <a:xfrm>
-            <a:off x="1981200" y="274639"/>
-            <a:ext cx="8229600" cy="619117"/>
+            <a:off x="1981200" y="1312334"/>
+            <a:ext cx="8229600" cy="4813830"/>
           </a:xfrm>
         </p:spPr>
         <p:txBody>
-          <a:bodyPr>
-            <a:normAutofit fontScale="90000"/>
-          </a:bodyPr>
-          <a:lstStyle/>
-          <a:p>
-            <a:r>
-              <a:rPr lang="en-US" b="1" dirty="0" smtClean="0"/>
-              <a:t>Default reports</a:t>
-            </a:r>
-            <a:endParaRPr lang="en-US" b="1" dirty="0"/>
-          </a:p>
-        </p:txBody>
-      </p:sp>
-      <p:sp>
-        <p:nvSpPr>
-          <p:cNvPr id="3" name="Content Placeholder 2"/>
-          <p:cNvSpPr>
-            <a:spLocks noGrp="1"/>
-          </p:cNvSpPr>
-          <p:nvPr>
-            <p:ph idx="1"/>
-          </p:nvPr>
-        </p:nvSpPr>
-        <p:spPr>
-          <a:xfrm>
-            <a:off x="1868910" y="893756"/>
-            <a:ext cx="8654073" cy="5801565"/>
-          </a:xfrm>
-        </p:spPr>
-        <p:txBody>
-          <a:bodyPr>
-            <a:normAutofit fontScale="62500" lnSpcReduction="20000"/>
-          </a:bodyPr>
-          <a:lstStyle/>
-          <a:p>
-            <a:r>
-              <a:rPr lang="en-US" dirty="0"/>
-              <a:t>b</a:t>
-            </a:r>
-            <a:r>
-              <a:rPr lang="en-US" dirty="0" smtClean="0"/>
-              <a:t>ounce</a:t>
-            </a:r>
-          </a:p>
-          <a:p>
-            <a:pPr lvl="1"/>
-            <a:r>
-              <a:rPr lang="en-US" dirty="0" smtClean="0"/>
-              <a:t> Inform the postmaster of undeliverable mail. Either send the postmaster a copy of undeliverable mail that is returned to the sender, or send a transcript of the SMTP </a:t>
-            </a:r>
-          </a:p>
-          <a:p>
-            <a:r>
-              <a:rPr lang="en-US" dirty="0" smtClean="0"/>
-              <a:t>2bounce </a:t>
-            </a:r>
-          </a:p>
-          <a:p>
-            <a:pPr lvl="1"/>
-            <a:r>
-              <a:rPr lang="en-US" dirty="0" smtClean="0"/>
-              <a:t>When Postfix is unable to return undeliverable mail to the sender, </a:t>
-            </a:r>
-          </a:p>
-          <a:p>
-            <a:r>
-              <a:rPr lang="en-US" dirty="0" smtClean="0"/>
-              <a:t>delay </a:t>
-            </a:r>
-          </a:p>
-          <a:p>
-            <a:pPr lvl="1"/>
-            <a:r>
-              <a:rPr lang="en-US" dirty="0" smtClean="0"/>
-              <a:t>Inform the postmaster of delayed mail. In this case, the postmaster receives message headers only. </a:t>
-            </a:r>
-          </a:p>
-          <a:p>
-            <a:r>
-              <a:rPr lang="en-US" dirty="0" smtClean="0"/>
-              <a:t>policy </a:t>
-            </a:r>
-          </a:p>
-          <a:p>
-            <a:pPr lvl="1"/>
-            <a:r>
-              <a:rPr lang="en-US" dirty="0" smtClean="0"/>
-              <a:t>Inform the postmaster of client requests that were rejected because of (UCE) policy restrictions. The postmaster receives a transcript of the SMTP session.</a:t>
-            </a:r>
-          </a:p>
-          <a:p>
-            <a:r>
-              <a:rPr lang="en-US" dirty="0" smtClean="0"/>
-              <a:t>protocol </a:t>
-            </a:r>
-          </a:p>
-          <a:p>
-            <a:pPr lvl="1"/>
-            <a:r>
-              <a:rPr lang="en-US" dirty="0" smtClean="0"/>
-              <a:t>Inform the postmaster of protocol errors (client or server side) or attempts by a client to execute unimplemented commands. </a:t>
-            </a:r>
-          </a:p>
-          <a:p>
-            <a:r>
-              <a:rPr lang="en-US" dirty="0" smtClean="0"/>
-              <a:t>resource </a:t>
-            </a:r>
-          </a:p>
-          <a:p>
-            <a:pPr lvl="1"/>
-            <a:r>
-              <a:rPr lang="en-US" dirty="0" smtClean="0"/>
-              <a:t>Inform the postmaster of mail not delivered due to resource problems (for example, queue file write errors)</a:t>
-            </a:r>
-          </a:p>
-          <a:p>
-            <a:r>
-              <a:rPr lang="en-US" dirty="0" smtClean="0"/>
-              <a:t>software </a:t>
-            </a:r>
-          </a:p>
-          <a:p>
-            <a:pPr lvl="1"/>
-            <a:r>
-              <a:rPr lang="en-US" dirty="0" smtClean="0"/>
-              <a:t>Inform the postmaster of mail not delivered due to software problems. </a:t>
+          <a:bodyPr/>
+          <a:lstStyle/>
+          <a:p>
+            <a:r>
+              <a:rPr lang="en-US" dirty="0" smtClean="0"/>
+              <a:t>Postfix will log all messages to</a:t>
+            </a:r>
+            <a:br>
+              <a:rPr lang="en-US" dirty="0" smtClean="0"/>
+            </a:br>
+            <a:r>
+              <a:rPr lang="en-US" b="1" i="1" dirty="0" smtClean="0"/>
+              <a:t>/</a:t>
+            </a:r>
+            <a:r>
+              <a:rPr lang="en-US" b="1" i="1" dirty="0" err="1" smtClean="0"/>
+              <a:t>var</a:t>
+            </a:r>
+            <a:r>
+              <a:rPr lang="en-US" b="1" i="1" dirty="0" smtClean="0"/>
+              <a:t>/log/</a:t>
+            </a:r>
+            <a:r>
+              <a:rPr lang="en-US" b="1" i="1" dirty="0" err="1" smtClean="0"/>
+              <a:t>mail.log</a:t>
+            </a:r>
+            <a:endParaRPr lang="en-US" b="1" i="1" dirty="0" smtClean="0"/>
+          </a:p>
+          <a:p>
+            <a:r>
+              <a:rPr lang="en-US" dirty="0" smtClean="0"/>
+              <a:t>Done using the </a:t>
+            </a:r>
+            <a:r>
+              <a:rPr lang="en-US" dirty="0" err="1" smtClean="0"/>
+              <a:t>syslogd</a:t>
+            </a:r>
+            <a:r>
+              <a:rPr lang="en-US" dirty="0" smtClean="0"/>
+              <a:t> daemon</a:t>
+            </a:r>
+          </a:p>
+          <a:p>
+            <a:r>
+              <a:rPr lang="en-US" dirty="0" smtClean="0"/>
+              <a:t>All transactions of messages coming in being sent out of the server will be logged</a:t>
+            </a:r>
+          </a:p>
+          <a:p>
+            <a:r>
+              <a:rPr lang="en-US" dirty="0" smtClean="0"/>
+              <a:t>Logs will contain details like hostnames, recipients, time and date, and whether the email was queued or dropped</a:t>
             </a:r>
             <a:endParaRPr lang="en-US" dirty="0"/>
           </a:p>
@@ -3819,7 +3807,7 @@
     </p:spTree>
     <p:extLst>
       <p:ext uri="{BB962C8B-B14F-4D97-AF65-F5344CB8AC3E}">
-        <p14:creationId xmlns:p14="http://schemas.microsoft.com/office/powerpoint/2010/main" val="2123799134"/>
+        <p14:creationId xmlns:p14="http://schemas.microsoft.com/office/powerpoint/2010/main" val="1366348351"/>
       </p:ext>
     </p:extLst>
   </p:cSld>
@@ -3870,7 +3858,11 @@
           <a:p>
             <a:r>
               <a:rPr lang="en-US" b="1" dirty="0" smtClean="0"/>
-              <a:t>Logging</a:t>
+              <a:t>Postfix Daemon process </a:t>
+            </a:r>
+            <a:r>
+              <a:rPr lang="en-US" b="1" dirty="0" err="1" smtClean="0"/>
+              <a:t>chrooted</a:t>
             </a:r>
             <a:endParaRPr lang="en-US" b="1" dirty="0"/>
           </a:p>
@@ -3886,65 +3878,68 @@
             <p:ph idx="1"/>
           </p:nvPr>
         </p:nvSpPr>
-        <p:spPr>
-          <a:xfrm>
-            <a:off x="1981200" y="1312334"/>
-            <a:ext cx="8229600" cy="4813830"/>
-          </a:xfrm>
-        </p:spPr>
-        <p:txBody>
-          <a:bodyPr/>
-          <a:lstStyle/>
-          <a:p>
-            <a:r>
-              <a:rPr lang="en-US" dirty="0" smtClean="0"/>
-              <a:t>Postfix will log all messages to</a:t>
-            </a:r>
-            <a:br>
-              <a:rPr lang="en-US" dirty="0" smtClean="0"/>
-            </a:br>
-            <a:r>
-              <a:rPr lang="en-US" b="1" i="1" dirty="0" smtClean="0"/>
-              <a:t>/</a:t>
-            </a:r>
-            <a:r>
-              <a:rPr lang="en-US" b="1" i="1" dirty="0" err="1" smtClean="0"/>
+        <p:spPr/>
+        <p:txBody>
+          <a:bodyPr>
+            <a:normAutofit/>
+          </a:bodyPr>
+          <a:lstStyle/>
+          <a:p>
+            <a:r>
+              <a:rPr lang="en-US" dirty="0" smtClean="0"/>
+              <a:t>Postfix daemon processes can be configured (via the </a:t>
+            </a:r>
+            <a:r>
+              <a:rPr lang="en-US" dirty="0" smtClean="0">
+                <a:hlinkClick r:id="rId2"/>
+              </a:rPr>
+              <a:t>master.cf</a:t>
+            </a:r>
+            <a:r>
+              <a:rPr lang="en-US" dirty="0" smtClean="0"/>
+              <a:t> file) to run in a </a:t>
+            </a:r>
+            <a:r>
+              <a:rPr lang="en-US" dirty="0" err="1" smtClean="0"/>
+              <a:t>chroot</a:t>
+            </a:r>
+            <a:r>
+              <a:rPr lang="en-US" dirty="0" smtClean="0"/>
+              <a:t> jail</a:t>
+            </a:r>
+          </a:p>
+          <a:p>
+            <a:r>
+              <a:rPr lang="en-US" dirty="0" smtClean="0"/>
+              <a:t>The processes run at a fixed low privilege and with file system access limited to the Postfix queue directories (/</a:t>
+            </a:r>
+            <a:r>
+              <a:rPr lang="en-US" dirty="0" err="1" smtClean="0"/>
               <a:t>var</a:t>
             </a:r>
             <a:r>
-              <a:rPr lang="en-US" b="1" i="1" dirty="0" smtClean="0"/>
-              <a:t>/log/</a:t>
-            </a:r>
-            <a:r>
-              <a:rPr lang="en-US" b="1" i="1" dirty="0" err="1" smtClean="0"/>
-              <a:t>mail.log</a:t>
-            </a:r>
-            <a:endParaRPr lang="en-US" b="1" i="1" dirty="0" smtClean="0"/>
-          </a:p>
-          <a:p>
-            <a:r>
-              <a:rPr lang="en-US" dirty="0" smtClean="0"/>
-              <a:t>Done using the </a:t>
+              <a:rPr lang="en-US" dirty="0" smtClean="0"/>
+              <a:t>/spool/postfix). </a:t>
+            </a:r>
+          </a:p>
+          <a:p>
+            <a:r>
+              <a:rPr lang="en-US" dirty="0" smtClean="0"/>
+              <a:t>This provides a significant barrier against intrusion. </a:t>
+            </a:r>
+          </a:p>
+          <a:p>
+            <a:r>
+              <a:rPr lang="en-US" dirty="0" smtClean="0"/>
+              <a:t>The barrier is not impenetrable (</a:t>
             </a:r>
             <a:r>
               <a:rPr lang="en-US" dirty="0" err="1" smtClean="0"/>
-              <a:t>syslogd</a:t>
-            </a:r>
-            <a:r>
-              <a:rPr lang="en-US" dirty="0" smtClean="0"/>
-              <a:t> daemon</a:t>
-            </a:r>
-          </a:p>
-          <a:p>
-            <a:r>
-              <a:rPr lang="en-US" dirty="0" smtClean="0"/>
-              <a:t>All transactions of messages coming in being sent out of the server will be logged</a:t>
-            </a:r>
-          </a:p>
-          <a:p>
-            <a:r>
-              <a:rPr lang="en-US" dirty="0" smtClean="0"/>
-              <a:t>Logs will contain details like hostnames, recipients, time and date, and whether the email was queued or dropped</a:t>
+              <a:t>chroot</a:t>
+            </a:r>
+            <a:r>
+              <a:rPr lang="en-US" dirty="0" smtClean="0"/>
+              <a:t> limits file system access only)</a:t>
             </a:r>
             <a:endParaRPr lang="en-US" dirty="0"/>
           </a:p>
@@ -3953,7 +3948,7 @@
     </p:spTree>
     <p:extLst>
       <p:ext uri="{BB962C8B-B14F-4D97-AF65-F5344CB8AC3E}">
-        <p14:creationId xmlns:p14="http://schemas.microsoft.com/office/powerpoint/2010/main" val="1366348351"/>
+        <p14:creationId xmlns:p14="http://schemas.microsoft.com/office/powerpoint/2010/main" val="1174097886"/>
       </p:ext>
     </p:extLst>
   </p:cSld>
@@ -4004,11 +3999,7 @@
           <a:p>
             <a:r>
               <a:rPr lang="en-US" b="1" dirty="0" smtClean="0"/>
-              <a:t>Postfix Daemon process </a:t>
-            </a:r>
-            <a:r>
-              <a:rPr lang="en-US" b="1" dirty="0" err="1" smtClean="0"/>
-              <a:t>chrooted</a:t>
+              <a:t>Interfaces and Protocol</a:t>
             </a:r>
             <a:endParaRPr lang="en-US" b="1" dirty="0"/>
           </a:p>
@@ -4033,60 +4024,63 @@
           <a:p>
             <a:r>
               <a:rPr lang="en-US" dirty="0" smtClean="0"/>
-              <a:t>Postfix daemon processes can be configured (via the </a:t>
+              <a:t>The </a:t>
             </a:r>
             <a:r>
               <a:rPr lang="en-US" dirty="0" smtClean="0">
                 <a:hlinkClick r:id="rId2"/>
               </a:rPr>
-              <a:t>master.cf</a:t>
-            </a:r>
-            <a:r>
-              <a:rPr lang="en-US" dirty="0" smtClean="0"/>
-              <a:t> file) to run in a </a:t>
+              <a:t>inet_interfaces</a:t>
+            </a:r>
+            <a:r>
+              <a:rPr lang="en-US" dirty="0" smtClean="0"/>
+              <a:t> parameter specifies all network interface addresses that the Postfix system should listen on</a:t>
+            </a:r>
+          </a:p>
+          <a:p>
+            <a:pPr lvl="1"/>
+            <a:r>
+              <a:rPr lang="en-US" dirty="0" err="1"/>
+              <a:t>i</a:t>
             </a:r>
             <a:r>
               <a:rPr lang="en-US" dirty="0" err="1" smtClean="0"/>
-              <a:t>chroot</a:t>
-            </a:r>
-            <a:r>
-              <a:rPr lang="en-US" dirty="0" smtClean="0"/>
-              <a:t> jail</a:t>
-            </a:r>
-          </a:p>
-          <a:p>
-            <a:r>
-              <a:rPr lang="en-US" dirty="0" smtClean="0"/>
-              <a:t>The processes run at a fixed low privilege and with file system access limited to the Postfix queue directories (/</a:t>
-            </a:r>
-            <a:r>
-              <a:rPr lang="en-US" dirty="0" err="1" smtClean="0"/>
-              <a:t>var</a:t>
-            </a:r>
-            <a:r>
-              <a:rPr lang="en-US" dirty="0" smtClean="0"/>
-              <a:t>/spool/postfix). </a:t>
-            </a:r>
-          </a:p>
-          <a:p>
-            <a:r>
-              <a:rPr lang="en-US" dirty="0" smtClean="0"/>
-              <a:t>This provides a significant barrier against intrusion. </a:t>
-            </a:r>
-          </a:p>
-          <a:p>
-            <a:r>
-              <a:rPr lang="en-US" dirty="0" smtClean="0"/>
-              <a:t>The barrier is not impenetrable (</a:t>
-            </a:r>
-            <a:r>
-              <a:rPr lang="en-US" dirty="0" err="1" smtClean="0"/>
-              <a:t>chroot</a:t>
-            </a:r>
-            <a:r>
-              <a:rPr lang="en-US" dirty="0" smtClean="0"/>
-              <a:t> limits file system access only)</a:t>
-            </a:r>
+              <a:t>net_interfaces</a:t>
+            </a:r>
+            <a:r>
+              <a:rPr lang="en-US" dirty="0" smtClean="0"/>
+              <a:t> = all</a:t>
+            </a:r>
+          </a:p>
+          <a:p>
+            <a:r>
+              <a:rPr lang="en-US" dirty="0" smtClean="0">
+                <a:hlinkClick r:id="rId3"/>
+              </a:rPr>
+              <a:t>inet_protocols</a:t>
+            </a:r>
+            <a:r>
+              <a:rPr lang="en-US" dirty="0" smtClean="0"/>
+              <a:t> parameter specifies which protocols Postfix will attempt to use</a:t>
+            </a:r>
+          </a:p>
+          <a:p>
+            <a:pPr lvl="1"/>
+            <a:r>
+              <a:rPr lang="en-US" dirty="0" smtClean="0">
+                <a:hlinkClick r:id="rId3"/>
+              </a:rPr>
+              <a:t>inet_protocols</a:t>
+            </a:r>
+            <a:r>
+              <a:rPr lang="en-US" dirty="0" smtClean="0"/>
+              <a:t> = ipv4, ipv6 </a:t>
+            </a:r>
+          </a:p>
+          <a:p>
+            <a:endParaRPr lang="en-US" dirty="0" smtClean="0"/>
+          </a:p>
+          <a:p>
             <a:endParaRPr lang="en-US" dirty="0"/>
           </a:p>
         </p:txBody>
@@ -4094,7 +4088,7 @@
     </p:spTree>
     <p:extLst>
       <p:ext uri="{BB962C8B-B14F-4D97-AF65-F5344CB8AC3E}">
-        <p14:creationId xmlns:p14="http://schemas.microsoft.com/office/powerpoint/2010/main" val="1174097886"/>
+        <p14:creationId xmlns:p14="http://schemas.microsoft.com/office/powerpoint/2010/main" val="1983421366"/>
       </p:ext>
     </p:extLst>
   </p:cSld>
@@ -4145,146 +4139,6 @@
           <a:p>
             <a:r>
               <a:rPr lang="en-US" b="1" dirty="0" smtClean="0"/>
-              <a:t>Interfaces and Protocol</a:t>
-            </a:r>
-            <a:endParaRPr lang="en-US" b="1" dirty="0"/>
-          </a:p>
-        </p:txBody>
-      </p:sp>
-      <p:sp>
-        <p:nvSpPr>
-          <p:cNvPr id="3" name="Content Placeholder 2"/>
-          <p:cNvSpPr>
-            <a:spLocks noGrp="1"/>
-          </p:cNvSpPr>
-          <p:nvPr>
-            <p:ph idx="1"/>
-          </p:nvPr>
-        </p:nvSpPr>
-        <p:spPr/>
-        <p:txBody>
-          <a:bodyPr>
-            <a:normAutofit/>
-          </a:bodyPr>
-          <a:lstStyle/>
-          <a:p>
-            <a:r>
-              <a:rPr lang="en-US" dirty="0" smtClean="0"/>
-              <a:t>The </a:t>
-            </a:r>
-            <a:r>
-              <a:rPr lang="en-US" dirty="0" smtClean="0">
-                <a:hlinkClick r:id="rId2"/>
-              </a:rPr>
-              <a:t>inet_interfaces</a:t>
-            </a:r>
-            <a:r>
-              <a:rPr lang="en-US" dirty="0" smtClean="0"/>
-              <a:t> parameter specifies all network interface addresses that the Postfix system should listen on</a:t>
-            </a:r>
-          </a:p>
-          <a:p>
-            <a:pPr lvl="1"/>
-            <a:r>
-              <a:rPr lang="en-US" dirty="0" err="1"/>
-              <a:t>i</a:t>
-            </a:r>
-            <a:r>
-              <a:rPr lang="en-US" dirty="0" err="1" smtClean="0"/>
-              <a:t>net_interfaces</a:t>
-            </a:r>
-            <a:r>
-              <a:rPr lang="en-US" dirty="0" smtClean="0"/>
-              <a:t> = all</a:t>
-            </a:r>
-          </a:p>
-          <a:p>
-            <a:r>
-              <a:rPr lang="en-US" dirty="0" smtClean="0">
-                <a:hlinkClick r:id="rId3"/>
-              </a:rPr>
-              <a:t>inet_protocols</a:t>
-            </a:r>
-            <a:r>
-              <a:rPr lang="en-US" dirty="0" smtClean="0"/>
-              <a:t> parameter specifies which protocols Postfix will attempt to use</a:t>
-            </a:r>
-          </a:p>
-          <a:p>
-            <a:pPr lvl="1"/>
-            <a:r>
-              <a:rPr lang="en-US" dirty="0" smtClean="0">
-                <a:hlinkClick r:id="rId3"/>
-              </a:rPr>
-              <a:t>inet_protocols</a:t>
-            </a:r>
-            <a:r>
-              <a:rPr lang="en-US" dirty="0" smtClean="0"/>
-              <a:t> = ipv4, ipv6 </a:t>
-            </a:r>
-          </a:p>
-          <a:p>
-            <a:endParaRPr lang="en-US" dirty="0" smtClean="0"/>
-          </a:p>
-          <a:p>
-            <a:endParaRPr lang="en-US" dirty="0"/>
-          </a:p>
-        </p:txBody>
-      </p:sp>
-    </p:spTree>
-    <p:extLst>
-      <p:ext uri="{BB962C8B-B14F-4D97-AF65-F5344CB8AC3E}">
-        <p14:creationId xmlns:p14="http://schemas.microsoft.com/office/powerpoint/2010/main" val="1983421366"/>
-      </p:ext>
-    </p:extLst>
-  </p:cSld>
-  <p:clrMapOvr>
-    <a:masterClrMapping/>
-  </p:clrMapOvr>
-  <p:timing>
-    <p:tnLst>
-      <p:par>
-        <p:cTn id="1" dur="indefinite" restart="never" nodeType="tmRoot"/>
-      </p:par>
-    </p:tnLst>
-  </p:timing>
-</p:sld>
-</file>
-
-<file path=ppt/slides/slide18.xml><?xml version="1.0" encoding="utf-8"?>
-<p:sld xmlns:a="http://schemas.openxmlformats.org/drawingml/2006/main" xmlns:r="http://schemas.openxmlformats.org/officeDocument/2006/relationships" xmlns:p="http://schemas.openxmlformats.org/presentationml/2006/main">
-  <p:cSld>
-    <p:spTree>
-      <p:nvGrpSpPr>
-        <p:cNvPr id="1" name=""/>
-        <p:cNvGrpSpPr/>
-        <p:nvPr/>
-      </p:nvGrpSpPr>
-      <p:grpSpPr>
-        <a:xfrm>
-          <a:off x="0" y="0"/>
-          <a:ext cx="0" cy="0"/>
-          <a:chOff x="0" y="0"/>
-          <a:chExt cx="0" cy="0"/>
-        </a:xfrm>
-      </p:grpSpPr>
-      <p:sp>
-        <p:nvSpPr>
-          <p:cNvPr id="2" name="Title 1"/>
-          <p:cNvSpPr>
-            <a:spLocks noGrp="1"/>
-          </p:cNvSpPr>
-          <p:nvPr>
-            <p:ph type="title"/>
-          </p:nvPr>
-        </p:nvSpPr>
-        <p:spPr/>
-        <p:txBody>
-          <a:bodyPr/>
-          <a:lstStyle/>
-          <a:p>
-            <a:r>
-              <a:rPr lang="en-US" b="1" dirty="0" smtClean="0"/>
               <a:t>Starting, stopping and logs</a:t>
             </a:r>
             <a:endParaRPr lang="en-US" b="1" dirty="0"/>
@@ -4500,7 +4354,7 @@
 </p:sld>
 </file>
 
-<file path=ppt/slides/slide19.xml><?xml version="1.0" encoding="utf-8"?>
+<file path=ppt/slides/slide18.xml><?xml version="1.0" encoding="utf-8"?>
 <p:sld xmlns:a="http://schemas.openxmlformats.org/drawingml/2006/main" xmlns:r="http://schemas.openxmlformats.org/officeDocument/2006/relationships" xmlns:p="http://schemas.openxmlformats.org/presentationml/2006/main">
   <p:cSld>
     <p:spTree>
@@ -4659,17 +4513,22 @@
             <a:spLocks noGrp="1"/>
           </p:cNvSpPr>
           <p:nvPr>
-            <p:ph type="ctrTitle"/>
-          </p:nvPr>
-        </p:nvSpPr>
-        <p:spPr/>
+            <p:ph type="title"/>
+          </p:nvPr>
+        </p:nvSpPr>
+        <p:spPr>
+          <a:xfrm>
+            <a:off x="1981200" y="114557"/>
+            <a:ext cx="8229600" cy="1143000"/>
+          </a:xfrm>
+        </p:spPr>
         <p:txBody>
           <a:bodyPr/>
           <a:lstStyle/>
           <a:p>
             <a:r>
               <a:rPr lang="en-US" b="1" dirty="0" smtClean="0"/>
-              <a:t>Postfix Mail Server</a:t>
+              <a:t>What is Postfix?</a:t>
             </a:r>
             <a:endParaRPr lang="en-US" b="1" dirty="0"/>
           </a:p>
@@ -4677,29 +4536,178 @@
       </p:sp>
       <p:sp>
         <p:nvSpPr>
-          <p:cNvPr id="3" name="Subtitle 2"/>
-          <p:cNvSpPr>
-            <a:spLocks noGrp="1"/>
-          </p:cNvSpPr>
-          <p:nvPr>
-            <p:ph type="subTitle" idx="1"/>
-          </p:nvPr>
-        </p:nvSpPr>
-        <p:spPr/>
-        <p:txBody>
-          <a:bodyPr/>
-          <a:lstStyle/>
-          <a:p>
-            <a:r>
-              <a:rPr lang="en-US" dirty="0" smtClean="0"/>
-              <a:t>Kevin Chege</a:t>
-            </a:r>
-          </a:p>
-          <a:p>
-            <a:r>
-              <a:rPr lang="en-US" dirty="0" smtClean="0"/>
-              <a:t>ISOC</a:t>
-            </a:r>
+          <p:cNvPr id="3" name="Content Placeholder 2"/>
+          <p:cNvSpPr>
+            <a:spLocks noGrp="1"/>
+          </p:cNvSpPr>
+          <p:nvPr>
+            <p:ph idx="1"/>
+          </p:nvPr>
+        </p:nvSpPr>
+        <p:spPr>
+          <a:xfrm>
+            <a:off x="1981200" y="1257558"/>
+            <a:ext cx="8229600" cy="5030227"/>
+          </a:xfrm>
+        </p:spPr>
+        <p:txBody>
+          <a:bodyPr>
+            <a:normAutofit fontScale="92500" lnSpcReduction="10000"/>
+          </a:bodyPr>
+          <a:lstStyle/>
+          <a:p>
+            <a:r>
+              <a:rPr lang="en-US" b="1" dirty="0" smtClean="0"/>
+              <a:t>Postfix</a:t>
+            </a:r>
+            <a:r>
+              <a:rPr lang="en-US" dirty="0" smtClean="0"/>
+              <a:t> is a </a:t>
+            </a:r>
+            <a:r>
+              <a:rPr lang="en-US" dirty="0" smtClean="0">
+                <a:hlinkClick r:id="rId2" tooltip="Free software"/>
+              </a:rPr>
+              <a:t>free</a:t>
+            </a:r>
+            <a:r>
+              <a:rPr lang="en-US" dirty="0" smtClean="0"/>
+              <a:t> and </a:t>
+            </a:r>
+            <a:r>
+              <a:rPr lang="en-US" dirty="0" smtClean="0">
+                <a:hlinkClick r:id="rId3" tooltip="Open-source software"/>
+              </a:rPr>
+              <a:t>open-source</a:t>
+            </a:r>
+            <a:r>
+              <a:rPr lang="en-US" dirty="0" smtClean="0"/>
+              <a:t> </a:t>
+            </a:r>
+            <a:r>
+              <a:rPr lang="en-US" dirty="0" smtClean="0">
+                <a:hlinkClick r:id="rId4" tooltip="Mail transfer agent"/>
+              </a:rPr>
+              <a:t>mail transfer agent</a:t>
+            </a:r>
+            <a:r>
+              <a:rPr lang="en-US" dirty="0" smtClean="0"/>
+              <a:t> (MTA) that routes and delivers </a:t>
+            </a:r>
+            <a:r>
+              <a:rPr lang="en-US" dirty="0" smtClean="0">
+                <a:hlinkClick r:id="rId5" tooltip="E-mail"/>
+              </a:rPr>
+              <a:t>electronic mail</a:t>
+            </a:r>
+            <a:r>
+              <a:rPr lang="en-US" dirty="0" smtClean="0"/>
+              <a:t>, intended as an alternative to the widely used </a:t>
+            </a:r>
+            <a:r>
+              <a:rPr lang="en-US" dirty="0" smtClean="0">
+                <a:hlinkClick r:id="rId6" tooltip="Sendmail"/>
+              </a:rPr>
+              <a:t>Sendmail</a:t>
+            </a:r>
+            <a:r>
+              <a:rPr lang="en-US" dirty="0" smtClean="0"/>
+              <a:t> MTA.</a:t>
+            </a:r>
+          </a:p>
+          <a:p>
+            <a:r>
+              <a:rPr lang="en-US" dirty="0" smtClean="0"/>
+              <a:t>Postfix is released under the </a:t>
+            </a:r>
+            <a:r>
+              <a:rPr lang="en-US" dirty="0" smtClean="0">
+                <a:hlinkClick r:id="rId7" tooltip="IBM Public License"/>
+              </a:rPr>
+              <a:t>IBM Public License</a:t>
+            </a:r>
+            <a:r>
+              <a:rPr lang="en-US" dirty="0" smtClean="0"/>
+              <a:t> 1.0 which is a </a:t>
+            </a:r>
+            <a:r>
+              <a:rPr lang="en-US" dirty="0" smtClean="0">
+                <a:hlinkClick r:id="rId8" tooltip="Free software licence"/>
+              </a:rPr>
+              <a:t>free software licence</a:t>
+            </a:r>
+            <a:r>
+              <a:rPr lang="en-US" dirty="0" smtClean="0"/>
+              <a:t>.</a:t>
+            </a:r>
+          </a:p>
+          <a:p>
+            <a:r>
+              <a:rPr lang="en-US" dirty="0" smtClean="0"/>
+              <a:t>Originally written in 1997 by </a:t>
+            </a:r>
+            <a:r>
+              <a:rPr lang="en-US" dirty="0" smtClean="0">
+                <a:hlinkClick r:id="rId9" tooltip="Wietse Venema"/>
+              </a:rPr>
+              <a:t>Wietse Venema</a:t>
+            </a:r>
+            <a:r>
+              <a:rPr lang="en-US" dirty="0" smtClean="0"/>
+              <a:t> at the </a:t>
+            </a:r>
+            <a:r>
+              <a:rPr lang="en-US" dirty="0" smtClean="0">
+                <a:hlinkClick r:id="rId10" tooltip="IBM"/>
+              </a:rPr>
+              <a:t>IBM</a:t>
+            </a:r>
+            <a:r>
+              <a:rPr lang="en-US" dirty="0" smtClean="0"/>
+              <a:t> </a:t>
+            </a:r>
+            <a:r>
+              <a:rPr lang="en-US" dirty="0" smtClean="0">
+                <a:hlinkClick r:id="rId11" tooltip="Thomas J. Watson Research Center"/>
+              </a:rPr>
+              <a:t>Thomas J. Watson Research Center</a:t>
+            </a:r>
+            <a:r>
+              <a:rPr lang="en-US" dirty="0" smtClean="0"/>
+              <a:t> and first released in December 1998, Postfix continues as of 2014 to be actively developed by its creator and other contributors. The software is also known by its former names </a:t>
+            </a:r>
+            <a:r>
+              <a:rPr lang="en-US" b="1" dirty="0" err="1" smtClean="0"/>
+              <a:t>VMailer</a:t>
+            </a:r>
+            <a:r>
+              <a:rPr lang="en-US" dirty="0" smtClean="0"/>
+              <a:t> and </a:t>
+            </a:r>
+            <a:r>
+              <a:rPr lang="en-US" b="1" dirty="0" smtClean="0"/>
+              <a:t>IBM Secure Mailer</a:t>
+            </a:r>
+            <a:r>
+              <a:rPr lang="en-US" dirty="0" smtClean="0"/>
+              <a:t>.</a:t>
+            </a:r>
+          </a:p>
+          <a:p>
+            <a:r>
+              <a:rPr lang="en-US" dirty="0" smtClean="0"/>
+              <a:t>In January 2013 in a study performed by E-Soft, Inc.</a:t>
+            </a:r>
+            <a:r>
+              <a:rPr lang="en-US" dirty="0"/>
+              <a:t> </a:t>
+            </a:r>
+            <a:r>
+              <a:rPr lang="en-US" dirty="0" smtClean="0"/>
+              <a:t>found that approximately 25% of the publicly reachable mail-servers on the Internet ran Postfix.</a:t>
+            </a:r>
+          </a:p>
+          <a:p>
             <a:endParaRPr lang="en-US" dirty="0"/>
           </a:p>
         </p:txBody>
@@ -4707,7 +4715,7 @@
     </p:spTree>
     <p:extLst>
       <p:ext uri="{BB962C8B-B14F-4D97-AF65-F5344CB8AC3E}">
-        <p14:creationId xmlns:p14="http://schemas.microsoft.com/office/powerpoint/2010/main" val="1913290876"/>
+        <p14:creationId xmlns:p14="http://schemas.microsoft.com/office/powerpoint/2010/main" val="1940339421"/>
       </p:ext>
     </p:extLst>
   </p:cSld>
@@ -4751,59 +4759,85 @@
             <p:ph type="title"/>
           </p:nvPr>
         </p:nvSpPr>
-        <p:spPr>
-          <a:xfrm>
-            <a:off x="1981200" y="114557"/>
-            <a:ext cx="8229600" cy="1143000"/>
-          </a:xfrm>
-        </p:spPr>
-        <p:txBody>
-          <a:bodyPr/>
-          <a:lstStyle/>
-          <a:p>
-            <a:r>
-              <a:rPr lang="en-US" b="1" dirty="0" smtClean="0"/>
-              <a:t>What is Postfix?</a:t>
-            </a:r>
-            <a:endParaRPr lang="en-US" b="1" dirty="0"/>
-          </a:p>
-        </p:txBody>
-      </p:sp>
-      <p:sp>
-        <p:nvSpPr>
-          <p:cNvPr id="3" name="Content Placeholder 2"/>
-          <p:cNvSpPr>
-            <a:spLocks noGrp="1"/>
-          </p:cNvSpPr>
-          <p:nvPr>
-            <p:ph idx="1"/>
-          </p:nvPr>
-        </p:nvSpPr>
-        <p:spPr>
-          <a:xfrm>
-            <a:off x="1981200" y="1257558"/>
-            <a:ext cx="8229600" cy="5030227"/>
-          </a:xfrm>
-        </p:spPr>
-        <p:txBody>
-          <a:bodyPr>
-            <a:normAutofit fontScale="92500" lnSpcReduction="10000"/>
-          </a:bodyPr>
+        <p:spPr/>
+        <p:txBody>
+          <a:bodyPr/>
           <a:lstStyle/>
           <a:p>
             <a:r>
               <a:rPr lang="en-US" b="1" dirty="0" smtClean="0"/>
               <a:t>Postfix</a:t>
             </a:r>
-            <a:r>
-              <a:rPr lang="en-US" dirty="0" smtClean="0"/>
-              <a:t> is a </a:t>
+            <a:endParaRPr lang="en-US" b="1" dirty="0"/>
+          </a:p>
+        </p:txBody>
+      </p:sp>
+      <p:sp>
+        <p:nvSpPr>
+          <p:cNvPr id="3" name="Content Placeholder 2"/>
+          <p:cNvSpPr>
+            <a:spLocks noGrp="1"/>
+          </p:cNvSpPr>
+          <p:nvPr>
+            <p:ph idx="1"/>
+          </p:nvPr>
+        </p:nvSpPr>
+        <p:spPr/>
+        <p:txBody>
+          <a:bodyPr>
+            <a:normAutofit/>
+          </a:bodyPr>
+          <a:lstStyle/>
+          <a:p>
+            <a:r>
+              <a:rPr lang="en-US" dirty="0" smtClean="0"/>
+              <a:t>Works on UNIX-like systems including AIX, BSD, HP-UX, Linux, </a:t>
+            </a:r>
+            <a:r>
+              <a:rPr lang="en-US" dirty="0" err="1" smtClean="0"/>
+              <a:t>MacOS</a:t>
+            </a:r>
+            <a:r>
+              <a:rPr lang="en-US" dirty="0" smtClean="0"/>
+              <a:t> X, Solaris, and more.</a:t>
+            </a:r>
+          </a:p>
+          <a:p>
+            <a:r>
+              <a:rPr lang="en-US" dirty="0" smtClean="0"/>
+              <a:t>It is the default </a:t>
             </a:r>
             <a:r>
               <a:rPr lang="en-US" dirty="0" smtClean="0">
-                <a:hlinkClick r:id="rId2" tooltip="Free software"/>
+                <a:hlinkClick r:id="rId2" tooltip="Message transfer agent"/>
               </a:rPr>
-              <a:t>free</a:t>
+              <a:t>MTA</a:t>
+            </a:r>
+            <a:r>
+              <a:rPr lang="en-US" dirty="0" smtClean="0"/>
+              <a:t> for the </a:t>
+            </a:r>
+            <a:r>
+              <a:rPr lang="en-US" dirty="0" smtClean="0">
+                <a:hlinkClick r:id="rId3" tooltip="OS X"/>
+              </a:rPr>
+              <a:t>OS X</a:t>
+            </a:r>
+            <a:r>
+              <a:rPr lang="en-US" dirty="0" smtClean="0"/>
+              <a:t>, </a:t>
+            </a:r>
+            <a:r>
+              <a:rPr lang="en-US" dirty="0" smtClean="0">
+                <a:hlinkClick r:id="rId4" tooltip="NetBSD"/>
+              </a:rPr>
+              <a:t>NetBSD</a:t>
+            </a:r>
+            <a:r>
+              <a:rPr lang="en-US" baseline="30000" dirty="0" smtClean="0">
+                <a:hlinkClick r:id="rId5"/>
+              </a:rPr>
+              <a:t>[3]</a:t>
             </a:r>
             <a:r>
               <a:rPr lang="en-US" dirty="0" smtClean="0"/>
@@ -4811,138 +4845,26 @@
             </a:r>
             <a:r>
               <a:rPr lang="en-US" dirty="0" smtClean="0">
-                <a:hlinkClick r:id="rId3" tooltip="Open-source software"/>
+                <a:hlinkClick r:id="rId6" tooltip="Ubuntu (operating system)"/>
               </a:rPr>
-              <a:t>open-source</a:t>
-            </a:r>
-            <a:r>
-              <a:rPr lang="en-US" dirty="0" smtClean="0"/>
-              <a:t> </a:t>
-            </a:r>
-            <a:r>
-              <a:rPr lang="en-US" dirty="0" smtClean="0">
-                <a:hlinkClick r:id="rId4" tooltip="Mail transfer agent"/>
-              </a:rPr>
-              <a:t>mail transfer agent</a:t>
-            </a:r>
-            <a:r>
-              <a:rPr lang="en-US" dirty="0" smtClean="0"/>
-              <a:t> (MTA) that routes and delivers </a:t>
-            </a:r>
-            <a:r>
-              <a:rPr lang="en-US" dirty="0" smtClean="0">
-                <a:hlinkClick r:id="rId5" tooltip="E-mail"/>
-              </a:rPr>
-              <a:t>electronic mail</a:t>
-            </a:r>
-            <a:r>
-              <a:rPr lang="en-US" dirty="0" smtClean="0"/>
-              <a:t>, intended as an alternative to the widely used </a:t>
-            </a:r>
-            <a:r>
-              <a:rPr lang="en-US" dirty="0" smtClean="0">
-                <a:hlinkClick r:id="rId6" tooltip="Sendmail"/>
-              </a:rPr>
-              <a:t>Sendmail</a:t>
-            </a:r>
-            <a:r>
-              <a:rPr lang="en-US" dirty="0" smtClean="0"/>
-              <a:t> MTA.</a:t>
-            </a:r>
-          </a:p>
-          <a:p>
-            <a:r>
-              <a:rPr lang="en-US" dirty="0" smtClean="0"/>
-              <a:t>Postfix is released under the </a:t>
-            </a:r>
-            <a:r>
-              <a:rPr lang="en-US" dirty="0" smtClean="0">
-                <a:hlinkClick r:id="rId7" tooltip="IBM Public License"/>
-              </a:rPr>
-              <a:t>IBM Public License</a:t>
-            </a:r>
-            <a:r>
-              <a:rPr lang="en-US" dirty="0" smtClean="0"/>
-              <a:t> 1.0 which is a </a:t>
-            </a:r>
-            <a:r>
-              <a:rPr lang="en-US" dirty="0" smtClean="0">
-                <a:hlinkClick r:id="rId8" tooltip="Free software licence"/>
-              </a:rPr>
-              <a:t>free software licence</a:t>
-            </a:r>
-            <a:r>
-              <a:rPr lang="en-US" dirty="0" smtClean="0"/>
-              <a:t>.</a:t>
-            </a:r>
-          </a:p>
-          <a:p>
-            <a:r>
-              <a:rPr lang="en-US" dirty="0" smtClean="0"/>
-              <a:t>Originally written in 1997 by </a:t>
-            </a:r>
-            <a:r>
-              <a:rPr lang="en-US" dirty="0" smtClean="0">
-                <a:hlinkClick r:id="rId9" tooltip="Wietse Venema"/>
-              </a:rPr>
-              <a:t>Wietse Venema</a:t>
-            </a:r>
-            <a:r>
-              <a:rPr lang="en-US" dirty="0" smtClean="0"/>
-              <a:t> at the </a:t>
-            </a:r>
-            <a:r>
-              <a:rPr lang="en-US" dirty="0" smtClean="0">
-                <a:hlinkClick r:id="rId10" tooltip="IBM"/>
-              </a:rPr>
-              <a:t>IBM</a:t>
-            </a:r>
-            <a:r>
-              <a:rPr lang="en-US" dirty="0" smtClean="0"/>
-              <a:t> </a:t>
-            </a:r>
-            <a:r>
-              <a:rPr lang="en-US" dirty="0" smtClean="0">
-                <a:hlinkClick r:id="rId11" tooltip="Thomas J. Watson Research Center"/>
-              </a:rPr>
-              <a:t>Thomas J. Watson Research Center</a:t>
-            </a:r>
-            <a:r>
-              <a:rPr lang="en-US" dirty="0" smtClean="0"/>
-              <a:t> and first released in December 1998, Postfix continues as of 2014 to be actively developed by its creator and other contributors. The software is also known by its former names </a:t>
-            </a:r>
-            <a:r>
-              <a:rPr lang="en-US" b="1" dirty="0" err="1" smtClean="0"/>
-              <a:t>VMailer</a:t>
-            </a:r>
-            <a:r>
-              <a:rPr lang="en-US" dirty="0" smtClean="0"/>
-              <a:t> and </a:t>
-            </a:r>
-            <a:r>
-              <a:rPr lang="en-US" b="1" dirty="0" smtClean="0"/>
-              <a:t>IBM Secure Mailer</a:t>
-            </a:r>
-            <a:r>
-              <a:rPr lang="en-US" dirty="0" smtClean="0"/>
-              <a:t>.</a:t>
-            </a:r>
-          </a:p>
-          <a:p>
-            <a:r>
-              <a:rPr lang="en-US" dirty="0" smtClean="0"/>
-              <a:t>In January 2013 in a study performed by E-Soft, Inc.</a:t>
-            </a:r>
-            <a:r>
-              <a:rPr lang="en-US" dirty="0"/>
-              <a:t> </a:t>
-            </a:r>
-            <a:r>
-              <a:rPr lang="en-US" dirty="0" smtClean="0"/>
-              <a:t>found that approximately 25% of the publicly reachable mail-servers on the Internet ran Postfix.</a:t>
-            </a:r>
-          </a:p>
-          <a:p>
+              <a:t>Ubuntu</a:t>
+            </a:r>
+            <a:r>
+              <a:rPr lang="en-US" dirty="0" smtClean="0"/>
+              <a:t> operating systems</a:t>
+            </a:r>
+          </a:p>
+          <a:p>
+            <a:r>
+              <a:rPr lang="en-US" dirty="0" smtClean="0"/>
+              <a:t>Used by: AOL, Apple Server, Stanford University, United States Navy, NASA, Rackspace, many ISPs</a:t>
+            </a:r>
+          </a:p>
+          <a:p>
+            <a:r>
+              <a:rPr lang="en-US" dirty="0" smtClean="0"/>
+              <a:t>Able to process thousands </a:t>
+            </a:r>
             <a:endParaRPr lang="en-US" dirty="0"/>
           </a:p>
         </p:txBody>
@@ -4950,7 +4872,7 @@
     </p:spTree>
     <p:extLst>
       <p:ext uri="{BB962C8B-B14F-4D97-AF65-F5344CB8AC3E}">
-        <p14:creationId xmlns:p14="http://schemas.microsoft.com/office/powerpoint/2010/main" val="1940339421"/>
+        <p14:creationId xmlns:p14="http://schemas.microsoft.com/office/powerpoint/2010/main" val="1745469052"/>
       </p:ext>
     </p:extLst>
   </p:cSld>
@@ -4994,30 +4916,12 @@
             <p:ph type="title"/>
           </p:nvPr>
         </p:nvSpPr>
-        <p:spPr/>
-        <p:txBody>
-          <a:bodyPr/>
-          <a:lstStyle/>
-          <a:p>
-            <a:r>
-              <a:rPr lang="en-US" b="1" dirty="0" smtClean="0"/>
-              <a:t>Postfix</a:t>
-            </a:r>
-            <a:endParaRPr lang="en-US" b="1" dirty="0"/>
-          </a:p>
-        </p:txBody>
-      </p:sp>
-      <p:sp>
-        <p:nvSpPr>
-          <p:cNvPr id="3" name="Content Placeholder 2"/>
-          <p:cNvSpPr>
-            <a:spLocks noGrp="1"/>
-          </p:cNvSpPr>
-          <p:nvPr>
-            <p:ph idx="1"/>
-          </p:nvPr>
-        </p:nvSpPr>
-        <p:spPr/>
+        <p:spPr>
+          <a:xfrm>
+            <a:off x="1981200" y="52716"/>
+            <a:ext cx="8229600" cy="1143000"/>
+          </a:xfrm>
+        </p:spPr>
         <p:txBody>
           <a:bodyPr>
             <a:normAutofit/>
@@ -5025,81 +4929,212 @@
           <a:lstStyle/>
           <a:p>
             <a:r>
-              <a:rPr lang="en-US" dirty="0" smtClean="0"/>
-              <a:t>Works on UNIX-like systems including AIX, BSD, HP-UX, Linux, </a:t>
+              <a:rPr lang="en-US" b="1" dirty="0" smtClean="0"/>
+              <a:t>Some Key Features</a:t>
+            </a:r>
+            <a:endParaRPr lang="en-US" b="1" dirty="0"/>
+          </a:p>
+        </p:txBody>
+      </p:sp>
+      <p:sp>
+        <p:nvSpPr>
+          <p:cNvPr id="3" name="Content Placeholder 2"/>
+          <p:cNvSpPr>
+            <a:spLocks noGrp="1"/>
+          </p:cNvSpPr>
+          <p:nvPr>
+            <p:ph idx="1"/>
+          </p:nvPr>
+        </p:nvSpPr>
+        <p:spPr>
+          <a:xfrm>
+            <a:off x="1981200" y="1245229"/>
+            <a:ext cx="8229600" cy="4880935"/>
+          </a:xfrm>
+        </p:spPr>
+        <p:txBody>
+          <a:bodyPr>
+            <a:normAutofit fontScale="92500"/>
+          </a:bodyPr>
+          <a:lstStyle/>
+          <a:p>
+            <a:r>
+              <a:rPr lang="en-US" dirty="0" smtClean="0"/>
+              <a:t>SASL authentication Simple </a:t>
             </a:r>
             <a:r>
               <a:rPr lang="en-US" dirty="0" err="1" smtClean="0"/>
-              <a:t>MacOS</a:t>
-            </a:r>
-            <a:r>
-              <a:rPr lang="en-US" dirty="0" smtClean="0"/>
-              <a:t> X, Solaris, and more.</a:t>
-            </a:r>
-          </a:p>
-          <a:p>
-            <a:r>
-              <a:rPr lang="en-US" dirty="0" smtClean="0"/>
-              <a:t>It is the default </a:t>
-            </a:r>
-            <a:r>
-              <a:rPr lang="en-US" dirty="0" smtClean="0">
-                <a:hlinkClick r:id="rId2" tooltip="Message transfer agent"/>
+              <a:t>Auth</a:t>
+            </a:r>
+            <a:r>
+              <a:rPr lang="en-US" dirty="0" smtClean="0"/>
+              <a:t> Security Layer</a:t>
+            </a:r>
+          </a:p>
+          <a:p>
+            <a:r>
+              <a:rPr lang="en-US" dirty="0" smtClean="0"/>
+              <a:t>Mail forwarding or delivery</a:t>
+            </a:r>
+          </a:p>
+          <a:p>
+            <a:r>
+              <a:rPr lang="en-US" dirty="0"/>
+              <a:t>"Virtual" domains with distinct address-</a:t>
+            </a:r>
+            <a:r>
+              <a:rPr lang="en-US" dirty="0" smtClean="0"/>
+              <a:t>namespaces</a:t>
+            </a:r>
+          </a:p>
+          <a:p>
+            <a:r>
+              <a:rPr lang="en-US" dirty="0"/>
+              <a:t>A large number of database lookup mechanisms including </a:t>
+            </a:r>
+            <a:r>
+              <a:rPr lang="en-US" dirty="0">
+                <a:hlinkClick r:id="rId2" tooltip="Berkeley DB"/>
               </a:rPr>
-              <a:t>MTA</a:t>
-            </a:r>
-            <a:r>
-              <a:rPr lang="en-US" dirty="0" smtClean="0"/>
-              <a:t> for the </a:t>
-            </a:r>
-            <a:r>
-              <a:rPr lang="en-US" dirty="0" smtClean="0">
-                <a:hlinkClick r:id="rId3" tooltip="OS X"/>
+              <a:t>Berkeley DB</a:t>
+            </a:r>
+            <a:r>
+              <a:rPr lang="en-US" dirty="0"/>
+              <a:t>, </a:t>
+            </a:r>
+            <a:r>
+              <a:rPr lang="en-US" dirty="0">
+                <a:hlinkClick r:id="rId3" tooltip="Cdb (software)"/>
               </a:rPr>
-              <a:t>OS X</a:t>
-            </a:r>
-            <a:r>
-              <a:rPr lang="en-US" dirty="0" smtClean="0"/>
+              <a:t>CDB</a:t>
+            </a:r>
+            <a:r>
+              <a:rPr lang="en-US" dirty="0"/>
               <a:t>, </a:t>
             </a:r>
             <a:r>
-              <a:rPr lang="en-US" dirty="0" smtClean="0">
-                <a:hlinkClick r:id="rId4" tooltip="NetBSD"/>
+              <a:rPr lang="en-US" dirty="0">
+                <a:hlinkClick r:id="rId4" tooltip="OpenLDAP"/>
               </a:rPr>
-              <a:t>NetBSD</a:t>
-            </a:r>
-            <a:r>
-              <a:rPr lang="en-US" baseline="30000" dirty="0" smtClean="0">
-                <a:hlinkClick r:id="rId5"/>
+              <a:t>OpenLDAP LMDB</a:t>
+            </a:r>
+            <a:r>
+              <a:rPr lang="en-US" dirty="0"/>
+              <a:t>, </a:t>
+            </a:r>
+            <a:r>
+              <a:rPr lang="en-US" dirty="0">
+                <a:hlinkClick r:id="rId5" tooltip="Memcached"/>
               </a:rPr>
-              <a:t>[3]</a:t>
-            </a:r>
-            <a:r>
-              <a:rPr lang="en-US" dirty="0" smtClean="0"/>
-              <a:t> and </a:t>
-            </a:r>
-            <a:r>
-              <a:rPr lang="en-US" dirty="0" smtClean="0">
-                <a:hlinkClick r:id="rId6" tooltip="Ubuntu (operating system)"/>
+              <a:t>Memcached</a:t>
+            </a:r>
+            <a:r>
+              <a:rPr lang="en-US" dirty="0"/>
+              <a:t>, </a:t>
+            </a:r>
+            <a:r>
+              <a:rPr lang="en-US" dirty="0">
+                <a:hlinkClick r:id="rId6" tooltip="Lightweight Directory Access Protocol"/>
               </a:rPr>
-              <a:t>Ubuntu</a:t>
-            </a:r>
-            <a:r>
-              <a:rPr lang="en-US" dirty="0" smtClean="0"/>
-              <a:t> operating systems</a:t>
-            </a:r>
-          </a:p>
-          <a:p>
-            <a:r>
-              <a:rPr lang="en-US" dirty="0" smtClean="0"/>
-              <a:t>Used by: AOL, Apple Server, Stanford University, United States Navy, NASA, Rackspace, many ISPs</a:t>
-            </a:r>
-          </a:p>
-          <a:p>
-            <a:r>
-              <a:rPr lang="en-US" dirty="0" smtClean="0"/>
-              <a:t>Able to process thousands </a:t>
-            </a:r>
+              <a:t>LDAP</a:t>
+            </a:r>
+            <a:r>
+              <a:rPr lang="en-US" dirty="0"/>
+              <a:t> and multiple </a:t>
+            </a:r>
+            <a:r>
+              <a:rPr lang="en-US" dirty="0">
+                <a:hlinkClick r:id="rId7" tooltip="SQL"/>
+              </a:rPr>
+              <a:t>SQL</a:t>
+            </a:r>
+            <a:r>
+              <a:rPr lang="en-US" dirty="0"/>
+              <a:t> database </a:t>
+            </a:r>
+            <a:r>
+              <a:rPr lang="en-US" dirty="0" smtClean="0"/>
+              <a:t>implementations</a:t>
+            </a:r>
+          </a:p>
+          <a:p>
+            <a:r>
+              <a:rPr lang="en-US" dirty="0" smtClean="0"/>
+              <a:t>Extended </a:t>
+            </a:r>
+            <a:endParaRPr lang="en-US" dirty="0"/>
+          </a:p>
+          <a:p>
+            <a:pPr lvl="1"/>
+            <a:r>
+              <a:rPr lang="en-US" dirty="0">
+                <a:hlinkClick r:id="rId8" tooltip="Deep content inspection"/>
+              </a:rPr>
+              <a:t>Deep content inspection</a:t>
+            </a:r>
+            <a:r>
+              <a:rPr lang="en-US" dirty="0"/>
+              <a:t> before or after a message is accepted into the mail queue;</a:t>
+            </a:r>
+          </a:p>
+          <a:p>
+            <a:pPr lvl="1"/>
+            <a:r>
+              <a:rPr lang="en-US" dirty="0"/>
+              <a:t>Mail authentication with </a:t>
+            </a:r>
+            <a:r>
+              <a:rPr lang="en-US" dirty="0">
+                <a:hlinkClick r:id="rId9" tooltip="DomainKeys Identified Mail"/>
+              </a:rPr>
+              <a:t>DKIM</a:t>
+            </a:r>
+            <a:r>
+              <a:rPr lang="en-US" dirty="0"/>
+              <a:t>, </a:t>
+            </a:r>
+            <a:r>
+              <a:rPr lang="en-US" dirty="0">
+                <a:hlinkClick r:id="rId10" tooltip="Sender Policy Framework"/>
+              </a:rPr>
+              <a:t>SPF</a:t>
+            </a:r>
+            <a:r>
+              <a:rPr lang="en-US" dirty="0"/>
+              <a:t>, or other protocols;</a:t>
+            </a:r>
+          </a:p>
+          <a:p>
+            <a:pPr lvl="1"/>
+            <a:r>
+              <a:rPr lang="en-US" dirty="0">
+                <a:hlinkClick r:id="rId11" tooltip="Simple Mail Transfer Protocol"/>
+              </a:rPr>
+              <a:t>SMTP</a:t>
+            </a:r>
+            <a:r>
+              <a:rPr lang="en-US" dirty="0"/>
+              <a:t>-level access policies such as </a:t>
+            </a:r>
+            <a:r>
+              <a:rPr lang="en-US" dirty="0">
+                <a:hlinkClick r:id="rId12" tooltip="Greylisting"/>
+              </a:rPr>
+              <a:t>greylisting</a:t>
+            </a:r>
+            <a:r>
+              <a:rPr lang="en-US" dirty="0"/>
+              <a:t> or rate control.</a:t>
+            </a:r>
+          </a:p>
+          <a:p>
+            <a:pPr lvl="1"/>
+            <a:endParaRPr lang="en-US" dirty="0" smtClean="0"/>
+          </a:p>
+          <a:p>
+            <a:endParaRPr lang="en-US" dirty="0" smtClean="0"/>
+          </a:p>
+          <a:p>
             <a:endParaRPr lang="en-US" dirty="0"/>
           </a:p>
         </p:txBody>
@@ -5107,7 +5142,7 @@
     </p:spTree>
     <p:extLst>
       <p:ext uri="{BB962C8B-B14F-4D97-AF65-F5344CB8AC3E}">
-        <p14:creationId xmlns:p14="http://schemas.microsoft.com/office/powerpoint/2010/main" val="1745469052"/>
+        <p14:creationId xmlns:p14="http://schemas.microsoft.com/office/powerpoint/2010/main" val="1471738944"/>
       </p:ext>
     </p:extLst>
   </p:cSld>
@@ -5151,21 +5186,18 @@
             <p:ph type="title"/>
           </p:nvPr>
         </p:nvSpPr>
-        <p:spPr>
-          <a:xfrm>
-            <a:off x="1981200" y="52716"/>
-            <a:ext cx="8229600" cy="1143000"/>
-          </a:xfrm>
-        </p:spPr>
-        <p:txBody>
-          <a:bodyPr>
-            <a:normAutofit/>
-          </a:bodyPr>
+        <p:spPr/>
+        <p:txBody>
+          <a:bodyPr/>
           <a:lstStyle/>
           <a:p>
             <a:r>
               <a:rPr lang="en-US" b="1" dirty="0" smtClean="0"/>
-              <a:t>Some Key Features</a:t>
+              <a:t>Postfix on </a:t>
+            </a:r>
+            <a:r>
+              <a:rPr lang="en-US" b="1" dirty="0" err="1" smtClean="0"/>
+              <a:t>Debian</a:t>
             </a:r>
             <a:endParaRPr lang="en-US" b="1" dirty="0"/>
           </a:p>
@@ -5181,195 +5213,76 @@
             <p:ph idx="1"/>
           </p:nvPr>
         </p:nvSpPr>
-        <p:spPr>
-          <a:xfrm>
-            <a:off x="1981200" y="1245229"/>
-            <a:ext cx="8229600" cy="4880935"/>
-          </a:xfrm>
-        </p:spPr>
-        <p:txBody>
-          <a:bodyPr>
-            <a:normAutofit fontScale="85000" lnSpcReduction="20000"/>
-          </a:bodyPr>
-          <a:lstStyle/>
-          <a:p>
-            <a:r>
-              <a:rPr lang="en-US" dirty="0" smtClean="0"/>
-              <a:t>SASL authentication Simple </a:t>
-            </a:r>
+        <p:spPr/>
+        <p:txBody>
+          <a:bodyPr/>
+          <a:lstStyle/>
+          <a:p>
+            <a:r>
+              <a:rPr lang="en-US" dirty="0" smtClean="0"/>
+              <a:t>Installed via: </a:t>
+            </a:r>
+            <a:r>
+              <a:rPr lang="en-US" b="1" dirty="0" smtClean="0"/>
+              <a:t>$</a:t>
+            </a:r>
+            <a:r>
+              <a:rPr lang="en-US" b="1" dirty="0" err="1" smtClean="0"/>
+              <a:t>sudo</a:t>
+            </a:r>
+            <a:r>
+              <a:rPr lang="en-US" b="1" dirty="0" smtClean="0"/>
+              <a:t> apt-get install postfix</a:t>
+            </a:r>
+          </a:p>
+          <a:p>
+            <a:r>
+              <a:rPr lang="en-US" dirty="0" smtClean="0"/>
+              <a:t>Directories:</a:t>
+            </a:r>
+            <a:br>
+              <a:rPr lang="en-US" dirty="0" smtClean="0"/>
+            </a:br>
+            <a:r>
+              <a:rPr lang="en-US" b="1" dirty="0" smtClean="0"/>
+              <a:t>/</a:t>
+            </a:r>
+            <a:r>
+              <a:rPr lang="en-US" b="1" dirty="0" err="1" smtClean="0"/>
+              <a:t>etc</a:t>
+            </a:r>
+            <a:r>
+              <a:rPr lang="en-US" b="1" dirty="0" smtClean="0"/>
+              <a:t>/postfix</a:t>
+            </a:r>
+          </a:p>
+          <a:p>
+            <a:r>
+              <a:rPr lang="en-US" dirty="0" smtClean="0"/>
+              <a:t>Configuration files</a:t>
+            </a:r>
+          </a:p>
+          <a:p>
+            <a:pPr lvl="1"/>
             <a:r>
               <a:rPr lang="en-US" dirty="0" err="1" smtClean="0"/>
-              <a:t>Auth</a:t>
-            </a:r>
-            <a:r>
-              <a:rPr lang="en-US" dirty="0" smtClean="0"/>
-              <a:t> Security Layer</a:t>
-            </a:r>
-          </a:p>
-          <a:p>
-            <a:r>
-              <a:rPr lang="en-US" dirty="0" smtClean="0"/>
-              <a:t>Mail forwarding or delivery</a:t>
-            </a:r>
-          </a:p>
-          <a:p>
-            <a:r>
-              <a:rPr lang="en-US" dirty="0"/>
-              <a:t>"Virtual" domains with distinct address-</a:t>
-            </a:r>
-            <a:r>
-              <a:rPr lang="en-US" dirty="0" smtClean="0"/>
-              <a:t>namespaces</a:t>
-            </a:r>
-          </a:p>
-          <a:p>
-            <a:r>
-              <a:rPr lang="en-US" dirty="0"/>
-              <a:t>A large number of database lookup mechanisms including </a:t>
-            </a:r>
-            <a:r>
-              <a:rPr lang="en-US" dirty="0">
-                <a:hlinkClick r:id="rId2" tooltip="Berkeley DB"/>
-              </a:rPr>
-              <a:t>Berkeley DB</a:t>
-            </a:r>
-            <a:r>
-              <a:rPr lang="en-US" dirty="0"/>
-              <a:t>, </a:t>
-            </a:r>
-            <a:r>
-              <a:rPr lang="en-US" dirty="0">
-                <a:hlinkClick r:id="rId3" tooltip="Cdb (software)"/>
-              </a:rPr>
-              <a:t>CDB</a:t>
-            </a:r>
-            <a:r>
-              <a:rPr lang="en-US" dirty="0"/>
-              <a:t>, </a:t>
-            </a:r>
-            <a:r>
-              <a:rPr lang="en-US" dirty="0">
-                <a:hlinkClick r:id="rId4" tooltip="OpenLDAP"/>
-              </a:rPr>
-              <a:t>OpenLDAP LMDB</a:t>
-            </a:r>
-            <a:r>
-              <a:rPr lang="en-US" dirty="0"/>
-              <a:t>, </a:t>
-            </a:r>
-            <a:r>
-              <a:rPr lang="en-US" dirty="0">
-                <a:hlinkClick r:id="rId5" tooltip="Memcached"/>
-              </a:rPr>
-              <a:t>Memcached</a:t>
-            </a:r>
-            <a:r>
-              <a:rPr lang="en-US" dirty="0"/>
-              <a:t>, </a:t>
-            </a:r>
-            <a:r>
-              <a:rPr lang="en-US" dirty="0">
-                <a:hlinkClick r:id="rId6" tooltip="Lightweight Directory Access Protocol"/>
-              </a:rPr>
-              <a:t>LDAP</a:t>
-            </a:r>
-            <a:r>
-              <a:rPr lang="en-US" dirty="0"/>
-              <a:t> and multiple </a:t>
-            </a:r>
-            <a:r>
-              <a:rPr lang="en-US" dirty="0">
-                <a:hlinkClick r:id="rId7" tooltip="SQL"/>
-              </a:rPr>
-              <a:t>SQL</a:t>
-            </a:r>
-            <a:r>
-              <a:rPr lang="en-US" dirty="0"/>
-              <a:t> database </a:t>
-            </a:r>
-            <a:r>
-              <a:rPr lang="en-US" dirty="0" smtClean="0"/>
-              <a:t>implementations</a:t>
-            </a:r>
-          </a:p>
-          <a:p>
-            <a:r>
-              <a:rPr lang="en-US" dirty="0" smtClean="0"/>
-              <a:t>Extended </a:t>
-            </a:r>
-            <a:endParaRPr lang="en-US" dirty="0"/>
+              <a:t>main.cf</a:t>
+            </a:r>
+            <a:r>
+              <a:rPr lang="en-US" dirty="0" smtClean="0"/>
+              <a:t> - stores site specific Postfix configuration parameters while</a:t>
+            </a:r>
           </a:p>
           <a:p>
             <a:pPr lvl="1"/>
             <a:r>
-              <a:rPr lang="en-US" dirty="0">
-                <a:hlinkClick r:id="rId8" tooltip="Deep content inspection"/>
-              </a:rPr>
-              <a:t>Deep content inspection</a:t>
-            </a:r>
-            <a:r>
-              <a:rPr lang="en-US" dirty="0"/>
-              <a:t> before or after a message is accepted into the mail queue;</a:t>
-            </a:r>
-          </a:p>
-          <a:p>
-            <a:pPr lvl="1"/>
-            <a:r>
-              <a:rPr lang="en-US" dirty="0"/>
-              <a:t>Mail authentication with </a:t>
-            </a:r>
-            <a:r>
-              <a:rPr lang="en-US" dirty="0">
-                <a:hlinkClick r:id="rId9" tooltip="DomainKeys Identified Mail"/>
-              </a:rPr>
-              <a:t>DKIM</a:t>
-            </a:r>
-            <a:r>
-              <a:rPr lang="en-US" dirty="0"/>
-              <a:t>, </a:t>
-            </a:r>
-            <a:r>
-              <a:rPr lang="en-US" dirty="0">
-                <a:hlinkClick r:id="rId10" tooltip="Sender Policy Framework"/>
-              </a:rPr>
-              <a:t>SPF</a:t>
-            </a:r>
-            <a:r>
-              <a:rPr lang="en-US" dirty="0"/>
-              <a:t>, or other protocols;</a:t>
-            </a:r>
-          </a:p>
-          <a:p>
-            <a:pPr lvl="1"/>
-            <a:r>
-              <a:rPr lang="en-US" dirty="0">
-                <a:hlinkClick r:id="rId11" tooltip="Simple Mail Transfer Protocol"/>
-              </a:rPr>
-              <a:t>SMTP</a:t>
-            </a:r>
-            <a:r>
-              <a:rPr lang="en-US" dirty="0"/>
-              <a:t>-level access policies such as </a:t>
-            </a:r>
-            <a:r>
-              <a:rPr lang="en-US" dirty="0">
-                <a:hlinkClick r:id="rId12" tooltip="Greylisting"/>
-              </a:rPr>
-              <a:t>greylisting</a:t>
-            </a:r>
-            <a:r>
-              <a:rPr lang="en-US" dirty="0"/>
-              <a:t> or rate control.</a:t>
-            </a:r>
-          </a:p>
-          <a:p>
-            <a:pPr lvl="1"/>
-            <a:endParaRPr lang="en-US" dirty="0" smtClean="0"/>
-          </a:p>
-          <a:p>
-            <a:endParaRPr lang="en-US" dirty="0" smtClean="0"/>
-          </a:p>
-          <a:p>
+              <a:rPr lang="en-US" dirty="0" err="1" smtClean="0"/>
+              <a:t>master.cf</a:t>
+            </a:r>
+            <a:r>
+              <a:rPr lang="en-US" dirty="0" smtClean="0"/>
+              <a:t> – defines daemon processes</a:t>
+            </a:r>
             <a:endParaRPr lang="en-US" dirty="0"/>
           </a:p>
         </p:txBody>
@@ -5377,7 +5290,7 @@
     </p:spTree>
     <p:extLst>
       <p:ext uri="{BB962C8B-B14F-4D97-AF65-F5344CB8AC3E}">
-        <p14:creationId xmlns:p14="http://schemas.microsoft.com/office/powerpoint/2010/main" val="1471738944"/>
+        <p14:creationId xmlns:p14="http://schemas.microsoft.com/office/powerpoint/2010/main" val="799785662"/>
       </p:ext>
     </p:extLst>
   </p:cSld>
@@ -5427,12 +5340,12 @@
           <a:lstStyle/>
           <a:p>
             <a:r>
-              <a:rPr lang="en-US" b="1" dirty="0" smtClean="0"/>
-              <a:t>Postfix on </a:t>
+              <a:rPr lang="en-US" b="1" dirty="0" err="1"/>
+              <a:t>m</a:t>
             </a:r>
             <a:r>
               <a:rPr lang="en-US" b="1" dirty="0" err="1" smtClean="0"/>
-              <a:t>Debian</a:t>
+              <a:t>aster.cf</a:t>
             </a:r>
             <a:endParaRPr lang="en-US" b="1" dirty="0"/>
           </a:p>
@@ -5450,82 +5363,63 @@
         </p:nvSpPr>
         <p:spPr/>
         <p:txBody>
-          <a:bodyPr/>
-          <a:lstStyle/>
-          <a:p>
-            <a:r>
-              <a:rPr lang="en-US" dirty="0" smtClean="0"/>
-              <a:t>Installed via: </a:t>
-            </a:r>
-            <a:r>
-              <a:rPr lang="en-US" b="1" dirty="0" smtClean="0"/>
-              <a:t>$</a:t>
-            </a:r>
-            <a:r>
-              <a:rPr lang="en-US" b="1" dirty="0" err="1" smtClean="0"/>
-              <a:t>sudo</a:t>
-            </a:r>
-            <a:r>
-              <a:rPr lang="en-US" b="1" dirty="0" smtClean="0"/>
-              <a:t> apt-get install postfix</a:t>
-            </a:r>
-          </a:p>
-          <a:p>
-            <a:r>
-              <a:rPr lang="en-US" dirty="0" smtClean="0"/>
-              <a:t>Directories:</a:t>
-            </a:r>
-            <a:br>
-              <a:rPr lang="en-US" dirty="0" smtClean="0"/>
-            </a:br>
-            <a:r>
-              <a:rPr lang="en-US" b="1" dirty="0" smtClean="0"/>
-              <a:t>/</a:t>
-            </a:r>
-            <a:r>
-              <a:rPr lang="en-US" b="1" dirty="0" err="1" smtClean="0"/>
-              <a:t>etc</a:t>
-            </a:r>
-            <a:r>
-              <a:rPr lang="en-US" b="1" dirty="0" smtClean="0"/>
-              <a:t>/postfix</a:t>
-            </a:r>
-          </a:p>
-          <a:p>
-            <a:r>
-              <a:rPr lang="en-US" dirty="0" smtClean="0"/>
-              <a:t>Configuration files</a:t>
-            </a:r>
-          </a:p>
-          <a:p>
-            <a:pPr lvl="1"/>
-            <a:r>
-              <a:rPr lang="en-US" dirty="0" err="1" smtClean="0"/>
-              <a:t>main.cf</a:t>
-            </a:r>
-            <a:r>
-              <a:rPr lang="en-US" dirty="0" smtClean="0"/>
-              <a:t> - stores site specific Postfix configuration parameters while</a:t>
-            </a:r>
-          </a:p>
-          <a:p>
-            <a:pPr lvl="1"/>
-            <a:r>
-              <a:rPr lang="en-US" dirty="0" err="1" smtClean="0"/>
+          <a:bodyPr>
+            <a:normAutofit/>
+          </a:bodyPr>
+          <a:lstStyle/>
+          <a:p>
+            <a:r>
+              <a:rPr lang="en-US" dirty="0"/>
+              <a:t>defines how a client program connects to a service, </a:t>
+            </a:r>
+            <a:r>
+              <a:rPr lang="en-US" dirty="0" smtClean="0"/>
+              <a:t>and what </a:t>
+            </a:r>
+            <a:r>
+              <a:rPr lang="en-US" dirty="0"/>
+              <a:t>daemon program runs </a:t>
+            </a:r>
+            <a:r>
+              <a:rPr lang="en-US" dirty="0" smtClean="0"/>
+              <a:t>when a </a:t>
+            </a:r>
+            <a:r>
+              <a:rPr lang="en-US" dirty="0"/>
+              <a:t>service is requested.  </a:t>
+            </a:r>
+            <a:endParaRPr lang="en-US" dirty="0" smtClean="0"/>
+          </a:p>
+          <a:p>
+            <a:r>
+              <a:rPr lang="en-US" dirty="0"/>
+              <a:t>The Postfix master daemon launches all of the other Postfix services as they are needed. The various services, and how they are run, are specified in the </a:t>
+            </a:r>
+            <a:r>
+              <a:rPr lang="en-US" dirty="0" err="1"/>
               <a:t>master.cf</a:t>
             </a:r>
             <a:r>
-              <a:rPr lang="en-US" dirty="0" smtClean="0"/>
-              <a:t> – defines daemon processes</a:t>
-            </a:r>
-            <a:endParaRPr lang="en-US" dirty="0"/>
+              <a:rPr lang="en-US" dirty="0"/>
+              <a:t> file</a:t>
+            </a:r>
+            <a:r>
+              <a:rPr lang="en-US" dirty="0" smtClean="0"/>
+              <a:t>.</a:t>
+            </a:r>
+          </a:p>
+          <a:p>
+            <a:r>
+              <a:rPr lang="en-US" dirty="0" smtClean="0"/>
+              <a:t>The SMTP service is defined in this file as well as third party apps like an SPF program or a DKIM Program</a:t>
+            </a:r>
           </a:p>
         </p:txBody>
       </p:sp>
     </p:spTree>
     <p:extLst>
       <p:ext uri="{BB962C8B-B14F-4D97-AF65-F5344CB8AC3E}">
-        <p14:creationId xmlns:p14="http://schemas.microsoft.com/office/powerpoint/2010/main" val="799785662"/>
+        <p14:creationId xmlns:p14="http://schemas.microsoft.com/office/powerpoint/2010/main" val="897474661"/>
       </p:ext>
     </p:extLst>
   </p:cSld>
@@ -5575,12 +5469,8 @@
           <a:lstStyle/>
           <a:p>
             <a:r>
-              <a:rPr lang="en-US" b="1" dirty="0" err="1"/>
-              <a:t>m</a:t>
-            </a:r>
-            <a:r>
               <a:rPr lang="en-US" b="1" dirty="0" err="1" smtClean="0"/>
-              <a:t>aster.cf</a:t>
+              <a:t>main.cf</a:t>
             </a:r>
             <a:endParaRPr lang="en-US" b="1" dirty="0"/>
           </a:p>
@@ -5604,57 +5494,62 @@
           <a:lstStyle/>
           <a:p>
             <a:r>
-              <a:rPr lang="en-US" dirty="0"/>
-              <a:t>defines how a client program connects to a service, </a:t>
-            </a:r>
-            <a:r>
-              <a:rPr lang="en-US" dirty="0" smtClean="0"/>
-              <a:t>and what </a:t>
-            </a:r>
-            <a:r>
-              <a:rPr lang="en-US" dirty="0"/>
-              <a:t>daemon program runs </a:t>
-            </a:r>
-            <a:r>
-              <a:rPr lang="en-US" dirty="0" smtClean="0"/>
-              <a:t>when a </a:t>
-            </a:r>
-            <a:r>
-              <a:rPr lang="en-US" dirty="0"/>
-              <a:t>service is requested.  </a:t>
-            </a:r>
+              <a:rPr lang="en-US" dirty="0" smtClean="0"/>
+              <a:t>specifies a very small subset of all the parameters that control the operation of the Postfix mail system</a:t>
+            </a:r>
+          </a:p>
+          <a:p>
+            <a:r>
+              <a:rPr lang="en-US" dirty="0" smtClean="0"/>
+              <a:t>you will have to set up a minimal number of configuration parameters. </a:t>
+            </a:r>
+          </a:p>
+          <a:p>
+            <a:r>
+              <a:rPr lang="en-US" dirty="0" smtClean="0"/>
+              <a:t>Postfix configuration parameters resemble shell variables</a:t>
+            </a:r>
+          </a:p>
+          <a:p>
+            <a:pPr lvl="1"/>
+            <a:r>
+              <a:rPr lang="en-US" dirty="0" smtClean="0"/>
+              <a:t>parameter = value</a:t>
+            </a:r>
+          </a:p>
+          <a:p>
+            <a:pPr lvl="1"/>
+            <a:r>
+              <a:rPr lang="en-US" dirty="0" err="1" smtClean="0"/>
+              <a:t>other_parameter</a:t>
+            </a:r>
+            <a:r>
+              <a:rPr lang="en-US" dirty="0" smtClean="0"/>
+              <a:t> = $parameter</a:t>
+            </a:r>
+          </a:p>
+          <a:p>
+            <a:r>
+              <a:rPr lang="en-US" dirty="0" smtClean="0"/>
+              <a:t>Postfix uses database files for access control, address rewriting and other purposes </a:t>
+            </a:r>
+          </a:p>
+          <a:p>
+            <a:pPr lvl="1"/>
             <a:endParaRPr lang="en-US" dirty="0" smtClean="0"/>
           </a:p>
           <a:p>
-            <a:r>
-              <a:rPr lang="en-US" dirty="0"/>
-              <a:t>The Postfix master daemon launches all of the other Postfix services as they are needed. The various services, and how they are run, are specified in the </a:t>
-            </a:r>
-            <a:r>
-              <a:rPr lang="en-US" dirty="0" err="1"/>
-              <a:t>master.cf</a:t>
-            </a:r>
-            <a:r>
-              <a:rPr lang="en-US" dirty="0"/>
-              <a:t> file</a:t>
-            </a:r>
-            <a:r>
-              <a:rPr lang="en-US" dirty="0" smtClean="0"/>
-              <a:t>.</a:t>
-            </a:r>
-          </a:p>
-          <a:p>
-            <a:r>
-              <a:rPr lang="en-US" dirty="0" smtClean="0"/>
-              <a:t>The SMTP service is defined in this file as well as third party apps like an SPF program or a DKIM Program</a:t>
-            </a:r>
+            <a:endParaRPr lang="en-US" dirty="0" smtClean="0"/>
+          </a:p>
+          <a:p>
+            <a:endParaRPr lang="en-US" dirty="0"/>
           </a:p>
         </p:txBody>
       </p:sp>
     </p:spTree>
     <p:extLst>
       <p:ext uri="{BB962C8B-B14F-4D97-AF65-F5344CB8AC3E}">
-        <p14:creationId xmlns:p14="http://schemas.microsoft.com/office/powerpoint/2010/main" val="897474661"/>
+        <p14:creationId xmlns:p14="http://schemas.microsoft.com/office/powerpoint/2010/main" val="2078974546"/>
       </p:ext>
     </p:extLst>
   </p:cSld>
@@ -5698,14 +5593,27 @@
             <p:ph type="title"/>
           </p:nvPr>
         </p:nvSpPr>
-        <p:spPr/>
-        <p:txBody>
-          <a:bodyPr/>
-          <a:lstStyle/>
-          <a:p>
+        <p:spPr>
+          <a:xfrm>
+            <a:off x="1806198" y="-84367"/>
+            <a:ext cx="8229600" cy="1143000"/>
+          </a:xfrm>
+        </p:spPr>
+        <p:txBody>
+          <a:bodyPr/>
+          <a:lstStyle/>
+          <a:p>
+            <a:r>
+              <a:rPr lang="en-US" b="1" dirty="0" err="1"/>
+              <a:t>m</a:t>
+            </a:r>
             <a:r>
               <a:rPr lang="en-US" b="1" dirty="0" err="1" smtClean="0"/>
-              <a:t>main.cf</a:t>
+              <a:t>ain.cf</a:t>
+            </a:r>
+            <a:r>
+              <a:rPr lang="en-US" b="1" dirty="0" smtClean="0"/>
+              <a:t> Key Settings</a:t>
             </a:r>
             <a:endParaRPr lang="en-US" b="1" dirty="0"/>
           </a:p>
@@ -5721,62 +5629,136 @@
             <p:ph idx="1"/>
           </p:nvPr>
         </p:nvSpPr>
-        <p:spPr/>
+        <p:spPr>
+          <a:xfrm>
+            <a:off x="1806198" y="1003515"/>
+            <a:ext cx="8404602" cy="5122649"/>
+          </a:xfrm>
+        </p:spPr>
         <p:txBody>
           <a:bodyPr>
-            <a:normAutofit fontScale="92500" lnSpcReduction="20000"/>
+            <a:normAutofit/>
           </a:bodyPr>
           <a:lstStyle/>
           <a:p>
             <a:r>
-              <a:rPr lang="en-US" dirty="0" smtClean="0"/>
-              <a:t>specifies a very small subset of all the parameters that control the operation of the Postfix mail system</a:t>
-            </a:r>
-          </a:p>
-          <a:p>
-            <a:r>
-              <a:rPr lang="en-US" dirty="0" smtClean="0"/>
-              <a:t>you will have to set up a minimal number of configuration parameters. </a:t>
-            </a:r>
-          </a:p>
-          <a:p>
-            <a:r>
-              <a:rPr lang="en-US" dirty="0" smtClean="0"/>
-              <a:t>Postfix configuration parameters resemble shell variables</a:t>
+              <a:rPr lang="en-US" dirty="0" smtClean="0">
+                <a:hlinkClick r:id="rId2"/>
+              </a:rPr>
+              <a:t>myorigin</a:t>
+            </a:r>
+            <a:r>
+              <a:rPr lang="en-US" dirty="0" smtClean="0"/>
+              <a:t> = $</a:t>
+            </a:r>
+            <a:r>
+              <a:rPr lang="en-US" dirty="0" smtClean="0">
+                <a:hlinkClick r:id="rId3"/>
+              </a:rPr>
+              <a:t>myhostname</a:t>
+            </a:r>
+            <a:r>
+              <a:rPr lang="en-US" dirty="0" smtClean="0"/>
+              <a:t> </a:t>
             </a:r>
           </a:p>
           <a:p>
             <a:pPr lvl="1"/>
             <a:r>
               <a:rPr lang="en-US" dirty="0" smtClean="0"/>
-              <a:t>parameter = value</a:t>
-            </a:r>
+              <a:t>specifies the domain that appears in mail that is posted on this machine. Defaults to the value of the machine’s hostname</a:t>
+            </a:r>
+          </a:p>
+          <a:p>
+            <a:r>
+              <a:rPr lang="en-US" dirty="0" smtClean="0">
+                <a:hlinkClick r:id="rId4"/>
+              </a:rPr>
+              <a:t>mydestination</a:t>
+            </a:r>
+            <a:r>
+              <a:rPr lang="en-US" dirty="0" smtClean="0"/>
+              <a:t> = $</a:t>
+            </a:r>
+            <a:r>
+              <a:rPr lang="en-US" dirty="0" smtClean="0">
+                <a:hlinkClick r:id="rId3"/>
+              </a:rPr>
+              <a:t>myhostname</a:t>
+            </a:r>
+            <a:r>
+              <a:rPr lang="en-US" dirty="0" smtClean="0"/>
+              <a:t>, </a:t>
+            </a:r>
+            <a:r>
+              <a:rPr lang="en-US" dirty="0" err="1" smtClean="0"/>
+              <a:t>localhost</a:t>
+            </a:r>
+            <a:endParaRPr lang="en-US" dirty="0" smtClean="0"/>
           </a:p>
           <a:p>
             <a:pPr lvl="1"/>
             <a:r>
-              <a:rPr lang="en-US" dirty="0" err="1" smtClean="0"/>
-              <a:t>other_parameter</a:t>
-            </a:r>
-            <a:r>
-              <a:rPr lang="en-US" dirty="0" smtClean="0"/>
-              <a:t> = $parameter</a:t>
-            </a:r>
-          </a:p>
-          <a:p>
-            <a:r>
-              <a:rPr lang="en-US" dirty="0" smtClean="0"/>
-              <a:t>Postfix uses database files for access control, address rewriting and other purposes </a:t>
+              <a:rPr lang="en-US" dirty="0" smtClean="0"/>
+              <a:t>specifies what domains this machine will deliver locally</a:t>
             </a:r>
           </a:p>
           <a:p>
             <a:pPr lvl="1"/>
-            <a:endParaRPr lang="en-US" dirty="0" smtClean="0"/>
-          </a:p>
-          <a:p>
-            <a:endParaRPr lang="en-US" dirty="0" smtClean="0"/>
-          </a:p>
-          <a:p>
+            <a:r>
+              <a:rPr lang="en-US" dirty="0"/>
+              <a:t>i</a:t>
+            </a:r>
+            <a:r>
+              <a:rPr lang="en-US" dirty="0" smtClean="0"/>
+              <a:t>f your machine is a mail server for its entire domain, you must list $</a:t>
+            </a:r>
+            <a:r>
+              <a:rPr lang="en-US" dirty="0" smtClean="0">
+                <a:hlinkClick r:id="rId5"/>
+              </a:rPr>
+              <a:t>mydomain</a:t>
+            </a:r>
+            <a:r>
+              <a:rPr lang="en-US" dirty="0" smtClean="0"/>
+              <a:t> as well in this setting</a:t>
+            </a:r>
+          </a:p>
+          <a:p>
+            <a:r>
+              <a:rPr lang="en-US" dirty="0" smtClean="0"/>
+              <a:t>The </a:t>
+            </a:r>
+            <a:r>
+              <a:rPr lang="en-US" dirty="0" smtClean="0">
+                <a:hlinkClick r:id="rId5"/>
+              </a:rPr>
+              <a:t>mydomain</a:t>
+            </a:r>
+            <a:r>
+              <a:rPr lang="en-US" dirty="0" smtClean="0"/>
+              <a:t> parameter specifies the parent domain of $</a:t>
+            </a:r>
+            <a:r>
+              <a:rPr lang="en-US" dirty="0" smtClean="0">
+                <a:hlinkClick r:id="rId3"/>
+              </a:rPr>
+              <a:t>myhostname</a:t>
+            </a:r>
+            <a:r>
+              <a:rPr lang="en-US" dirty="0" smtClean="0"/>
+              <a:t>. By default, it is derived from $</a:t>
+            </a:r>
+            <a:r>
+              <a:rPr lang="en-US" dirty="0" smtClean="0">
+                <a:hlinkClick r:id="rId3"/>
+              </a:rPr>
+              <a:t>myhostname</a:t>
+            </a:r>
+            <a:r>
+              <a:rPr lang="en-US" dirty="0" smtClean="0"/>
+              <a:t> by stripping off the first part (unless if the result would be a top-level domain)</a:t>
+            </a:r>
             <a:endParaRPr lang="en-US" dirty="0"/>
           </a:p>
         </p:txBody>
@@ -5784,7 +5766,7 @@
     </p:spTree>
     <p:extLst>
       <p:ext uri="{BB962C8B-B14F-4D97-AF65-F5344CB8AC3E}">
-        <p14:creationId xmlns:p14="http://schemas.microsoft.com/office/powerpoint/2010/main" val="2078974546"/>
+        <p14:creationId xmlns:p14="http://schemas.microsoft.com/office/powerpoint/2010/main" val="1766257932"/>
       </p:ext>
     </p:extLst>
   </p:cSld>
@@ -5828,27 +5810,14 @@
             <p:ph type="title"/>
           </p:nvPr>
         </p:nvSpPr>
-        <p:spPr>
-          <a:xfrm>
-            <a:off x="1806198" y="-84367"/>
-            <a:ext cx="8229600" cy="1143000"/>
-          </a:xfrm>
-        </p:spPr>
-        <p:txBody>
-          <a:bodyPr/>
-          <a:lstStyle/>
-          <a:p>
-            <a:r>
-              <a:rPr lang="en-US" b="1" dirty="0" err="1"/>
-              <a:t>m</a:t>
-            </a:r>
-            <a:r>
-              <a:rPr lang="en-US" b="1" dirty="0" err="1" smtClean="0"/>
-              <a:t>ain.cf</a:t>
-            </a:r>
+        <p:spPr/>
+        <p:txBody>
+          <a:bodyPr/>
+          <a:lstStyle/>
+          <a:p>
             <a:r>
               <a:rPr lang="en-US" b="1" dirty="0" smtClean="0"/>
-              <a:t> Key Settings</a:t>
+              <a:t>Relaying Mail – From</a:t>
             </a:r>
             <a:endParaRPr lang="en-US" b="1" dirty="0"/>
           </a:p>
@@ -5864,136 +5833,96 @@
             <p:ph idx="1"/>
           </p:nvPr>
         </p:nvSpPr>
-        <p:spPr>
-          <a:xfrm>
-            <a:off x="1806198" y="1003515"/>
-            <a:ext cx="8404602" cy="5122649"/>
-          </a:xfrm>
-        </p:spPr>
+        <p:spPr/>
         <p:txBody>
           <a:bodyPr>
-            <a:normAutofit/>
+            <a:normAutofit fontScale="85000" lnSpcReduction="10000"/>
           </a:bodyPr>
           <a:lstStyle/>
           <a:p>
+            <a:r>
+              <a:rPr lang="en-US" dirty="0" smtClean="0"/>
+              <a:t>Postfix will forward mail from clients in authorized network blocks to any destination</a:t>
+            </a:r>
+          </a:p>
+          <a:p>
+            <a:r>
+              <a:rPr lang="en-US" dirty="0" smtClean="0"/>
+              <a:t>Authorized networks are defined with the </a:t>
+            </a:r>
             <a:r>
               <a:rPr lang="en-US" dirty="0" smtClean="0">
                 <a:hlinkClick r:id="rId2"/>
               </a:rPr>
-              <a:t>myorigin</a:t>
-            </a:r>
-            <a:r>
-              <a:rPr lang="en-US" dirty="0" smtClean="0"/>
-              <a:t> = $</a:t>
-            </a:r>
+              <a:t>mynetworks</a:t>
+            </a:r>
+            <a:r>
+              <a:rPr lang="en-US" dirty="0" smtClean="0"/>
+              <a:t> configuration parameter</a:t>
+            </a:r>
+          </a:p>
+          <a:p>
+            <a:r>
+              <a:rPr lang="en-US" dirty="0" smtClean="0"/>
+              <a:t>The default is to authorize all clients in the IP </a:t>
+            </a:r>
+            <a:r>
+              <a:rPr lang="en-US" dirty="0" err="1" smtClean="0"/>
+              <a:t>subnetworks</a:t>
+            </a:r>
+            <a:r>
+              <a:rPr lang="en-US" dirty="0" smtClean="0"/>
+              <a:t> that the local machine is attached to.</a:t>
+            </a:r>
+          </a:p>
+          <a:p>
+            <a:r>
+              <a:rPr lang="en-US" dirty="0" smtClean="0"/>
+              <a:t>By default, Postfix will NOT be an open relay </a:t>
+            </a:r>
+            <a:r>
+              <a:rPr lang="en-US" dirty="0" err="1" smtClean="0"/>
+              <a:t>ie</a:t>
+            </a:r>
+            <a:r>
+              <a:rPr lang="en-US" dirty="0" smtClean="0"/>
+              <a:t> it will not forward from IPs outside your network to the Internet</a:t>
+            </a:r>
+          </a:p>
+          <a:p>
+            <a:pPr lvl="1"/>
             <a:r>
               <a:rPr lang="en-US" dirty="0" smtClean="0">
                 <a:hlinkClick r:id="rId3"/>
               </a:rPr>
-              <a:t>myhostname</a:t>
-            </a:r>
-            <a:r>
-              <a:rPr lang="en-US" dirty="0" smtClean="0"/>
-              <a:t> </a:t>
+              <a:t>mynetworks_style</a:t>
+            </a:r>
+            <a:r>
+              <a:rPr lang="en-US" dirty="0" smtClean="0"/>
+              <a:t> = subnet </a:t>
             </a:r>
           </a:p>
           <a:p>
             <a:pPr lvl="1"/>
             <a:r>
-              <a:rPr lang="en-US" dirty="0" smtClean="0"/>
-              <a:t>specifies the domain that appears in mail that is posted on this machine. Defaults to the value of the machine’s hostname</a:t>
-            </a:r>
-          </a:p>
-          <a:p>
-            <a:r>
               <a:rPr lang="en-US" dirty="0" smtClean="0">
-                <a:hlinkClick r:id="rId4"/>
+                <a:hlinkClick r:id="rId2"/>
               </a:rPr>
-              <a:t>mydestination</a:t>
-            </a:r>
-            <a:r>
-              <a:rPr lang="en-US" dirty="0" smtClean="0"/>
-              <a:t> = $</a:t>
-            </a:r>
-            <a:r>
-              <a:rPr lang="en-US" dirty="0" smtClean="0">
-                <a:hlinkClick r:id="rId3"/>
-              </a:rPr>
-              <a:t>myhostname</a:t>
-            </a:r>
-            <a:r>
-              <a:rPr lang="en-US" dirty="0" smtClean="0"/>
-              <a:t>, </a:t>
-            </a:r>
-            <a:r>
-              <a:rPr lang="en-US" dirty="0" err="1" smtClean="0"/>
-              <a:t>localhost</a:t>
-            </a:r>
+              <a:t>mynetworks</a:t>
+            </a:r>
+            <a:r>
+              <a:rPr lang="en-US" dirty="0" smtClean="0"/>
+              <a:t> = 127.0.0.0/8 168.100.189.2/32</a:t>
+            </a:r>
+          </a:p>
+          <a:p>
+            <a:pPr lvl="1"/>
             <a:endParaRPr lang="en-US" dirty="0" smtClean="0"/>
           </a:p>
           <a:p>
-            <a:pPr lvl="1"/>
-            <a:r>
-              <a:rPr lang="en-US" dirty="0" smtClean="0"/>
-              <a:t>specifies what domains this machine will deliver locally</a:t>
-            </a:r>
-          </a:p>
-          <a:p>
-            <a:pPr lvl="1"/>
-            <a:r>
-              <a:rPr lang="en-US" dirty="0"/>
-              <a:t>i</a:t>
-            </a:r>
-            <a:r>
-              <a:rPr lang="en-US" dirty="0" smtClean="0"/>
-              <a:t>f your machine is a mail server for its entire domain, you must list $</a:t>
-            </a:r>
-            <a:r>
-              <a:rPr lang="en-US" dirty="0" smtClean="0">
-                <a:hlinkClick r:id="rId5"/>
-              </a:rPr>
-              <a:t>mydomain</a:t>
-            </a:r>
-            <a:r>
-              <a:rPr lang="en-US" dirty="0" smtClean="0"/>
-              <a:t> as well in this setting</a:t>
-            </a:r>
-          </a:p>
-          <a:p>
-            <a:r>
-              <a:rPr lang="en-US" dirty="0" smtClean="0"/>
-              <a:t>The </a:t>
-            </a:r>
-            <a:r>
-              <a:rPr lang="en-US" dirty="0" smtClean="0">
-                <a:hlinkClick r:id="rId5"/>
-              </a:rPr>
-              <a:t>mydomain</a:t>
-            </a:r>
-            <a:r>
-              <a:rPr lang="en-US" dirty="0" smtClean="0"/>
-              <a:t> parameter specifies the parent domain of $</a:t>
-            </a:r>
-            <a:r>
-              <a:rPr lang="en-US" dirty="0" smtClean="0">
-                <a:hlinkClick r:id="rId3"/>
-              </a:rPr>
-              <a:t>myhostname</a:t>
-            </a:r>
-            <a:r>
-              <a:rPr lang="en-US" dirty="0" smtClean="0"/>
-              <a:t>. By default, it is derived from $</a:t>
-            </a:r>
-            <a:r>
-              <a:rPr lang="en-US" dirty="0" smtClean="0">
-                <a:hlinkClick r:id="rId3"/>
-              </a:rPr>
-              <a:t>myhostname</a:t>
-            </a:r>
-            <a:r>
-              <a:rPr lang="en-US" dirty="0" smtClean="0"/>
-              <a:t> by stripping off the first part (unless if the result would be a top-level domain)</a:t>
-            </a:r>
+            <a:endParaRPr lang="en-US" dirty="0" smtClean="0"/>
+          </a:p>
+          <a:p>
             <a:endParaRPr lang="en-US" dirty="0"/>
           </a:p>
         </p:txBody>
@@ -6001,7 +5930,7 @@
     </p:spTree>
     <p:extLst>
       <p:ext uri="{BB962C8B-B14F-4D97-AF65-F5344CB8AC3E}">
-        <p14:creationId xmlns:p14="http://schemas.microsoft.com/office/powerpoint/2010/main" val="1766257932"/>
+        <p14:creationId xmlns:p14="http://schemas.microsoft.com/office/powerpoint/2010/main" val="830610643"/>
       </p:ext>
     </p:extLst>
   </p:cSld>

--- a/postfix/postfix_preso.pptx
+++ b/postfix/postfix_preso.pptx
@@ -5,24 +5,30 @@
     <p:sldMasterId id="2147483648" r:id="rId1"/>
   </p:sldMasterIdLst>
   <p:sldIdLst>
-    <p:sldId id="257" r:id="rId2"/>
-    <p:sldId id="258" r:id="rId3"/>
-    <p:sldId id="259" r:id="rId4"/>
-    <p:sldId id="260" r:id="rId5"/>
-    <p:sldId id="261" r:id="rId6"/>
-    <p:sldId id="262" r:id="rId7"/>
-    <p:sldId id="263" r:id="rId8"/>
-    <p:sldId id="264" r:id="rId9"/>
-    <p:sldId id="265" r:id="rId10"/>
-    <p:sldId id="266" r:id="rId11"/>
-    <p:sldId id="267" r:id="rId12"/>
-    <p:sldId id="268" r:id="rId13"/>
-    <p:sldId id="269" r:id="rId14"/>
-    <p:sldId id="270" r:id="rId15"/>
-    <p:sldId id="271" r:id="rId16"/>
-    <p:sldId id="272" r:id="rId17"/>
-    <p:sldId id="273" r:id="rId18"/>
-    <p:sldId id="274" r:id="rId19"/>
+    <p:sldId id="275" r:id="rId2"/>
+    <p:sldId id="276" r:id="rId3"/>
+    <p:sldId id="277" r:id="rId4"/>
+    <p:sldId id="278" r:id="rId5"/>
+    <p:sldId id="279" r:id="rId6"/>
+    <p:sldId id="280" r:id="rId7"/>
+    <p:sldId id="257" r:id="rId8"/>
+    <p:sldId id="258" r:id="rId9"/>
+    <p:sldId id="259" r:id="rId10"/>
+    <p:sldId id="260" r:id="rId11"/>
+    <p:sldId id="261" r:id="rId12"/>
+    <p:sldId id="262" r:id="rId13"/>
+    <p:sldId id="263" r:id="rId14"/>
+    <p:sldId id="264" r:id="rId15"/>
+    <p:sldId id="265" r:id="rId16"/>
+    <p:sldId id="266" r:id="rId17"/>
+    <p:sldId id="267" r:id="rId18"/>
+    <p:sldId id="268" r:id="rId19"/>
+    <p:sldId id="269" r:id="rId20"/>
+    <p:sldId id="270" r:id="rId21"/>
+    <p:sldId id="271" r:id="rId22"/>
+    <p:sldId id="272" r:id="rId23"/>
+    <p:sldId id="273" r:id="rId24"/>
+    <p:sldId id="274" r:id="rId25"/>
   </p:sldIdLst>
   <p:sldSz cx="12192000" cy="6858000"/>
   <p:notesSz cx="6858000" cy="9144000"/>
@@ -171,10 +177,9 @@
           </a:lstStyle>
           <a:p>
             <a:r>
-              <a:rPr lang="en-US" smtClean="0"/>
+              <a:rPr lang="en-US"/>
               <a:t>Click to edit Master title style</a:t>
             </a:r>
-            <a:endParaRPr lang="en-US"/>
           </a:p>
         </p:txBody>
       </p:sp>
@@ -236,10 +241,9 @@
           </a:lstStyle>
           <a:p>
             <a:r>
-              <a:rPr lang="en-US" smtClean="0"/>
+              <a:rPr lang="en-US"/>
               <a:t>Click to edit Master subtitle style</a:t>
             </a:r>
-            <a:endParaRPr lang="en-US"/>
           </a:p>
         </p:txBody>
       </p:sp>
@@ -260,7 +264,7 @@
           <a:p>
             <a:fld id="{2330926E-6BBF-8F40-92E7-D37C823A4294}" type="datetimeFigureOut">
               <a:rPr lang="en-US" smtClean="0"/>
-              <a:t>5/24/17</a:t>
+              <a:t>6/12/19</a:t>
             </a:fld>
             <a:endParaRPr lang="en-US"/>
           </a:p>
@@ -354,10 +358,9 @@
           <a:lstStyle/>
           <a:p>
             <a:r>
-              <a:rPr lang="en-US" smtClean="0"/>
+              <a:rPr lang="en-US"/>
               <a:t>Click to edit Master title style</a:t>
             </a:r>
-            <a:endParaRPr lang="en-US"/>
           </a:p>
         </p:txBody>
       </p:sp>
@@ -378,38 +381,37 @@
           <a:p>
             <a:pPr lvl="0"/>
             <a:r>
-              <a:rPr lang="en-US" smtClean="0"/>
+              <a:rPr lang="en-US"/>
               <a:t>Click to edit Master text styles</a:t>
             </a:r>
           </a:p>
           <a:p>
             <a:pPr lvl="1"/>
             <a:r>
-              <a:rPr lang="en-US" smtClean="0"/>
+              <a:rPr lang="en-US"/>
               <a:t>Second level</a:t>
             </a:r>
           </a:p>
           <a:p>
             <a:pPr lvl="2"/>
             <a:r>
-              <a:rPr lang="en-US" smtClean="0"/>
+              <a:rPr lang="en-US"/>
               <a:t>Third level</a:t>
             </a:r>
           </a:p>
           <a:p>
             <a:pPr lvl="3"/>
             <a:r>
-              <a:rPr lang="en-US" smtClean="0"/>
+              <a:rPr lang="en-US"/>
               <a:t>Fourth level</a:t>
             </a:r>
           </a:p>
           <a:p>
             <a:pPr lvl="4"/>
             <a:r>
-              <a:rPr lang="en-US" smtClean="0"/>
+              <a:rPr lang="en-US"/>
               <a:t>Fifth level</a:t>
             </a:r>
-            <a:endParaRPr lang="en-US"/>
           </a:p>
         </p:txBody>
       </p:sp>
@@ -430,7 +432,7 @@
           <a:p>
             <a:fld id="{2330926E-6BBF-8F40-92E7-D37C823A4294}" type="datetimeFigureOut">
               <a:rPr lang="en-US" smtClean="0"/>
-              <a:t>5/24/17</a:t>
+              <a:t>6/12/19</a:t>
             </a:fld>
             <a:endParaRPr lang="en-US"/>
           </a:p>
@@ -529,10 +531,9 @@
           <a:lstStyle/>
           <a:p>
             <a:r>
-              <a:rPr lang="en-US" smtClean="0"/>
+              <a:rPr lang="en-US"/>
               <a:t>Click to edit Master title style</a:t>
             </a:r>
-            <a:endParaRPr lang="en-US"/>
           </a:p>
         </p:txBody>
       </p:sp>
@@ -558,38 +559,37 @@
           <a:p>
             <a:pPr lvl="0"/>
             <a:r>
-              <a:rPr lang="en-US" smtClean="0"/>
+              <a:rPr lang="en-US"/>
               <a:t>Click to edit Master text styles</a:t>
             </a:r>
           </a:p>
           <a:p>
             <a:pPr lvl="1"/>
             <a:r>
-              <a:rPr lang="en-US" smtClean="0"/>
+              <a:rPr lang="en-US"/>
               <a:t>Second level</a:t>
             </a:r>
           </a:p>
           <a:p>
             <a:pPr lvl="2"/>
             <a:r>
-              <a:rPr lang="en-US" smtClean="0"/>
+              <a:rPr lang="en-US"/>
               <a:t>Third level</a:t>
             </a:r>
           </a:p>
           <a:p>
             <a:pPr lvl="3"/>
             <a:r>
-              <a:rPr lang="en-US" smtClean="0"/>
+              <a:rPr lang="en-US"/>
               <a:t>Fourth level</a:t>
             </a:r>
           </a:p>
           <a:p>
             <a:pPr lvl="4"/>
             <a:r>
-              <a:rPr lang="en-US" smtClean="0"/>
+              <a:rPr lang="en-US"/>
               <a:t>Fifth level</a:t>
             </a:r>
-            <a:endParaRPr lang="en-US"/>
           </a:p>
         </p:txBody>
       </p:sp>
@@ -610,7 +610,7 @@
           <a:p>
             <a:fld id="{2330926E-6BBF-8F40-92E7-D37C823A4294}" type="datetimeFigureOut">
               <a:rPr lang="en-US" smtClean="0"/>
-              <a:t>5/24/17</a:t>
+              <a:t>6/12/19</a:t>
             </a:fld>
             <a:endParaRPr lang="en-US"/>
           </a:p>
@@ -704,10 +704,9 @@
           <a:lstStyle/>
           <a:p>
             <a:r>
-              <a:rPr lang="en-US" smtClean="0"/>
+              <a:rPr lang="en-US"/>
               <a:t>Click to edit Master title style</a:t>
             </a:r>
-            <a:endParaRPr lang="en-US"/>
           </a:p>
         </p:txBody>
       </p:sp>
@@ -728,38 +727,37 @@
           <a:p>
             <a:pPr lvl="0"/>
             <a:r>
-              <a:rPr lang="en-US" smtClean="0"/>
+              <a:rPr lang="en-US"/>
               <a:t>Click to edit Master text styles</a:t>
             </a:r>
           </a:p>
           <a:p>
             <a:pPr lvl="1"/>
             <a:r>
-              <a:rPr lang="en-US" smtClean="0"/>
+              <a:rPr lang="en-US"/>
               <a:t>Second level</a:t>
             </a:r>
           </a:p>
           <a:p>
             <a:pPr lvl="2"/>
             <a:r>
-              <a:rPr lang="en-US" smtClean="0"/>
+              <a:rPr lang="en-US"/>
               <a:t>Third level</a:t>
             </a:r>
           </a:p>
           <a:p>
             <a:pPr lvl="3"/>
             <a:r>
-              <a:rPr lang="en-US" smtClean="0"/>
+              <a:rPr lang="en-US"/>
               <a:t>Fourth level</a:t>
             </a:r>
           </a:p>
           <a:p>
             <a:pPr lvl="4"/>
             <a:r>
-              <a:rPr lang="en-US" smtClean="0"/>
+              <a:rPr lang="en-US"/>
               <a:t>Fifth level</a:t>
             </a:r>
-            <a:endParaRPr lang="en-US"/>
           </a:p>
         </p:txBody>
       </p:sp>
@@ -780,7 +778,7 @@
           <a:p>
             <a:fld id="{2330926E-6BBF-8F40-92E7-D37C823A4294}" type="datetimeFigureOut">
               <a:rPr lang="en-US" smtClean="0"/>
-              <a:t>5/24/17</a:t>
+              <a:t>6/12/19</a:t>
             </a:fld>
             <a:endParaRPr lang="en-US"/>
           </a:p>
@@ -883,10 +881,9 @@
           </a:lstStyle>
           <a:p>
             <a:r>
-              <a:rPr lang="en-US" smtClean="0"/>
+              <a:rPr lang="en-US"/>
               <a:t>Click to edit Master title style</a:t>
             </a:r>
-            <a:endParaRPr lang="en-US"/>
           </a:p>
         </p:txBody>
       </p:sp>
@@ -1003,7 +1000,7 @@
           <a:p>
             <a:pPr lvl="0"/>
             <a:r>
-              <a:rPr lang="en-US" smtClean="0"/>
+              <a:rPr lang="en-US"/>
               <a:t>Click to edit Master text styles</a:t>
             </a:r>
           </a:p>
@@ -1026,7 +1023,7 @@
           <a:p>
             <a:fld id="{2330926E-6BBF-8F40-92E7-D37C823A4294}" type="datetimeFigureOut">
               <a:rPr lang="en-US" smtClean="0"/>
-              <a:t>5/24/17</a:t>
+              <a:t>6/12/19</a:t>
             </a:fld>
             <a:endParaRPr lang="en-US"/>
           </a:p>
@@ -1120,10 +1117,9 @@
           <a:lstStyle/>
           <a:p>
             <a:r>
-              <a:rPr lang="en-US" smtClean="0"/>
+              <a:rPr lang="en-US"/>
               <a:t>Click to edit Master title style</a:t>
             </a:r>
-            <a:endParaRPr lang="en-US"/>
           </a:p>
         </p:txBody>
       </p:sp>
@@ -1149,38 +1145,37 @@
           <a:p>
             <a:pPr lvl="0"/>
             <a:r>
-              <a:rPr lang="en-US" smtClean="0"/>
+              <a:rPr lang="en-US"/>
               <a:t>Click to edit Master text styles</a:t>
             </a:r>
           </a:p>
           <a:p>
             <a:pPr lvl="1"/>
             <a:r>
-              <a:rPr lang="en-US" smtClean="0"/>
+              <a:rPr lang="en-US"/>
               <a:t>Second level</a:t>
             </a:r>
           </a:p>
           <a:p>
             <a:pPr lvl="2"/>
             <a:r>
-              <a:rPr lang="en-US" smtClean="0"/>
+              <a:rPr lang="en-US"/>
               <a:t>Third level</a:t>
             </a:r>
           </a:p>
           <a:p>
             <a:pPr lvl="3"/>
             <a:r>
-              <a:rPr lang="en-US" smtClean="0"/>
+              <a:rPr lang="en-US"/>
               <a:t>Fourth level</a:t>
             </a:r>
           </a:p>
           <a:p>
             <a:pPr lvl="4"/>
             <a:r>
-              <a:rPr lang="en-US" smtClean="0"/>
+              <a:rPr lang="en-US"/>
               <a:t>Fifth level</a:t>
             </a:r>
-            <a:endParaRPr lang="en-US"/>
           </a:p>
         </p:txBody>
       </p:sp>
@@ -1206,38 +1201,37 @@
           <a:p>
             <a:pPr lvl="0"/>
             <a:r>
-              <a:rPr lang="en-US" smtClean="0"/>
+              <a:rPr lang="en-US"/>
               <a:t>Click to edit Master text styles</a:t>
             </a:r>
           </a:p>
           <a:p>
             <a:pPr lvl="1"/>
             <a:r>
-              <a:rPr lang="en-US" smtClean="0"/>
+              <a:rPr lang="en-US"/>
               <a:t>Second level</a:t>
             </a:r>
           </a:p>
           <a:p>
             <a:pPr lvl="2"/>
             <a:r>
-              <a:rPr lang="en-US" smtClean="0"/>
+              <a:rPr lang="en-US"/>
               <a:t>Third level</a:t>
             </a:r>
           </a:p>
           <a:p>
             <a:pPr lvl="3"/>
             <a:r>
-              <a:rPr lang="en-US" smtClean="0"/>
+              <a:rPr lang="en-US"/>
               <a:t>Fourth level</a:t>
             </a:r>
           </a:p>
           <a:p>
             <a:pPr lvl="4"/>
             <a:r>
-              <a:rPr lang="en-US" smtClean="0"/>
+              <a:rPr lang="en-US"/>
               <a:t>Fifth level</a:t>
             </a:r>
-            <a:endParaRPr lang="en-US"/>
           </a:p>
         </p:txBody>
       </p:sp>
@@ -1258,7 +1252,7 @@
           <a:p>
             <a:fld id="{2330926E-6BBF-8F40-92E7-D37C823A4294}" type="datetimeFigureOut">
               <a:rPr lang="en-US" smtClean="0"/>
-              <a:t>5/24/17</a:t>
+              <a:t>6/12/19</a:t>
             </a:fld>
             <a:endParaRPr lang="en-US"/>
           </a:p>
@@ -1357,10 +1351,9 @@
           <a:lstStyle/>
           <a:p>
             <a:r>
-              <a:rPr lang="en-US" smtClean="0"/>
+              <a:rPr lang="en-US"/>
               <a:t>Click to edit Master title style</a:t>
             </a:r>
-            <a:endParaRPr lang="en-US"/>
           </a:p>
         </p:txBody>
       </p:sp>
@@ -1423,7 +1416,7 @@
           <a:p>
             <a:pPr lvl="0"/>
             <a:r>
-              <a:rPr lang="en-US" smtClean="0"/>
+              <a:rPr lang="en-US"/>
               <a:t>Click to edit Master text styles</a:t>
             </a:r>
           </a:p>
@@ -1451,38 +1444,37 @@
           <a:p>
             <a:pPr lvl="0"/>
             <a:r>
-              <a:rPr lang="en-US" smtClean="0"/>
+              <a:rPr lang="en-US"/>
               <a:t>Click to edit Master text styles</a:t>
             </a:r>
           </a:p>
           <a:p>
             <a:pPr lvl="1"/>
             <a:r>
-              <a:rPr lang="en-US" smtClean="0"/>
+              <a:rPr lang="en-US"/>
               <a:t>Second level</a:t>
             </a:r>
           </a:p>
           <a:p>
             <a:pPr lvl="2"/>
             <a:r>
-              <a:rPr lang="en-US" smtClean="0"/>
+              <a:rPr lang="en-US"/>
               <a:t>Third level</a:t>
             </a:r>
           </a:p>
           <a:p>
             <a:pPr lvl="3"/>
             <a:r>
-              <a:rPr lang="en-US" smtClean="0"/>
+              <a:rPr lang="en-US"/>
               <a:t>Fourth level</a:t>
             </a:r>
           </a:p>
           <a:p>
             <a:pPr lvl="4"/>
             <a:r>
-              <a:rPr lang="en-US" smtClean="0"/>
+              <a:rPr lang="en-US"/>
               <a:t>Fifth level</a:t>
             </a:r>
-            <a:endParaRPr lang="en-US"/>
           </a:p>
         </p:txBody>
       </p:sp>
@@ -1545,7 +1537,7 @@
           <a:p>
             <a:pPr lvl="0"/>
             <a:r>
-              <a:rPr lang="en-US" smtClean="0"/>
+              <a:rPr lang="en-US"/>
               <a:t>Click to edit Master text styles</a:t>
             </a:r>
           </a:p>
@@ -1573,38 +1565,37 @@
           <a:p>
             <a:pPr lvl="0"/>
             <a:r>
-              <a:rPr lang="en-US" smtClean="0"/>
+              <a:rPr lang="en-US"/>
               <a:t>Click to edit Master text styles</a:t>
             </a:r>
           </a:p>
           <a:p>
             <a:pPr lvl="1"/>
             <a:r>
-              <a:rPr lang="en-US" smtClean="0"/>
+              <a:rPr lang="en-US"/>
               <a:t>Second level</a:t>
             </a:r>
           </a:p>
           <a:p>
             <a:pPr lvl="2"/>
             <a:r>
-              <a:rPr lang="en-US" smtClean="0"/>
+              <a:rPr lang="en-US"/>
               <a:t>Third level</a:t>
             </a:r>
           </a:p>
           <a:p>
             <a:pPr lvl="3"/>
             <a:r>
-              <a:rPr lang="en-US" smtClean="0"/>
+              <a:rPr lang="en-US"/>
               <a:t>Fourth level</a:t>
             </a:r>
           </a:p>
           <a:p>
             <a:pPr lvl="4"/>
             <a:r>
-              <a:rPr lang="en-US" smtClean="0"/>
+              <a:rPr lang="en-US"/>
               <a:t>Fifth level</a:t>
             </a:r>
-            <a:endParaRPr lang="en-US"/>
           </a:p>
         </p:txBody>
       </p:sp>
@@ -1625,7 +1616,7 @@
           <a:p>
             <a:fld id="{2330926E-6BBF-8F40-92E7-D37C823A4294}" type="datetimeFigureOut">
               <a:rPr lang="en-US" smtClean="0"/>
-              <a:t>5/24/17</a:t>
+              <a:t>6/12/19</a:t>
             </a:fld>
             <a:endParaRPr lang="en-US"/>
           </a:p>
@@ -1719,10 +1710,9 @@
           <a:lstStyle/>
           <a:p>
             <a:r>
-              <a:rPr lang="en-US" smtClean="0"/>
+              <a:rPr lang="en-US"/>
               <a:t>Click to edit Master title style</a:t>
             </a:r>
-            <a:endParaRPr lang="en-US"/>
           </a:p>
         </p:txBody>
       </p:sp>
@@ -1743,7 +1733,7 @@
           <a:p>
             <a:fld id="{2330926E-6BBF-8F40-92E7-D37C823A4294}" type="datetimeFigureOut">
               <a:rPr lang="en-US" smtClean="0"/>
-              <a:t>5/24/17</a:t>
+              <a:t>6/12/19</a:t>
             </a:fld>
             <a:endParaRPr lang="en-US"/>
           </a:p>
@@ -1838,7 +1828,7 @@
           <a:p>
             <a:fld id="{2330926E-6BBF-8F40-92E7-D37C823A4294}" type="datetimeFigureOut">
               <a:rPr lang="en-US" smtClean="0"/>
-              <a:t>5/24/17</a:t>
+              <a:t>6/12/19</a:t>
             </a:fld>
             <a:endParaRPr lang="en-US"/>
           </a:p>
@@ -1941,10 +1931,9 @@
           </a:lstStyle>
           <a:p>
             <a:r>
-              <a:rPr lang="en-US" smtClean="0"/>
+              <a:rPr lang="en-US"/>
               <a:t>Click to edit Master title style</a:t>
             </a:r>
-            <a:endParaRPr lang="en-US"/>
           </a:p>
         </p:txBody>
       </p:sp>
@@ -1998,38 +1987,37 @@
           <a:p>
             <a:pPr lvl="0"/>
             <a:r>
-              <a:rPr lang="en-US" smtClean="0"/>
+              <a:rPr lang="en-US"/>
               <a:t>Click to edit Master text styles</a:t>
             </a:r>
           </a:p>
           <a:p>
             <a:pPr lvl="1"/>
             <a:r>
-              <a:rPr lang="en-US" smtClean="0"/>
+              <a:rPr lang="en-US"/>
               <a:t>Second level</a:t>
             </a:r>
           </a:p>
           <a:p>
             <a:pPr lvl="2"/>
             <a:r>
-              <a:rPr lang="en-US" smtClean="0"/>
+              <a:rPr lang="en-US"/>
               <a:t>Third level</a:t>
             </a:r>
           </a:p>
           <a:p>
             <a:pPr lvl="3"/>
             <a:r>
-              <a:rPr lang="en-US" smtClean="0"/>
+              <a:rPr lang="en-US"/>
               <a:t>Fourth level</a:t>
             </a:r>
           </a:p>
           <a:p>
             <a:pPr lvl="4"/>
             <a:r>
-              <a:rPr lang="en-US" smtClean="0"/>
+              <a:rPr lang="en-US"/>
               <a:t>Fifth level</a:t>
             </a:r>
-            <a:endParaRPr lang="en-US"/>
           </a:p>
         </p:txBody>
       </p:sp>
@@ -2092,7 +2080,7 @@
           <a:p>
             <a:pPr lvl="0"/>
             <a:r>
-              <a:rPr lang="en-US" smtClean="0"/>
+              <a:rPr lang="en-US"/>
               <a:t>Click to edit Master text styles</a:t>
             </a:r>
           </a:p>
@@ -2115,7 +2103,7 @@
           <a:p>
             <a:fld id="{2330926E-6BBF-8F40-92E7-D37C823A4294}" type="datetimeFigureOut">
               <a:rPr lang="en-US" smtClean="0"/>
-              <a:t>5/24/17</a:t>
+              <a:t>6/12/19</a:t>
             </a:fld>
             <a:endParaRPr lang="en-US"/>
           </a:p>
@@ -2218,10 +2206,9 @@
           </a:lstStyle>
           <a:p>
             <a:r>
-              <a:rPr lang="en-US" smtClean="0"/>
+              <a:rPr lang="en-US"/>
               <a:t>Click to edit Master title style</a:t>
             </a:r>
-            <a:endParaRPr lang="en-US"/>
           </a:p>
         </p:txBody>
       </p:sp>
@@ -2345,7 +2332,7 @@
           <a:p>
             <a:pPr lvl="0"/>
             <a:r>
-              <a:rPr lang="en-US" smtClean="0"/>
+              <a:rPr lang="en-US"/>
               <a:t>Click to edit Master text styles</a:t>
             </a:r>
           </a:p>
@@ -2368,7 +2355,7 @@
           <a:p>
             <a:fld id="{2330926E-6BBF-8F40-92E7-D37C823A4294}" type="datetimeFigureOut">
               <a:rPr lang="en-US" smtClean="0"/>
-              <a:t>5/24/17</a:t>
+              <a:t>6/12/19</a:t>
             </a:fld>
             <a:endParaRPr lang="en-US"/>
           </a:p>
@@ -2477,10 +2464,9 @@
           <a:lstStyle/>
           <a:p>
             <a:r>
-              <a:rPr lang="en-US" smtClean="0"/>
+              <a:rPr lang="en-US"/>
               <a:t>Click to edit Master title style</a:t>
             </a:r>
-            <a:endParaRPr lang="en-US"/>
           </a:p>
         </p:txBody>
       </p:sp>
@@ -2511,38 +2497,37 @@
           <a:p>
             <a:pPr lvl="0"/>
             <a:r>
-              <a:rPr lang="en-US" smtClean="0"/>
+              <a:rPr lang="en-US"/>
               <a:t>Click to edit Master text styles</a:t>
             </a:r>
           </a:p>
           <a:p>
             <a:pPr lvl="1"/>
             <a:r>
-              <a:rPr lang="en-US" smtClean="0"/>
+              <a:rPr lang="en-US"/>
               <a:t>Second level</a:t>
             </a:r>
           </a:p>
           <a:p>
             <a:pPr lvl="2"/>
             <a:r>
-              <a:rPr lang="en-US" smtClean="0"/>
+              <a:rPr lang="en-US"/>
               <a:t>Third level</a:t>
             </a:r>
           </a:p>
           <a:p>
             <a:pPr lvl="3"/>
             <a:r>
-              <a:rPr lang="en-US" smtClean="0"/>
+              <a:rPr lang="en-US"/>
               <a:t>Fourth level</a:t>
             </a:r>
           </a:p>
           <a:p>
             <a:pPr lvl="4"/>
             <a:r>
-              <a:rPr lang="en-US" smtClean="0"/>
+              <a:rPr lang="en-US"/>
               <a:t>Fifth level</a:t>
             </a:r>
-            <a:endParaRPr lang="en-US"/>
           </a:p>
         </p:txBody>
       </p:sp>
@@ -2581,7 +2566,7 @@
           <a:p>
             <a:fld id="{2330926E-6BBF-8F40-92E7-D37C823A4294}" type="datetimeFigureOut">
               <a:rPr lang="en-US" smtClean="0"/>
-              <a:t>5/24/17</a:t>
+              <a:t>6/12/19</a:t>
             </a:fld>
             <a:endParaRPr lang="en-US"/>
           </a:p>
@@ -2988,7 +2973,13 @@
       </p:grpSpPr>
       <p:sp>
         <p:nvSpPr>
-          <p:cNvPr id="2" name="Title 1"/>
+          <p:cNvPr id="2" name="Title 1">
+            <a:extLst>
+              <a:ext uri="{FF2B5EF4-FFF2-40B4-BE49-F238E27FC236}">
+                <a16:creationId xmlns:a16="http://schemas.microsoft.com/office/drawing/2014/main" id="{E9A2F1F1-CAC0-B54A-82B9-13E049DE47C7}"/>
+              </a:ext>
+            </a:extLst>
+          </p:cNvPr>
           <p:cNvSpPr>
             <a:spLocks noGrp="1"/>
           </p:cNvSpPr>
@@ -3002,16 +2993,21 @@
           <a:lstStyle/>
           <a:p>
             <a:r>
-              <a:rPr lang="en-US" b="1" dirty="0" smtClean="0"/>
-              <a:t>Postfix Mail Server</a:t>
-            </a:r>
-            <a:endParaRPr lang="en-US" b="1" dirty="0"/>
-          </a:p>
-        </p:txBody>
-      </p:sp>
-      <p:sp>
-        <p:nvSpPr>
-          <p:cNvPr id="3" name="Subtitle 2"/>
+              <a:rPr lang="en-US" dirty="0"/>
+              <a:t>Email Intro</a:t>
+            </a:r>
+          </a:p>
+        </p:txBody>
+      </p:sp>
+      <p:sp>
+        <p:nvSpPr>
+          <p:cNvPr id="3" name="Subtitle 2">
+            <a:extLst>
+              <a:ext uri="{FF2B5EF4-FFF2-40B4-BE49-F238E27FC236}">
+                <a16:creationId xmlns:a16="http://schemas.microsoft.com/office/drawing/2014/main" id="{E1DA0F7F-FC29-B643-9520-ED74E84C3770}"/>
+              </a:ext>
+            </a:extLst>
+          </p:cNvPr>
           <p:cNvSpPr>
             <a:spLocks noGrp="1"/>
           </p:cNvSpPr>
@@ -3024,37 +3020,20 @@
           <a:bodyPr/>
           <a:lstStyle/>
           <a:p>
-            <a:r>
-              <a:rPr lang="en-US" dirty="0" smtClean="0"/>
-              <a:t>Kevin Chege</a:t>
-            </a:r>
-          </a:p>
-          <a:p>
-            <a:r>
-              <a:rPr lang="en-US" dirty="0" smtClean="0"/>
-              <a:t>ISOC</a:t>
-            </a:r>
-            <a:endParaRPr lang="en-US" dirty="0"/>
+            <a:endParaRPr lang="en-US"/>
           </a:p>
         </p:txBody>
       </p:sp>
     </p:spTree>
     <p:extLst>
       <p:ext uri="{BB962C8B-B14F-4D97-AF65-F5344CB8AC3E}">
-        <p14:creationId xmlns:p14="http://schemas.microsoft.com/office/powerpoint/2010/main" val="1913290876"/>
+        <p14:creationId xmlns:p14="http://schemas.microsoft.com/office/powerpoint/2010/main" val="2176292270"/>
       </p:ext>
     </p:extLst>
   </p:cSld>
   <p:clrMapOvr>
     <a:masterClrMapping/>
   </p:clrMapOvr>
-  <p:timing>
-    <p:tnLst>
-      <p:par>
-        <p:cTn id="1" dur="indefinite" restart="never" nodeType="tmRoot"/>
-      </p:par>
-    </p:tnLst>
-  </p:timing>
 </p:sld>
 </file>
 
@@ -3085,30 +3064,12 @@
             <p:ph type="title"/>
           </p:nvPr>
         </p:nvSpPr>
-        <p:spPr/>
-        <p:txBody>
-          <a:bodyPr/>
-          <a:lstStyle/>
-          <a:p>
-            <a:r>
-              <a:rPr lang="en-US" b="1" dirty="0" smtClean="0"/>
-              <a:t>Relaying mail - to</a:t>
-            </a:r>
-            <a:endParaRPr lang="en-US" b="1" dirty="0"/>
-          </a:p>
-        </p:txBody>
-      </p:sp>
-      <p:sp>
-        <p:nvSpPr>
-          <p:cNvPr id="3" name="Content Placeholder 2"/>
-          <p:cNvSpPr>
-            <a:spLocks noGrp="1"/>
-          </p:cNvSpPr>
-          <p:nvPr>
-            <p:ph idx="1"/>
-          </p:nvPr>
-        </p:nvSpPr>
-        <p:spPr/>
+        <p:spPr>
+          <a:xfrm>
+            <a:off x="1981200" y="52716"/>
+            <a:ext cx="8229600" cy="1143000"/>
+          </a:xfrm>
+        </p:spPr>
         <p:txBody>
           <a:bodyPr>
             <a:normAutofit/>
@@ -3116,52 +3077,202 @@
           <a:lstStyle/>
           <a:p>
             <a:r>
-              <a:rPr lang="en-US" dirty="0" smtClean="0"/>
-              <a:t>By default, Postfix will forward mail from strangers (clients outside authorized networks) to authorized remote destinations only. </a:t>
-            </a:r>
-          </a:p>
-          <a:p>
-            <a:r>
-              <a:rPr lang="en-US" dirty="0" smtClean="0"/>
-              <a:t>Authorized remote destinations are defined with the </a:t>
-            </a:r>
-            <a:r>
-              <a:rPr lang="en-US" dirty="0" smtClean="0">
-                <a:hlinkClick r:id="rId2"/>
+              <a:rPr lang="en-US" b="1" dirty="0"/>
+              <a:t>Some Key Features</a:t>
+            </a:r>
+          </a:p>
+        </p:txBody>
+      </p:sp>
+      <p:sp>
+        <p:nvSpPr>
+          <p:cNvPr id="3" name="Content Placeholder 2"/>
+          <p:cNvSpPr>
+            <a:spLocks noGrp="1"/>
+          </p:cNvSpPr>
+          <p:nvPr>
+            <p:ph idx="1"/>
+          </p:nvPr>
+        </p:nvSpPr>
+        <p:spPr>
+          <a:xfrm>
+            <a:off x="1981200" y="1245229"/>
+            <a:ext cx="8229600" cy="4880935"/>
+          </a:xfrm>
+        </p:spPr>
+        <p:txBody>
+          <a:bodyPr>
+            <a:normAutofit fontScale="92500"/>
+          </a:bodyPr>
+          <a:lstStyle/>
+          <a:p>
+            <a:r>
+              <a:rPr lang="en-US" dirty="0"/>
+              <a:t>SASL authentication Simple </a:t>
+            </a:r>
+            <a:r>
+              <a:rPr lang="en-US" dirty="0" err="1"/>
+              <a:t>Auth</a:t>
+            </a:r>
+            <a:r>
+              <a:rPr lang="en-US" dirty="0"/>
+              <a:t> Security Layer</a:t>
+            </a:r>
+          </a:p>
+          <a:p>
+            <a:r>
+              <a:rPr lang="en-US" dirty="0"/>
+              <a:t>Mail forwarding or delivery</a:t>
+            </a:r>
+          </a:p>
+          <a:p>
+            <a:r>
+              <a:rPr lang="en-US" dirty="0"/>
+              <a:t>"Virtual" domains with distinct address-namespaces</a:t>
+            </a:r>
+          </a:p>
+          <a:p>
+            <a:r>
+              <a:rPr lang="en-US" dirty="0"/>
+              <a:t>A large number of database lookup mechanisms including </a:t>
+            </a:r>
+            <a:r>
+              <a:rPr lang="en-US" dirty="0">
+                <a:hlinkClick r:id="rId2" tooltip="Berkeley DB"/>
               </a:rPr>
-              <a:t>relay_domains</a:t>
-            </a:r>
-            <a:r>
-              <a:rPr lang="en-US" dirty="0" smtClean="0"/>
-              <a:t> configuration parameter. </a:t>
-            </a:r>
-          </a:p>
-          <a:p>
-            <a:r>
-              <a:rPr lang="en-US" dirty="0" smtClean="0"/>
-              <a:t>The default is to authorize all domains (and subdomains) of the domains listed with the </a:t>
-            </a:r>
-            <a:r>
-              <a:rPr lang="en-US" dirty="0" smtClean="0">
-                <a:hlinkClick r:id="rId3"/>
+              <a:t>Berkeley DB</a:t>
+            </a:r>
+            <a:r>
+              <a:rPr lang="en-US" dirty="0"/>
+              <a:t>, </a:t>
+            </a:r>
+            <a:r>
+              <a:rPr lang="en-US" dirty="0">
+                <a:hlinkClick r:id="rId3" tooltip="Cdb (software)"/>
               </a:rPr>
-              <a:t>mydestination</a:t>
-            </a:r>
-            <a:r>
-              <a:rPr lang="en-US" dirty="0" smtClean="0"/>
-              <a:t> parameter. </a:t>
-            </a:r>
-          </a:p>
-          <a:p>
-            <a:r>
-              <a:rPr lang="en-US" dirty="0" smtClean="0"/>
-              <a:t>This means that by default, your Postfix mail server will accept mail from anyone to recipients to the local Postfix server</a:t>
-            </a:r>
-          </a:p>
-          <a:p>
-            <a:pPr marL="0" indent="0">
-              <a:buNone/>
-            </a:pPr>
+              <a:t>CDB</a:t>
+            </a:r>
+            <a:r>
+              <a:rPr lang="en-US" dirty="0"/>
+              <a:t>, </a:t>
+            </a:r>
+            <a:r>
+              <a:rPr lang="en-US" dirty="0">
+                <a:hlinkClick r:id="rId4" tooltip="OpenLDAP"/>
+              </a:rPr>
+              <a:t>OpenLDAP LMDB</a:t>
+            </a:r>
+            <a:r>
+              <a:rPr lang="en-US" dirty="0"/>
+              <a:t>, </a:t>
+            </a:r>
+            <a:r>
+              <a:rPr lang="en-US" dirty="0">
+                <a:hlinkClick r:id="rId5" tooltip="Memcached"/>
+              </a:rPr>
+              <a:t>Memcached</a:t>
+            </a:r>
+            <a:r>
+              <a:rPr lang="en-US" dirty="0"/>
+              <a:t>, </a:t>
+            </a:r>
+            <a:r>
+              <a:rPr lang="en-US" dirty="0">
+                <a:hlinkClick r:id="rId6" tooltip="Lightweight Directory Access Protocol"/>
+              </a:rPr>
+              <a:t>LDAP</a:t>
+            </a:r>
+            <a:r>
+              <a:rPr lang="en-US" dirty="0"/>
+              <a:t> and multiple </a:t>
+            </a:r>
+            <a:r>
+              <a:rPr lang="en-US" dirty="0">
+                <a:hlinkClick r:id="rId7" tooltip="SQL"/>
+              </a:rPr>
+              <a:t>SQL</a:t>
+            </a:r>
+            <a:r>
+              <a:rPr lang="en-US" dirty="0"/>
+              <a:t> database implementations</a:t>
+            </a:r>
+          </a:p>
+          <a:p>
+            <a:r>
+              <a:rPr lang="en-US" dirty="0"/>
+              <a:t>Extended </a:t>
+            </a:r>
+          </a:p>
+          <a:p>
+            <a:pPr lvl="1"/>
+            <a:r>
+              <a:rPr lang="en-US" dirty="0">
+                <a:hlinkClick r:id="rId8" tooltip="Deep content inspection"/>
+              </a:rPr>
+              <a:t>Deep content inspection</a:t>
+            </a:r>
+            <a:r>
+              <a:rPr lang="en-US" dirty="0"/>
+              <a:t> before or after a message is accepted into the mail queue;</a:t>
+            </a:r>
+          </a:p>
+          <a:p>
+            <a:pPr lvl="1"/>
+            <a:r>
+              <a:rPr lang="en-US" dirty="0"/>
+              <a:t>Mail authentication with </a:t>
+            </a:r>
+            <a:r>
+              <a:rPr lang="en-US" dirty="0">
+                <a:hlinkClick r:id="rId9" tooltip="DomainKeys Identified Mail"/>
+              </a:rPr>
+              <a:t>DKIM</a:t>
+            </a:r>
+            <a:r>
+              <a:rPr lang="en-US" dirty="0"/>
+              <a:t>, </a:t>
+            </a:r>
+            <a:r>
+              <a:rPr lang="en-US" dirty="0">
+                <a:hlinkClick r:id="rId10" tooltip="Sender Policy Framework"/>
+              </a:rPr>
+              <a:t>SPF</a:t>
+            </a:r>
+            <a:r>
+              <a:rPr lang="en-US" dirty="0"/>
+              <a:t>, or other protocols;</a:t>
+            </a:r>
+          </a:p>
+          <a:p>
+            <a:pPr lvl="1"/>
+            <a:r>
+              <a:rPr lang="en-US" dirty="0">
+                <a:hlinkClick r:id="rId11" tooltip="Simple Mail Transfer Protocol"/>
+              </a:rPr>
+              <a:t>SMTP</a:t>
+            </a:r>
+            <a:r>
+              <a:rPr lang="en-US" dirty="0"/>
+              <a:t>-level access policies such as </a:t>
+            </a:r>
+            <a:r>
+              <a:rPr lang="en-US" dirty="0">
+                <a:hlinkClick r:id="rId12" tooltip="Greylisting"/>
+              </a:rPr>
+              <a:t>greylisting</a:t>
+            </a:r>
+            <a:r>
+              <a:rPr lang="en-US" dirty="0"/>
+              <a:t> or rate control.</a:t>
+            </a:r>
+          </a:p>
+          <a:p>
+            <a:pPr lvl="1"/>
+            <a:endParaRPr lang="en-US" dirty="0"/>
+          </a:p>
+          <a:p>
+            <a:endParaRPr lang="en-US" dirty="0"/>
+          </a:p>
+          <a:p>
             <a:endParaRPr lang="en-US" dirty="0"/>
           </a:p>
         </p:txBody>
@@ -3169,20 +3280,13 @@
     </p:spTree>
     <p:extLst>
       <p:ext uri="{BB962C8B-B14F-4D97-AF65-F5344CB8AC3E}">
-        <p14:creationId xmlns:p14="http://schemas.microsoft.com/office/powerpoint/2010/main" val="1429371401"/>
+        <p14:creationId xmlns:p14="http://schemas.microsoft.com/office/powerpoint/2010/main" val="1471738944"/>
       </p:ext>
     </p:extLst>
   </p:cSld>
   <p:clrMapOvr>
     <a:masterClrMapping/>
   </p:clrMapOvr>
-  <p:timing>
-    <p:tnLst>
-      <p:par>
-        <p:cTn id="1" dur="indefinite" restart="never" nodeType="tmRoot"/>
-      </p:par>
-    </p:tnLst>
-  </p:timing>
 </p:sld>
 </file>
 
@@ -3219,10 +3323,9 @@
           <a:lstStyle/>
           <a:p>
             <a:r>
-              <a:rPr lang="en-US" b="1" dirty="0" smtClean="0"/>
-              <a:t>Outbound emails</a:t>
-            </a:r>
-            <a:endParaRPr lang="en-US" b="1" dirty="0"/>
+              <a:rPr lang="en-US" b="1" dirty="0"/>
+              <a:t>Postfix on Debian and FreeBSD</a:t>
+            </a:r>
           </a:p>
         </p:txBody>
       </p:sp>
@@ -3239,91 +3342,166 @@
         <p:spPr/>
         <p:txBody>
           <a:bodyPr>
-            <a:normAutofit fontScale="92500" lnSpcReduction="20000"/>
+            <a:normAutofit/>
           </a:bodyPr>
           <a:lstStyle/>
           <a:p>
             <a:r>
-              <a:rPr lang="en-US" dirty="0" smtClean="0"/>
-              <a:t>By default, Postfix tries to deliver mail directly to the Internet. </a:t>
-            </a:r>
-          </a:p>
-          <a:p>
-            <a:r>
-              <a:rPr lang="en-US" dirty="0" smtClean="0"/>
-              <a:t>Depending on your local conditions this may not be possible or desirable</a:t>
-            </a:r>
-          </a:p>
-          <a:p>
-            <a:r>
-              <a:rPr lang="en-US" dirty="0" smtClean="0"/>
-              <a:t>For example, your system may be behind a firewall, or it may be connected via a provider who does not allow direct mail to the Internet.</a:t>
-            </a:r>
-          </a:p>
-          <a:p>
-            <a:r>
-              <a:rPr lang="en-US" dirty="0" smtClean="0"/>
-              <a:t>In those cases you need to configure Postfix to deliver mail indirectly via a </a:t>
-            </a:r>
-            <a:r>
-              <a:rPr lang="en-US" dirty="0" smtClean="0">
-                <a:hlinkClick r:id="rId2"/>
-              </a:rPr>
-              <a:t>relay host</a:t>
-            </a:r>
-            <a:r>
-              <a:rPr lang="en-US" dirty="0" smtClean="0"/>
-              <a:t>. </a:t>
-            </a:r>
+              <a:rPr lang="en-US" dirty="0" err="1"/>
+              <a:t>Debain</a:t>
+            </a:r>
+            <a:endParaRPr lang="en-US" dirty="0"/>
           </a:p>
           <a:p>
             <a:pPr lvl="1"/>
             <a:r>
-              <a:rPr lang="en-US" dirty="0" smtClean="0">
-                <a:hlinkClick r:id="rId2"/>
-              </a:rPr>
-              <a:t>relayhost</a:t>
-            </a:r>
-            <a:r>
-              <a:rPr lang="en-US" dirty="0" smtClean="0"/>
-              <a:t> = [</a:t>
-            </a:r>
-            <a:r>
-              <a:rPr lang="en-US" dirty="0" err="1" smtClean="0"/>
-              <a:t>mail.isp.tld</a:t>
-            </a:r>
-            <a:r>
-              <a:rPr lang="en-US" dirty="0" smtClean="0"/>
-              <a:t>]</a:t>
+              <a:rPr lang="en-US" dirty="0"/>
+              <a:t>Installed via: </a:t>
+            </a:r>
+            <a:r>
+              <a:rPr lang="en-US" b="1" dirty="0"/>
+              <a:t>$</a:t>
+            </a:r>
+            <a:r>
+              <a:rPr lang="en-US" b="1" dirty="0" err="1"/>
+              <a:t>sudo</a:t>
+            </a:r>
+            <a:r>
+              <a:rPr lang="en-US" b="1" dirty="0"/>
+              <a:t> apt-get install postfix</a:t>
             </a:r>
           </a:p>
           <a:p>
             <a:pPr lvl="1"/>
             <a:r>
-              <a:rPr lang="en-US" dirty="0" smtClean="0"/>
-              <a:t>Note that the [] disables MX lookups so is necessary</a:t>
-            </a:r>
-            <a:endParaRPr lang="en-US" dirty="0"/>
+              <a:rPr lang="en-US" dirty="0"/>
+              <a:t>Directories: </a:t>
+            </a:r>
+            <a:r>
+              <a:rPr lang="en-US" b="1" dirty="0"/>
+              <a:t>/</a:t>
+            </a:r>
+            <a:r>
+              <a:rPr lang="en-US" b="1" dirty="0" err="1"/>
+              <a:t>etc</a:t>
+            </a:r>
+            <a:r>
+              <a:rPr lang="en-US" b="1" dirty="0"/>
+              <a:t>/postfix</a:t>
+            </a:r>
+          </a:p>
+          <a:p>
+            <a:r>
+              <a:rPr lang="en-US" b="1" dirty="0"/>
+              <a:t>FreeBSD</a:t>
+            </a:r>
+          </a:p>
+          <a:p>
+            <a:pPr lvl="1"/>
+            <a:r>
+              <a:rPr lang="en-US" dirty="0"/>
+              <a:t>Installed via: </a:t>
+            </a:r>
+            <a:r>
+              <a:rPr lang="en-US" b="1" dirty="0"/>
+              <a:t>$</a:t>
+            </a:r>
+            <a:r>
+              <a:rPr lang="en-US" b="1" dirty="0" err="1"/>
+              <a:t>sudo</a:t>
+            </a:r>
+            <a:r>
+              <a:rPr lang="en-US" b="1" dirty="0"/>
+              <a:t> </a:t>
+            </a:r>
+            <a:r>
+              <a:rPr lang="en-US" b="1" dirty="0" err="1"/>
+              <a:t>pkg</a:t>
+            </a:r>
+            <a:r>
+              <a:rPr lang="en-US" b="1" dirty="0"/>
+              <a:t> install postfix</a:t>
+            </a:r>
+          </a:p>
+          <a:p>
+            <a:pPr lvl="1"/>
+            <a:r>
+              <a:rPr lang="en-US" b="1" dirty="0"/>
+              <a:t>Directories: /</a:t>
+            </a:r>
+            <a:r>
+              <a:rPr lang="en-US" b="1" dirty="0" err="1"/>
+              <a:t>etc</a:t>
+            </a:r>
+            <a:r>
+              <a:rPr lang="en-US" b="1" dirty="0"/>
+              <a:t>/postfix </a:t>
+            </a:r>
+            <a:r>
+              <a:rPr lang="en-US" dirty="0"/>
+              <a:t>or</a:t>
+            </a:r>
+            <a:r>
+              <a:rPr lang="en-US" b="1" dirty="0"/>
+              <a:t> /</a:t>
+            </a:r>
+            <a:r>
+              <a:rPr lang="en-US" b="1" dirty="0" err="1"/>
+              <a:t>usr</a:t>
+            </a:r>
+            <a:r>
+              <a:rPr lang="en-US" b="1" dirty="0"/>
+              <a:t>/local/</a:t>
+            </a:r>
+            <a:r>
+              <a:rPr lang="en-US" b="1" dirty="0" err="1"/>
+              <a:t>etc</a:t>
+            </a:r>
+            <a:r>
+              <a:rPr lang="en-US" b="1" dirty="0"/>
+              <a:t>/postfix</a:t>
+            </a:r>
+          </a:p>
+          <a:p>
+            <a:r>
+              <a:rPr lang="en-US" dirty="0"/>
+              <a:t>Configuration files</a:t>
+            </a:r>
+          </a:p>
+          <a:p>
+            <a:pPr lvl="1"/>
+            <a:r>
+              <a:rPr lang="en-US" dirty="0" err="1"/>
+              <a:t>main.cf</a:t>
+            </a:r>
+            <a:r>
+              <a:rPr lang="en-US" dirty="0"/>
+              <a:t> - stores site specific Postfix configuration parameters while</a:t>
+            </a:r>
+          </a:p>
+          <a:p>
+            <a:pPr lvl="1"/>
+            <a:r>
+              <a:rPr lang="en-US" dirty="0" err="1"/>
+              <a:t>master.cf</a:t>
+            </a:r>
+            <a:r>
+              <a:rPr lang="en-US" dirty="0"/>
+              <a:t> – defines daemon processes</a:t>
+            </a:r>
           </a:p>
         </p:txBody>
       </p:sp>
     </p:spTree>
     <p:extLst>
       <p:ext uri="{BB962C8B-B14F-4D97-AF65-F5344CB8AC3E}">
-        <p14:creationId xmlns:p14="http://schemas.microsoft.com/office/powerpoint/2010/main" val="1693061265"/>
+        <p14:creationId xmlns:p14="http://schemas.microsoft.com/office/powerpoint/2010/main" val="799785662"/>
       </p:ext>
     </p:extLst>
   </p:cSld>
   <p:clrMapOvr>
     <a:masterClrMapping/>
   </p:clrMapOvr>
-  <p:timing>
-    <p:tnLst>
-      <p:par>
-        <p:cTn id="1" dur="indefinite" restart="never" nodeType="tmRoot"/>
-      </p:par>
-    </p:tnLst>
-  </p:timing>
 </p:sld>
 </file>
 
@@ -3360,8 +3538,8 @@
           <a:lstStyle/>
           <a:p>
             <a:r>
-              <a:rPr lang="en-US" b="1" dirty="0" smtClean="0"/>
-              <a:t>Reporting problems</a:t>
+              <a:rPr lang="en-US" b="1" dirty="0" err="1"/>
+              <a:t>master.cf</a:t>
             </a:r>
             <a:endParaRPr lang="en-US" b="1" dirty="0"/>
           </a:p>
@@ -3380,127 +3558,47 @@
         <p:spPr/>
         <p:txBody>
           <a:bodyPr>
-            <a:normAutofit fontScale="85000" lnSpcReduction="10000"/>
+            <a:normAutofit/>
           </a:bodyPr>
           <a:lstStyle/>
           <a:p>
             <a:r>
-              <a:rPr lang="en-US" dirty="0" smtClean="0"/>
-              <a:t>You should set up a postmaster alias in the aliases table that directs mail to a real person</a:t>
-            </a:r>
-          </a:p>
-          <a:p>
-            <a:r>
-              <a:rPr lang="en-US" dirty="0" smtClean="0"/>
-              <a:t>The postmaster address is required to exist, so that people can report mail delivery problems.</a:t>
-            </a:r>
-          </a:p>
-          <a:p>
-            <a:r>
-              <a:rPr lang="en-US" dirty="0" smtClean="0"/>
-              <a:t>While you're updating the </a:t>
-            </a:r>
-            <a:r>
-              <a:rPr lang="en-US" dirty="0" smtClean="0">
-                <a:hlinkClick r:id="rId2"/>
-              </a:rPr>
-              <a:t>aliases(5)</a:t>
-            </a:r>
-            <a:r>
-              <a:rPr lang="en-US" dirty="0" smtClean="0"/>
-              <a:t> table, be sure to direct mail for the super-user to a human person too. </a:t>
-            </a:r>
-            <a:br>
-              <a:rPr lang="en-US" dirty="0" smtClean="0"/>
-            </a:br>
-            <a:r>
-              <a:rPr lang="en-US" dirty="0" smtClean="0"/>
-              <a:t>	/</a:t>
-            </a:r>
-            <a:r>
-              <a:rPr lang="en-US" dirty="0" err="1" smtClean="0"/>
-              <a:t>etc</a:t>
-            </a:r>
-            <a:r>
-              <a:rPr lang="en-US" dirty="0" smtClean="0"/>
-              <a:t>/aliases: </a:t>
-            </a:r>
-            <a:br>
-              <a:rPr lang="en-US" dirty="0" smtClean="0"/>
-            </a:br>
-            <a:r>
-              <a:rPr lang="en-US" dirty="0" smtClean="0"/>
-              <a:t>postmaster: </a:t>
-            </a:r>
-            <a:r>
-              <a:rPr lang="en-US" dirty="0" err="1" smtClean="0"/>
-              <a:t>afnog</a:t>
-            </a:r>
-            <a:r>
-              <a:rPr lang="en-US" dirty="0" smtClean="0"/>
-              <a:t> </a:t>
-            </a:r>
-            <a:br>
-              <a:rPr lang="en-US" dirty="0" smtClean="0"/>
-            </a:br>
-            <a:r>
-              <a:rPr lang="en-US" dirty="0" smtClean="0"/>
-              <a:t>root: </a:t>
-            </a:r>
-            <a:r>
-              <a:rPr lang="en-US" dirty="0" err="1" smtClean="0"/>
-              <a:t>afnog</a:t>
-            </a:r>
-            <a:endParaRPr lang="en-US" dirty="0" smtClean="0"/>
-          </a:p>
-          <a:p>
-            <a:r>
-              <a:rPr lang="en-US" dirty="0" smtClean="0"/>
-              <a:t>After editing the aliases file, run the command </a:t>
-            </a:r>
-            <a:r>
-              <a:rPr lang="en-US" i="1" dirty="0" smtClean="0"/>
-              <a:t>$</a:t>
-            </a:r>
-            <a:r>
-              <a:rPr lang="en-US" i="1" dirty="0" err="1" smtClean="0"/>
-              <a:t>sudo</a:t>
-            </a:r>
-            <a:r>
-              <a:rPr lang="en-US" i="1" dirty="0" smtClean="0"/>
-              <a:t> </a:t>
-            </a:r>
-            <a:r>
-              <a:rPr lang="en-US" i="1" dirty="0" err="1" smtClean="0"/>
-              <a:t>newaliases</a:t>
-            </a:r>
-            <a:endParaRPr lang="en-US" dirty="0" smtClean="0"/>
-          </a:p>
-          <a:p>
-            <a:pPr marL="457200" lvl="1" indent="0">
-              <a:buNone/>
-            </a:pPr>
-            <a:endParaRPr lang="en-US" dirty="0"/>
+              <a:rPr lang="en-US" dirty="0"/>
+              <a:t>defines how a client program connects to a service, and what daemon program runs when a service is requested.  </a:t>
+            </a:r>
+          </a:p>
+          <a:p>
+            <a:r>
+              <a:rPr lang="en-US" dirty="0"/>
+              <a:t>The Postfix master daemon launches all of the other Postfix services as they are needed. The various services, and how they are run, are specified in the </a:t>
+            </a:r>
+            <a:r>
+              <a:rPr lang="en-US" dirty="0" err="1"/>
+              <a:t>master.cf</a:t>
+            </a:r>
+            <a:r>
+              <a:rPr lang="en-US" dirty="0"/>
+              <a:t> file.</a:t>
+            </a:r>
+          </a:p>
+          <a:p>
+            <a:r>
+              <a:rPr lang="en-US" dirty="0"/>
+              <a:t>The SMTP service is defined in this file as well as third party apps like an SPF program or a DKIM Program</a:t>
+            </a:r>
           </a:p>
         </p:txBody>
       </p:sp>
     </p:spTree>
     <p:extLst>
       <p:ext uri="{BB962C8B-B14F-4D97-AF65-F5344CB8AC3E}">
-        <p14:creationId xmlns:p14="http://schemas.microsoft.com/office/powerpoint/2010/main" val="1122358105"/>
+        <p14:creationId xmlns:p14="http://schemas.microsoft.com/office/powerpoint/2010/main" val="897474661"/>
       </p:ext>
     </p:extLst>
   </p:cSld>
   <p:clrMapOvr>
     <a:masterClrMapping/>
   </p:clrMapOvr>
-  <p:timing>
-    <p:tnLst>
-      <p:par>
-        <p:cTn id="1" dur="indefinite" restart="never" nodeType="tmRoot"/>
-      </p:par>
-    </p:tnLst>
-  </p:timing>
 </p:sld>
 </file>
 
@@ -3531,141 +3629,85 @@
             <p:ph type="title"/>
           </p:nvPr>
         </p:nvSpPr>
-        <p:spPr>
-          <a:xfrm>
-            <a:off x="1981200" y="274639"/>
-            <a:ext cx="8229600" cy="619117"/>
-          </a:xfrm>
-        </p:spPr>
+        <p:spPr/>
+        <p:txBody>
+          <a:bodyPr/>
+          <a:lstStyle/>
+          <a:p>
+            <a:r>
+              <a:rPr lang="en-US" b="1" dirty="0" err="1"/>
+              <a:t>main.cf</a:t>
+            </a:r>
+            <a:endParaRPr lang="en-US" b="1" dirty="0"/>
+          </a:p>
+        </p:txBody>
+      </p:sp>
+      <p:sp>
+        <p:nvSpPr>
+          <p:cNvPr id="3" name="Content Placeholder 2"/>
+          <p:cNvSpPr>
+            <a:spLocks noGrp="1"/>
+          </p:cNvSpPr>
+          <p:nvPr>
+            <p:ph idx="1"/>
+          </p:nvPr>
+        </p:nvSpPr>
+        <p:spPr/>
         <p:txBody>
           <a:bodyPr>
-            <a:normAutofit fontScale="90000"/>
+            <a:normAutofit/>
           </a:bodyPr>
           <a:lstStyle/>
           <a:p>
             <a:r>
-              <a:rPr lang="en-US" b="1" dirty="0" smtClean="0"/>
-              <a:t>Default reports</a:t>
-            </a:r>
-            <a:endParaRPr lang="en-US" b="1" dirty="0"/>
-          </a:p>
-        </p:txBody>
-      </p:sp>
-      <p:sp>
-        <p:nvSpPr>
-          <p:cNvPr id="3" name="Content Placeholder 2"/>
-          <p:cNvSpPr>
-            <a:spLocks noGrp="1"/>
-          </p:cNvSpPr>
-          <p:nvPr>
-            <p:ph idx="1"/>
-          </p:nvPr>
-        </p:nvSpPr>
-        <p:spPr>
-          <a:xfrm>
-            <a:off x="1868910" y="893756"/>
-            <a:ext cx="8654073" cy="5801565"/>
-          </a:xfrm>
-        </p:spPr>
-        <p:txBody>
-          <a:bodyPr>
-            <a:normAutofit fontScale="62500" lnSpcReduction="20000"/>
-          </a:bodyPr>
-          <a:lstStyle/>
-          <a:p>
-            <a:r>
-              <a:rPr lang="en-US" dirty="0"/>
-              <a:t>b</a:t>
-            </a:r>
-            <a:r>
-              <a:rPr lang="en-US" dirty="0" smtClean="0"/>
-              <a:t>ounce</a:t>
+              <a:rPr lang="en-US" dirty="0"/>
+              <a:t>specifies a very small subset of all the parameters that control the operation of the Postfix mail system</a:t>
+            </a:r>
+          </a:p>
+          <a:p>
+            <a:r>
+              <a:rPr lang="en-US" dirty="0"/>
+              <a:t>you will have to set up a minimal number of configuration parameters. </a:t>
+            </a:r>
+          </a:p>
+          <a:p>
+            <a:r>
+              <a:rPr lang="en-US" dirty="0"/>
+              <a:t>Postfix configuration parameters resemble shell variables</a:t>
             </a:r>
           </a:p>
           <a:p>
             <a:pPr lvl="1"/>
             <a:r>
-              <a:rPr lang="en-US" dirty="0" smtClean="0"/>
-              <a:t> Inform the postmaster of undeliverable mail. Either send the postmaster a copy of undeliverable mail that is returned to the sender, or send a transcript of the SMTP </a:t>
-            </a:r>
-          </a:p>
-          <a:p>
-            <a:r>
-              <a:rPr lang="en-US" dirty="0" smtClean="0"/>
-              <a:t>2bounce </a:t>
+              <a:rPr lang="en-US" dirty="0"/>
+              <a:t>parameter = value</a:t>
             </a:r>
           </a:p>
           <a:p>
             <a:pPr lvl="1"/>
             <a:r>
-              <a:rPr lang="en-US" dirty="0" smtClean="0"/>
-              <a:t>When Postfix is unable to return undeliverable mail to the sender, </a:t>
-            </a:r>
-          </a:p>
-          <a:p>
-            <a:r>
-              <a:rPr lang="en-US" dirty="0" smtClean="0"/>
-              <a:t>delay </a:t>
+              <a:rPr lang="en-US" dirty="0" err="1"/>
+              <a:t>other_parameter</a:t>
+            </a:r>
+            <a:r>
+              <a:rPr lang="en-US" dirty="0"/>
+              <a:t> = $parameter</a:t>
+            </a:r>
+          </a:p>
+          <a:p>
+            <a:r>
+              <a:rPr lang="en-US" dirty="0"/>
+              <a:t>Postfix uses database files for access control, address rewriting and other purposes </a:t>
             </a:r>
           </a:p>
           <a:p>
             <a:pPr lvl="1"/>
-            <a:r>
-              <a:rPr lang="en-US" dirty="0" smtClean="0"/>
-              <a:t>Inform the postmaster of delayed mail. In this case, the postmaster receives message headers only. </a:t>
-            </a:r>
-          </a:p>
-          <a:p>
-            <a:r>
-              <a:rPr lang="en-US" dirty="0" smtClean="0"/>
-              <a:t>policy </a:t>
-            </a:r>
-          </a:p>
-          <a:p>
-            <a:pPr lvl="1"/>
-            <a:r>
-              <a:rPr lang="en-US" dirty="0" smtClean="0"/>
-              <a:t>Inform the postmaster of client requests that were rejected because of (UCE) policy restrictions. The postmaster receives a transcript of the SMTP session.</a:t>
-            </a:r>
-          </a:p>
-          <a:p>
-            <a:r>
-              <a:rPr lang="en-US" dirty="0" smtClean="0"/>
-              <a:t>protocol </a:t>
-            </a:r>
-          </a:p>
-          <a:p>
-            <a:pPr lvl="1"/>
-            <a:r>
-              <a:rPr lang="en-US" dirty="0" smtClean="0"/>
-              <a:t>Inform the postmaster of protocol errors (client or server side) or attempts by a client to execute unimplemented commands. </a:t>
-            </a:r>
-          </a:p>
-          <a:p>
-            <a:r>
-              <a:rPr lang="en-US" dirty="0" smtClean="0"/>
-              <a:t>resource </a:t>
-            </a:r>
-          </a:p>
-          <a:p>
-            <a:pPr lvl="1"/>
-            <a:r>
-              <a:rPr lang="en-US" dirty="0" smtClean="0"/>
-              <a:t>Inform the postmaster of mail not delivered due to resource problems (for example, queue file write errors)</a:t>
-            </a:r>
-          </a:p>
-          <a:p>
-            <a:r>
-              <a:rPr lang="en-US" dirty="0" smtClean="0"/>
-              <a:t>software </a:t>
-            </a:r>
-          </a:p>
-          <a:p>
-            <a:pPr lvl="1"/>
-            <a:r>
-              <a:rPr lang="en-US" dirty="0" smtClean="0"/>
-              <a:t>Inform the postmaster of mail not delivered due to software problems. </a:t>
-            </a:r>
+            <a:endParaRPr lang="en-US" dirty="0"/>
+          </a:p>
+          <a:p>
+            <a:endParaRPr lang="en-US" dirty="0"/>
+          </a:p>
+          <a:p>
             <a:endParaRPr lang="en-US" dirty="0"/>
           </a:p>
         </p:txBody>
@@ -3673,20 +3715,13 @@
     </p:spTree>
     <p:extLst>
       <p:ext uri="{BB962C8B-B14F-4D97-AF65-F5344CB8AC3E}">
-        <p14:creationId xmlns:p14="http://schemas.microsoft.com/office/powerpoint/2010/main" val="2123799134"/>
+        <p14:creationId xmlns:p14="http://schemas.microsoft.com/office/powerpoint/2010/main" val="2078974546"/>
       </p:ext>
     </p:extLst>
   </p:cSld>
   <p:clrMapOvr>
     <a:masterClrMapping/>
   </p:clrMapOvr>
-  <p:timing>
-    <p:tnLst>
-      <p:par>
-        <p:cTn id="1" dur="indefinite" restart="never" nodeType="tmRoot"/>
-      </p:par>
-    </p:tnLst>
-  </p:timing>
 </p:sld>
 </file>
 
@@ -3717,33 +3752,10 @@
             <p:ph type="title"/>
           </p:nvPr>
         </p:nvSpPr>
-        <p:spPr/>
-        <p:txBody>
-          <a:bodyPr/>
-          <a:lstStyle/>
-          <a:p>
-            <a:r>
-              <a:rPr lang="en-US" b="1" dirty="0" smtClean="0"/>
-              <a:t>Logging</a:t>
-            </a:r>
-            <a:endParaRPr lang="en-US" b="1" dirty="0"/>
-          </a:p>
-        </p:txBody>
-      </p:sp>
-      <p:sp>
-        <p:nvSpPr>
-          <p:cNvPr id="3" name="Content Placeholder 2"/>
-          <p:cNvSpPr>
-            <a:spLocks noGrp="1"/>
-          </p:cNvSpPr>
-          <p:nvPr>
-            <p:ph idx="1"/>
-          </p:nvPr>
-        </p:nvSpPr>
         <p:spPr>
           <a:xfrm>
-            <a:off x="1981200" y="1312334"/>
-            <a:ext cx="8229600" cy="4813830"/>
+            <a:off x="1806198" y="-84367"/>
+            <a:ext cx="8229600" cy="1143000"/>
           </a:xfrm>
         </p:spPr>
         <p:txBody>
@@ -3751,76 +3763,165 @@
           <a:lstStyle/>
           <a:p>
             <a:r>
-              <a:rPr lang="en-US" dirty="0" smtClean="0"/>
-              <a:t>Postfix will log all messages to</a:t>
-            </a:r>
-            <a:br>
-              <a:rPr lang="en-US" dirty="0" smtClean="0"/>
-            </a:br>
-            <a:r>
-              <a:rPr lang="en-US" b="1" i="1" dirty="0" smtClean="0"/>
-              <a:t>/</a:t>
-            </a:r>
-            <a:r>
-              <a:rPr lang="en-US" b="1" i="1" dirty="0" err="1" smtClean="0"/>
-              <a:t>var</a:t>
-            </a:r>
-            <a:r>
-              <a:rPr lang="en-US" b="1" i="1" dirty="0" smtClean="0"/>
-              <a:t>/log/</a:t>
-            </a:r>
-            <a:r>
-              <a:rPr lang="en-US" b="1" i="1" dirty="0" err="1" smtClean="0"/>
-              <a:t>mail.log</a:t>
-            </a:r>
-            <a:endParaRPr lang="en-US" b="1" i="1" dirty="0" smtClean="0"/>
-          </a:p>
-          <a:p>
-            <a:r>
-              <a:rPr lang="en-US" dirty="0" smtClean="0"/>
-              <a:t>Done using the </a:t>
-            </a:r>
-            <a:r>
-              <a:rPr lang="en-US" dirty="0" err="1" smtClean="0"/>
-              <a:t>syslogd</a:t>
-            </a:r>
-            <a:r>
-              <a:rPr lang="en-US" dirty="0" smtClean="0"/>
-              <a:t> daemon</a:t>
-            </a:r>
-          </a:p>
-          <a:p>
-            <a:r>
-              <a:rPr lang="en-US" dirty="0" smtClean="0"/>
-              <a:t>All transactions of messages coming in being sent out of the server will be logged</a:t>
-            </a:r>
-          </a:p>
-          <a:p>
-            <a:r>
-              <a:rPr lang="en-US" dirty="0" smtClean="0"/>
-              <a:t>Logs will contain details like hostnames, recipients, time and date, and whether the email was queued or dropped</a:t>
+              <a:rPr lang="en-US" b="1" dirty="0" err="1"/>
+              <a:t>main.cf</a:t>
+            </a:r>
+            <a:r>
+              <a:rPr lang="en-US" b="1" dirty="0"/>
+              <a:t> Key Settings</a:t>
+            </a:r>
+          </a:p>
+        </p:txBody>
+      </p:sp>
+      <p:sp>
+        <p:nvSpPr>
+          <p:cNvPr id="3" name="Content Placeholder 2"/>
+          <p:cNvSpPr>
+            <a:spLocks noGrp="1"/>
+          </p:cNvSpPr>
+          <p:nvPr>
+            <p:ph idx="1"/>
+          </p:nvPr>
+        </p:nvSpPr>
+        <p:spPr>
+          <a:xfrm>
+            <a:off x="1806198" y="1003515"/>
+            <a:ext cx="8404602" cy="5122649"/>
+          </a:xfrm>
+        </p:spPr>
+        <p:txBody>
+          <a:bodyPr>
+            <a:normAutofit/>
+          </a:bodyPr>
+          <a:lstStyle/>
+          <a:p>
+            <a:r>
+              <a:rPr lang="en-US" dirty="0">
+                <a:hlinkClick r:id="rId2"/>
+              </a:rPr>
+              <a:t>myorigin</a:t>
+            </a:r>
+            <a:r>
+              <a:rPr lang="en-US" dirty="0"/>
+              <a:t> = $</a:t>
+            </a:r>
+            <a:r>
+              <a:rPr lang="en-US" dirty="0">
+                <a:hlinkClick r:id="rId3"/>
+              </a:rPr>
+              <a:t>myhostname</a:t>
+            </a:r>
+            <a:r>
+              <a:rPr lang="en-US" dirty="0"/>
+              <a:t> </a:t>
+            </a:r>
+          </a:p>
+          <a:p>
+            <a:pPr lvl="1"/>
+            <a:r>
+              <a:rPr lang="en-US" dirty="0"/>
+              <a:t>specifies the domain that appears in mail that is posted on this machine. Defaults to the value of the machine’s hostname</a:t>
+            </a:r>
+          </a:p>
+          <a:p>
+            <a:r>
+              <a:rPr lang="en-US" dirty="0">
+                <a:hlinkClick r:id="rId4"/>
+              </a:rPr>
+              <a:t>mydestination</a:t>
+            </a:r>
+            <a:r>
+              <a:rPr lang="en-US" dirty="0"/>
+              <a:t> = $</a:t>
+            </a:r>
+            <a:r>
+              <a:rPr lang="en-US" dirty="0">
+                <a:hlinkClick r:id="rId3"/>
+              </a:rPr>
+              <a:t>myhostname</a:t>
+            </a:r>
+            <a:r>
+              <a:rPr lang="en-US" dirty="0"/>
+              <a:t>, </a:t>
+            </a:r>
+            <a:r>
+              <a:rPr lang="en-US" dirty="0" err="1"/>
+              <a:t>localhost</a:t>
             </a:r>
             <a:endParaRPr lang="en-US" dirty="0"/>
+          </a:p>
+          <a:p>
+            <a:pPr lvl="1"/>
+            <a:r>
+              <a:rPr lang="en-US" dirty="0"/>
+              <a:t>specifies what domains this machine will deliver locally</a:t>
+            </a:r>
+          </a:p>
+          <a:p>
+            <a:pPr lvl="1"/>
+            <a:r>
+              <a:rPr lang="en-US" dirty="0"/>
+              <a:t>if your machine is a mail server for its entire domain, you must list $</a:t>
+            </a:r>
+            <a:r>
+              <a:rPr lang="en-US" dirty="0">
+                <a:hlinkClick r:id="rId5"/>
+              </a:rPr>
+              <a:t>mydomain</a:t>
+            </a:r>
+            <a:r>
+              <a:rPr lang="en-US" dirty="0"/>
+              <a:t> as well in this setting</a:t>
+            </a:r>
+          </a:p>
+          <a:p>
+            <a:r>
+              <a:rPr lang="en-US" dirty="0"/>
+              <a:t>The </a:t>
+            </a:r>
+            <a:r>
+              <a:rPr lang="en-US" dirty="0">
+                <a:hlinkClick r:id="rId5"/>
+              </a:rPr>
+              <a:t>mydomain</a:t>
+            </a:r>
+            <a:r>
+              <a:rPr lang="en-US" dirty="0"/>
+              <a:t> parameter specifies the parent domain of $</a:t>
+            </a:r>
+            <a:r>
+              <a:rPr lang="en-US" dirty="0">
+                <a:hlinkClick r:id="rId3"/>
+              </a:rPr>
+              <a:t>myhostname</a:t>
+            </a:r>
+            <a:r>
+              <a:rPr lang="en-US" dirty="0"/>
+              <a:t>. By default, it is derived from $</a:t>
+            </a:r>
+            <a:r>
+              <a:rPr lang="en-US" dirty="0">
+                <a:hlinkClick r:id="rId3"/>
+              </a:rPr>
+              <a:t>myhostname</a:t>
+            </a:r>
+            <a:r>
+              <a:rPr lang="en-US" dirty="0"/>
+              <a:t> by stripping off the first part (unless if the result would be a top-level domain)</a:t>
+            </a:r>
           </a:p>
         </p:txBody>
       </p:sp>
     </p:spTree>
     <p:extLst>
       <p:ext uri="{BB962C8B-B14F-4D97-AF65-F5344CB8AC3E}">
-        <p14:creationId xmlns:p14="http://schemas.microsoft.com/office/powerpoint/2010/main" val="1366348351"/>
+        <p14:creationId xmlns:p14="http://schemas.microsoft.com/office/powerpoint/2010/main" val="1766257932"/>
       </p:ext>
     </p:extLst>
   </p:cSld>
   <p:clrMapOvr>
     <a:masterClrMapping/>
   </p:clrMapOvr>
-  <p:timing>
-    <p:tnLst>
-      <p:par>
-        <p:cTn id="1" dur="indefinite" restart="never" nodeType="tmRoot"/>
-      </p:par>
-    </p:tnLst>
-  </p:timing>
 </p:sld>
 </file>
 
@@ -3857,14 +3958,9 @@
           <a:lstStyle/>
           <a:p>
             <a:r>
-              <a:rPr lang="en-US" b="1" dirty="0" smtClean="0"/>
-              <a:t>Postfix Daemon process </a:t>
-            </a:r>
-            <a:r>
-              <a:rPr lang="en-US" b="1" dirty="0" err="1" smtClean="0"/>
-              <a:t>chrooted</a:t>
-            </a:r>
-            <a:endParaRPr lang="en-US" b="1" dirty="0"/>
+              <a:rPr lang="en-US" b="1" dirty="0"/>
+              <a:t>Relaying Mail – From</a:t>
+            </a:r>
           </a:p>
         </p:txBody>
       </p:sp>
@@ -3886,61 +3982,88 @@
           <a:lstStyle/>
           <a:p>
             <a:r>
-              <a:rPr lang="en-US" dirty="0" smtClean="0"/>
-              <a:t>Postfix daemon processes can be configured (via the </a:t>
-            </a:r>
-            <a:r>
-              <a:rPr lang="en-US" dirty="0" smtClean="0">
+              <a:rPr lang="en-US" dirty="0"/>
+              <a:t>Postfix will forward mail from clients in authorized network blocks to any destination</a:t>
+            </a:r>
+          </a:p>
+          <a:p>
+            <a:r>
+              <a:rPr lang="en-US" dirty="0"/>
+              <a:t>Authorized networks are defined with the </a:t>
+            </a:r>
+            <a:r>
+              <a:rPr lang="en-US" dirty="0">
                 <a:hlinkClick r:id="rId2"/>
               </a:rPr>
-              <a:t>master.cf</a:t>
-            </a:r>
-            <a:r>
-              <a:rPr lang="en-US" dirty="0" smtClean="0"/>
-              <a:t> file) to run in a </a:t>
-            </a:r>
-            <a:r>
-              <a:rPr lang="en-US" dirty="0" err="1" smtClean="0"/>
-              <a:t>chroot</a:t>
-            </a:r>
-            <a:r>
-              <a:rPr lang="en-US" dirty="0" smtClean="0"/>
-              <a:t> jail</a:t>
-            </a:r>
-          </a:p>
-          <a:p>
-            <a:r>
-              <a:rPr lang="en-US" dirty="0" smtClean="0"/>
-              <a:t>The processes run at a fixed low privilege and with file system access limited to the Postfix queue directories (/</a:t>
-            </a:r>
-            <a:r>
-              <a:rPr lang="en-US" dirty="0" err="1" smtClean="0"/>
-              <a:t>var</a:t>
-            </a:r>
-            <a:r>
-              <a:rPr lang="en-US" dirty="0" smtClean="0"/>
-              <a:t>/spool/postfix). </a:t>
-            </a:r>
-          </a:p>
-          <a:p>
-            <a:r>
-              <a:rPr lang="en-US" dirty="0" smtClean="0"/>
-              <a:t>This provides a significant barrier against intrusion. </a:t>
-            </a:r>
-          </a:p>
-          <a:p>
-            <a:r>
-              <a:rPr lang="en-US" dirty="0" smtClean="0"/>
-              <a:t>The barrier is not impenetrable (</a:t>
-            </a:r>
-            <a:r>
-              <a:rPr lang="en-US" dirty="0" err="1" smtClean="0"/>
-              <a:t>chroot</a:t>
-            </a:r>
-            <a:r>
-              <a:rPr lang="en-US" dirty="0" smtClean="0"/>
-              <a:t> limits file system access only)</a:t>
-            </a:r>
+              <a:t>mynetworks</a:t>
+            </a:r>
+            <a:r>
+              <a:rPr lang="en-US" dirty="0"/>
+              <a:t> configuration parameter</a:t>
+            </a:r>
+          </a:p>
+          <a:p>
+            <a:r>
+              <a:rPr lang="en-US" dirty="0"/>
+              <a:t>The default is to authorize all clients in the IP </a:t>
+            </a:r>
+            <a:r>
+              <a:rPr lang="en-US" dirty="0" err="1"/>
+              <a:t>subnetworks</a:t>
+            </a:r>
+            <a:r>
+              <a:rPr lang="en-US" dirty="0"/>
+              <a:t> that the local machine is attached to.</a:t>
+            </a:r>
+          </a:p>
+          <a:p>
+            <a:r>
+              <a:rPr lang="en-US" dirty="0"/>
+              <a:t>By default, Postfix will NOT be an open relay </a:t>
+            </a:r>
+            <a:r>
+              <a:rPr lang="en-US" dirty="0" err="1"/>
+              <a:t>ie</a:t>
+            </a:r>
+            <a:r>
+              <a:rPr lang="en-US" dirty="0"/>
+              <a:t> it will not forward from IPs outside your network to the Internet</a:t>
+            </a:r>
+          </a:p>
+          <a:p>
+            <a:pPr lvl="1"/>
+            <a:r>
+              <a:rPr lang="en-US" dirty="0">
+                <a:hlinkClick r:id="rId3"/>
+              </a:rPr>
+              <a:t>mynetworks_style</a:t>
+            </a:r>
+            <a:r>
+              <a:rPr lang="en-US" dirty="0"/>
+              <a:t> = subnet </a:t>
+            </a:r>
+          </a:p>
+          <a:p>
+            <a:pPr lvl="1"/>
+            <a:r>
+              <a:rPr lang="en-US" dirty="0">
+                <a:hlinkClick r:id="rId2"/>
+              </a:rPr>
+              <a:t>mynetworks</a:t>
+            </a:r>
+            <a:r>
+              <a:rPr lang="en-US" dirty="0"/>
+              <a:t> = 127.0.0.0/8 168.100.189.2/32</a:t>
+            </a:r>
+          </a:p>
+          <a:p>
+            <a:pPr lvl="1"/>
+            <a:endParaRPr lang="en-US" dirty="0"/>
+          </a:p>
+          <a:p>
+            <a:endParaRPr lang="en-US" dirty="0"/>
+          </a:p>
+          <a:p>
             <a:endParaRPr lang="en-US" dirty="0"/>
           </a:p>
         </p:txBody>
@@ -3948,20 +4071,13 @@
     </p:spTree>
     <p:extLst>
       <p:ext uri="{BB962C8B-B14F-4D97-AF65-F5344CB8AC3E}">
-        <p14:creationId xmlns:p14="http://schemas.microsoft.com/office/powerpoint/2010/main" val="1174097886"/>
+        <p14:creationId xmlns:p14="http://schemas.microsoft.com/office/powerpoint/2010/main" val="830610643"/>
       </p:ext>
     </p:extLst>
   </p:cSld>
   <p:clrMapOvr>
     <a:masterClrMapping/>
   </p:clrMapOvr>
-  <p:timing>
-    <p:tnLst>
-      <p:par>
-        <p:cTn id="1" dur="indefinite" restart="never" nodeType="tmRoot"/>
-      </p:par>
-    </p:tnLst>
-  </p:timing>
 </p:sld>
 </file>
 
@@ -3998,10 +4114,9 @@
           <a:lstStyle/>
           <a:p>
             <a:r>
-              <a:rPr lang="en-US" b="1" dirty="0" smtClean="0"/>
-              <a:t>Interfaces and Protocol</a:t>
-            </a:r>
-            <a:endParaRPr lang="en-US" b="1" dirty="0"/>
+              <a:rPr lang="en-US" b="1" dirty="0"/>
+              <a:t>Relaying mail - to</a:t>
+            </a:r>
           </a:p>
         </p:txBody>
       </p:sp>
@@ -4023,64 +4138,52 @@
           <a:lstStyle/>
           <a:p>
             <a:r>
-              <a:rPr lang="en-US" dirty="0" smtClean="0"/>
-              <a:t>The </a:t>
-            </a:r>
-            <a:r>
-              <a:rPr lang="en-US" dirty="0" smtClean="0">
+              <a:rPr lang="en-US" dirty="0"/>
+              <a:t>By default, Postfix will forward mail from strangers (clients outside authorized networks) to authorized remote destinations only. </a:t>
+            </a:r>
+          </a:p>
+          <a:p>
+            <a:r>
+              <a:rPr lang="en-US" dirty="0"/>
+              <a:t>Authorized remote destinations are defined with the </a:t>
+            </a:r>
+            <a:r>
+              <a:rPr lang="en-US" dirty="0">
                 <a:hlinkClick r:id="rId2"/>
               </a:rPr>
-              <a:t>inet_interfaces</a:t>
-            </a:r>
-            <a:r>
-              <a:rPr lang="en-US" dirty="0" smtClean="0"/>
-              <a:t> parameter specifies all network interface addresses that the Postfix system should listen on</a:t>
-            </a:r>
-          </a:p>
-          <a:p>
-            <a:pPr lvl="1"/>
-            <a:r>
-              <a:rPr lang="en-US" dirty="0" err="1"/>
-              <a:t>i</a:t>
-            </a:r>
-            <a:r>
-              <a:rPr lang="en-US" dirty="0" err="1" smtClean="0"/>
-              <a:t>net_interfaces</a:t>
-            </a:r>
-            <a:r>
-              <a:rPr lang="en-US" dirty="0" smtClean="0"/>
-              <a:t> = all</a:t>
-            </a:r>
-          </a:p>
-          <a:p>
-            <a:r>
-              <a:rPr lang="en-US" dirty="0" smtClean="0">
+              <a:t>relay_domains</a:t>
+            </a:r>
+            <a:r>
+              <a:rPr lang="en-US" dirty="0"/>
+              <a:t> configuration parameter. </a:t>
+            </a:r>
+          </a:p>
+          <a:p>
+            <a:r>
+              <a:rPr lang="en-US" dirty="0"/>
+              <a:t>The default is to authorize all domains (and subdomains) of the domains listed with the </a:t>
+            </a:r>
+            <a:r>
+              <a:rPr lang="en-US" dirty="0">
                 <a:hlinkClick r:id="rId3"/>
               </a:rPr>
-              <a:t>inet_protocols</a:t>
-            </a:r>
-            <a:r>
-              <a:rPr lang="en-US" dirty="0" smtClean="0"/>
-              <a:t> parameter specifies which protocols Postfix will attempt to use</a:t>
-            </a:r>
-          </a:p>
-          <a:p>
-            <a:pPr lvl="1"/>
-            <a:r>
-              <a:rPr lang="en-US" dirty="0" smtClean="0">
-                <a:hlinkClick r:id="rId3"/>
-              </a:rPr>
-              <a:t>inet_protocols</a:t>
-            </a:r>
-            <a:r>
-              <a:rPr lang="en-US" dirty="0" smtClean="0"/>
-              <a:t> = ipv4, ipv6 </a:t>
-            </a:r>
-          </a:p>
-          <a:p>
-            <a:endParaRPr lang="en-US" dirty="0" smtClean="0"/>
-          </a:p>
-          <a:p>
+              <a:t>mydestination</a:t>
+            </a:r>
+            <a:r>
+              <a:rPr lang="en-US" dirty="0"/>
+              <a:t> parameter. </a:t>
+            </a:r>
+          </a:p>
+          <a:p>
+            <a:r>
+              <a:rPr lang="en-US" dirty="0"/>
+              <a:t>This means that by default, your Postfix mail server will accept mail from anyone to recipients to the local Postfix server</a:t>
+            </a:r>
+          </a:p>
+          <a:p>
+            <a:pPr marL="0" indent="0">
+              <a:buNone/>
+            </a:pPr>
             <a:endParaRPr lang="en-US" dirty="0"/>
           </a:p>
         </p:txBody>
@@ -4088,20 +4191,13 @@
     </p:spTree>
     <p:extLst>
       <p:ext uri="{BB962C8B-B14F-4D97-AF65-F5344CB8AC3E}">
-        <p14:creationId xmlns:p14="http://schemas.microsoft.com/office/powerpoint/2010/main" val="1983421366"/>
+        <p14:creationId xmlns:p14="http://schemas.microsoft.com/office/powerpoint/2010/main" val="1429371401"/>
       </p:ext>
     </p:extLst>
   </p:cSld>
   <p:clrMapOvr>
     <a:masterClrMapping/>
   </p:clrMapOvr>
-  <p:timing>
-    <p:tnLst>
-      <p:par>
-        <p:cTn id="1" dur="indefinite" restart="never" nodeType="tmRoot"/>
-      </p:par>
-    </p:tnLst>
-  </p:timing>
 </p:sld>
 </file>
 
@@ -4138,10 +4234,9 @@
           <a:lstStyle/>
           <a:p>
             <a:r>
-              <a:rPr lang="en-US" b="1" dirty="0" smtClean="0"/>
-              <a:t>Starting, stopping and logs</a:t>
-            </a:r>
-            <a:endParaRPr lang="en-US" b="1" dirty="0"/>
+              <a:rPr lang="en-US" b="1" dirty="0"/>
+              <a:t>Outbound emails</a:t>
+            </a:r>
           </a:p>
         </p:txBody>
       </p:sp>
@@ -4155,202 +4250,86 @@
             <p:ph idx="1"/>
           </p:nvPr>
         </p:nvSpPr>
-        <p:spPr>
-          <a:xfrm>
-            <a:off x="1981200" y="1600200"/>
-            <a:ext cx="8432800" cy="4778022"/>
-          </a:xfrm>
-        </p:spPr>
+        <p:spPr/>
         <p:txBody>
           <a:bodyPr>
-            <a:normAutofit fontScale="85000" lnSpcReduction="20000"/>
+            <a:normAutofit/>
           </a:bodyPr>
           <a:lstStyle/>
           <a:p>
             <a:r>
-              <a:rPr lang="en-US" b="1" dirty="0" smtClean="0"/>
-              <a:t>Starting/Stopping</a:t>
-            </a:r>
-            <a:br>
-              <a:rPr lang="en-US" b="1" dirty="0" smtClean="0"/>
-            </a:br>
-            <a:r>
-              <a:rPr lang="en-US" dirty="0" smtClean="0"/>
-              <a:t>$</a:t>
-            </a:r>
-            <a:r>
-              <a:rPr lang="en-US" dirty="0" err="1" smtClean="0"/>
-              <a:t>sudo</a:t>
-            </a:r>
-            <a:r>
-              <a:rPr lang="en-US" dirty="0" smtClean="0"/>
-              <a:t> service postfix start</a:t>
-            </a:r>
-            <a:br>
-              <a:rPr lang="en-US" dirty="0" smtClean="0"/>
-            </a:br>
-            <a:r>
-              <a:rPr lang="en-US" dirty="0" smtClean="0"/>
-              <a:t>$</a:t>
-            </a:r>
-            <a:r>
-              <a:rPr lang="en-US" dirty="0" err="1" smtClean="0"/>
-              <a:t>sudo</a:t>
-            </a:r>
-            <a:r>
-              <a:rPr lang="en-US" dirty="0" smtClean="0"/>
-              <a:t> service postfix </a:t>
-            </a:r>
-            <a:r>
-              <a:rPr lang="en-US" dirty="0"/>
-              <a:t>s</a:t>
-            </a:r>
-            <a:r>
-              <a:rPr lang="en-US" dirty="0" smtClean="0"/>
-              <a:t>top</a:t>
-            </a:r>
-            <a:br>
-              <a:rPr lang="en-US" dirty="0" smtClean="0"/>
-            </a:br>
-            <a:endParaRPr lang="en-US" dirty="0" smtClean="0"/>
-          </a:p>
-          <a:p>
-            <a:r>
-              <a:rPr lang="en-US" b="1" dirty="0" smtClean="0"/>
-              <a:t>Checking non-default running </a:t>
-            </a:r>
-            <a:r>
-              <a:rPr lang="en-US" b="1" dirty="0" err="1" smtClean="0"/>
-              <a:t>config</a:t>
-            </a:r>
-            <a:r>
-              <a:rPr lang="en-US" b="1" dirty="0" smtClean="0"/>
-              <a:t/>
-            </a:r>
-            <a:br>
-              <a:rPr lang="en-US" b="1" dirty="0" smtClean="0"/>
-            </a:br>
-            <a:r>
-              <a:rPr lang="en-US" b="1" dirty="0" smtClean="0"/>
-              <a:t> </a:t>
-            </a:r>
-            <a:r>
-              <a:rPr lang="en-US" dirty="0" smtClean="0"/>
-              <a:t>$</a:t>
-            </a:r>
-            <a:r>
-              <a:rPr lang="en-US" dirty="0" err="1" smtClean="0"/>
-              <a:t>sudo</a:t>
-            </a:r>
-            <a:r>
-              <a:rPr lang="en-US" dirty="0" smtClean="0"/>
-              <a:t> </a:t>
+              <a:rPr lang="en-US" dirty="0"/>
+              <a:t>By default, Postfix tries to deliver mail directly to the Internet. </a:t>
+            </a:r>
+          </a:p>
+          <a:p>
+            <a:r>
+              <a:rPr lang="en-US" dirty="0"/>
+              <a:t>Depending on your local conditions this may not be possible or desirable</a:t>
+            </a:r>
+          </a:p>
+          <a:p>
+            <a:r>
+              <a:rPr lang="en-US" dirty="0"/>
+              <a:t>For example, your system may be behind a firewall, or it may be connected via a provider who does not allow direct mail to the Internet.</a:t>
+            </a:r>
+          </a:p>
+          <a:p>
+            <a:r>
+              <a:rPr lang="en-US" dirty="0"/>
+              <a:t>In those cases you need to configure Postfix to deliver mail indirectly via a </a:t>
+            </a:r>
+            <a:r>
+              <a:rPr lang="en-US" dirty="0">
+                <a:hlinkClick r:id="rId2"/>
+              </a:rPr>
+              <a:t>relay host</a:t>
+            </a:r>
+            <a:r>
+              <a:rPr lang="en-US" dirty="0"/>
+              <a:t>. </a:t>
+            </a:r>
+          </a:p>
+          <a:p>
+            <a:pPr lvl="1"/>
+            <a:r>
+              <a:rPr lang="en-US" dirty="0">
+                <a:hlinkClick r:id="rId2"/>
+              </a:rPr>
+              <a:t>relayhost</a:t>
+            </a:r>
+            <a:r>
+              <a:rPr lang="en-US" dirty="0"/>
+              <a:t> = [</a:t>
             </a:r>
             <a:r>
               <a:rPr lang="en-US" dirty="0" err="1"/>
-              <a:t>postconf</a:t>
-            </a:r>
-            <a:r>
-              <a:rPr lang="en-US" dirty="0"/>
-              <a:t> </a:t>
-            </a:r>
-            <a:r>
-              <a:rPr lang="en-US" dirty="0" smtClean="0"/>
-              <a:t>–n</a:t>
-            </a:r>
-            <a:br>
-              <a:rPr lang="en-US" dirty="0" smtClean="0"/>
-            </a:br>
-            <a:endParaRPr lang="en-US" dirty="0" smtClean="0"/>
-          </a:p>
-          <a:p>
-            <a:r>
-              <a:rPr lang="en-US" b="1" dirty="0" smtClean="0"/>
-              <a:t>Reloading rules</a:t>
-            </a:r>
-            <a:br>
-              <a:rPr lang="en-US" b="1" dirty="0" smtClean="0"/>
-            </a:br>
-            <a:r>
-              <a:rPr lang="en-US" dirty="0" smtClean="0"/>
-              <a:t>$</a:t>
-            </a:r>
-            <a:r>
-              <a:rPr lang="en-US" dirty="0" err="1" smtClean="0"/>
-              <a:t>sudo</a:t>
-            </a:r>
-            <a:r>
-              <a:rPr lang="en-US" dirty="0" smtClean="0"/>
-              <a:t> postfix reload</a:t>
-            </a:r>
-            <a:br>
-              <a:rPr lang="en-US" dirty="0" smtClean="0"/>
-            </a:br>
-            <a:endParaRPr lang="en-US" dirty="0" smtClean="0"/>
-          </a:p>
-          <a:p>
-            <a:r>
-              <a:rPr lang="en-US" b="1" dirty="0" smtClean="0"/>
-              <a:t>Checking logs</a:t>
-            </a:r>
-            <a:br>
-              <a:rPr lang="en-US" b="1" dirty="0" smtClean="0"/>
-            </a:br>
-            <a:r>
-              <a:rPr lang="en-US" dirty="0" smtClean="0"/>
-              <a:t>$</a:t>
-            </a:r>
-            <a:r>
-              <a:rPr lang="en-US" dirty="0" err="1" smtClean="0"/>
-              <a:t>sudo</a:t>
-            </a:r>
-            <a:r>
-              <a:rPr lang="en-US" dirty="0" smtClean="0"/>
-              <a:t> tail –f /</a:t>
-            </a:r>
-            <a:r>
-              <a:rPr lang="en-US" dirty="0" err="1" smtClean="0"/>
-              <a:t>var</a:t>
-            </a:r>
-            <a:r>
-              <a:rPr lang="en-US" dirty="0" smtClean="0"/>
-              <a:t>/log/</a:t>
-            </a:r>
-            <a:r>
-              <a:rPr lang="en-US" dirty="0" err="1" smtClean="0"/>
-              <a:t>mail.log</a:t>
-            </a:r>
-            <a:r>
-              <a:rPr lang="en-US" dirty="0" smtClean="0"/>
-              <a:t/>
-            </a:r>
-            <a:br>
-              <a:rPr lang="en-US" dirty="0" smtClean="0"/>
-            </a:br>
-            <a:endParaRPr lang="en-US" dirty="0" smtClean="0"/>
-          </a:p>
-          <a:p>
-            <a:endParaRPr lang="en-US" dirty="0"/>
+              <a:t>mail.isp.tld</a:t>
+            </a:r>
+            <a:r>
+              <a:rPr lang="en-US" dirty="0"/>
+              <a:t>]</a:t>
+            </a:r>
+          </a:p>
+          <a:p>
+            <a:pPr lvl="1"/>
+            <a:r>
+              <a:rPr lang="en-US" dirty="0"/>
+              <a:t>Note that the [] disables MX lookups so is necessary</a:t>
+            </a:r>
           </a:p>
         </p:txBody>
       </p:sp>
     </p:spTree>
     <p:extLst>
       <p:ext uri="{BB962C8B-B14F-4D97-AF65-F5344CB8AC3E}">
-        <p14:creationId xmlns:p14="http://schemas.microsoft.com/office/powerpoint/2010/main" val="2121729628"/>
+        <p14:creationId xmlns:p14="http://schemas.microsoft.com/office/powerpoint/2010/main" val="1693061265"/>
       </p:ext>
     </p:extLst>
   </p:cSld>
   <p:clrMapOvr>
     <a:masterClrMapping/>
   </p:clrMapOvr>
-  <p:timing>
-    <p:tnLst>
-      <p:par>
-        <p:cTn id="1" dur="indefinite" restart="never" nodeType="tmRoot"/>
-      </p:par>
-    </p:tnLst>
-  </p:timing>
 </p:sld>
 </file>
 
@@ -4387,10 +4366,9 @@
           <a:lstStyle/>
           <a:p>
             <a:r>
-              <a:rPr lang="en-US" b="1" dirty="0" smtClean="0"/>
-              <a:t>Further Postfix Reading</a:t>
-            </a:r>
-            <a:endParaRPr lang="en-US" b="1" dirty="0"/>
+              <a:rPr lang="en-US" b="1" dirty="0"/>
+              <a:t>Reporting problems</a:t>
+            </a:r>
           </a:p>
         </p:txBody>
       </p:sp>
@@ -4406,65 +4384,107 @@
         </p:nvSpPr>
         <p:spPr/>
         <p:txBody>
-          <a:bodyPr/>
-          <a:lstStyle/>
-          <a:p>
-            <a:r>
-              <a:rPr lang="en-US" dirty="0" smtClean="0"/>
-              <a:t>Queue manipulation</a:t>
-            </a:r>
-          </a:p>
-          <a:p>
-            <a:pPr lvl="1"/>
+          <a:bodyPr>
+            <a:normAutofit/>
+          </a:bodyPr>
+          <a:lstStyle/>
+          <a:p>
+            <a:r>
+              <a:rPr lang="en-US" dirty="0"/>
+              <a:t>You should set up a postmaster alias in the aliases table that directs mail to a real person</a:t>
+            </a:r>
+          </a:p>
+          <a:p>
+            <a:r>
+              <a:rPr lang="en-US" dirty="0"/>
+              <a:t>The postmaster address is required to exist, so that people can report mail delivery problems.</a:t>
+            </a:r>
+          </a:p>
+          <a:p>
+            <a:r>
+              <a:rPr lang="en-US" dirty="0"/>
+              <a:t>While you're updating the </a:t>
+            </a:r>
             <a:r>
               <a:rPr lang="en-US" dirty="0">
                 <a:hlinkClick r:id="rId2"/>
               </a:rPr>
-              <a:t>http://www.tech-g.com/2012/07/15/inspecting-postfixs-email-queue</a:t>
-            </a:r>
-            <a:r>
-              <a:rPr lang="en-US" dirty="0" smtClean="0">
-                <a:hlinkClick r:id="rId2"/>
-              </a:rPr>
-              <a:t>/</a:t>
-            </a:r>
-            <a:r>
-              <a:rPr lang="en-US" dirty="0" smtClean="0"/>
+              <a:t>aliases(5)</a:t>
+            </a:r>
+            <a:r>
+              <a:rPr lang="en-US" dirty="0"/>
+              <a:t> table, be sure to direct mail for the super-user to a human person too. </a:t>
+            </a:r>
+            <a:br>
+              <a:rPr lang="en-US" dirty="0"/>
+            </a:br>
+            <a:r>
+              <a:rPr lang="en-US" dirty="0"/>
+              <a:t>	/</a:t>
+            </a:r>
+            <a:r>
+              <a:rPr lang="en-US" dirty="0" err="1"/>
+              <a:t>etc</a:t>
+            </a:r>
+            <a:r>
+              <a:rPr lang="en-US" dirty="0"/>
+              <a:t>/aliases: </a:t>
+            </a:r>
+            <a:br>
+              <a:rPr lang="en-US" dirty="0"/>
+            </a:br>
+            <a:r>
+              <a:rPr lang="en-US" dirty="0"/>
+              <a:t>postmaster: </a:t>
+            </a:r>
+            <a:r>
+              <a:rPr lang="en-US" dirty="0" err="1"/>
+              <a:t>afnog</a:t>
+            </a:r>
+            <a:r>
+              <a:rPr lang="en-US" dirty="0"/>
               <a:t> </a:t>
             </a:r>
-          </a:p>
-          <a:p>
-            <a:r>
-              <a:rPr lang="en-US" u="sng" dirty="0">
-                <a:hlinkClick r:id="rId3"/>
-              </a:rPr>
-              <a:t>Postfix on Debian</a:t>
-            </a:r>
-          </a:p>
-          <a:p>
-            <a:pPr lvl="1"/>
-            <a:r>
-              <a:rPr lang="en-US" dirty="0" smtClean="0">
-                <a:hlinkClick r:id="rId3"/>
-              </a:rPr>
-              <a:t>https</a:t>
-            </a:r>
-            <a:r>
-              <a:rPr lang="en-US" dirty="0">
-                <a:hlinkClick r:id="rId3"/>
-              </a:rPr>
-              <a:t>://wiki.debian.org/</a:t>
-            </a:r>
-            <a:r>
-              <a:rPr lang="en-US" dirty="0" smtClean="0">
-                <a:hlinkClick r:id="rId3"/>
-              </a:rPr>
-              <a:t>Postfix</a:t>
-            </a:r>
-            <a:r>
-              <a:rPr lang="en-US" dirty="0" smtClean="0"/>
+            <a:br>
+              <a:rPr lang="en-US" dirty="0"/>
+            </a:br>
+            <a:r>
+              <a:rPr lang="en-US" dirty="0"/>
+              <a:t>root: </a:t>
+            </a:r>
+            <a:r>
+              <a:rPr lang="en-US" dirty="0" err="1"/>
+              <a:t>afnog</a:t>
+            </a:r>
+            <a:endParaRPr lang="en-US" dirty="0"/>
+          </a:p>
+          <a:p>
+            <a:r>
+              <a:rPr lang="en-US" dirty="0"/>
+              <a:t>After editing the aliases file, run the command </a:t>
+            </a:r>
+            <a:r>
+              <a:rPr lang="en-US" i="1" dirty="0"/>
+              <a:t>$</a:t>
+            </a:r>
+            <a:r>
+              <a:rPr lang="en-US" i="1" dirty="0" err="1"/>
+              <a:t>sudo</a:t>
+            </a:r>
+            <a:r>
+              <a:rPr lang="en-US" i="1" dirty="0"/>
               <a:t> </a:t>
             </a:r>
+            <a:r>
+              <a:rPr lang="en-US" i="1" dirty="0" err="1"/>
+              <a:t>newaliases</a:t>
+            </a:r>
+            <a:endParaRPr lang="en-US" dirty="0"/>
+          </a:p>
+          <a:p>
+            <a:pPr marL="457200" lvl="1" indent="0">
+              <a:buNone/>
+            </a:pPr>
             <a:endParaRPr lang="en-US" dirty="0"/>
           </a:p>
         </p:txBody>
@@ -4472,20 +4492,186 @@
     </p:spTree>
     <p:extLst>
       <p:ext uri="{BB962C8B-B14F-4D97-AF65-F5344CB8AC3E}">
-        <p14:creationId xmlns:p14="http://schemas.microsoft.com/office/powerpoint/2010/main" val="943899361"/>
+        <p14:creationId xmlns:p14="http://schemas.microsoft.com/office/powerpoint/2010/main" val="1122358105"/>
       </p:ext>
     </p:extLst>
   </p:cSld>
   <p:clrMapOvr>
     <a:masterClrMapping/>
   </p:clrMapOvr>
-  <p:timing>
-    <p:tnLst>
-      <p:par>
-        <p:cTn id="1" dur="indefinite" restart="never" nodeType="tmRoot"/>
-      </p:par>
-    </p:tnLst>
-  </p:timing>
+</p:sld>
+</file>
+
+<file path=ppt/slides/slide19.xml><?xml version="1.0" encoding="utf-8"?>
+<p:sld xmlns:a="http://schemas.openxmlformats.org/drawingml/2006/main" xmlns:r="http://schemas.openxmlformats.org/officeDocument/2006/relationships" xmlns:p="http://schemas.openxmlformats.org/presentationml/2006/main">
+  <p:cSld>
+    <p:spTree>
+      <p:nvGrpSpPr>
+        <p:cNvPr id="1" name=""/>
+        <p:cNvGrpSpPr/>
+        <p:nvPr/>
+      </p:nvGrpSpPr>
+      <p:grpSpPr>
+        <a:xfrm>
+          <a:off x="0" y="0"/>
+          <a:ext cx="0" cy="0"/>
+          <a:chOff x="0" y="0"/>
+          <a:chExt cx="0" cy="0"/>
+        </a:xfrm>
+      </p:grpSpPr>
+      <p:sp>
+        <p:nvSpPr>
+          <p:cNvPr id="2" name="Title 1"/>
+          <p:cNvSpPr>
+            <a:spLocks noGrp="1"/>
+          </p:cNvSpPr>
+          <p:nvPr>
+            <p:ph type="title"/>
+          </p:nvPr>
+        </p:nvSpPr>
+        <p:spPr>
+          <a:xfrm>
+            <a:off x="1981200" y="274639"/>
+            <a:ext cx="8229600" cy="619117"/>
+          </a:xfrm>
+        </p:spPr>
+        <p:txBody>
+          <a:bodyPr>
+            <a:normAutofit fontScale="90000"/>
+          </a:bodyPr>
+          <a:lstStyle/>
+          <a:p>
+            <a:r>
+              <a:rPr lang="en-US" b="1" dirty="0"/>
+              <a:t>Default reports</a:t>
+            </a:r>
+          </a:p>
+        </p:txBody>
+      </p:sp>
+      <p:sp>
+        <p:nvSpPr>
+          <p:cNvPr id="3" name="Content Placeholder 2"/>
+          <p:cNvSpPr>
+            <a:spLocks noGrp="1"/>
+          </p:cNvSpPr>
+          <p:nvPr>
+            <p:ph idx="1"/>
+          </p:nvPr>
+        </p:nvSpPr>
+        <p:spPr>
+          <a:xfrm>
+            <a:off x="1868910" y="893756"/>
+            <a:ext cx="8654073" cy="5801565"/>
+          </a:xfrm>
+        </p:spPr>
+        <p:txBody>
+          <a:bodyPr>
+            <a:normAutofit fontScale="77500" lnSpcReduction="20000"/>
+          </a:bodyPr>
+          <a:lstStyle/>
+          <a:p>
+            <a:r>
+              <a:rPr lang="en-US" dirty="0"/>
+              <a:t>bounce</a:t>
+            </a:r>
+          </a:p>
+          <a:p>
+            <a:pPr lvl="1"/>
+            <a:r>
+              <a:rPr lang="en-US" dirty="0"/>
+              <a:t> Inform the postmaster of undeliverable mail. Either send the postmaster a copy of undeliverable mail that is returned to the sender, or send a transcript of the SMTP </a:t>
+            </a:r>
+          </a:p>
+          <a:p>
+            <a:r>
+              <a:rPr lang="en-US" dirty="0"/>
+              <a:t>2bounce </a:t>
+            </a:r>
+          </a:p>
+          <a:p>
+            <a:pPr lvl="1"/>
+            <a:r>
+              <a:rPr lang="en-US" dirty="0"/>
+              <a:t>When Postfix is unable to return undeliverable mail to the sender, </a:t>
+            </a:r>
+          </a:p>
+          <a:p>
+            <a:r>
+              <a:rPr lang="en-US" dirty="0"/>
+              <a:t>delay </a:t>
+            </a:r>
+          </a:p>
+          <a:p>
+            <a:pPr lvl="1"/>
+            <a:r>
+              <a:rPr lang="en-US" dirty="0"/>
+              <a:t>Inform the postmaster of delayed mail. In this case, the postmaster receives message headers only. </a:t>
+            </a:r>
+          </a:p>
+          <a:p>
+            <a:r>
+              <a:rPr lang="en-US" dirty="0"/>
+              <a:t>policy </a:t>
+            </a:r>
+          </a:p>
+          <a:p>
+            <a:pPr lvl="1"/>
+            <a:r>
+              <a:rPr lang="en-US" dirty="0"/>
+              <a:t>Inform the postmaster of client requests that were rejected because of (UCE) policy restrictions. The postmaster receives a transcript of the SMTP session.</a:t>
+            </a:r>
+          </a:p>
+          <a:p>
+            <a:r>
+              <a:rPr lang="en-US" dirty="0"/>
+              <a:t>protocol </a:t>
+            </a:r>
+          </a:p>
+          <a:p>
+            <a:pPr lvl="1"/>
+            <a:r>
+              <a:rPr lang="en-US" dirty="0"/>
+              <a:t>Inform the postmaster of protocol errors (client or server side) or attempts by a client to execute unimplemented commands. </a:t>
+            </a:r>
+          </a:p>
+          <a:p>
+            <a:r>
+              <a:rPr lang="en-US" dirty="0"/>
+              <a:t>resource </a:t>
+            </a:r>
+          </a:p>
+          <a:p>
+            <a:pPr lvl="1"/>
+            <a:r>
+              <a:rPr lang="en-US" dirty="0"/>
+              <a:t>Inform the postmaster of mail not delivered due to resource problems (for example, queue file write errors)</a:t>
+            </a:r>
+          </a:p>
+          <a:p>
+            <a:r>
+              <a:rPr lang="en-US" dirty="0"/>
+              <a:t>software </a:t>
+            </a:r>
+          </a:p>
+          <a:p>
+            <a:pPr lvl="1"/>
+            <a:r>
+              <a:rPr lang="en-US" dirty="0"/>
+              <a:t>Inform the postmaster of mail not delivered due to software problems. </a:t>
+            </a:r>
+          </a:p>
+        </p:txBody>
+      </p:sp>
+    </p:spTree>
+    <p:extLst>
+      <p:ext uri="{BB962C8B-B14F-4D97-AF65-F5344CB8AC3E}">
+        <p14:creationId xmlns:p14="http://schemas.microsoft.com/office/powerpoint/2010/main" val="2123799134"/>
+      </p:ext>
+    </p:extLst>
+  </p:cSld>
+  <p:clrMapOvr>
+    <a:masterClrMapping/>
+  </p:clrMapOvr>
 </p:sld>
 </file>
 
@@ -4508,7 +4694,13 @@
       </p:grpSpPr>
       <p:sp>
         <p:nvSpPr>
-          <p:cNvPr id="2" name="Title 1"/>
+          <p:cNvPr id="2" name="Title 1">
+            <a:extLst>
+              <a:ext uri="{FF2B5EF4-FFF2-40B4-BE49-F238E27FC236}">
+                <a16:creationId xmlns:a16="http://schemas.microsoft.com/office/drawing/2014/main" id="{6ED0AB60-8CAB-EC47-BF01-3ED32F65EA77}"/>
+              </a:ext>
+            </a:extLst>
+          </p:cNvPr>
           <p:cNvSpPr>
             <a:spLocks noGrp="1"/>
           </p:cNvSpPr>
@@ -4516,219 +4708,804 @@
             <p:ph type="title"/>
           </p:nvPr>
         </p:nvSpPr>
+        <p:spPr/>
+        <p:txBody>
+          <a:bodyPr/>
+          <a:lstStyle/>
+          <a:p>
+            <a:endParaRPr lang="en-US"/>
+          </a:p>
+        </p:txBody>
+      </p:sp>
+      <p:pic>
+        <p:nvPicPr>
+          <p:cNvPr id="5" name="Content Placeholder 4">
+            <a:extLst>
+              <a:ext uri="{FF2B5EF4-FFF2-40B4-BE49-F238E27FC236}">
+                <a16:creationId xmlns:a16="http://schemas.microsoft.com/office/drawing/2014/main" id="{3EAD1E68-E0D3-B542-A14C-F5C6F984AE1C}"/>
+              </a:ext>
+            </a:extLst>
+          </p:cNvPr>
+          <p:cNvPicPr>
+            <a:picLocks noGrp="1" noChangeAspect="1"/>
+          </p:cNvPicPr>
+          <p:nvPr>
+            <p:ph idx="1"/>
+          </p:nvPr>
+        </p:nvPicPr>
+        <p:blipFill>
+          <a:blip r:embed="rId2"/>
+          <a:stretch>
+            <a:fillRect/>
+          </a:stretch>
+        </p:blipFill>
         <p:spPr>
           <a:xfrm>
-            <a:off x="1981200" y="114557"/>
-            <a:ext cx="8229600" cy="1143000"/>
+            <a:off x="1097280" y="361328"/>
+            <a:ext cx="8705088" cy="6338868"/>
           </a:xfrm>
         </p:spPr>
-        <p:txBody>
-          <a:bodyPr/>
-          <a:lstStyle/>
-          <a:p>
-            <a:r>
-              <a:rPr lang="en-US" b="1" dirty="0" smtClean="0"/>
-              <a:t>What is Postfix?</a:t>
-            </a:r>
-            <a:endParaRPr lang="en-US" b="1" dirty="0"/>
-          </a:p>
-        </p:txBody>
-      </p:sp>
-      <p:sp>
-        <p:nvSpPr>
-          <p:cNvPr id="3" name="Content Placeholder 2"/>
-          <p:cNvSpPr>
-            <a:spLocks noGrp="1"/>
-          </p:cNvSpPr>
-          <p:nvPr>
-            <p:ph idx="1"/>
-          </p:nvPr>
-        </p:nvSpPr>
-        <p:spPr>
-          <a:xfrm>
-            <a:off x="1981200" y="1257558"/>
-            <a:ext cx="8229600" cy="5030227"/>
-          </a:xfrm>
-        </p:spPr>
-        <p:txBody>
-          <a:bodyPr>
-            <a:normAutofit fontScale="92500" lnSpcReduction="10000"/>
-          </a:bodyPr>
-          <a:lstStyle/>
-          <a:p>
-            <a:r>
-              <a:rPr lang="en-US" b="1" dirty="0" smtClean="0"/>
-              <a:t>Postfix</a:t>
-            </a:r>
-            <a:r>
-              <a:rPr lang="en-US" dirty="0" smtClean="0"/>
-              <a:t> is a </a:t>
-            </a:r>
-            <a:r>
-              <a:rPr lang="en-US" dirty="0" smtClean="0">
-                <a:hlinkClick r:id="rId2" tooltip="Free software"/>
-              </a:rPr>
-              <a:t>free</a:t>
-            </a:r>
-            <a:r>
-              <a:rPr lang="en-US" dirty="0" smtClean="0"/>
-              <a:t> and </a:t>
-            </a:r>
-            <a:r>
-              <a:rPr lang="en-US" dirty="0" smtClean="0">
-                <a:hlinkClick r:id="rId3" tooltip="Open-source software"/>
-              </a:rPr>
-              <a:t>open-source</a:t>
-            </a:r>
-            <a:r>
-              <a:rPr lang="en-US" dirty="0" smtClean="0"/>
-              <a:t> </a:t>
-            </a:r>
-            <a:r>
-              <a:rPr lang="en-US" dirty="0" smtClean="0">
-                <a:hlinkClick r:id="rId4" tooltip="Mail transfer agent"/>
-              </a:rPr>
-              <a:t>mail transfer agent</a:t>
-            </a:r>
-            <a:r>
-              <a:rPr lang="en-US" dirty="0" smtClean="0"/>
-              <a:t> (MTA) that routes and delivers </a:t>
-            </a:r>
-            <a:r>
-              <a:rPr lang="en-US" dirty="0" smtClean="0">
-                <a:hlinkClick r:id="rId5" tooltip="E-mail"/>
-              </a:rPr>
-              <a:t>electronic mail</a:t>
-            </a:r>
-            <a:r>
-              <a:rPr lang="en-US" dirty="0" smtClean="0"/>
-              <a:t>, intended as an alternative to the widely used </a:t>
-            </a:r>
-            <a:r>
-              <a:rPr lang="en-US" dirty="0" smtClean="0">
-                <a:hlinkClick r:id="rId6" tooltip="Sendmail"/>
-              </a:rPr>
-              <a:t>Sendmail</a:t>
-            </a:r>
-            <a:r>
-              <a:rPr lang="en-US" dirty="0" smtClean="0"/>
-              <a:t> MTA.</a:t>
-            </a:r>
-          </a:p>
-          <a:p>
-            <a:r>
-              <a:rPr lang="en-US" dirty="0" smtClean="0"/>
-              <a:t>Postfix is released under the </a:t>
-            </a:r>
-            <a:r>
-              <a:rPr lang="en-US" dirty="0" smtClean="0">
-                <a:hlinkClick r:id="rId7" tooltip="IBM Public License"/>
-              </a:rPr>
-              <a:t>IBM Public License</a:t>
-            </a:r>
-            <a:r>
-              <a:rPr lang="en-US" dirty="0" smtClean="0"/>
-              <a:t> 1.0 which is a </a:t>
-            </a:r>
-            <a:r>
-              <a:rPr lang="en-US" dirty="0" smtClean="0">
-                <a:hlinkClick r:id="rId8" tooltip="Free software licence"/>
-              </a:rPr>
-              <a:t>free software licence</a:t>
-            </a:r>
-            <a:r>
-              <a:rPr lang="en-US" dirty="0" smtClean="0"/>
-              <a:t>.</a:t>
-            </a:r>
-          </a:p>
-          <a:p>
-            <a:r>
-              <a:rPr lang="en-US" dirty="0" smtClean="0"/>
-              <a:t>Originally written in 1997 by </a:t>
-            </a:r>
-            <a:r>
-              <a:rPr lang="en-US" dirty="0" smtClean="0">
-                <a:hlinkClick r:id="rId9" tooltip="Wietse Venema"/>
-              </a:rPr>
-              <a:t>Wietse Venema</a:t>
-            </a:r>
-            <a:r>
-              <a:rPr lang="en-US" dirty="0" smtClean="0"/>
-              <a:t> at the </a:t>
-            </a:r>
-            <a:r>
-              <a:rPr lang="en-US" dirty="0" smtClean="0">
-                <a:hlinkClick r:id="rId10" tooltip="IBM"/>
-              </a:rPr>
-              <a:t>IBM</a:t>
-            </a:r>
-            <a:r>
-              <a:rPr lang="en-US" dirty="0" smtClean="0"/>
-              <a:t> </a:t>
-            </a:r>
-            <a:r>
-              <a:rPr lang="en-US" dirty="0" smtClean="0">
-                <a:hlinkClick r:id="rId11" tooltip="Thomas J. Watson Research Center"/>
-              </a:rPr>
-              <a:t>Thomas J. Watson Research Center</a:t>
-            </a:r>
-            <a:r>
-              <a:rPr lang="en-US" dirty="0" smtClean="0"/>
-              <a:t> and first released in December 1998, Postfix continues as of 2014 to be actively developed by its creator and other contributors. The software is also known by its former names </a:t>
-            </a:r>
-            <a:r>
-              <a:rPr lang="en-US" b="1" dirty="0" err="1" smtClean="0"/>
-              <a:t>VMailer</a:t>
-            </a:r>
-            <a:r>
-              <a:rPr lang="en-US" dirty="0" smtClean="0"/>
-              <a:t> and </a:t>
-            </a:r>
-            <a:r>
-              <a:rPr lang="en-US" b="1" dirty="0" smtClean="0"/>
-              <a:t>IBM Secure Mailer</a:t>
-            </a:r>
-            <a:r>
-              <a:rPr lang="en-US" dirty="0" smtClean="0"/>
-              <a:t>.</a:t>
-            </a:r>
-          </a:p>
-          <a:p>
-            <a:r>
-              <a:rPr lang="en-US" dirty="0" smtClean="0"/>
-              <a:t>In January 2013 in a study performed by E-Soft, Inc.</a:t>
-            </a:r>
-            <a:r>
-              <a:rPr lang="en-US" dirty="0"/>
-              <a:t> </a:t>
-            </a:r>
-            <a:r>
-              <a:rPr lang="en-US" dirty="0" smtClean="0"/>
-              <a:t>found that approximately 25% of the publicly reachable mail-servers on the Internet ran Postfix.</a:t>
-            </a:r>
-          </a:p>
-          <a:p>
-            <a:endParaRPr lang="en-US" dirty="0"/>
-          </a:p>
-        </p:txBody>
-      </p:sp>
+      </p:pic>
     </p:spTree>
     <p:extLst>
       <p:ext uri="{BB962C8B-B14F-4D97-AF65-F5344CB8AC3E}">
-        <p14:creationId xmlns:p14="http://schemas.microsoft.com/office/powerpoint/2010/main" val="1940339421"/>
+        <p14:creationId xmlns:p14="http://schemas.microsoft.com/office/powerpoint/2010/main" val="1306276204"/>
       </p:ext>
     </p:extLst>
   </p:cSld>
   <p:clrMapOvr>
     <a:masterClrMapping/>
   </p:clrMapOvr>
-  <p:timing>
-    <p:tnLst>
-      <p:par>
-        <p:cTn id="1" dur="indefinite" restart="never" nodeType="tmRoot"/>
-      </p:par>
-    </p:tnLst>
-  </p:timing>
+</p:sld>
+</file>
+
+<file path=ppt/slides/slide20.xml><?xml version="1.0" encoding="utf-8"?>
+<p:sld xmlns:a="http://schemas.openxmlformats.org/drawingml/2006/main" xmlns:r="http://schemas.openxmlformats.org/officeDocument/2006/relationships" xmlns:p="http://schemas.openxmlformats.org/presentationml/2006/main">
+  <p:cSld>
+    <p:spTree>
+      <p:nvGrpSpPr>
+        <p:cNvPr id="1" name=""/>
+        <p:cNvGrpSpPr/>
+        <p:nvPr/>
+      </p:nvGrpSpPr>
+      <p:grpSpPr>
+        <a:xfrm>
+          <a:off x="0" y="0"/>
+          <a:ext cx="0" cy="0"/>
+          <a:chOff x="0" y="0"/>
+          <a:chExt cx="0" cy="0"/>
+        </a:xfrm>
+      </p:grpSpPr>
+      <p:sp>
+        <p:nvSpPr>
+          <p:cNvPr id="2" name="Title 1"/>
+          <p:cNvSpPr>
+            <a:spLocks noGrp="1"/>
+          </p:cNvSpPr>
+          <p:nvPr>
+            <p:ph type="title"/>
+          </p:nvPr>
+        </p:nvSpPr>
+        <p:spPr/>
+        <p:txBody>
+          <a:bodyPr/>
+          <a:lstStyle/>
+          <a:p>
+            <a:r>
+              <a:rPr lang="en-US" b="1" dirty="0"/>
+              <a:t>Logging</a:t>
+            </a:r>
+          </a:p>
+        </p:txBody>
+      </p:sp>
+      <p:sp>
+        <p:nvSpPr>
+          <p:cNvPr id="3" name="Content Placeholder 2"/>
+          <p:cNvSpPr>
+            <a:spLocks noGrp="1"/>
+          </p:cNvSpPr>
+          <p:nvPr>
+            <p:ph idx="1"/>
+          </p:nvPr>
+        </p:nvSpPr>
+        <p:spPr>
+          <a:xfrm>
+            <a:off x="1981200" y="1312334"/>
+            <a:ext cx="8229600" cy="4813830"/>
+          </a:xfrm>
+        </p:spPr>
+        <p:txBody>
+          <a:bodyPr/>
+          <a:lstStyle/>
+          <a:p>
+            <a:r>
+              <a:rPr lang="en-US" dirty="0"/>
+              <a:t>Postfix will log all messages to</a:t>
+            </a:r>
+            <a:br>
+              <a:rPr lang="en-US" dirty="0"/>
+            </a:br>
+            <a:r>
+              <a:rPr lang="en-US" b="1" i="1" dirty="0"/>
+              <a:t>/</a:t>
+            </a:r>
+            <a:r>
+              <a:rPr lang="en-US" b="1" i="1" dirty="0" err="1"/>
+              <a:t>var</a:t>
+            </a:r>
+            <a:r>
+              <a:rPr lang="en-US" b="1" i="1" dirty="0"/>
+              <a:t>/log/</a:t>
+            </a:r>
+            <a:r>
+              <a:rPr lang="en-US" b="1" i="1" dirty="0" err="1"/>
+              <a:t>mail.log</a:t>
+            </a:r>
+            <a:endParaRPr lang="en-US" b="1" i="1" dirty="0"/>
+          </a:p>
+          <a:p>
+            <a:r>
+              <a:rPr lang="en-US" dirty="0"/>
+              <a:t>Done using the </a:t>
+            </a:r>
+            <a:r>
+              <a:rPr lang="en-US" dirty="0" err="1"/>
+              <a:t>syslogd</a:t>
+            </a:r>
+            <a:r>
+              <a:rPr lang="en-US" dirty="0"/>
+              <a:t> daemon</a:t>
+            </a:r>
+          </a:p>
+          <a:p>
+            <a:r>
+              <a:rPr lang="en-US" dirty="0"/>
+              <a:t>All transactions of messages coming in being sent out of the server will be logged</a:t>
+            </a:r>
+          </a:p>
+          <a:p>
+            <a:r>
+              <a:rPr lang="en-US" dirty="0"/>
+              <a:t>Logs will contain details like hostnames, recipients, time and date, and whether the email was queued or dropped</a:t>
+            </a:r>
+          </a:p>
+        </p:txBody>
+      </p:sp>
+    </p:spTree>
+    <p:extLst>
+      <p:ext uri="{BB962C8B-B14F-4D97-AF65-F5344CB8AC3E}">
+        <p14:creationId xmlns:p14="http://schemas.microsoft.com/office/powerpoint/2010/main" val="1366348351"/>
+      </p:ext>
+    </p:extLst>
+  </p:cSld>
+  <p:clrMapOvr>
+    <a:masterClrMapping/>
+  </p:clrMapOvr>
+</p:sld>
+</file>
+
+<file path=ppt/slides/slide21.xml><?xml version="1.0" encoding="utf-8"?>
+<p:sld xmlns:a="http://schemas.openxmlformats.org/drawingml/2006/main" xmlns:r="http://schemas.openxmlformats.org/officeDocument/2006/relationships" xmlns:p="http://schemas.openxmlformats.org/presentationml/2006/main">
+  <p:cSld>
+    <p:spTree>
+      <p:nvGrpSpPr>
+        <p:cNvPr id="1" name=""/>
+        <p:cNvGrpSpPr/>
+        <p:nvPr/>
+      </p:nvGrpSpPr>
+      <p:grpSpPr>
+        <a:xfrm>
+          <a:off x="0" y="0"/>
+          <a:ext cx="0" cy="0"/>
+          <a:chOff x="0" y="0"/>
+          <a:chExt cx="0" cy="0"/>
+        </a:xfrm>
+      </p:grpSpPr>
+      <p:sp>
+        <p:nvSpPr>
+          <p:cNvPr id="2" name="Title 1"/>
+          <p:cNvSpPr>
+            <a:spLocks noGrp="1"/>
+          </p:cNvSpPr>
+          <p:nvPr>
+            <p:ph type="title"/>
+          </p:nvPr>
+        </p:nvSpPr>
+        <p:spPr/>
+        <p:txBody>
+          <a:bodyPr/>
+          <a:lstStyle/>
+          <a:p>
+            <a:r>
+              <a:rPr lang="en-US" b="1" dirty="0"/>
+              <a:t>Postfix Daemon process </a:t>
+            </a:r>
+            <a:r>
+              <a:rPr lang="en-US" b="1" dirty="0" err="1"/>
+              <a:t>chrooted</a:t>
+            </a:r>
+            <a:endParaRPr lang="en-US" b="1" dirty="0"/>
+          </a:p>
+        </p:txBody>
+      </p:sp>
+      <p:sp>
+        <p:nvSpPr>
+          <p:cNvPr id="3" name="Content Placeholder 2"/>
+          <p:cNvSpPr>
+            <a:spLocks noGrp="1"/>
+          </p:cNvSpPr>
+          <p:nvPr>
+            <p:ph idx="1"/>
+          </p:nvPr>
+        </p:nvSpPr>
+        <p:spPr/>
+        <p:txBody>
+          <a:bodyPr>
+            <a:normAutofit/>
+          </a:bodyPr>
+          <a:lstStyle/>
+          <a:p>
+            <a:r>
+              <a:rPr lang="en-US" dirty="0"/>
+              <a:t>Postfix daemon processes can be configured (via the </a:t>
+            </a:r>
+            <a:r>
+              <a:rPr lang="en-US" dirty="0">
+                <a:hlinkClick r:id="rId2"/>
+              </a:rPr>
+              <a:t>master.cf</a:t>
+            </a:r>
+            <a:r>
+              <a:rPr lang="en-US" dirty="0"/>
+              <a:t> file) to run in a </a:t>
+            </a:r>
+            <a:r>
+              <a:rPr lang="en-US" dirty="0" err="1"/>
+              <a:t>chroot</a:t>
+            </a:r>
+            <a:r>
+              <a:rPr lang="en-US" dirty="0"/>
+              <a:t> jail</a:t>
+            </a:r>
+          </a:p>
+          <a:p>
+            <a:r>
+              <a:rPr lang="en-US" dirty="0"/>
+              <a:t>The processes run at a fixed low privilege and with file system access limited to the Postfix queue directories (/</a:t>
+            </a:r>
+            <a:r>
+              <a:rPr lang="en-US" dirty="0" err="1"/>
+              <a:t>var</a:t>
+            </a:r>
+            <a:r>
+              <a:rPr lang="en-US" dirty="0"/>
+              <a:t>/spool/postfix). </a:t>
+            </a:r>
+          </a:p>
+          <a:p>
+            <a:r>
+              <a:rPr lang="en-US" dirty="0"/>
+              <a:t>This provides a significant barrier against intrusion. </a:t>
+            </a:r>
+          </a:p>
+          <a:p>
+            <a:r>
+              <a:rPr lang="en-US" dirty="0"/>
+              <a:t>The barrier is not impenetrable (</a:t>
+            </a:r>
+            <a:r>
+              <a:rPr lang="en-US" dirty="0" err="1"/>
+              <a:t>chroot</a:t>
+            </a:r>
+            <a:r>
+              <a:rPr lang="en-US" dirty="0"/>
+              <a:t> limits file system access only)</a:t>
+            </a:r>
+          </a:p>
+        </p:txBody>
+      </p:sp>
+    </p:spTree>
+    <p:extLst>
+      <p:ext uri="{BB962C8B-B14F-4D97-AF65-F5344CB8AC3E}">
+        <p14:creationId xmlns:p14="http://schemas.microsoft.com/office/powerpoint/2010/main" val="1174097886"/>
+      </p:ext>
+    </p:extLst>
+  </p:cSld>
+  <p:clrMapOvr>
+    <a:masterClrMapping/>
+  </p:clrMapOvr>
+</p:sld>
+</file>
+
+<file path=ppt/slides/slide22.xml><?xml version="1.0" encoding="utf-8"?>
+<p:sld xmlns:a="http://schemas.openxmlformats.org/drawingml/2006/main" xmlns:r="http://schemas.openxmlformats.org/officeDocument/2006/relationships" xmlns:p="http://schemas.openxmlformats.org/presentationml/2006/main">
+  <p:cSld>
+    <p:spTree>
+      <p:nvGrpSpPr>
+        <p:cNvPr id="1" name=""/>
+        <p:cNvGrpSpPr/>
+        <p:nvPr/>
+      </p:nvGrpSpPr>
+      <p:grpSpPr>
+        <a:xfrm>
+          <a:off x="0" y="0"/>
+          <a:ext cx="0" cy="0"/>
+          <a:chOff x="0" y="0"/>
+          <a:chExt cx="0" cy="0"/>
+        </a:xfrm>
+      </p:grpSpPr>
+      <p:sp>
+        <p:nvSpPr>
+          <p:cNvPr id="2" name="Title 1"/>
+          <p:cNvSpPr>
+            <a:spLocks noGrp="1"/>
+          </p:cNvSpPr>
+          <p:nvPr>
+            <p:ph type="title"/>
+          </p:nvPr>
+        </p:nvSpPr>
+        <p:spPr/>
+        <p:txBody>
+          <a:bodyPr/>
+          <a:lstStyle/>
+          <a:p>
+            <a:r>
+              <a:rPr lang="en-US" b="1" dirty="0"/>
+              <a:t>Interfaces and Protocol</a:t>
+            </a:r>
+          </a:p>
+        </p:txBody>
+      </p:sp>
+      <p:sp>
+        <p:nvSpPr>
+          <p:cNvPr id="3" name="Content Placeholder 2"/>
+          <p:cNvSpPr>
+            <a:spLocks noGrp="1"/>
+          </p:cNvSpPr>
+          <p:nvPr>
+            <p:ph idx="1"/>
+          </p:nvPr>
+        </p:nvSpPr>
+        <p:spPr/>
+        <p:txBody>
+          <a:bodyPr>
+            <a:normAutofit/>
+          </a:bodyPr>
+          <a:lstStyle/>
+          <a:p>
+            <a:r>
+              <a:rPr lang="en-US" dirty="0"/>
+              <a:t>The </a:t>
+            </a:r>
+            <a:r>
+              <a:rPr lang="en-US" dirty="0">
+                <a:hlinkClick r:id="rId2"/>
+              </a:rPr>
+              <a:t>inet_interfaces</a:t>
+            </a:r>
+            <a:r>
+              <a:rPr lang="en-US" dirty="0"/>
+              <a:t> parameter specifies all network interface addresses that the Postfix system should listen on</a:t>
+            </a:r>
+          </a:p>
+          <a:p>
+            <a:pPr lvl="1"/>
+            <a:r>
+              <a:rPr lang="en-US" dirty="0" err="1"/>
+              <a:t>inet_interfaces</a:t>
+            </a:r>
+            <a:r>
+              <a:rPr lang="en-US" dirty="0"/>
+              <a:t> = all</a:t>
+            </a:r>
+          </a:p>
+          <a:p>
+            <a:r>
+              <a:rPr lang="en-US" dirty="0">
+                <a:hlinkClick r:id="rId3"/>
+              </a:rPr>
+              <a:t>inet_protocols</a:t>
+            </a:r>
+            <a:r>
+              <a:rPr lang="en-US" dirty="0"/>
+              <a:t> parameter specifies which protocols Postfix will attempt to use</a:t>
+            </a:r>
+          </a:p>
+          <a:p>
+            <a:pPr lvl="1"/>
+            <a:r>
+              <a:rPr lang="en-US" dirty="0">
+                <a:hlinkClick r:id="rId3"/>
+              </a:rPr>
+              <a:t>inet_protocols</a:t>
+            </a:r>
+            <a:r>
+              <a:rPr lang="en-US" dirty="0"/>
+              <a:t> = ipv4, ipv6 </a:t>
+            </a:r>
+          </a:p>
+          <a:p>
+            <a:endParaRPr lang="en-US" dirty="0"/>
+          </a:p>
+          <a:p>
+            <a:endParaRPr lang="en-US" dirty="0"/>
+          </a:p>
+        </p:txBody>
+      </p:sp>
+    </p:spTree>
+    <p:extLst>
+      <p:ext uri="{BB962C8B-B14F-4D97-AF65-F5344CB8AC3E}">
+        <p14:creationId xmlns:p14="http://schemas.microsoft.com/office/powerpoint/2010/main" val="1983421366"/>
+      </p:ext>
+    </p:extLst>
+  </p:cSld>
+  <p:clrMapOvr>
+    <a:masterClrMapping/>
+  </p:clrMapOvr>
+</p:sld>
+</file>
+
+<file path=ppt/slides/slide23.xml><?xml version="1.0" encoding="utf-8"?>
+<p:sld xmlns:a="http://schemas.openxmlformats.org/drawingml/2006/main" xmlns:r="http://schemas.openxmlformats.org/officeDocument/2006/relationships" xmlns:p="http://schemas.openxmlformats.org/presentationml/2006/main">
+  <p:cSld>
+    <p:spTree>
+      <p:nvGrpSpPr>
+        <p:cNvPr id="1" name=""/>
+        <p:cNvGrpSpPr/>
+        <p:nvPr/>
+      </p:nvGrpSpPr>
+      <p:grpSpPr>
+        <a:xfrm>
+          <a:off x="0" y="0"/>
+          <a:ext cx="0" cy="0"/>
+          <a:chOff x="0" y="0"/>
+          <a:chExt cx="0" cy="0"/>
+        </a:xfrm>
+      </p:grpSpPr>
+      <p:sp>
+        <p:nvSpPr>
+          <p:cNvPr id="2" name="Title 1"/>
+          <p:cNvSpPr>
+            <a:spLocks noGrp="1"/>
+          </p:cNvSpPr>
+          <p:nvPr>
+            <p:ph type="title"/>
+          </p:nvPr>
+        </p:nvSpPr>
+        <p:spPr/>
+        <p:txBody>
+          <a:bodyPr/>
+          <a:lstStyle/>
+          <a:p>
+            <a:r>
+              <a:rPr lang="en-US" b="1" dirty="0"/>
+              <a:t>Starting, stopping and logs</a:t>
+            </a:r>
+          </a:p>
+        </p:txBody>
+      </p:sp>
+      <p:sp>
+        <p:nvSpPr>
+          <p:cNvPr id="3" name="Content Placeholder 2"/>
+          <p:cNvSpPr>
+            <a:spLocks noGrp="1"/>
+          </p:cNvSpPr>
+          <p:nvPr>
+            <p:ph idx="1"/>
+          </p:nvPr>
+        </p:nvSpPr>
+        <p:spPr>
+          <a:xfrm>
+            <a:off x="1981200" y="1600200"/>
+            <a:ext cx="8432800" cy="4778022"/>
+          </a:xfrm>
+        </p:spPr>
+        <p:txBody>
+          <a:bodyPr>
+            <a:normAutofit fontScale="92500" lnSpcReduction="20000"/>
+          </a:bodyPr>
+          <a:lstStyle/>
+          <a:p>
+            <a:r>
+              <a:rPr lang="en-US" b="1" dirty="0"/>
+              <a:t>Starting/Stopping</a:t>
+            </a:r>
+            <a:br>
+              <a:rPr lang="en-US" b="1" dirty="0"/>
+            </a:br>
+            <a:r>
+              <a:rPr lang="en-US" dirty="0"/>
+              <a:t>$</a:t>
+            </a:r>
+            <a:r>
+              <a:rPr lang="en-US" dirty="0" err="1"/>
+              <a:t>sudo</a:t>
+            </a:r>
+            <a:r>
+              <a:rPr lang="en-US" dirty="0"/>
+              <a:t> service postfix start</a:t>
+            </a:r>
+            <a:br>
+              <a:rPr lang="en-US" dirty="0"/>
+            </a:br>
+            <a:r>
+              <a:rPr lang="en-US" dirty="0"/>
+              <a:t>$</a:t>
+            </a:r>
+            <a:r>
+              <a:rPr lang="en-US" dirty="0" err="1"/>
+              <a:t>sudo</a:t>
+            </a:r>
+            <a:r>
+              <a:rPr lang="en-US" dirty="0"/>
+              <a:t> service postfix stop</a:t>
+            </a:r>
+            <a:br>
+              <a:rPr lang="en-US" dirty="0"/>
+            </a:br>
+            <a:endParaRPr lang="en-US" dirty="0"/>
+          </a:p>
+          <a:p>
+            <a:r>
+              <a:rPr lang="en-US" b="1" dirty="0"/>
+              <a:t>Checking non-default running </a:t>
+            </a:r>
+            <a:r>
+              <a:rPr lang="en-US" b="1" dirty="0" err="1"/>
+              <a:t>config</a:t>
+            </a:r>
+            <a:br>
+              <a:rPr lang="en-US" b="1" dirty="0"/>
+            </a:br>
+            <a:r>
+              <a:rPr lang="en-US" b="1" dirty="0"/>
+              <a:t> </a:t>
+            </a:r>
+            <a:r>
+              <a:rPr lang="en-US" dirty="0"/>
+              <a:t>$</a:t>
+            </a:r>
+            <a:r>
+              <a:rPr lang="en-US" dirty="0" err="1"/>
+              <a:t>sudo</a:t>
+            </a:r>
+            <a:r>
+              <a:rPr lang="en-US" dirty="0"/>
+              <a:t> </a:t>
+            </a:r>
+            <a:r>
+              <a:rPr lang="en-US" dirty="0" err="1"/>
+              <a:t>postconf</a:t>
+            </a:r>
+            <a:r>
+              <a:rPr lang="en-US" dirty="0"/>
+              <a:t> –n</a:t>
+            </a:r>
+            <a:br>
+              <a:rPr lang="en-US" dirty="0"/>
+            </a:br>
+            <a:endParaRPr lang="en-US" dirty="0"/>
+          </a:p>
+          <a:p>
+            <a:r>
+              <a:rPr lang="en-US" b="1" dirty="0"/>
+              <a:t>Reloading rules</a:t>
+            </a:r>
+            <a:br>
+              <a:rPr lang="en-US" b="1" dirty="0"/>
+            </a:br>
+            <a:r>
+              <a:rPr lang="en-US" dirty="0"/>
+              <a:t>$</a:t>
+            </a:r>
+            <a:r>
+              <a:rPr lang="en-US" dirty="0" err="1"/>
+              <a:t>sudo</a:t>
+            </a:r>
+            <a:r>
+              <a:rPr lang="en-US" dirty="0"/>
+              <a:t> postfix reload</a:t>
+            </a:r>
+            <a:br>
+              <a:rPr lang="en-US" dirty="0"/>
+            </a:br>
+            <a:endParaRPr lang="en-US" dirty="0"/>
+          </a:p>
+          <a:p>
+            <a:r>
+              <a:rPr lang="en-US" b="1" dirty="0"/>
+              <a:t>Checking logs</a:t>
+            </a:r>
+            <a:br>
+              <a:rPr lang="en-US" b="1" dirty="0"/>
+            </a:br>
+            <a:r>
+              <a:rPr lang="en-US" dirty="0"/>
+              <a:t>Debian</a:t>
+            </a:r>
+            <a:r>
+              <a:rPr lang="en-US" b="1" dirty="0"/>
+              <a:t>: </a:t>
+            </a:r>
+            <a:r>
+              <a:rPr lang="en-US" dirty="0"/>
+              <a:t>$</a:t>
+            </a:r>
+            <a:r>
+              <a:rPr lang="en-US" dirty="0" err="1"/>
+              <a:t>sudo</a:t>
+            </a:r>
+            <a:r>
+              <a:rPr lang="en-US" dirty="0"/>
+              <a:t> tail –f /</a:t>
+            </a:r>
+            <a:r>
+              <a:rPr lang="en-US" dirty="0" err="1"/>
+              <a:t>var</a:t>
+            </a:r>
+            <a:r>
+              <a:rPr lang="en-US" dirty="0"/>
+              <a:t>/log/</a:t>
+            </a:r>
+            <a:r>
+              <a:rPr lang="en-US" dirty="0" err="1"/>
+              <a:t>mail.log</a:t>
+            </a:r>
+            <a:br>
+              <a:rPr lang="en-US" dirty="0"/>
+            </a:br>
+            <a:r>
+              <a:rPr lang="en-US" dirty="0"/>
+              <a:t>FreeBSD: $</a:t>
+            </a:r>
+            <a:r>
+              <a:rPr lang="en-US" dirty="0" err="1"/>
+              <a:t>sudo</a:t>
+            </a:r>
+            <a:r>
+              <a:rPr lang="en-US" dirty="0"/>
+              <a:t> tail –f /</a:t>
+            </a:r>
+            <a:r>
+              <a:rPr lang="en-US" dirty="0" err="1"/>
+              <a:t>var</a:t>
+            </a:r>
+            <a:r>
+              <a:rPr lang="en-US" dirty="0"/>
+              <a:t>/log/</a:t>
+            </a:r>
+            <a:r>
+              <a:rPr lang="en-US" dirty="0" err="1"/>
+              <a:t>maillog</a:t>
+            </a:r>
+            <a:br>
+              <a:rPr lang="en-US" dirty="0"/>
+            </a:br>
+            <a:endParaRPr lang="en-US" dirty="0"/>
+          </a:p>
+          <a:p>
+            <a:endParaRPr lang="en-US" dirty="0"/>
+          </a:p>
+        </p:txBody>
+      </p:sp>
+    </p:spTree>
+    <p:extLst>
+      <p:ext uri="{BB962C8B-B14F-4D97-AF65-F5344CB8AC3E}">
+        <p14:creationId xmlns:p14="http://schemas.microsoft.com/office/powerpoint/2010/main" val="2121729628"/>
+      </p:ext>
+    </p:extLst>
+  </p:cSld>
+  <p:clrMapOvr>
+    <a:masterClrMapping/>
+  </p:clrMapOvr>
+</p:sld>
+</file>
+
+<file path=ppt/slides/slide24.xml><?xml version="1.0" encoding="utf-8"?>
+<p:sld xmlns:a="http://schemas.openxmlformats.org/drawingml/2006/main" xmlns:r="http://schemas.openxmlformats.org/officeDocument/2006/relationships" xmlns:p="http://schemas.openxmlformats.org/presentationml/2006/main">
+  <p:cSld>
+    <p:spTree>
+      <p:nvGrpSpPr>
+        <p:cNvPr id="1" name=""/>
+        <p:cNvGrpSpPr/>
+        <p:nvPr/>
+      </p:nvGrpSpPr>
+      <p:grpSpPr>
+        <a:xfrm>
+          <a:off x="0" y="0"/>
+          <a:ext cx="0" cy="0"/>
+          <a:chOff x="0" y="0"/>
+          <a:chExt cx="0" cy="0"/>
+        </a:xfrm>
+      </p:grpSpPr>
+      <p:sp>
+        <p:nvSpPr>
+          <p:cNvPr id="2" name="Title 1"/>
+          <p:cNvSpPr>
+            <a:spLocks noGrp="1"/>
+          </p:cNvSpPr>
+          <p:nvPr>
+            <p:ph type="title"/>
+          </p:nvPr>
+        </p:nvSpPr>
+        <p:spPr/>
+        <p:txBody>
+          <a:bodyPr/>
+          <a:lstStyle/>
+          <a:p>
+            <a:r>
+              <a:rPr lang="en-US" b="1" dirty="0"/>
+              <a:t>Further Postfix Reading</a:t>
+            </a:r>
+          </a:p>
+        </p:txBody>
+      </p:sp>
+      <p:sp>
+        <p:nvSpPr>
+          <p:cNvPr id="3" name="Content Placeholder 2"/>
+          <p:cNvSpPr>
+            <a:spLocks noGrp="1"/>
+          </p:cNvSpPr>
+          <p:nvPr>
+            <p:ph idx="1"/>
+          </p:nvPr>
+        </p:nvSpPr>
+        <p:spPr/>
+        <p:txBody>
+          <a:bodyPr/>
+          <a:lstStyle/>
+          <a:p>
+            <a:r>
+              <a:rPr lang="en-US" dirty="0"/>
+              <a:t>Queue manipulation</a:t>
+            </a:r>
+          </a:p>
+          <a:p>
+            <a:pPr lvl="1"/>
+            <a:r>
+              <a:rPr lang="en-US" dirty="0">
+                <a:hlinkClick r:id="rId2"/>
+              </a:rPr>
+              <a:t>http://www.tech-g.com/2012/07/15/inspecting-postfixs-email-queue/</a:t>
+            </a:r>
+            <a:r>
+              <a:rPr lang="en-US" dirty="0"/>
+              <a:t> </a:t>
+            </a:r>
+          </a:p>
+          <a:p>
+            <a:r>
+              <a:rPr lang="en-US" u="sng" dirty="0">
+                <a:hlinkClick r:id="rId3"/>
+              </a:rPr>
+              <a:t>Postfix on Debian</a:t>
+            </a:r>
+          </a:p>
+          <a:p>
+            <a:pPr lvl="1"/>
+            <a:r>
+              <a:rPr lang="en-US" dirty="0">
+                <a:hlinkClick r:id="rId3"/>
+              </a:rPr>
+              <a:t>https://wiki.debian.org/Postfix</a:t>
+            </a:r>
+            <a:r>
+              <a:rPr lang="en-US" dirty="0"/>
+              <a:t> </a:t>
+            </a:r>
+          </a:p>
+        </p:txBody>
+      </p:sp>
+    </p:spTree>
+    <p:extLst>
+      <p:ext uri="{BB962C8B-B14F-4D97-AF65-F5344CB8AC3E}">
+        <p14:creationId xmlns:p14="http://schemas.microsoft.com/office/powerpoint/2010/main" val="943899361"/>
+      </p:ext>
+    </p:extLst>
+  </p:cSld>
+  <p:clrMapOvr>
+    <a:masterClrMapping/>
+  </p:clrMapOvr>
 </p:sld>
 </file>
 
@@ -4751,7 +5528,13 @@
       </p:grpSpPr>
       <p:sp>
         <p:nvSpPr>
-          <p:cNvPr id="2" name="Title 1"/>
+          <p:cNvPr id="2" name="Title 1">
+            <a:extLst>
+              <a:ext uri="{FF2B5EF4-FFF2-40B4-BE49-F238E27FC236}">
+                <a16:creationId xmlns:a16="http://schemas.microsoft.com/office/drawing/2014/main" id="{C9ABEF35-B3C2-1A4B-9544-5DDA978055DB}"/>
+              </a:ext>
+            </a:extLst>
+          </p:cNvPr>
           <p:cNvSpPr>
             <a:spLocks noGrp="1"/>
           </p:cNvSpPr>
@@ -4764,17 +5547,19 @@
           <a:bodyPr/>
           <a:lstStyle/>
           <a:p>
-            <a:r>
-              <a:rPr lang="en-US" b="1" dirty="0" smtClean="0"/>
-              <a:t>Postfix</a:t>
-            </a:r>
-            <a:endParaRPr lang="en-US" b="1" dirty="0"/>
-          </a:p>
-        </p:txBody>
-      </p:sp>
-      <p:sp>
-        <p:nvSpPr>
-          <p:cNvPr id="3" name="Content Placeholder 2"/>
+            <a:endParaRPr lang="en-US"/>
+          </a:p>
+        </p:txBody>
+      </p:sp>
+      <p:sp>
+        <p:nvSpPr>
+          <p:cNvPr id="3" name="Content Placeholder 2">
+            <a:extLst>
+              <a:ext uri="{FF2B5EF4-FFF2-40B4-BE49-F238E27FC236}">
+                <a16:creationId xmlns:a16="http://schemas.microsoft.com/office/drawing/2014/main" id="{D6514EAB-A51D-FA4E-A150-F35D87A6FC7D}"/>
+              </a:ext>
+            </a:extLst>
+          </p:cNvPr>
           <p:cNvSpPr>
             <a:spLocks noGrp="1"/>
           </p:cNvSpPr>
@@ -4784,108 +5569,53 @@
         </p:nvSpPr>
         <p:spPr/>
         <p:txBody>
-          <a:bodyPr>
-            <a:normAutofit/>
-          </a:bodyPr>
-          <a:lstStyle/>
-          <a:p>
-            <a:r>
-              <a:rPr lang="en-US" dirty="0" smtClean="0"/>
-              <a:t>Works on UNIX-like systems including AIX, BSD, HP-UX, Linux, </a:t>
-            </a:r>
-            <a:r>
-              <a:rPr lang="en-US" dirty="0" err="1" smtClean="0"/>
-              <a:t>MacOS</a:t>
-            </a:r>
-            <a:r>
-              <a:rPr lang="en-US" dirty="0" smtClean="0"/>
-              <a:t> X, Solaris, and more.</a:t>
-            </a:r>
-          </a:p>
-          <a:p>
-            <a:r>
-              <a:rPr lang="en-US" dirty="0" smtClean="0"/>
-              <a:t>It is the default </a:t>
-            </a:r>
-            <a:r>
-              <a:rPr lang="en-US" dirty="0" smtClean="0">
-                <a:hlinkClick r:id="rId2" tooltip="Message transfer agent"/>
-              </a:rPr>
-              <a:t>MTA</a:t>
-            </a:r>
-            <a:r>
-              <a:rPr lang="en-US" dirty="0" smtClean="0"/>
-              <a:t> for the </a:t>
-            </a:r>
-            <a:r>
-              <a:rPr lang="en-US" dirty="0" smtClean="0">
-                <a:hlinkClick r:id="rId3" tooltip="OS X"/>
-              </a:rPr>
-              <a:t>OS X</a:t>
-            </a:r>
-            <a:r>
-              <a:rPr lang="en-US" dirty="0" smtClean="0"/>
-              <a:t>, </a:t>
-            </a:r>
-            <a:r>
-              <a:rPr lang="en-US" dirty="0" smtClean="0">
-                <a:hlinkClick r:id="rId4" tooltip="NetBSD"/>
-              </a:rPr>
-              <a:t>NetBSD</a:t>
-            </a:r>
-            <a:r>
-              <a:rPr lang="en-US" baseline="30000" dirty="0" smtClean="0">
-                <a:hlinkClick r:id="rId5"/>
-              </a:rPr>
-              <a:t>[3]</a:t>
-            </a:r>
-            <a:r>
-              <a:rPr lang="en-US" dirty="0" smtClean="0"/>
-              <a:t> and </a:t>
-            </a:r>
-            <a:r>
-              <a:rPr lang="en-US" dirty="0" smtClean="0">
-                <a:hlinkClick r:id="rId6" tooltip="Ubuntu (operating system)"/>
-              </a:rPr>
-              <a:t>Ubuntu</a:t>
-            </a:r>
-            <a:r>
-              <a:rPr lang="en-US" dirty="0" smtClean="0"/>
-              <a:t> operating systems</a:t>
-            </a:r>
-          </a:p>
-          <a:p>
-            <a:r>
-              <a:rPr lang="en-US" dirty="0" smtClean="0"/>
-              <a:t>Used by: AOL, Apple Server, Stanford University, United States Navy, NASA, Rackspace, many ISPs</a:t>
-            </a:r>
-          </a:p>
-          <a:p>
-            <a:r>
-              <a:rPr lang="en-US" dirty="0" smtClean="0"/>
-              <a:t>Able to process thousands </a:t>
-            </a:r>
-            <a:endParaRPr lang="en-US" dirty="0"/>
-          </a:p>
-        </p:txBody>
-      </p:sp>
+          <a:bodyPr/>
+          <a:lstStyle/>
+          <a:p>
+            <a:endParaRPr lang="en-US"/>
+          </a:p>
+        </p:txBody>
+      </p:sp>
+      <p:pic>
+        <p:nvPicPr>
+          <p:cNvPr id="4" name="Picture 3">
+            <a:extLst>
+              <a:ext uri="{FF2B5EF4-FFF2-40B4-BE49-F238E27FC236}">
+                <a16:creationId xmlns:a16="http://schemas.microsoft.com/office/drawing/2014/main" id="{E1A1CF04-8555-5F48-A8C6-BB5272CB1F00}"/>
+              </a:ext>
+            </a:extLst>
+          </p:cNvPr>
+          <p:cNvPicPr>
+            <a:picLocks noChangeAspect="1"/>
+          </p:cNvPicPr>
+          <p:nvPr/>
+        </p:nvPicPr>
+        <p:blipFill>
+          <a:blip r:embed="rId2"/>
+          <a:stretch>
+            <a:fillRect/>
+          </a:stretch>
+        </p:blipFill>
+        <p:spPr>
+          <a:xfrm>
+            <a:off x="1352006" y="497472"/>
+            <a:ext cx="9751411" cy="6858000"/>
+          </a:xfrm>
+          <a:prstGeom prst="rect">
+            <a:avLst/>
+          </a:prstGeom>
+        </p:spPr>
+      </p:pic>
     </p:spTree>
     <p:extLst>
       <p:ext uri="{BB962C8B-B14F-4D97-AF65-F5344CB8AC3E}">
-        <p14:creationId xmlns:p14="http://schemas.microsoft.com/office/powerpoint/2010/main" val="1745469052"/>
+        <p14:creationId xmlns:p14="http://schemas.microsoft.com/office/powerpoint/2010/main" val="2638819519"/>
       </p:ext>
     </p:extLst>
   </p:cSld>
   <p:clrMapOvr>
     <a:masterClrMapping/>
   </p:clrMapOvr>
-  <p:timing>
-    <p:tnLst>
-      <p:par>
-        <p:cTn id="1" dur="indefinite" restart="never" nodeType="tmRoot"/>
-      </p:par>
-    </p:tnLst>
-  </p:timing>
 </p:sld>
 </file>
 
@@ -4908,7 +5638,13 @@
       </p:grpSpPr>
       <p:sp>
         <p:nvSpPr>
-          <p:cNvPr id="2" name="Title 1"/>
+          <p:cNvPr id="2" name="Title 1">
+            <a:extLst>
+              <a:ext uri="{FF2B5EF4-FFF2-40B4-BE49-F238E27FC236}">
+                <a16:creationId xmlns:a16="http://schemas.microsoft.com/office/drawing/2014/main" id="{46D240AB-2B6C-BF4C-B279-50831C9CA44B}"/>
+              </a:ext>
+            </a:extLst>
+          </p:cNvPr>
           <p:cNvSpPr>
             <a:spLocks noGrp="1"/>
           </p:cNvSpPr>
@@ -4916,246 +5652,80 @@
             <p:ph type="title"/>
           </p:nvPr>
         </p:nvSpPr>
+        <p:spPr/>
+        <p:txBody>
+          <a:bodyPr/>
+          <a:lstStyle/>
+          <a:p>
+            <a:endParaRPr lang="en-US"/>
+          </a:p>
+        </p:txBody>
+      </p:sp>
+      <p:sp>
+        <p:nvSpPr>
+          <p:cNvPr id="3" name="Content Placeholder 2">
+            <a:extLst>
+              <a:ext uri="{FF2B5EF4-FFF2-40B4-BE49-F238E27FC236}">
+                <a16:creationId xmlns:a16="http://schemas.microsoft.com/office/drawing/2014/main" id="{83926ADB-07E7-894E-B2CB-523956C60DD6}"/>
+              </a:ext>
+            </a:extLst>
+          </p:cNvPr>
+          <p:cNvSpPr>
+            <a:spLocks noGrp="1"/>
+          </p:cNvSpPr>
+          <p:nvPr>
+            <p:ph idx="1"/>
+          </p:nvPr>
+        </p:nvSpPr>
+        <p:spPr/>
+        <p:txBody>
+          <a:bodyPr/>
+          <a:lstStyle/>
+          <a:p>
+            <a:endParaRPr lang="en-US"/>
+          </a:p>
+        </p:txBody>
+      </p:sp>
+      <p:pic>
+        <p:nvPicPr>
+          <p:cNvPr id="4" name="Picture 3">
+            <a:extLst>
+              <a:ext uri="{FF2B5EF4-FFF2-40B4-BE49-F238E27FC236}">
+                <a16:creationId xmlns:a16="http://schemas.microsoft.com/office/drawing/2014/main" id="{31D393F7-8F82-1F4A-96B3-65405807FE8C}"/>
+              </a:ext>
+            </a:extLst>
+          </p:cNvPr>
+          <p:cNvPicPr>
+            <a:picLocks noChangeAspect="1"/>
+          </p:cNvPicPr>
+          <p:nvPr/>
+        </p:nvPicPr>
+        <p:blipFill>
+          <a:blip r:embed="rId2"/>
+          <a:stretch>
+            <a:fillRect/>
+          </a:stretch>
+        </p:blipFill>
         <p:spPr>
           <a:xfrm>
-            <a:off x="1981200" y="52716"/>
-            <a:ext cx="8229600" cy="1143000"/>
+            <a:off x="1120979" y="171984"/>
+            <a:ext cx="9306457" cy="6858000"/>
           </a:xfrm>
+          <a:prstGeom prst="rect">
+            <a:avLst/>
+          </a:prstGeom>
         </p:spPr>
-        <p:txBody>
-          <a:bodyPr>
-            <a:normAutofit/>
-          </a:bodyPr>
-          <a:lstStyle/>
-          <a:p>
-            <a:r>
-              <a:rPr lang="en-US" b="1" dirty="0" smtClean="0"/>
-              <a:t>Some Key Features</a:t>
-            </a:r>
-            <a:endParaRPr lang="en-US" b="1" dirty="0"/>
-          </a:p>
-        </p:txBody>
-      </p:sp>
-      <p:sp>
-        <p:nvSpPr>
-          <p:cNvPr id="3" name="Content Placeholder 2"/>
-          <p:cNvSpPr>
-            <a:spLocks noGrp="1"/>
-          </p:cNvSpPr>
-          <p:nvPr>
-            <p:ph idx="1"/>
-          </p:nvPr>
-        </p:nvSpPr>
-        <p:spPr>
-          <a:xfrm>
-            <a:off x="1981200" y="1245229"/>
-            <a:ext cx="8229600" cy="4880935"/>
-          </a:xfrm>
-        </p:spPr>
-        <p:txBody>
-          <a:bodyPr>
-            <a:normAutofit fontScale="92500"/>
-          </a:bodyPr>
-          <a:lstStyle/>
-          <a:p>
-            <a:r>
-              <a:rPr lang="en-US" dirty="0" smtClean="0"/>
-              <a:t>SASL authentication Simple </a:t>
-            </a:r>
-            <a:r>
-              <a:rPr lang="en-US" dirty="0" err="1" smtClean="0"/>
-              <a:t>Auth</a:t>
-            </a:r>
-            <a:r>
-              <a:rPr lang="en-US" dirty="0" smtClean="0"/>
-              <a:t> Security Layer</a:t>
-            </a:r>
-          </a:p>
-          <a:p>
-            <a:r>
-              <a:rPr lang="en-US" dirty="0" smtClean="0"/>
-              <a:t>Mail forwarding or delivery</a:t>
-            </a:r>
-          </a:p>
-          <a:p>
-            <a:r>
-              <a:rPr lang="en-US" dirty="0"/>
-              <a:t>"Virtual" domains with distinct address-</a:t>
-            </a:r>
-            <a:r>
-              <a:rPr lang="en-US" dirty="0" smtClean="0"/>
-              <a:t>namespaces</a:t>
-            </a:r>
-          </a:p>
-          <a:p>
-            <a:r>
-              <a:rPr lang="en-US" dirty="0"/>
-              <a:t>A large number of database lookup mechanisms including </a:t>
-            </a:r>
-            <a:r>
-              <a:rPr lang="en-US" dirty="0">
-                <a:hlinkClick r:id="rId2" tooltip="Berkeley DB"/>
-              </a:rPr>
-              <a:t>Berkeley DB</a:t>
-            </a:r>
-            <a:r>
-              <a:rPr lang="en-US" dirty="0"/>
-              <a:t>, </a:t>
-            </a:r>
-            <a:r>
-              <a:rPr lang="en-US" dirty="0">
-                <a:hlinkClick r:id="rId3" tooltip="Cdb (software)"/>
-              </a:rPr>
-              <a:t>CDB</a:t>
-            </a:r>
-            <a:r>
-              <a:rPr lang="en-US" dirty="0"/>
-              <a:t>, </a:t>
-            </a:r>
-            <a:r>
-              <a:rPr lang="en-US" dirty="0">
-                <a:hlinkClick r:id="rId4" tooltip="OpenLDAP"/>
-              </a:rPr>
-              <a:t>OpenLDAP LMDB</a:t>
-            </a:r>
-            <a:r>
-              <a:rPr lang="en-US" dirty="0"/>
-              <a:t>, </a:t>
-            </a:r>
-            <a:r>
-              <a:rPr lang="en-US" dirty="0">
-                <a:hlinkClick r:id="rId5" tooltip="Memcached"/>
-              </a:rPr>
-              <a:t>Memcached</a:t>
-            </a:r>
-            <a:r>
-              <a:rPr lang="en-US" dirty="0"/>
-              <a:t>, </a:t>
-            </a:r>
-            <a:r>
-              <a:rPr lang="en-US" dirty="0">
-                <a:hlinkClick r:id="rId6" tooltip="Lightweight Directory Access Protocol"/>
-              </a:rPr>
-              <a:t>LDAP</a:t>
-            </a:r>
-            <a:r>
-              <a:rPr lang="en-US" dirty="0"/>
-              <a:t> and multiple </a:t>
-            </a:r>
-            <a:r>
-              <a:rPr lang="en-US" dirty="0">
-                <a:hlinkClick r:id="rId7" tooltip="SQL"/>
-              </a:rPr>
-              <a:t>SQL</a:t>
-            </a:r>
-            <a:r>
-              <a:rPr lang="en-US" dirty="0"/>
-              <a:t> database </a:t>
-            </a:r>
-            <a:r>
-              <a:rPr lang="en-US" dirty="0" smtClean="0"/>
-              <a:t>implementations</a:t>
-            </a:r>
-          </a:p>
-          <a:p>
-            <a:r>
-              <a:rPr lang="en-US" dirty="0" smtClean="0"/>
-              <a:t>Extended </a:t>
-            </a:r>
-            <a:endParaRPr lang="en-US" dirty="0"/>
-          </a:p>
-          <a:p>
-            <a:pPr lvl="1"/>
-            <a:r>
-              <a:rPr lang="en-US" dirty="0">
-                <a:hlinkClick r:id="rId8" tooltip="Deep content inspection"/>
-              </a:rPr>
-              <a:t>Deep content inspection</a:t>
-            </a:r>
-            <a:r>
-              <a:rPr lang="en-US" dirty="0"/>
-              <a:t> before or after a message is accepted into the mail queue;</a:t>
-            </a:r>
-          </a:p>
-          <a:p>
-            <a:pPr lvl="1"/>
-            <a:r>
-              <a:rPr lang="en-US" dirty="0"/>
-              <a:t>Mail authentication with </a:t>
-            </a:r>
-            <a:r>
-              <a:rPr lang="en-US" dirty="0">
-                <a:hlinkClick r:id="rId9" tooltip="DomainKeys Identified Mail"/>
-              </a:rPr>
-              <a:t>DKIM</a:t>
-            </a:r>
-            <a:r>
-              <a:rPr lang="en-US" dirty="0"/>
-              <a:t>, </a:t>
-            </a:r>
-            <a:r>
-              <a:rPr lang="en-US" dirty="0">
-                <a:hlinkClick r:id="rId10" tooltip="Sender Policy Framework"/>
-              </a:rPr>
-              <a:t>SPF</a:t>
-            </a:r>
-            <a:r>
-              <a:rPr lang="en-US" dirty="0"/>
-              <a:t>, or other protocols;</a:t>
-            </a:r>
-          </a:p>
-          <a:p>
-            <a:pPr lvl="1"/>
-            <a:r>
-              <a:rPr lang="en-US" dirty="0">
-                <a:hlinkClick r:id="rId11" tooltip="Simple Mail Transfer Protocol"/>
-              </a:rPr>
-              <a:t>SMTP</a:t>
-            </a:r>
-            <a:r>
-              <a:rPr lang="en-US" dirty="0"/>
-              <a:t>-level access policies such as </a:t>
-            </a:r>
-            <a:r>
-              <a:rPr lang="en-US" dirty="0">
-                <a:hlinkClick r:id="rId12" tooltip="Greylisting"/>
-              </a:rPr>
-              <a:t>greylisting</a:t>
-            </a:r>
-            <a:r>
-              <a:rPr lang="en-US" dirty="0"/>
-              <a:t> or rate control.</a:t>
-            </a:r>
-          </a:p>
-          <a:p>
-            <a:pPr lvl="1"/>
-            <a:endParaRPr lang="en-US" dirty="0" smtClean="0"/>
-          </a:p>
-          <a:p>
-            <a:endParaRPr lang="en-US" dirty="0" smtClean="0"/>
-          </a:p>
-          <a:p>
-            <a:endParaRPr lang="en-US" dirty="0"/>
-          </a:p>
-        </p:txBody>
-      </p:sp>
+      </p:pic>
     </p:spTree>
     <p:extLst>
       <p:ext uri="{BB962C8B-B14F-4D97-AF65-F5344CB8AC3E}">
-        <p14:creationId xmlns:p14="http://schemas.microsoft.com/office/powerpoint/2010/main" val="1471738944"/>
+        <p14:creationId xmlns:p14="http://schemas.microsoft.com/office/powerpoint/2010/main" val="3550662639"/>
       </p:ext>
     </p:extLst>
   </p:cSld>
   <p:clrMapOvr>
     <a:masterClrMapping/>
   </p:clrMapOvr>
-  <p:timing>
-    <p:tnLst>
-      <p:par>
-        <p:cTn id="1" dur="indefinite" restart="never" nodeType="tmRoot"/>
-      </p:par>
-    </p:tnLst>
-  </p:timing>
 </p:sld>
 </file>
 
@@ -5178,7 +5748,13 @@
       </p:grpSpPr>
       <p:sp>
         <p:nvSpPr>
-          <p:cNvPr id="2" name="Title 1"/>
+          <p:cNvPr id="2" name="Title 1">
+            <a:extLst>
+              <a:ext uri="{FF2B5EF4-FFF2-40B4-BE49-F238E27FC236}">
+                <a16:creationId xmlns:a16="http://schemas.microsoft.com/office/drawing/2014/main" id="{5B0918D7-DEBF-6F49-A058-2B63305A2B38}"/>
+              </a:ext>
+            </a:extLst>
+          </p:cNvPr>
           <p:cNvSpPr>
             <a:spLocks noGrp="1"/>
           </p:cNvSpPr>
@@ -5191,21 +5767,19 @@
           <a:bodyPr/>
           <a:lstStyle/>
           <a:p>
-            <a:r>
-              <a:rPr lang="en-US" b="1" dirty="0" smtClean="0"/>
-              <a:t>Postfix on </a:t>
-            </a:r>
-            <a:r>
-              <a:rPr lang="en-US" b="1" dirty="0" err="1" smtClean="0"/>
-              <a:t>Debian</a:t>
-            </a:r>
-            <a:endParaRPr lang="en-US" b="1" dirty="0"/>
-          </a:p>
-        </p:txBody>
-      </p:sp>
-      <p:sp>
-        <p:nvSpPr>
-          <p:cNvPr id="3" name="Content Placeholder 2"/>
+            <a:endParaRPr lang="en-US"/>
+          </a:p>
+        </p:txBody>
+      </p:sp>
+      <p:sp>
+        <p:nvSpPr>
+          <p:cNvPr id="3" name="Content Placeholder 2">
+            <a:extLst>
+              <a:ext uri="{FF2B5EF4-FFF2-40B4-BE49-F238E27FC236}">
+                <a16:creationId xmlns:a16="http://schemas.microsoft.com/office/drawing/2014/main" id="{05C174CE-4AD3-6040-B218-F9BA349C1802}"/>
+              </a:ext>
+            </a:extLst>
+          </p:cNvPr>
           <p:cNvSpPr>
             <a:spLocks noGrp="1"/>
           </p:cNvSpPr>
@@ -5218,92 +5792,50 @@
           <a:bodyPr/>
           <a:lstStyle/>
           <a:p>
-            <a:r>
-              <a:rPr lang="en-US" dirty="0" smtClean="0"/>
-              <a:t>Installed via: </a:t>
-            </a:r>
-            <a:r>
-              <a:rPr lang="en-US" b="1" dirty="0" smtClean="0"/>
-              <a:t>$</a:t>
-            </a:r>
-            <a:r>
-              <a:rPr lang="en-US" b="1" dirty="0" err="1" smtClean="0"/>
-              <a:t>sudo</a:t>
-            </a:r>
-            <a:r>
-              <a:rPr lang="en-US" b="1" dirty="0" smtClean="0"/>
-              <a:t> apt-get install postfix</a:t>
-            </a:r>
-          </a:p>
-          <a:p>
-            <a:r>
-              <a:rPr lang="en-US" dirty="0" smtClean="0"/>
-              <a:t>Directories:</a:t>
-            </a:r>
-            <a:br>
-              <a:rPr lang="en-US" dirty="0" smtClean="0"/>
-            </a:br>
-            <a:r>
-              <a:rPr lang="en-US" b="1" dirty="0" smtClean="0"/>
-              <a:t>/</a:t>
-            </a:r>
-            <a:r>
-              <a:rPr lang="en-US" b="1" dirty="0" err="1" smtClean="0"/>
-              <a:t>etc</a:t>
-            </a:r>
-            <a:r>
-              <a:rPr lang="en-US" b="1" dirty="0" smtClean="0"/>
-              <a:t>/postfix</a:t>
-            </a:r>
-          </a:p>
-          <a:p>
-            <a:r>
-              <a:rPr lang="en-US" dirty="0" smtClean="0"/>
-              <a:t>Configuration files</a:t>
-            </a:r>
-          </a:p>
-          <a:p>
-            <a:pPr lvl="1"/>
-            <a:r>
-              <a:rPr lang="en-US" dirty="0" err="1" smtClean="0"/>
-              <a:t>main.cf</a:t>
-            </a:r>
-            <a:r>
-              <a:rPr lang="en-US" dirty="0" smtClean="0"/>
-              <a:t> - stores site specific Postfix configuration parameters while</a:t>
-            </a:r>
-          </a:p>
-          <a:p>
-            <a:pPr lvl="1"/>
-            <a:r>
-              <a:rPr lang="en-US" dirty="0" err="1" smtClean="0"/>
-              <a:t>master.cf</a:t>
-            </a:r>
-            <a:r>
-              <a:rPr lang="en-US" dirty="0" smtClean="0"/>
-              <a:t> – defines daemon processes</a:t>
-            </a:r>
-            <a:endParaRPr lang="en-US" dirty="0"/>
-          </a:p>
-        </p:txBody>
-      </p:sp>
+            <a:endParaRPr lang="en-US"/>
+          </a:p>
+        </p:txBody>
+      </p:sp>
+      <p:pic>
+        <p:nvPicPr>
+          <p:cNvPr id="4" name="Picture 3">
+            <a:extLst>
+              <a:ext uri="{FF2B5EF4-FFF2-40B4-BE49-F238E27FC236}">
+                <a16:creationId xmlns:a16="http://schemas.microsoft.com/office/drawing/2014/main" id="{B890B45C-C961-104E-B94D-1DDFBFD39081}"/>
+              </a:ext>
+            </a:extLst>
+          </p:cNvPr>
+          <p:cNvPicPr>
+            <a:picLocks noChangeAspect="1"/>
+          </p:cNvPicPr>
+          <p:nvPr/>
+        </p:nvPicPr>
+        <p:blipFill>
+          <a:blip r:embed="rId2"/>
+          <a:stretch>
+            <a:fillRect/>
+          </a:stretch>
+        </p:blipFill>
+        <p:spPr>
+          <a:xfrm>
+            <a:off x="1485963" y="230544"/>
+            <a:ext cx="9220073" cy="6858000"/>
+          </a:xfrm>
+          <a:prstGeom prst="rect">
+            <a:avLst/>
+          </a:prstGeom>
+        </p:spPr>
+      </p:pic>
     </p:spTree>
     <p:extLst>
       <p:ext uri="{BB962C8B-B14F-4D97-AF65-F5344CB8AC3E}">
-        <p14:creationId xmlns:p14="http://schemas.microsoft.com/office/powerpoint/2010/main" val="799785662"/>
+        <p14:creationId xmlns:p14="http://schemas.microsoft.com/office/powerpoint/2010/main" val="3342503138"/>
       </p:ext>
     </p:extLst>
   </p:cSld>
   <p:clrMapOvr>
     <a:masterClrMapping/>
   </p:clrMapOvr>
-  <p:timing>
-    <p:tnLst>
-      <p:par>
-        <p:cTn id="1" dur="indefinite" restart="never" nodeType="tmRoot"/>
-      </p:par>
-    </p:tnLst>
-  </p:timing>
 </p:sld>
 </file>
 
@@ -5326,7 +5858,13 @@
       </p:grpSpPr>
       <p:sp>
         <p:nvSpPr>
-          <p:cNvPr id="2" name="Title 1"/>
+          <p:cNvPr id="2" name="Title 1">
+            <a:extLst>
+              <a:ext uri="{FF2B5EF4-FFF2-40B4-BE49-F238E27FC236}">
+                <a16:creationId xmlns:a16="http://schemas.microsoft.com/office/drawing/2014/main" id="{B2077F5D-6778-784D-ACB7-E96314599968}"/>
+              </a:ext>
+            </a:extLst>
+          </p:cNvPr>
           <p:cNvSpPr>
             <a:spLocks noGrp="1"/>
           </p:cNvSpPr>
@@ -5339,21 +5877,19 @@
           <a:bodyPr/>
           <a:lstStyle/>
           <a:p>
-            <a:r>
-              <a:rPr lang="en-US" b="1" dirty="0" err="1"/>
-              <a:t>m</a:t>
-            </a:r>
-            <a:r>
-              <a:rPr lang="en-US" b="1" dirty="0" err="1" smtClean="0"/>
-              <a:t>aster.cf</a:t>
-            </a:r>
-            <a:endParaRPr lang="en-US" b="1" dirty="0"/>
-          </a:p>
-        </p:txBody>
-      </p:sp>
-      <p:sp>
-        <p:nvSpPr>
-          <p:cNvPr id="3" name="Content Placeholder 2"/>
+            <a:endParaRPr lang="en-US"/>
+          </a:p>
+        </p:txBody>
+      </p:sp>
+      <p:sp>
+        <p:nvSpPr>
+          <p:cNvPr id="3" name="Content Placeholder 2">
+            <a:extLst>
+              <a:ext uri="{FF2B5EF4-FFF2-40B4-BE49-F238E27FC236}">
+                <a16:creationId xmlns:a16="http://schemas.microsoft.com/office/drawing/2014/main" id="{A7C34EAF-F810-DA46-B11B-BECB7DA8389E}"/>
+              </a:ext>
+            </a:extLst>
+          </p:cNvPr>
           <p:cNvSpPr>
             <a:spLocks noGrp="1"/>
           </p:cNvSpPr>
@@ -5363,76 +5899,53 @@
         </p:nvSpPr>
         <p:spPr/>
         <p:txBody>
-          <a:bodyPr>
-            <a:normAutofit/>
-          </a:bodyPr>
-          <a:lstStyle/>
-          <a:p>
-            <a:r>
-              <a:rPr lang="en-US" dirty="0"/>
-              <a:t>defines how a client program connects to a service, </a:t>
-            </a:r>
-            <a:r>
-              <a:rPr lang="en-US" dirty="0" smtClean="0"/>
-              <a:t>and what </a:t>
-            </a:r>
-            <a:r>
-              <a:rPr lang="en-US" dirty="0"/>
-              <a:t>daemon program runs </a:t>
-            </a:r>
-            <a:r>
-              <a:rPr lang="en-US" dirty="0" smtClean="0"/>
-              <a:t>when a </a:t>
-            </a:r>
-            <a:r>
-              <a:rPr lang="en-US" dirty="0"/>
-              <a:t>service is requested.  </a:t>
-            </a:r>
-            <a:endParaRPr lang="en-US" dirty="0" smtClean="0"/>
-          </a:p>
-          <a:p>
-            <a:r>
-              <a:rPr lang="en-US" dirty="0"/>
-              <a:t>The Postfix master daemon launches all of the other Postfix services as they are needed. The various services, and how they are run, are specified in the </a:t>
-            </a:r>
-            <a:r>
-              <a:rPr lang="en-US" dirty="0" err="1"/>
-              <a:t>master.cf</a:t>
-            </a:r>
-            <a:r>
-              <a:rPr lang="en-US" dirty="0"/>
-              <a:t> file</a:t>
-            </a:r>
-            <a:r>
-              <a:rPr lang="en-US" dirty="0" smtClean="0"/>
-              <a:t>.</a:t>
-            </a:r>
-          </a:p>
-          <a:p>
-            <a:r>
-              <a:rPr lang="en-US" dirty="0" smtClean="0"/>
-              <a:t>The SMTP service is defined in this file as well as third party apps like an SPF program or a DKIM Program</a:t>
-            </a:r>
-          </a:p>
-        </p:txBody>
-      </p:sp>
+          <a:bodyPr/>
+          <a:lstStyle/>
+          <a:p>
+            <a:endParaRPr lang="en-US"/>
+          </a:p>
+        </p:txBody>
+      </p:sp>
+      <p:pic>
+        <p:nvPicPr>
+          <p:cNvPr id="4" name="Picture 3">
+            <a:extLst>
+              <a:ext uri="{FF2B5EF4-FFF2-40B4-BE49-F238E27FC236}">
+                <a16:creationId xmlns:a16="http://schemas.microsoft.com/office/drawing/2014/main" id="{A03C4138-ABC1-6049-8B8E-F309D306B12B}"/>
+              </a:ext>
+            </a:extLst>
+          </p:cNvPr>
+          <p:cNvPicPr>
+            <a:picLocks noChangeAspect="1"/>
+          </p:cNvPicPr>
+          <p:nvPr/>
+        </p:nvPicPr>
+        <p:blipFill>
+          <a:blip r:embed="rId2"/>
+          <a:stretch>
+            <a:fillRect/>
+          </a:stretch>
+        </p:blipFill>
+        <p:spPr>
+          <a:xfrm>
+            <a:off x="838200" y="197664"/>
+            <a:ext cx="9181785" cy="6858000"/>
+          </a:xfrm>
+          <a:prstGeom prst="rect">
+            <a:avLst/>
+          </a:prstGeom>
+        </p:spPr>
+      </p:pic>
     </p:spTree>
     <p:extLst>
       <p:ext uri="{BB962C8B-B14F-4D97-AF65-F5344CB8AC3E}">
-        <p14:creationId xmlns:p14="http://schemas.microsoft.com/office/powerpoint/2010/main" val="897474661"/>
+        <p14:creationId xmlns:p14="http://schemas.microsoft.com/office/powerpoint/2010/main" val="1435895595"/>
       </p:ext>
     </p:extLst>
   </p:cSld>
   <p:clrMapOvr>
     <a:masterClrMapping/>
   </p:clrMapOvr>
-  <p:timing>
-    <p:tnLst>
-      <p:par>
-        <p:cTn id="1" dur="indefinite" restart="never" nodeType="tmRoot"/>
-      </p:par>
-    </p:tnLst>
-  </p:timing>
 </p:sld>
 </file>
 
@@ -5460,109 +5973,59 @@
             <a:spLocks noGrp="1"/>
           </p:cNvSpPr>
           <p:nvPr>
-            <p:ph type="title"/>
-          </p:nvPr>
-        </p:nvSpPr>
-        <p:spPr/>
-        <p:txBody>
-          <a:bodyPr/>
-          <a:lstStyle/>
-          <a:p>
-            <a:r>
-              <a:rPr lang="en-US" b="1" dirty="0" err="1" smtClean="0"/>
-              <a:t>main.cf</a:t>
-            </a:r>
-            <a:endParaRPr lang="en-US" b="1" dirty="0"/>
-          </a:p>
-        </p:txBody>
-      </p:sp>
-      <p:sp>
-        <p:nvSpPr>
-          <p:cNvPr id="3" name="Content Placeholder 2"/>
-          <p:cNvSpPr>
-            <a:spLocks noGrp="1"/>
-          </p:cNvSpPr>
-          <p:nvPr>
-            <p:ph idx="1"/>
-          </p:nvPr>
-        </p:nvSpPr>
-        <p:spPr/>
-        <p:txBody>
-          <a:bodyPr>
-            <a:normAutofit/>
-          </a:bodyPr>
-          <a:lstStyle/>
-          <a:p>
-            <a:r>
-              <a:rPr lang="en-US" dirty="0" smtClean="0"/>
-              <a:t>specifies a very small subset of all the parameters that control the operation of the Postfix mail system</a:t>
-            </a:r>
-          </a:p>
-          <a:p>
-            <a:r>
-              <a:rPr lang="en-US" dirty="0" smtClean="0"/>
-              <a:t>you will have to set up a minimal number of configuration parameters. </a:t>
-            </a:r>
-          </a:p>
-          <a:p>
-            <a:r>
-              <a:rPr lang="en-US" dirty="0" smtClean="0"/>
-              <a:t>Postfix configuration parameters resemble shell variables</a:t>
-            </a:r>
-          </a:p>
-          <a:p>
-            <a:pPr lvl="1"/>
-            <a:r>
-              <a:rPr lang="en-US" dirty="0" smtClean="0"/>
-              <a:t>parameter = value</a:t>
-            </a:r>
-          </a:p>
-          <a:p>
-            <a:pPr lvl="1"/>
-            <a:r>
-              <a:rPr lang="en-US" dirty="0" err="1" smtClean="0"/>
-              <a:t>other_parameter</a:t>
-            </a:r>
-            <a:r>
-              <a:rPr lang="en-US" dirty="0" smtClean="0"/>
-              <a:t> = $parameter</a:t>
-            </a:r>
-          </a:p>
-          <a:p>
-            <a:r>
-              <a:rPr lang="en-US" dirty="0" smtClean="0"/>
-              <a:t>Postfix uses database files for access control, address rewriting and other purposes </a:t>
-            </a:r>
-          </a:p>
-          <a:p>
-            <a:pPr lvl="1"/>
-            <a:endParaRPr lang="en-US" dirty="0" smtClean="0"/>
-          </a:p>
-          <a:p>
-            <a:endParaRPr lang="en-US" dirty="0" smtClean="0"/>
-          </a:p>
-          <a:p>
-            <a:endParaRPr lang="en-US" dirty="0"/>
+            <p:ph type="ctrTitle"/>
+          </p:nvPr>
+        </p:nvSpPr>
+        <p:spPr/>
+        <p:txBody>
+          <a:bodyPr/>
+          <a:lstStyle/>
+          <a:p>
+            <a:r>
+              <a:rPr lang="en-US" b="1" dirty="0"/>
+              <a:t>Postfix Mail Server</a:t>
+            </a:r>
+          </a:p>
+        </p:txBody>
+      </p:sp>
+      <p:sp>
+        <p:nvSpPr>
+          <p:cNvPr id="3" name="Subtitle 2"/>
+          <p:cNvSpPr>
+            <a:spLocks noGrp="1"/>
+          </p:cNvSpPr>
+          <p:nvPr>
+            <p:ph type="subTitle" idx="1"/>
+          </p:nvPr>
+        </p:nvSpPr>
+        <p:spPr/>
+        <p:txBody>
+          <a:bodyPr/>
+          <a:lstStyle/>
+          <a:p>
+            <a:r>
+              <a:rPr lang="en-US" dirty="0"/>
+              <a:t>Kevin Chege</a:t>
+            </a:r>
+          </a:p>
+          <a:p>
+            <a:r>
+              <a:rPr lang="en-US" dirty="0"/>
+              <a:t>ISOC</a:t>
+            </a:r>
           </a:p>
         </p:txBody>
       </p:sp>
     </p:spTree>
     <p:extLst>
       <p:ext uri="{BB962C8B-B14F-4D97-AF65-F5344CB8AC3E}">
-        <p14:creationId xmlns:p14="http://schemas.microsoft.com/office/powerpoint/2010/main" val="2078974546"/>
+        <p14:creationId xmlns:p14="http://schemas.microsoft.com/office/powerpoint/2010/main" val="1913290876"/>
       </p:ext>
     </p:extLst>
   </p:cSld>
   <p:clrMapOvr>
     <a:masterClrMapping/>
   </p:clrMapOvr>
-  <p:timing>
-    <p:tnLst>
-      <p:par>
-        <p:cTn id="1" dur="indefinite" restart="never" nodeType="tmRoot"/>
-      </p:par>
-    </p:tnLst>
-  </p:timing>
 </p:sld>
 </file>
 
@@ -5595,7 +6058,7 @@
         </p:nvSpPr>
         <p:spPr>
           <a:xfrm>
-            <a:off x="1806198" y="-84367"/>
+            <a:off x="1981200" y="114557"/>
             <a:ext cx="8229600" cy="1143000"/>
           </a:xfrm>
         </p:spPr>
@@ -5604,18 +6067,9 @@
           <a:lstStyle/>
           <a:p>
             <a:r>
-              <a:rPr lang="en-US" b="1" dirty="0" err="1"/>
-              <a:t>m</a:t>
-            </a:r>
-            <a:r>
-              <a:rPr lang="en-US" b="1" dirty="0" err="1" smtClean="0"/>
-              <a:t>ain.cf</a:t>
-            </a:r>
-            <a:r>
-              <a:rPr lang="en-US" b="1" dirty="0" smtClean="0"/>
-              <a:t> Key Settings</a:t>
-            </a:r>
-            <a:endParaRPr lang="en-US" b="1" dirty="0"/>
+              <a:rPr lang="en-US" b="1" dirty="0"/>
+              <a:t>What is Postfix?</a:t>
+            </a:r>
           </a:p>
         </p:txBody>
       </p:sp>
@@ -5631,134 +6085,160 @@
         </p:nvSpPr>
         <p:spPr>
           <a:xfrm>
-            <a:off x="1806198" y="1003515"/>
-            <a:ext cx="8404602" cy="5122649"/>
+            <a:off x="1981200" y="1257558"/>
+            <a:ext cx="8229600" cy="5030227"/>
           </a:xfrm>
         </p:spPr>
         <p:txBody>
           <a:bodyPr>
-            <a:normAutofit/>
+            <a:normAutofit fontScale="92500" lnSpcReduction="10000"/>
           </a:bodyPr>
           <a:lstStyle/>
           <a:p>
             <a:r>
-              <a:rPr lang="en-US" dirty="0" smtClean="0">
-                <a:hlinkClick r:id="rId2"/>
+              <a:rPr lang="en-US" b="1" dirty="0"/>
+              <a:t>Postfix</a:t>
+            </a:r>
+            <a:r>
+              <a:rPr lang="en-US" dirty="0"/>
+              <a:t> is a </a:t>
+            </a:r>
+            <a:r>
+              <a:rPr lang="en-US" dirty="0">
+                <a:hlinkClick r:id="rId2" tooltip="Free software"/>
               </a:rPr>
-              <a:t>myorigin</a:t>
-            </a:r>
-            <a:r>
-              <a:rPr lang="en-US" dirty="0" smtClean="0"/>
-              <a:t> = $</a:t>
-            </a:r>
-            <a:r>
-              <a:rPr lang="en-US" dirty="0" smtClean="0">
-                <a:hlinkClick r:id="rId3"/>
+              <a:t>free</a:t>
+            </a:r>
+            <a:r>
+              <a:rPr lang="en-US" dirty="0"/>
+              <a:t> and </a:t>
+            </a:r>
+            <a:r>
+              <a:rPr lang="en-US" dirty="0">
+                <a:hlinkClick r:id="rId3" tooltip="Open-source software"/>
               </a:rPr>
-              <a:t>myhostname</a:t>
-            </a:r>
-            <a:r>
-              <a:rPr lang="en-US" dirty="0" smtClean="0"/>
+              <a:t>open-source</a:t>
+            </a:r>
+            <a:r>
+              <a:rPr lang="en-US" dirty="0"/>
               <a:t> </a:t>
             </a:r>
-          </a:p>
-          <a:p>
-            <a:pPr lvl="1"/>
-            <a:r>
-              <a:rPr lang="en-US" dirty="0" smtClean="0"/>
-              <a:t>specifies the domain that appears in mail that is posted on this machine. Defaults to the value of the machine’s hostname</a:t>
-            </a:r>
-          </a:p>
-          <a:p>
-            <a:r>
-              <a:rPr lang="en-US" dirty="0" smtClean="0">
-                <a:hlinkClick r:id="rId4"/>
+            <a:r>
+              <a:rPr lang="en-US" dirty="0">
+                <a:hlinkClick r:id="rId4" tooltip="Mail transfer agent"/>
               </a:rPr>
-              <a:t>mydestination</a:t>
-            </a:r>
-            <a:r>
-              <a:rPr lang="en-US" dirty="0" smtClean="0"/>
-              <a:t> = $</a:t>
-            </a:r>
-            <a:r>
-              <a:rPr lang="en-US" dirty="0" smtClean="0">
-                <a:hlinkClick r:id="rId3"/>
+              <a:t>mail transfer agent</a:t>
+            </a:r>
+            <a:r>
+              <a:rPr lang="en-US" dirty="0"/>
+              <a:t> (MTA) that routes and delivers </a:t>
+            </a:r>
+            <a:r>
+              <a:rPr lang="en-US" dirty="0">
+                <a:hlinkClick r:id="rId5" tooltip="E-mail"/>
               </a:rPr>
-              <a:t>myhostname</a:t>
-            </a:r>
-            <a:r>
-              <a:rPr lang="en-US" dirty="0" smtClean="0"/>
-              <a:t>, </a:t>
-            </a:r>
-            <a:r>
-              <a:rPr lang="en-US" dirty="0" err="1" smtClean="0"/>
-              <a:t>localhost</a:t>
-            </a:r>
-            <a:endParaRPr lang="en-US" dirty="0" smtClean="0"/>
-          </a:p>
-          <a:p>
-            <a:pPr lvl="1"/>
-            <a:r>
-              <a:rPr lang="en-US" dirty="0" smtClean="0"/>
-              <a:t>specifies what domains this machine will deliver locally</a:t>
-            </a:r>
-          </a:p>
-          <a:p>
-            <a:pPr lvl="1"/>
-            <a:r>
-              <a:rPr lang="en-US" dirty="0"/>
-              <a:t>i</a:t>
-            </a:r>
-            <a:r>
-              <a:rPr lang="en-US" dirty="0" smtClean="0"/>
-              <a:t>f your machine is a mail server for its entire domain, you must list $</a:t>
-            </a:r>
-            <a:r>
-              <a:rPr lang="en-US" dirty="0" smtClean="0">
-                <a:hlinkClick r:id="rId5"/>
+              <a:t>electronic mail</a:t>
+            </a:r>
+            <a:r>
+              <a:rPr lang="en-US" dirty="0"/>
+              <a:t>, intended as an alternative to the widely used </a:t>
+            </a:r>
+            <a:r>
+              <a:rPr lang="en-US" dirty="0">
+                <a:hlinkClick r:id="rId6" tooltip="Sendmail"/>
               </a:rPr>
-              <a:t>mydomain</a:t>
-            </a:r>
-            <a:r>
-              <a:rPr lang="en-US" dirty="0" smtClean="0"/>
-              <a:t> as well in this setting</a:t>
-            </a:r>
-          </a:p>
-          <a:p>
-            <a:r>
-              <a:rPr lang="en-US" dirty="0" smtClean="0"/>
-              <a:t>The </a:t>
-            </a:r>
-            <a:r>
-              <a:rPr lang="en-US" dirty="0" smtClean="0">
-                <a:hlinkClick r:id="rId5"/>
+              <a:t>Sendmail</a:t>
+            </a:r>
+            <a:r>
+              <a:rPr lang="en-US" dirty="0"/>
+              <a:t> MTA.</a:t>
+            </a:r>
+          </a:p>
+          <a:p>
+            <a:r>
+              <a:rPr lang="en-US" dirty="0"/>
+              <a:t>Postfix is released under the </a:t>
+            </a:r>
+            <a:r>
+              <a:rPr lang="en-US" dirty="0">
+                <a:hlinkClick r:id="rId7" tooltip="IBM Public License"/>
               </a:rPr>
-              <a:t>mydomain</a:t>
-            </a:r>
-            <a:r>
-              <a:rPr lang="en-US" dirty="0" smtClean="0"/>
-              <a:t> parameter specifies the parent domain of $</a:t>
-            </a:r>
-            <a:r>
-              <a:rPr lang="en-US" dirty="0" smtClean="0">
-                <a:hlinkClick r:id="rId3"/>
+              <a:t>IBM Public License</a:t>
+            </a:r>
+            <a:r>
+              <a:rPr lang="en-US" dirty="0"/>
+              <a:t> 1.0 which is a </a:t>
+            </a:r>
+            <a:r>
+              <a:rPr lang="en-US" dirty="0">
+                <a:hlinkClick r:id="rId8" tooltip="Free software licence"/>
               </a:rPr>
-              <a:t>myhostname</a:t>
-            </a:r>
-            <a:r>
-              <a:rPr lang="en-US" dirty="0" smtClean="0"/>
-              <a:t>. By default, it is derived from $</a:t>
-            </a:r>
-            <a:r>
-              <a:rPr lang="en-US" dirty="0" smtClean="0">
-                <a:hlinkClick r:id="rId3"/>
+              <a:t>free software licence</a:t>
+            </a:r>
+            <a:r>
+              <a:rPr lang="en-US" dirty="0"/>
+              <a:t>.</a:t>
+            </a:r>
+          </a:p>
+          <a:p>
+            <a:r>
+              <a:rPr lang="en-US" dirty="0"/>
+              <a:t>Originally written in 1997 by </a:t>
+            </a:r>
+            <a:r>
+              <a:rPr lang="en-US" dirty="0">
+                <a:hlinkClick r:id="rId9" tooltip="Wietse Venema"/>
               </a:rPr>
-              <a:t>myhostname</a:t>
-            </a:r>
-            <a:r>
-              <a:rPr lang="en-US" dirty="0" smtClean="0"/>
-              <a:t> by stripping off the first part (unless if the result would be a top-level domain)</a:t>
-            </a:r>
+              <a:t>Wietse Venema</a:t>
+            </a:r>
+            <a:r>
+              <a:rPr lang="en-US" dirty="0"/>
+              <a:t> at the </a:t>
+            </a:r>
+            <a:r>
+              <a:rPr lang="en-US" dirty="0">
+                <a:hlinkClick r:id="rId10" tooltip="IBM"/>
+              </a:rPr>
+              <a:t>IBM</a:t>
+            </a:r>
+            <a:r>
+              <a:rPr lang="en-US" dirty="0"/>
+              <a:t> </a:t>
+            </a:r>
+            <a:r>
+              <a:rPr lang="en-US" dirty="0">
+                <a:hlinkClick r:id="rId11" tooltip="Thomas J. Watson Research Center"/>
+              </a:rPr>
+              <a:t>Thomas J. Watson Research Center</a:t>
+            </a:r>
+            <a:r>
+              <a:rPr lang="en-US" dirty="0"/>
+              <a:t> and first released in December 1998, Postfix continues as of 2014 to be actively developed by its creator and other contributors. The software is also known by its former names </a:t>
+            </a:r>
+            <a:r>
+              <a:rPr lang="en-US" b="1" dirty="0" err="1"/>
+              <a:t>VMailer</a:t>
+            </a:r>
+            <a:r>
+              <a:rPr lang="en-US" dirty="0"/>
+              <a:t> and </a:t>
+            </a:r>
+            <a:r>
+              <a:rPr lang="en-US" b="1" dirty="0"/>
+              <a:t>IBM Secure Mailer</a:t>
+            </a:r>
+            <a:r>
+              <a:rPr lang="en-US" dirty="0"/>
+              <a:t>.</a:t>
+            </a:r>
+          </a:p>
+          <a:p>
+            <a:r>
+              <a:rPr lang="en-US" dirty="0"/>
+              <a:t>In January 2013 in a study performed by E-Soft, Inc. found that approximately 25% of the publicly reachable mail-servers on the Internet ran Postfix.</a:t>
+            </a:r>
+          </a:p>
+          <a:p>
             <a:endParaRPr lang="en-US" dirty="0"/>
           </a:p>
         </p:txBody>
@@ -5766,20 +6246,13 @@
     </p:spTree>
     <p:extLst>
       <p:ext uri="{BB962C8B-B14F-4D97-AF65-F5344CB8AC3E}">
-        <p14:creationId xmlns:p14="http://schemas.microsoft.com/office/powerpoint/2010/main" val="1766257932"/>
+        <p14:creationId xmlns:p14="http://schemas.microsoft.com/office/powerpoint/2010/main" val="1940339421"/>
       </p:ext>
     </p:extLst>
   </p:cSld>
   <p:clrMapOvr>
     <a:masterClrMapping/>
   </p:clrMapOvr>
-  <p:timing>
-    <p:tnLst>
-      <p:par>
-        <p:cTn id="1" dur="indefinite" restart="never" nodeType="tmRoot"/>
-      </p:par>
-    </p:tnLst>
-  </p:timing>
 </p:sld>
 </file>
 
@@ -5816,10 +6289,9 @@
           <a:lstStyle/>
           <a:p>
             <a:r>
-              <a:rPr lang="en-US" b="1" dirty="0" smtClean="0"/>
-              <a:t>Relaying Mail – From</a:t>
-            </a:r>
-            <a:endParaRPr lang="en-US" b="1" dirty="0"/>
+              <a:rPr lang="en-US" b="1" dirty="0"/>
+              <a:t>Postfix</a:t>
+            </a:r>
           </a:p>
         </p:txBody>
       </p:sp>
@@ -5836,114 +6308,99 @@
         <p:spPr/>
         <p:txBody>
           <a:bodyPr>
-            <a:normAutofit fontScale="85000" lnSpcReduction="10000"/>
+            <a:normAutofit/>
           </a:bodyPr>
           <a:lstStyle/>
           <a:p>
             <a:r>
-              <a:rPr lang="en-US" dirty="0" smtClean="0"/>
-              <a:t>Postfix will forward mail from clients in authorized network blocks to any destination</a:t>
-            </a:r>
-          </a:p>
-          <a:p>
-            <a:r>
-              <a:rPr lang="en-US" dirty="0" smtClean="0"/>
-              <a:t>Authorized networks are defined with the </a:t>
-            </a:r>
-            <a:r>
-              <a:rPr lang="en-US" dirty="0" smtClean="0">
-                <a:hlinkClick r:id="rId2"/>
+              <a:rPr lang="en-US" dirty="0"/>
+              <a:t>Works on UNIX-like systems including AIX, BSD, HP-UX, Linux, </a:t>
+            </a:r>
+            <a:r>
+              <a:rPr lang="en-US" dirty="0" err="1"/>
+              <a:t>MacOS</a:t>
+            </a:r>
+            <a:r>
+              <a:rPr lang="en-US" dirty="0"/>
+              <a:t> X, Solaris, and more.</a:t>
+            </a:r>
+          </a:p>
+          <a:p>
+            <a:r>
+              <a:rPr lang="en-US" dirty="0"/>
+              <a:t>It is the default </a:t>
+            </a:r>
+            <a:r>
+              <a:rPr lang="en-US" dirty="0">
+                <a:hlinkClick r:id="rId2" tooltip="Message transfer agent"/>
               </a:rPr>
-              <a:t>mynetworks</a:t>
-            </a:r>
-            <a:r>
-              <a:rPr lang="en-US" dirty="0" smtClean="0"/>
-              <a:t> configuration parameter</a:t>
-            </a:r>
-          </a:p>
-          <a:p>
-            <a:r>
-              <a:rPr lang="en-US" dirty="0" smtClean="0"/>
-              <a:t>The default is to authorize all clients in the IP </a:t>
-            </a:r>
-            <a:r>
-              <a:rPr lang="en-US" dirty="0" err="1" smtClean="0"/>
-              <a:t>subnetworks</a:t>
-            </a:r>
-            <a:r>
-              <a:rPr lang="en-US" dirty="0" smtClean="0"/>
-              <a:t> that the local machine is attached to.</a:t>
-            </a:r>
-          </a:p>
-          <a:p>
-            <a:r>
-              <a:rPr lang="en-US" dirty="0" smtClean="0"/>
-              <a:t>By default, Postfix will NOT be an open relay </a:t>
-            </a:r>
-            <a:r>
-              <a:rPr lang="en-US" dirty="0" err="1" smtClean="0"/>
-              <a:t>ie</a:t>
-            </a:r>
-            <a:r>
-              <a:rPr lang="en-US" dirty="0" smtClean="0"/>
-              <a:t> it will not forward from IPs outside your network to the Internet</a:t>
-            </a:r>
-          </a:p>
-          <a:p>
-            <a:pPr lvl="1"/>
-            <a:r>
-              <a:rPr lang="en-US" dirty="0" smtClean="0">
-                <a:hlinkClick r:id="rId3"/>
+              <a:t>MTA</a:t>
+            </a:r>
+            <a:r>
+              <a:rPr lang="en-US" dirty="0"/>
+              <a:t> for the </a:t>
+            </a:r>
+            <a:r>
+              <a:rPr lang="en-US" dirty="0">
+                <a:hlinkClick r:id="rId3" tooltip="OS X"/>
               </a:rPr>
-              <a:t>mynetworks_style</a:t>
-            </a:r>
-            <a:r>
-              <a:rPr lang="en-US" dirty="0" smtClean="0"/>
-              <a:t> = subnet </a:t>
-            </a:r>
-          </a:p>
-          <a:p>
-            <a:pPr lvl="1"/>
-            <a:r>
-              <a:rPr lang="en-US" dirty="0" smtClean="0">
-                <a:hlinkClick r:id="rId2"/>
+              <a:t>OS X</a:t>
+            </a:r>
+            <a:r>
+              <a:rPr lang="en-US" dirty="0"/>
+              <a:t>, </a:t>
+            </a:r>
+            <a:r>
+              <a:rPr lang="en-US" dirty="0">
+                <a:hlinkClick r:id="rId4" tooltip="NetBSD"/>
               </a:rPr>
-              <a:t>mynetworks</a:t>
-            </a:r>
-            <a:r>
-              <a:rPr lang="en-US" dirty="0" smtClean="0"/>
-              <a:t> = 127.0.0.0/8 168.100.189.2/32</a:t>
-            </a:r>
-          </a:p>
-          <a:p>
-            <a:pPr lvl="1"/>
-            <a:endParaRPr lang="en-US" dirty="0" smtClean="0"/>
-          </a:p>
-          <a:p>
-            <a:endParaRPr lang="en-US" dirty="0" smtClean="0"/>
-          </a:p>
-          <a:p>
-            <a:endParaRPr lang="en-US" dirty="0"/>
+              <a:t>NetBSD</a:t>
+            </a:r>
+            <a:r>
+              <a:rPr lang="en-US" baseline="30000" dirty="0">
+                <a:hlinkClick r:id="rId5"/>
+              </a:rPr>
+              <a:t>[3]</a:t>
+            </a:r>
+            <a:r>
+              <a:rPr lang="en-US" dirty="0"/>
+              <a:t> and </a:t>
+            </a:r>
+            <a:r>
+              <a:rPr lang="en-US" dirty="0">
+                <a:hlinkClick r:id="rId6" tooltip="Ubuntu (operating system)"/>
+              </a:rPr>
+              <a:t>Ubuntu</a:t>
+            </a:r>
+            <a:r>
+              <a:rPr lang="en-US" dirty="0"/>
+              <a:t> operating systems</a:t>
+            </a:r>
+          </a:p>
+          <a:p>
+            <a:r>
+              <a:rPr lang="en-US" dirty="0"/>
+              <a:t>Used by: AOL, Apple Server, Stanford University, United States Navy, NASA, Rackspace, many ISPs</a:t>
+            </a:r>
+          </a:p>
+          <a:p>
+            <a:r>
+              <a:rPr lang="en-US" dirty="0"/>
+              <a:t>Able to process thousands </a:t>
+            </a:r>
           </a:p>
         </p:txBody>
       </p:sp>
     </p:spTree>
     <p:extLst>
       <p:ext uri="{BB962C8B-B14F-4D97-AF65-F5344CB8AC3E}">
-        <p14:creationId xmlns:p14="http://schemas.microsoft.com/office/powerpoint/2010/main" val="830610643"/>
+        <p14:creationId xmlns:p14="http://schemas.microsoft.com/office/powerpoint/2010/main" val="1745469052"/>
       </p:ext>
     </p:extLst>
   </p:cSld>
   <p:clrMapOvr>
     <a:masterClrMapping/>
   </p:clrMapOvr>
-  <p:timing>
-    <p:tnLst>
-      <p:par>
-        <p:cTn id="1" dur="indefinite" restart="never" nodeType="tmRoot"/>
-      </p:par>
-    </p:tnLst>
-  </p:timing>
 </p:sld>
 </file>
 

--- a/postfix/postfix_preso.pptx
+++ b/postfix/postfix_preso.pptx
@@ -6,29 +6,30 @@
   </p:sldMasterIdLst>
   <p:sldIdLst>
     <p:sldId id="275" r:id="rId2"/>
-    <p:sldId id="276" r:id="rId3"/>
-    <p:sldId id="277" r:id="rId4"/>
-    <p:sldId id="278" r:id="rId5"/>
-    <p:sldId id="279" r:id="rId6"/>
-    <p:sldId id="280" r:id="rId7"/>
-    <p:sldId id="257" r:id="rId8"/>
-    <p:sldId id="258" r:id="rId9"/>
-    <p:sldId id="259" r:id="rId10"/>
-    <p:sldId id="260" r:id="rId11"/>
-    <p:sldId id="261" r:id="rId12"/>
-    <p:sldId id="262" r:id="rId13"/>
-    <p:sldId id="263" r:id="rId14"/>
-    <p:sldId id="264" r:id="rId15"/>
-    <p:sldId id="265" r:id="rId16"/>
-    <p:sldId id="266" r:id="rId17"/>
-    <p:sldId id="267" r:id="rId18"/>
-    <p:sldId id="268" r:id="rId19"/>
-    <p:sldId id="269" r:id="rId20"/>
-    <p:sldId id="270" r:id="rId21"/>
-    <p:sldId id="271" r:id="rId22"/>
-    <p:sldId id="272" r:id="rId23"/>
-    <p:sldId id="273" r:id="rId24"/>
-    <p:sldId id="274" r:id="rId25"/>
+    <p:sldId id="281" r:id="rId3"/>
+    <p:sldId id="276" r:id="rId4"/>
+    <p:sldId id="277" r:id="rId5"/>
+    <p:sldId id="278" r:id="rId6"/>
+    <p:sldId id="279" r:id="rId7"/>
+    <p:sldId id="280" r:id="rId8"/>
+    <p:sldId id="257" r:id="rId9"/>
+    <p:sldId id="258" r:id="rId10"/>
+    <p:sldId id="259" r:id="rId11"/>
+    <p:sldId id="260" r:id="rId12"/>
+    <p:sldId id="261" r:id="rId13"/>
+    <p:sldId id="262" r:id="rId14"/>
+    <p:sldId id="263" r:id="rId15"/>
+    <p:sldId id="264" r:id="rId16"/>
+    <p:sldId id="265" r:id="rId17"/>
+    <p:sldId id="266" r:id="rId18"/>
+    <p:sldId id="267" r:id="rId19"/>
+    <p:sldId id="268" r:id="rId20"/>
+    <p:sldId id="269" r:id="rId21"/>
+    <p:sldId id="270" r:id="rId22"/>
+    <p:sldId id="271" r:id="rId23"/>
+    <p:sldId id="272" r:id="rId24"/>
+    <p:sldId id="273" r:id="rId25"/>
+    <p:sldId id="274" r:id="rId26"/>
   </p:sldIdLst>
   <p:sldSz cx="12192000" cy="6858000"/>
   <p:notesSz cx="6858000" cy="9144000"/>
@@ -264,7 +265,7 @@
           <a:p>
             <a:fld id="{2330926E-6BBF-8F40-92E7-D37C823A4294}" type="datetimeFigureOut">
               <a:rPr lang="en-US" smtClean="0"/>
-              <a:t>6/12/19</a:t>
+              <a:t>6/13/19</a:t>
             </a:fld>
             <a:endParaRPr lang="en-US"/>
           </a:p>
@@ -432,7 +433,7 @@
           <a:p>
             <a:fld id="{2330926E-6BBF-8F40-92E7-D37C823A4294}" type="datetimeFigureOut">
               <a:rPr lang="en-US" smtClean="0"/>
-              <a:t>6/12/19</a:t>
+              <a:t>6/13/19</a:t>
             </a:fld>
             <a:endParaRPr lang="en-US"/>
           </a:p>
@@ -610,7 +611,7 @@
           <a:p>
             <a:fld id="{2330926E-6BBF-8F40-92E7-D37C823A4294}" type="datetimeFigureOut">
               <a:rPr lang="en-US" smtClean="0"/>
-              <a:t>6/12/19</a:t>
+              <a:t>6/13/19</a:t>
             </a:fld>
             <a:endParaRPr lang="en-US"/>
           </a:p>
@@ -778,7 +779,7 @@
           <a:p>
             <a:fld id="{2330926E-6BBF-8F40-92E7-D37C823A4294}" type="datetimeFigureOut">
               <a:rPr lang="en-US" smtClean="0"/>
-              <a:t>6/12/19</a:t>
+              <a:t>6/13/19</a:t>
             </a:fld>
             <a:endParaRPr lang="en-US"/>
           </a:p>
@@ -1023,7 +1024,7 @@
           <a:p>
             <a:fld id="{2330926E-6BBF-8F40-92E7-D37C823A4294}" type="datetimeFigureOut">
               <a:rPr lang="en-US" smtClean="0"/>
-              <a:t>6/12/19</a:t>
+              <a:t>6/13/19</a:t>
             </a:fld>
             <a:endParaRPr lang="en-US"/>
           </a:p>
@@ -1252,7 +1253,7 @@
           <a:p>
             <a:fld id="{2330926E-6BBF-8F40-92E7-D37C823A4294}" type="datetimeFigureOut">
               <a:rPr lang="en-US" smtClean="0"/>
-              <a:t>6/12/19</a:t>
+              <a:t>6/13/19</a:t>
             </a:fld>
             <a:endParaRPr lang="en-US"/>
           </a:p>
@@ -1616,7 +1617,7 @@
           <a:p>
             <a:fld id="{2330926E-6BBF-8F40-92E7-D37C823A4294}" type="datetimeFigureOut">
               <a:rPr lang="en-US" smtClean="0"/>
-              <a:t>6/12/19</a:t>
+              <a:t>6/13/19</a:t>
             </a:fld>
             <a:endParaRPr lang="en-US"/>
           </a:p>
@@ -1733,7 +1734,7 @@
           <a:p>
             <a:fld id="{2330926E-6BBF-8F40-92E7-D37C823A4294}" type="datetimeFigureOut">
               <a:rPr lang="en-US" smtClean="0"/>
-              <a:t>6/12/19</a:t>
+              <a:t>6/13/19</a:t>
             </a:fld>
             <a:endParaRPr lang="en-US"/>
           </a:p>
@@ -1828,7 +1829,7 @@
           <a:p>
             <a:fld id="{2330926E-6BBF-8F40-92E7-D37C823A4294}" type="datetimeFigureOut">
               <a:rPr lang="en-US" smtClean="0"/>
-              <a:t>6/12/19</a:t>
+              <a:t>6/13/19</a:t>
             </a:fld>
             <a:endParaRPr lang="en-US"/>
           </a:p>
@@ -2103,7 +2104,7 @@
           <a:p>
             <a:fld id="{2330926E-6BBF-8F40-92E7-D37C823A4294}" type="datetimeFigureOut">
               <a:rPr lang="en-US" smtClean="0"/>
-              <a:t>6/12/19</a:t>
+              <a:t>6/13/19</a:t>
             </a:fld>
             <a:endParaRPr lang="en-US"/>
           </a:p>
@@ -2355,7 +2356,7 @@
           <a:p>
             <a:fld id="{2330926E-6BBF-8F40-92E7-D37C823A4294}" type="datetimeFigureOut">
               <a:rPr lang="en-US" smtClean="0"/>
-              <a:t>6/12/19</a:t>
+              <a:t>6/13/19</a:t>
             </a:fld>
             <a:endParaRPr lang="en-US"/>
           </a:p>
@@ -2566,7 +2567,7 @@
           <a:p>
             <a:fld id="{2330926E-6BBF-8F40-92E7-D37C823A4294}" type="datetimeFigureOut">
               <a:rPr lang="en-US" smtClean="0"/>
-              <a:t>6/12/19</a:t>
+              <a:t>6/13/19</a:t>
             </a:fld>
             <a:endParaRPr lang="en-US"/>
           </a:p>
@@ -3020,7 +3021,19 @@
           <a:bodyPr/>
           <a:lstStyle/>
           <a:p>
-            <a:endParaRPr lang="en-US"/>
+            <a:r>
+              <a:rPr lang="en-US" dirty="0"/>
+              <a:t>SS-E AFNOG 2019</a:t>
+            </a:r>
+          </a:p>
+          <a:p>
+            <a:endParaRPr lang="en-US" dirty="0"/>
+          </a:p>
+          <a:p>
+            <a:r>
+              <a:rPr lang="en-US" dirty="0"/>
+              <a:t>Kevin Chege</a:t>
+            </a:r>
           </a:p>
         </p:txBody>
       </p:sp>
@@ -3064,12 +3077,29 @@
             <p:ph type="title"/>
           </p:nvPr>
         </p:nvSpPr>
-        <p:spPr>
-          <a:xfrm>
-            <a:off x="1981200" y="52716"/>
-            <a:ext cx="8229600" cy="1143000"/>
-          </a:xfrm>
-        </p:spPr>
+        <p:spPr/>
+        <p:txBody>
+          <a:bodyPr/>
+          <a:lstStyle/>
+          <a:p>
+            <a:r>
+              <a:rPr lang="en-US" b="1" dirty="0"/>
+              <a:t>Postfix</a:t>
+            </a:r>
+          </a:p>
+        </p:txBody>
+      </p:sp>
+      <p:sp>
+        <p:nvSpPr>
+          <p:cNvPr id="3" name="Content Placeholder 2"/>
+          <p:cNvSpPr>
+            <a:spLocks noGrp="1"/>
+          </p:cNvSpPr>
+          <p:nvPr>
+            <p:ph idx="1"/>
+          </p:nvPr>
+        </p:nvSpPr>
+        <p:spPr/>
         <p:txBody>
           <a:bodyPr>
             <a:normAutofit/>
@@ -3077,69 +3107,38 @@
           <a:lstStyle/>
           <a:p>
             <a:r>
-              <a:rPr lang="en-US" b="1" dirty="0"/>
-              <a:t>Some Key Features</a:t>
-            </a:r>
-          </a:p>
-        </p:txBody>
-      </p:sp>
-      <p:sp>
-        <p:nvSpPr>
-          <p:cNvPr id="3" name="Content Placeholder 2"/>
-          <p:cNvSpPr>
-            <a:spLocks noGrp="1"/>
-          </p:cNvSpPr>
-          <p:nvPr>
-            <p:ph idx="1"/>
-          </p:nvPr>
-        </p:nvSpPr>
-        <p:spPr>
-          <a:xfrm>
-            <a:off x="1981200" y="1245229"/>
-            <a:ext cx="8229600" cy="4880935"/>
-          </a:xfrm>
-        </p:spPr>
-        <p:txBody>
-          <a:bodyPr>
-            <a:normAutofit fontScale="92500"/>
-          </a:bodyPr>
-          <a:lstStyle/>
-          <a:p>
-            <a:r>
-              <a:rPr lang="en-US" dirty="0"/>
-              <a:t>SASL authentication Simple </a:t>
+              <a:rPr lang="en-US" dirty="0"/>
+              <a:t>Works on UNIX-like systems including AIX, BSD, HP-UX, Linux, </a:t>
             </a:r>
             <a:r>
               <a:rPr lang="en-US" dirty="0" err="1"/>
-              <a:t>Auth</a:t>
-            </a:r>
-            <a:r>
-              <a:rPr lang="en-US" dirty="0"/>
-              <a:t> Security Layer</a:t>
-            </a:r>
-          </a:p>
-          <a:p>
-            <a:r>
-              <a:rPr lang="en-US" dirty="0"/>
-              <a:t>Mail forwarding or delivery</a:t>
-            </a:r>
-          </a:p>
-          <a:p>
-            <a:r>
-              <a:rPr lang="en-US" dirty="0"/>
-              <a:t>"Virtual" domains with distinct address-namespaces</a:t>
-            </a:r>
-          </a:p>
-          <a:p>
-            <a:r>
-              <a:rPr lang="en-US" dirty="0"/>
-              <a:t>A large number of database lookup mechanisms including </a:t>
+              <a:t>MacOS</a:t>
+            </a:r>
+            <a:r>
+              <a:rPr lang="en-US" dirty="0"/>
+              <a:t> X, Solaris, and more.</a:t>
+            </a:r>
+          </a:p>
+          <a:p>
+            <a:r>
+              <a:rPr lang="en-US" dirty="0"/>
+              <a:t>It is the default </a:t>
             </a:r>
             <a:r>
               <a:rPr lang="en-US" dirty="0">
-                <a:hlinkClick r:id="rId2" tooltip="Berkeley DB"/>
+                <a:hlinkClick r:id="rId2" tooltip="Message transfer agent"/>
               </a:rPr>
-              <a:t>Berkeley DB</a:t>
+              <a:t>MTA</a:t>
+            </a:r>
+            <a:r>
+              <a:rPr lang="en-US" dirty="0"/>
+              <a:t> for the </a:t>
+            </a:r>
+            <a:r>
+              <a:rPr lang="en-US" dirty="0">
+                <a:hlinkClick r:id="rId3" tooltip="OS X"/>
+              </a:rPr>
+              <a:t>OS X</a:t>
             </a:r>
             <a:r>
               <a:rPr lang="en-US" dirty="0"/>
@@ -3147,140 +3146,49 @@
             </a:r>
             <a:r>
               <a:rPr lang="en-US" dirty="0">
-                <a:hlinkClick r:id="rId3" tooltip="Cdb (software)"/>
+                <a:hlinkClick r:id="rId4" tooltip="NetBSD"/>
               </a:rPr>
-              <a:t>CDB</a:t>
-            </a:r>
-            <a:r>
-              <a:rPr lang="en-US" dirty="0"/>
-              <a:t>, </a:t>
+              <a:t>NetBSD</a:t>
+            </a:r>
+            <a:r>
+              <a:rPr lang="en-US" baseline="30000" dirty="0">
+                <a:hlinkClick r:id="rId5"/>
+              </a:rPr>
+              <a:t>[3]</a:t>
+            </a:r>
+            <a:r>
+              <a:rPr lang="en-US" dirty="0"/>
+              <a:t> and </a:t>
             </a:r>
             <a:r>
               <a:rPr lang="en-US" dirty="0">
-                <a:hlinkClick r:id="rId4" tooltip="OpenLDAP"/>
+                <a:hlinkClick r:id="rId6" tooltip="Ubuntu (operating system)"/>
               </a:rPr>
-              <a:t>OpenLDAP LMDB</a:t>
-            </a:r>
-            <a:r>
-              <a:rPr lang="en-US" dirty="0"/>
-              <a:t>, </a:t>
-            </a:r>
-            <a:r>
-              <a:rPr lang="en-US" dirty="0">
-                <a:hlinkClick r:id="rId5" tooltip="Memcached"/>
-              </a:rPr>
-              <a:t>Memcached</a:t>
-            </a:r>
-            <a:r>
-              <a:rPr lang="en-US" dirty="0"/>
-              <a:t>, </a:t>
-            </a:r>
-            <a:r>
-              <a:rPr lang="en-US" dirty="0">
-                <a:hlinkClick r:id="rId6" tooltip="Lightweight Directory Access Protocol"/>
-              </a:rPr>
-              <a:t>LDAP</a:t>
-            </a:r>
-            <a:r>
-              <a:rPr lang="en-US" dirty="0"/>
-              <a:t> and multiple </a:t>
-            </a:r>
-            <a:r>
-              <a:rPr lang="en-US" dirty="0">
-                <a:hlinkClick r:id="rId7" tooltip="SQL"/>
-              </a:rPr>
-              <a:t>SQL</a:t>
-            </a:r>
-            <a:r>
-              <a:rPr lang="en-US" dirty="0"/>
-              <a:t> database implementations</a:t>
-            </a:r>
-          </a:p>
-          <a:p>
-            <a:r>
-              <a:rPr lang="en-US" dirty="0"/>
-              <a:t>Extended </a:t>
-            </a:r>
-          </a:p>
-          <a:p>
-            <a:pPr lvl="1"/>
-            <a:r>
-              <a:rPr lang="en-US" dirty="0">
-                <a:hlinkClick r:id="rId8" tooltip="Deep content inspection"/>
-              </a:rPr>
-              <a:t>Deep content inspection</a:t>
-            </a:r>
-            <a:r>
-              <a:rPr lang="en-US" dirty="0"/>
-              <a:t> before or after a message is accepted into the mail queue;</a:t>
-            </a:r>
-          </a:p>
-          <a:p>
-            <a:pPr lvl="1"/>
-            <a:r>
-              <a:rPr lang="en-US" dirty="0"/>
-              <a:t>Mail authentication with </a:t>
-            </a:r>
-            <a:r>
-              <a:rPr lang="en-US" dirty="0">
-                <a:hlinkClick r:id="rId9" tooltip="DomainKeys Identified Mail"/>
-              </a:rPr>
-              <a:t>DKIM</a:t>
-            </a:r>
-            <a:r>
-              <a:rPr lang="en-US" dirty="0"/>
-              <a:t>, </a:t>
-            </a:r>
-            <a:r>
-              <a:rPr lang="en-US" dirty="0">
-                <a:hlinkClick r:id="rId10" tooltip="Sender Policy Framework"/>
-              </a:rPr>
-              <a:t>SPF</a:t>
-            </a:r>
-            <a:r>
-              <a:rPr lang="en-US" dirty="0"/>
-              <a:t>, or other protocols;</a:t>
-            </a:r>
-          </a:p>
-          <a:p>
-            <a:pPr lvl="1"/>
-            <a:r>
-              <a:rPr lang="en-US" dirty="0">
-                <a:hlinkClick r:id="rId11" tooltip="Simple Mail Transfer Protocol"/>
-              </a:rPr>
-              <a:t>SMTP</a:t>
-            </a:r>
-            <a:r>
-              <a:rPr lang="en-US" dirty="0"/>
-              <a:t>-level access policies such as </a:t>
-            </a:r>
-            <a:r>
-              <a:rPr lang="en-US" dirty="0">
-                <a:hlinkClick r:id="rId12" tooltip="Greylisting"/>
-              </a:rPr>
-              <a:t>greylisting</a:t>
-            </a:r>
-            <a:r>
-              <a:rPr lang="en-US" dirty="0"/>
-              <a:t> or rate control.</a:t>
-            </a:r>
-          </a:p>
-          <a:p>
-            <a:pPr lvl="1"/>
-            <a:endParaRPr lang="en-US" dirty="0"/>
-          </a:p>
-          <a:p>
-            <a:endParaRPr lang="en-US" dirty="0"/>
-          </a:p>
-          <a:p>
-            <a:endParaRPr lang="en-US" dirty="0"/>
+              <a:t>Ubuntu</a:t>
+            </a:r>
+            <a:r>
+              <a:rPr lang="en-US" dirty="0"/>
+              <a:t> operating systems</a:t>
+            </a:r>
+          </a:p>
+          <a:p>
+            <a:r>
+              <a:rPr lang="en-US" dirty="0"/>
+              <a:t>Used by: AOL, Apple Server, Stanford University, United States Navy, NASA, Rackspace, many ISPs</a:t>
+            </a:r>
+          </a:p>
+          <a:p>
+            <a:r>
+              <a:rPr lang="en-US" dirty="0"/>
+              <a:t>Able to process thousands </a:t>
+            </a:r>
           </a:p>
         </p:txBody>
       </p:sp>
     </p:spTree>
     <p:extLst>
       <p:ext uri="{BB962C8B-B14F-4D97-AF65-F5344CB8AC3E}">
-        <p14:creationId xmlns:p14="http://schemas.microsoft.com/office/powerpoint/2010/main" val="1471738944"/>
+        <p14:creationId xmlns:p14="http://schemas.microsoft.com/office/powerpoint/2010/main" val="1745469052"/>
       </p:ext>
     </p:extLst>
   </p:cSld>
@@ -3317,29 +3225,12 @@
             <p:ph type="title"/>
           </p:nvPr>
         </p:nvSpPr>
-        <p:spPr/>
-        <p:txBody>
-          <a:bodyPr/>
-          <a:lstStyle/>
-          <a:p>
-            <a:r>
-              <a:rPr lang="en-US" b="1" dirty="0"/>
-              <a:t>Postfix on Debian and FreeBSD</a:t>
-            </a:r>
-          </a:p>
-        </p:txBody>
-      </p:sp>
-      <p:sp>
-        <p:nvSpPr>
-          <p:cNvPr id="3" name="Content Placeholder 2"/>
-          <p:cNvSpPr>
-            <a:spLocks noGrp="1"/>
-          </p:cNvSpPr>
-          <p:nvPr>
-            <p:ph idx="1"/>
-          </p:nvPr>
-        </p:nvSpPr>
-        <p:spPr/>
+        <p:spPr>
+          <a:xfrm>
+            <a:off x="1981200" y="52716"/>
+            <a:ext cx="8229600" cy="1143000"/>
+          </a:xfrm>
+        </p:spPr>
         <p:txBody>
           <a:bodyPr>
             <a:normAutofit/>
@@ -3347,155 +3238,210 @@
           <a:lstStyle/>
           <a:p>
             <a:r>
+              <a:rPr lang="en-US" b="1" dirty="0"/>
+              <a:t>Some Key Features</a:t>
+            </a:r>
+          </a:p>
+        </p:txBody>
+      </p:sp>
+      <p:sp>
+        <p:nvSpPr>
+          <p:cNvPr id="3" name="Content Placeholder 2"/>
+          <p:cNvSpPr>
+            <a:spLocks noGrp="1"/>
+          </p:cNvSpPr>
+          <p:nvPr>
+            <p:ph idx="1"/>
+          </p:nvPr>
+        </p:nvSpPr>
+        <p:spPr>
+          <a:xfrm>
+            <a:off x="1981200" y="1245229"/>
+            <a:ext cx="8229600" cy="4880935"/>
+          </a:xfrm>
+        </p:spPr>
+        <p:txBody>
+          <a:bodyPr>
+            <a:normAutofit fontScale="92500"/>
+          </a:bodyPr>
+          <a:lstStyle/>
+          <a:p>
+            <a:r>
+              <a:rPr lang="en-US" dirty="0"/>
+              <a:t>SASL authentication Simple </a:t>
+            </a:r>
+            <a:r>
               <a:rPr lang="en-US" dirty="0" err="1"/>
-              <a:t>Debain</a:t>
-            </a:r>
+              <a:t>Auth</a:t>
+            </a:r>
+            <a:r>
+              <a:rPr lang="en-US" dirty="0"/>
+              <a:t> Security Layer</a:t>
+            </a:r>
+          </a:p>
+          <a:p>
+            <a:r>
+              <a:rPr lang="en-US" dirty="0"/>
+              <a:t>Mail forwarding or delivery</a:t>
+            </a:r>
+          </a:p>
+          <a:p>
+            <a:r>
+              <a:rPr lang="en-US" dirty="0"/>
+              <a:t>"Virtual" domains with distinct address-namespaces</a:t>
+            </a:r>
+          </a:p>
+          <a:p>
+            <a:r>
+              <a:rPr lang="en-US" dirty="0"/>
+              <a:t>A large number of database lookup mechanisms including </a:t>
+            </a:r>
+            <a:r>
+              <a:rPr lang="en-US" dirty="0">
+                <a:hlinkClick r:id="rId2" tooltip="Berkeley DB"/>
+              </a:rPr>
+              <a:t>Berkeley DB</a:t>
+            </a:r>
+            <a:r>
+              <a:rPr lang="en-US" dirty="0"/>
+              <a:t>, </a:t>
+            </a:r>
+            <a:r>
+              <a:rPr lang="en-US" dirty="0">
+                <a:hlinkClick r:id="rId3" tooltip="Cdb (software)"/>
+              </a:rPr>
+              <a:t>CDB</a:t>
+            </a:r>
+            <a:r>
+              <a:rPr lang="en-US" dirty="0"/>
+              <a:t>, </a:t>
+            </a:r>
+            <a:r>
+              <a:rPr lang="en-US" dirty="0">
+                <a:hlinkClick r:id="rId4" tooltip="OpenLDAP"/>
+              </a:rPr>
+              <a:t>OpenLDAP LMDB</a:t>
+            </a:r>
+            <a:r>
+              <a:rPr lang="en-US" dirty="0"/>
+              <a:t>, </a:t>
+            </a:r>
+            <a:r>
+              <a:rPr lang="en-US" dirty="0">
+                <a:hlinkClick r:id="rId5" tooltip="Memcached"/>
+              </a:rPr>
+              <a:t>Memcached</a:t>
+            </a:r>
+            <a:r>
+              <a:rPr lang="en-US" dirty="0"/>
+              <a:t>, </a:t>
+            </a:r>
+            <a:r>
+              <a:rPr lang="en-US" dirty="0">
+                <a:hlinkClick r:id="rId6" tooltip="Lightweight Directory Access Protocol"/>
+              </a:rPr>
+              <a:t>LDAP</a:t>
+            </a:r>
+            <a:r>
+              <a:rPr lang="en-US" dirty="0"/>
+              <a:t> and multiple </a:t>
+            </a:r>
+            <a:r>
+              <a:rPr lang="en-US" dirty="0">
+                <a:hlinkClick r:id="rId7" tooltip="SQL"/>
+              </a:rPr>
+              <a:t>SQL</a:t>
+            </a:r>
+            <a:r>
+              <a:rPr lang="en-US" dirty="0"/>
+              <a:t> database implementations</a:t>
+            </a:r>
+          </a:p>
+          <a:p>
+            <a:r>
+              <a:rPr lang="en-US" dirty="0"/>
+              <a:t>Extended </a:t>
+            </a:r>
+          </a:p>
+          <a:p>
+            <a:pPr lvl="1"/>
+            <a:r>
+              <a:rPr lang="en-US" dirty="0">
+                <a:hlinkClick r:id="rId8" tooltip="Deep content inspection"/>
+              </a:rPr>
+              <a:t>Deep content inspection</a:t>
+            </a:r>
+            <a:r>
+              <a:rPr lang="en-US" dirty="0"/>
+              <a:t> before or after a message is accepted into the mail queue;</a:t>
+            </a:r>
+          </a:p>
+          <a:p>
+            <a:pPr lvl="1"/>
+            <a:r>
+              <a:rPr lang="en-US" dirty="0"/>
+              <a:t>Mail authentication with </a:t>
+            </a:r>
+            <a:r>
+              <a:rPr lang="en-US" dirty="0">
+                <a:hlinkClick r:id="rId9" tooltip="DomainKeys Identified Mail"/>
+              </a:rPr>
+              <a:t>DKIM</a:t>
+            </a:r>
+            <a:r>
+              <a:rPr lang="en-US" dirty="0"/>
+              <a:t>, </a:t>
+            </a:r>
+            <a:r>
+              <a:rPr lang="en-US" dirty="0">
+                <a:hlinkClick r:id="rId10" tooltip="Sender Policy Framework"/>
+              </a:rPr>
+              <a:t>SPF</a:t>
+            </a:r>
+            <a:r>
+              <a:rPr lang="en-US" dirty="0"/>
+              <a:t>, or other protocols;</a:t>
+            </a:r>
+          </a:p>
+          <a:p>
+            <a:pPr lvl="1"/>
+            <a:r>
+              <a:rPr lang="en-US" dirty="0">
+                <a:hlinkClick r:id="rId11" tooltip="Simple Mail Transfer Protocol"/>
+              </a:rPr>
+              <a:t>SMTP</a:t>
+            </a:r>
+            <a:r>
+              <a:rPr lang="en-US" dirty="0"/>
+              <a:t>-level access policies such as </a:t>
+            </a:r>
+            <a:r>
+              <a:rPr lang="en-US" dirty="0">
+                <a:hlinkClick r:id="rId12" tooltip="Greylisting"/>
+              </a:rPr>
+              <a:t>greylisting</a:t>
+            </a:r>
+            <a:r>
+              <a:rPr lang="en-US" dirty="0"/>
+              <a:t> or rate control.</a:t>
+            </a:r>
+          </a:p>
+          <a:p>
+            <a:pPr lvl="1"/>
             <a:endParaRPr lang="en-US" dirty="0"/>
           </a:p>
           <a:p>
-            <a:pPr lvl="1"/>
-            <a:r>
-              <a:rPr lang="en-US" dirty="0"/>
-              <a:t>Installed via: </a:t>
-            </a:r>
-            <a:r>
-              <a:rPr lang="en-US" b="1" dirty="0"/>
-              <a:t>$</a:t>
-            </a:r>
-            <a:r>
-              <a:rPr lang="en-US" b="1" dirty="0" err="1"/>
-              <a:t>sudo</a:t>
-            </a:r>
-            <a:r>
-              <a:rPr lang="en-US" b="1" dirty="0"/>
-              <a:t> apt-get install postfix</a:t>
-            </a:r>
-          </a:p>
-          <a:p>
-            <a:pPr lvl="1"/>
-            <a:r>
-              <a:rPr lang="en-US" dirty="0"/>
-              <a:t>Directories: </a:t>
-            </a:r>
-            <a:r>
-              <a:rPr lang="en-US" b="1" dirty="0"/>
-              <a:t>/</a:t>
-            </a:r>
-            <a:r>
-              <a:rPr lang="en-US" b="1" dirty="0" err="1"/>
-              <a:t>etc</a:t>
-            </a:r>
-            <a:r>
-              <a:rPr lang="en-US" b="1" dirty="0"/>
-              <a:t>/postfix</a:t>
-            </a:r>
-          </a:p>
-          <a:p>
-            <a:r>
-              <a:rPr lang="en-US" b="1" dirty="0"/>
-              <a:t>FreeBSD</a:t>
-            </a:r>
-          </a:p>
-          <a:p>
-            <a:pPr lvl="1"/>
-            <a:r>
-              <a:rPr lang="en-US" dirty="0"/>
-              <a:t>Installed via: </a:t>
-            </a:r>
-            <a:r>
-              <a:rPr lang="en-US" b="1" dirty="0"/>
-              <a:t>$</a:t>
-            </a:r>
-            <a:r>
-              <a:rPr lang="en-US" b="1" dirty="0" err="1"/>
-              <a:t>sudo</a:t>
-            </a:r>
-            <a:r>
-              <a:rPr lang="en-US" b="1" dirty="0"/>
-              <a:t> </a:t>
-            </a:r>
-            <a:r>
-              <a:rPr lang="en-US" b="1" dirty="0" err="1"/>
-              <a:t>pkg</a:t>
-            </a:r>
-            <a:r>
-              <a:rPr lang="en-US" b="1" dirty="0"/>
-              <a:t> install postfix</a:t>
-            </a:r>
-          </a:p>
-          <a:p>
-            <a:pPr lvl="1"/>
-            <a:r>
-              <a:rPr lang="en-US" b="1" dirty="0"/>
-              <a:t>Directories: /</a:t>
-            </a:r>
-            <a:r>
-              <a:rPr lang="en-US" b="1" dirty="0" err="1"/>
-              <a:t>etc</a:t>
-            </a:r>
-            <a:r>
-              <a:rPr lang="en-US" b="1" dirty="0"/>
-              <a:t>/postfix </a:t>
-            </a:r>
-            <a:r>
-              <a:rPr lang="en-US" dirty="0"/>
-              <a:t>or</a:t>
-            </a:r>
-            <a:r>
-              <a:rPr lang="en-US" b="1" dirty="0"/>
-              <a:t> /</a:t>
-            </a:r>
-            <a:r>
-              <a:rPr lang="en-US" b="1" dirty="0" err="1"/>
-              <a:t>usr</a:t>
-            </a:r>
-            <a:r>
-              <a:rPr lang="en-US" b="1" dirty="0"/>
-              <a:t>/local/</a:t>
-            </a:r>
-            <a:r>
-              <a:rPr lang="en-US" b="1" dirty="0" err="1"/>
-              <a:t>etc</a:t>
-            </a:r>
-            <a:r>
-              <a:rPr lang="en-US" b="1" dirty="0"/>
-              <a:t>/postfix</a:t>
-            </a:r>
-          </a:p>
-          <a:p>
-            <a:r>
-              <a:rPr lang="en-US" dirty="0"/>
-              <a:t>Configuration files</a:t>
-            </a:r>
-          </a:p>
-          <a:p>
-            <a:pPr lvl="1"/>
-            <a:r>
-              <a:rPr lang="en-US" dirty="0" err="1"/>
-              <a:t>main.cf</a:t>
-            </a:r>
-            <a:r>
-              <a:rPr lang="en-US" dirty="0"/>
-              <a:t> - stores site specific Postfix configuration parameters while</a:t>
-            </a:r>
-          </a:p>
-          <a:p>
-            <a:pPr lvl="1"/>
-            <a:r>
-              <a:rPr lang="en-US" dirty="0" err="1"/>
-              <a:t>master.cf</a:t>
-            </a:r>
-            <a:r>
-              <a:rPr lang="en-US" dirty="0"/>
-              <a:t> – defines daemon processes</a:t>
-            </a:r>
+            <a:endParaRPr lang="en-US" dirty="0"/>
+          </a:p>
+          <a:p>
+            <a:endParaRPr lang="en-US" dirty="0"/>
           </a:p>
         </p:txBody>
       </p:sp>
     </p:spTree>
     <p:extLst>
       <p:ext uri="{BB962C8B-B14F-4D97-AF65-F5344CB8AC3E}">
-        <p14:creationId xmlns:p14="http://schemas.microsoft.com/office/powerpoint/2010/main" val="799785662"/>
+        <p14:creationId xmlns:p14="http://schemas.microsoft.com/office/powerpoint/2010/main" val="1471738944"/>
       </p:ext>
     </p:extLst>
   </p:cSld>
@@ -3538,10 +3484,9 @@
           <a:lstStyle/>
           <a:p>
             <a:r>
-              <a:rPr lang="en-US" b="1" dirty="0" err="1"/>
-              <a:t>master.cf</a:t>
-            </a:r>
-            <a:endParaRPr lang="en-US" b="1" dirty="0"/>
+              <a:rPr lang="en-US" b="1" dirty="0"/>
+              <a:t>Postfix on Debian and FreeBSD</a:t>
+            </a:r>
           </a:p>
         </p:txBody>
       </p:sp>
@@ -3563,28 +3508,147 @@
           <a:lstStyle/>
           <a:p>
             <a:r>
-              <a:rPr lang="en-US" dirty="0"/>
-              <a:t>defines how a client program connects to a service, and what daemon program runs when a service is requested.  </a:t>
-            </a:r>
-          </a:p>
-          <a:p>
-            <a:r>
-              <a:rPr lang="en-US" dirty="0"/>
-              <a:t>The Postfix master daemon launches all of the other Postfix services as they are needed. The various services, and how they are run, are specified in the </a:t>
-            </a:r>
+              <a:rPr lang="en-US" dirty="0" err="1"/>
+              <a:t>Debain</a:t>
+            </a:r>
+            <a:endParaRPr lang="en-US" dirty="0"/>
+          </a:p>
+          <a:p>
+            <a:pPr lvl="1"/>
+            <a:r>
+              <a:rPr lang="en-US" dirty="0"/>
+              <a:t>Installed via: </a:t>
+            </a:r>
+            <a:r>
+              <a:rPr lang="en-US" b="1" dirty="0"/>
+              <a:t>$</a:t>
+            </a:r>
+            <a:r>
+              <a:rPr lang="en-US" b="1" dirty="0" err="1"/>
+              <a:t>sudo</a:t>
+            </a:r>
+            <a:r>
+              <a:rPr lang="en-US" b="1" dirty="0"/>
+              <a:t> apt-get install postfix</a:t>
+            </a:r>
+          </a:p>
+          <a:p>
+            <a:pPr lvl="1"/>
+            <a:r>
+              <a:rPr lang="en-US" dirty="0"/>
+              <a:t>Directories: </a:t>
+            </a:r>
+            <a:r>
+              <a:rPr lang="en-US" b="1" dirty="0"/>
+              <a:t>/</a:t>
+            </a:r>
+            <a:r>
+              <a:rPr lang="en-US" b="1" dirty="0" err="1"/>
+              <a:t>etc</a:t>
+            </a:r>
+            <a:r>
+              <a:rPr lang="en-US" b="1" dirty="0"/>
+              <a:t>/postfix</a:t>
+            </a:r>
+          </a:p>
+          <a:p>
+            <a:r>
+              <a:rPr lang="en-US" b="1" dirty="0"/>
+              <a:t>FreeBSD</a:t>
+            </a:r>
+          </a:p>
+          <a:p>
+            <a:pPr lvl="1"/>
+            <a:r>
+              <a:rPr lang="en-US" dirty="0"/>
+              <a:t>Installed via: </a:t>
+            </a:r>
+            <a:r>
+              <a:rPr lang="en-US" b="1" dirty="0"/>
+              <a:t>$</a:t>
+            </a:r>
+            <a:r>
+              <a:rPr lang="en-US" b="1" dirty="0" err="1"/>
+              <a:t>sudo</a:t>
+            </a:r>
+            <a:r>
+              <a:rPr lang="en-US" b="1" dirty="0"/>
+              <a:t> </a:t>
+            </a:r>
+            <a:r>
+              <a:rPr lang="en-US" b="1" dirty="0" err="1"/>
+              <a:t>pkg</a:t>
+            </a:r>
+            <a:r>
+              <a:rPr lang="en-US" b="1" dirty="0"/>
+              <a:t> install postfix</a:t>
+            </a:r>
+          </a:p>
+          <a:p>
+            <a:pPr lvl="1"/>
+            <a:r>
+              <a:rPr lang="en-US" b="1" dirty="0"/>
+              <a:t>Directories: /</a:t>
+            </a:r>
+            <a:r>
+              <a:rPr lang="en-US" b="1" dirty="0" err="1"/>
+              <a:t>etc</a:t>
+            </a:r>
+            <a:r>
+              <a:rPr lang="en-US" b="1" dirty="0"/>
+              <a:t>/postfix </a:t>
+            </a:r>
+            <a:r>
+              <a:rPr lang="en-US" dirty="0"/>
+              <a:t>or</a:t>
+            </a:r>
+            <a:r>
+              <a:rPr lang="en-US" b="1" dirty="0"/>
+              <a:t> /</a:t>
+            </a:r>
+            <a:r>
+              <a:rPr lang="en-US" b="1" dirty="0" err="1"/>
+              <a:t>usr</a:t>
+            </a:r>
+            <a:r>
+              <a:rPr lang="en-US" b="1" dirty="0"/>
+              <a:t>/local/</a:t>
+            </a:r>
+            <a:r>
+              <a:rPr lang="en-US" b="1" dirty="0" err="1"/>
+              <a:t>etc</a:t>
+            </a:r>
+            <a:r>
+              <a:rPr lang="en-US" b="1" dirty="0"/>
+              <a:t>/postfix</a:t>
+            </a:r>
+          </a:p>
+          <a:p>
+            <a:r>
+              <a:rPr lang="en-US" dirty="0"/>
+              <a:t>Configuration files</a:t>
+            </a:r>
+          </a:p>
+          <a:p>
+            <a:pPr lvl="1"/>
+            <a:r>
+              <a:rPr lang="en-US" dirty="0" err="1"/>
+              <a:t>main.cf</a:t>
+            </a:r>
+            <a:r>
+              <a:rPr lang="en-US" dirty="0"/>
+              <a:t> - stores site specific Postfix configuration parameters while</a:t>
+            </a:r>
+          </a:p>
+          <a:p>
+            <a:pPr lvl="1"/>
             <a:r>
               <a:rPr lang="en-US" dirty="0" err="1"/>
               <a:t>master.cf</a:t>
             </a:r>
             <a:r>
               <a:rPr lang="en-US" dirty="0"/>
-              <a:t> file.</a:t>
-            </a:r>
-          </a:p>
-          <a:p>
-            <a:r>
-              <a:rPr lang="en-US" dirty="0"/>
-              <a:t>The SMTP service is defined in this file as well as third party apps like an SPF program or a DKIM Program</a:t>
+              <a:t> – defines daemon processes</a:t>
             </a:r>
           </a:p>
         </p:txBody>
@@ -3592,7 +3656,7 @@
     </p:spTree>
     <p:extLst>
       <p:ext uri="{BB962C8B-B14F-4D97-AF65-F5344CB8AC3E}">
-        <p14:creationId xmlns:p14="http://schemas.microsoft.com/office/powerpoint/2010/main" val="897474661"/>
+        <p14:creationId xmlns:p14="http://schemas.microsoft.com/office/powerpoint/2010/main" val="799785662"/>
       </p:ext>
     </p:extLst>
   </p:cSld>
@@ -3636,7 +3700,7 @@
           <a:p>
             <a:r>
               <a:rPr lang="en-US" b="1" dirty="0" err="1"/>
-              <a:t>main.cf</a:t>
+              <a:t>master.cf</a:t>
             </a:r>
             <a:endParaRPr lang="en-US" b="1" dirty="0"/>
           </a:p>
@@ -3661,61 +3725,35 @@
           <a:p>
             <a:r>
               <a:rPr lang="en-US" dirty="0"/>
-              <a:t>specifies a very small subset of all the parameters that control the operation of the Postfix mail system</a:t>
-            </a:r>
-          </a:p>
-          <a:p>
-            <a:r>
-              <a:rPr lang="en-US" dirty="0"/>
-              <a:t>you will have to set up a minimal number of configuration parameters. </a:t>
-            </a:r>
-          </a:p>
-          <a:p>
-            <a:r>
-              <a:rPr lang="en-US" dirty="0"/>
-              <a:t>Postfix configuration parameters resemble shell variables</a:t>
-            </a:r>
-          </a:p>
-          <a:p>
-            <a:pPr lvl="1"/>
-            <a:r>
-              <a:rPr lang="en-US" dirty="0"/>
-              <a:t>parameter = value</a:t>
-            </a:r>
-          </a:p>
-          <a:p>
-            <a:pPr lvl="1"/>
+              <a:t>defines how a client program connects to a service, and what daemon program runs when a service is requested.  </a:t>
+            </a:r>
+          </a:p>
+          <a:p>
+            <a:r>
+              <a:rPr lang="en-US" dirty="0"/>
+              <a:t>The Postfix master daemon launches all of the other Postfix services as they are needed. The various services, and how they are run, are specified in the </a:t>
+            </a:r>
             <a:r>
               <a:rPr lang="en-US" dirty="0" err="1"/>
-              <a:t>other_parameter</a:t>
-            </a:r>
-            <a:r>
-              <a:rPr lang="en-US" dirty="0"/>
-              <a:t> = $parameter</a:t>
-            </a:r>
-          </a:p>
-          <a:p>
-            <a:r>
-              <a:rPr lang="en-US" dirty="0"/>
-              <a:t>Postfix uses database files for access control, address rewriting and other purposes </a:t>
-            </a:r>
-          </a:p>
-          <a:p>
-            <a:pPr lvl="1"/>
-            <a:endParaRPr lang="en-US" dirty="0"/>
-          </a:p>
-          <a:p>
-            <a:endParaRPr lang="en-US" dirty="0"/>
-          </a:p>
-          <a:p>
-            <a:endParaRPr lang="en-US" dirty="0"/>
+              <a:t>master.cf</a:t>
+            </a:r>
+            <a:r>
+              <a:rPr lang="en-US" dirty="0"/>
+              <a:t> file.</a:t>
+            </a:r>
+          </a:p>
+          <a:p>
+            <a:r>
+              <a:rPr lang="en-US" dirty="0"/>
+              <a:t>The SMTP service is defined in this file as well as third party apps like an SPF program or a DKIM Program</a:t>
+            </a:r>
           </a:p>
         </p:txBody>
       </p:sp>
     </p:spTree>
     <p:extLst>
       <p:ext uri="{BB962C8B-B14F-4D97-AF65-F5344CB8AC3E}">
-        <p14:creationId xmlns:p14="http://schemas.microsoft.com/office/powerpoint/2010/main" val="2078974546"/>
+        <p14:creationId xmlns:p14="http://schemas.microsoft.com/office/powerpoint/2010/main" val="897474661"/>
       </p:ext>
     </p:extLst>
   </p:cSld>
@@ -3752,12 +3790,7 @@
             <p:ph type="title"/>
           </p:nvPr>
         </p:nvSpPr>
-        <p:spPr>
-          <a:xfrm>
-            <a:off x="1806198" y="-84367"/>
-            <a:ext cx="8229600" cy="1143000"/>
-          </a:xfrm>
-        </p:spPr>
+        <p:spPr/>
         <p:txBody>
           <a:bodyPr/>
           <a:lstStyle/>
@@ -3766,10 +3799,7 @@
               <a:rPr lang="en-US" b="1" dirty="0" err="1"/>
               <a:t>main.cf</a:t>
             </a:r>
-            <a:r>
-              <a:rPr lang="en-US" b="1" dirty="0"/>
-              <a:t> Key Settings</a:t>
-            </a:r>
+            <a:endParaRPr lang="en-US" b="1" dirty="0"/>
           </a:p>
         </p:txBody>
       </p:sp>
@@ -3783,12 +3813,7 @@
             <p:ph idx="1"/>
           </p:nvPr>
         </p:nvSpPr>
-        <p:spPr>
-          <a:xfrm>
-            <a:off x="1806198" y="1003515"/>
-            <a:ext cx="8404602" cy="5122649"/>
-          </a:xfrm>
-        </p:spPr>
+        <p:spPr/>
         <p:txBody>
           <a:bodyPr>
             <a:normAutofit/>
@@ -3796,126 +3821,62 @@
           <a:lstStyle/>
           <a:p>
             <a:r>
-              <a:rPr lang="en-US" dirty="0">
-                <a:hlinkClick r:id="rId2"/>
-              </a:rPr>
-              <a:t>myorigin</a:t>
-            </a:r>
-            <a:r>
-              <a:rPr lang="en-US" dirty="0"/>
-              <a:t> = $</a:t>
-            </a:r>
-            <a:r>
-              <a:rPr lang="en-US" dirty="0">
-                <a:hlinkClick r:id="rId3"/>
-              </a:rPr>
-              <a:t>myhostname</a:t>
-            </a:r>
-            <a:r>
-              <a:rPr lang="en-US" dirty="0"/>
-              <a:t> </a:t>
+              <a:rPr lang="en-US" dirty="0"/>
+              <a:t>specifies a very small subset of all the parameters that control the operation of the Postfix mail system</a:t>
+            </a:r>
+          </a:p>
+          <a:p>
+            <a:r>
+              <a:rPr lang="en-US" dirty="0"/>
+              <a:t>you will have to set up a minimal number of configuration parameters. </a:t>
+            </a:r>
+          </a:p>
+          <a:p>
+            <a:r>
+              <a:rPr lang="en-US" dirty="0"/>
+              <a:t>Postfix configuration parameters resemble shell variables</a:t>
             </a:r>
           </a:p>
           <a:p>
             <a:pPr lvl="1"/>
             <a:r>
               <a:rPr lang="en-US" dirty="0"/>
-              <a:t>specifies the domain that appears in mail that is posted on this machine. Defaults to the value of the machine’s hostname</a:t>
-            </a:r>
-          </a:p>
-          <a:p>
-            <a:r>
-              <a:rPr lang="en-US" dirty="0">
-                <a:hlinkClick r:id="rId4"/>
-              </a:rPr>
-              <a:t>mydestination</a:t>
-            </a:r>
-            <a:r>
-              <a:rPr lang="en-US" dirty="0"/>
-              <a:t> = $</a:t>
-            </a:r>
-            <a:r>
-              <a:rPr lang="en-US" dirty="0">
-                <a:hlinkClick r:id="rId3"/>
-              </a:rPr>
-              <a:t>myhostname</a:t>
-            </a:r>
-            <a:r>
-              <a:rPr lang="en-US" dirty="0"/>
-              <a:t>, </a:t>
-            </a:r>
+              <a:t>parameter = value</a:t>
+            </a:r>
+          </a:p>
+          <a:p>
+            <a:pPr lvl="1"/>
             <a:r>
               <a:rPr lang="en-US" dirty="0" err="1"/>
-              <a:t>localhost</a:t>
-            </a:r>
+              <a:t>other_parameter</a:t>
+            </a:r>
+            <a:r>
+              <a:rPr lang="en-US" dirty="0"/>
+              <a:t> = $parameter</a:t>
+            </a:r>
+          </a:p>
+          <a:p>
+            <a:r>
+              <a:rPr lang="en-US" dirty="0"/>
+              <a:t>Postfix uses database files for access control, address rewriting and other purposes </a:t>
+            </a:r>
+          </a:p>
+          <a:p>
+            <a:pPr lvl="1"/>
             <a:endParaRPr lang="en-US" dirty="0"/>
           </a:p>
           <a:p>
-            <a:pPr lvl="1"/>
-            <a:r>
-              <a:rPr lang="en-US" dirty="0"/>
-              <a:t>specifies what domains this machine will deliver locally</a:t>
-            </a:r>
-          </a:p>
-          <a:p>
-            <a:pPr lvl="1"/>
-            <a:r>
-              <a:rPr lang="en-US" dirty="0"/>
-              <a:t>if your machine is a mail server for its entire domain, you must list $</a:t>
-            </a:r>
-            <a:r>
-              <a:rPr lang="en-US" dirty="0">
-                <a:hlinkClick r:id="rId5"/>
-              </a:rPr>
-              <a:t>mydomain</a:t>
-            </a:r>
-            <a:r>
-              <a:rPr lang="en-US" dirty="0"/>
-              <a:t> as well in this setting</a:t>
-            </a:r>
-          </a:p>
-          <a:p>
-            <a:r>
-              <a:rPr lang="en-US" dirty="0"/>
-              <a:t>The </a:t>
-            </a:r>
-            <a:r>
-              <a:rPr lang="en-US" dirty="0">
-                <a:hlinkClick r:id="rId5"/>
-              </a:rPr>
-              <a:t>mydomain</a:t>
-            </a:r>
-            <a:r>
-              <a:rPr lang="en-US" dirty="0"/>
-              <a:t> parameter specifies the parent domain of $</a:t>
-            </a:r>
-            <a:r>
-              <a:rPr lang="en-US" dirty="0">
-                <a:hlinkClick r:id="rId3"/>
-              </a:rPr>
-              <a:t>myhostname</a:t>
-            </a:r>
-            <a:r>
-              <a:rPr lang="en-US" dirty="0"/>
-              <a:t>. By default, it is derived from $</a:t>
-            </a:r>
-            <a:r>
-              <a:rPr lang="en-US" dirty="0">
-                <a:hlinkClick r:id="rId3"/>
-              </a:rPr>
-              <a:t>myhostname</a:t>
-            </a:r>
-            <a:r>
-              <a:rPr lang="en-US" dirty="0"/>
-              <a:t> by stripping off the first part (unless if the result would be a top-level domain)</a:t>
-            </a:r>
+            <a:endParaRPr lang="en-US" dirty="0"/>
+          </a:p>
+          <a:p>
+            <a:endParaRPr lang="en-US" dirty="0"/>
           </a:p>
         </p:txBody>
       </p:sp>
     </p:spTree>
     <p:extLst>
       <p:ext uri="{BB962C8B-B14F-4D97-AF65-F5344CB8AC3E}">
-        <p14:creationId xmlns:p14="http://schemas.microsoft.com/office/powerpoint/2010/main" val="1766257932"/>
+        <p14:creationId xmlns:p14="http://schemas.microsoft.com/office/powerpoint/2010/main" val="2078974546"/>
       </p:ext>
     </p:extLst>
   </p:cSld>
@@ -3952,14 +3913,23 @@
             <p:ph type="title"/>
           </p:nvPr>
         </p:nvSpPr>
-        <p:spPr/>
-        <p:txBody>
-          <a:bodyPr/>
-          <a:lstStyle/>
-          <a:p>
+        <p:spPr>
+          <a:xfrm>
+            <a:off x="1806198" y="-84367"/>
+            <a:ext cx="8229600" cy="1143000"/>
+          </a:xfrm>
+        </p:spPr>
+        <p:txBody>
+          <a:bodyPr/>
+          <a:lstStyle/>
+          <a:p>
+            <a:r>
+              <a:rPr lang="en-US" b="1" dirty="0" err="1"/>
+              <a:t>main.cf</a:t>
+            </a:r>
             <a:r>
               <a:rPr lang="en-US" b="1" dirty="0"/>
-              <a:t>Relaying Mail – From</a:t>
+              <a:t> Key Settings</a:t>
             </a:r>
           </a:p>
         </p:txBody>
@@ -3974,7 +3944,12 @@
             <p:ph idx="1"/>
           </p:nvPr>
         </p:nvSpPr>
-        <p:spPr/>
+        <p:spPr>
+          <a:xfrm>
+            <a:off x="1806198" y="1003515"/>
+            <a:ext cx="8404602" cy="5122649"/>
+          </a:xfrm>
+        </p:spPr>
         <p:txBody>
           <a:bodyPr>
             <a:normAutofit/>
@@ -3982,96 +3957,126 @@
           <a:lstStyle/>
           <a:p>
             <a:r>
-              <a:rPr lang="en-US" dirty="0"/>
-              <a:t>Postfix will forward mail from clients in authorized network blocks to any destination</a:t>
-            </a:r>
-          </a:p>
-          <a:p>
-            <a:r>
-              <a:rPr lang="en-US" dirty="0"/>
-              <a:t>Authorized networks are defined with the </a:t>
-            </a:r>
-            <a:r>
               <a:rPr lang="en-US" dirty="0">
                 <a:hlinkClick r:id="rId2"/>
               </a:rPr>
-              <a:t>mynetworks</a:t>
-            </a:r>
-            <a:r>
-              <a:rPr lang="en-US" dirty="0"/>
-              <a:t> configuration parameter</a:t>
-            </a:r>
-          </a:p>
-          <a:p>
-            <a:r>
-              <a:rPr lang="en-US" dirty="0"/>
-              <a:t>The default is to authorize all clients in the IP </a:t>
-            </a:r>
-            <a:r>
-              <a:rPr lang="en-US" dirty="0" err="1"/>
-              <a:t>subnetworks</a:t>
-            </a:r>
-            <a:r>
-              <a:rPr lang="en-US" dirty="0"/>
-              <a:t> that the local machine is attached to.</a:t>
-            </a:r>
-          </a:p>
-          <a:p>
-            <a:r>
-              <a:rPr lang="en-US" dirty="0"/>
-              <a:t>By default, Postfix will NOT be an open relay </a:t>
-            </a:r>
-            <a:r>
-              <a:rPr lang="en-US" dirty="0" err="1"/>
-              <a:t>ie</a:t>
-            </a:r>
-            <a:r>
-              <a:rPr lang="en-US" dirty="0"/>
-              <a:t> it will not forward from IPs outside your network to the Internet</a:t>
-            </a:r>
-          </a:p>
-          <a:p>
-            <a:pPr lvl="1"/>
+              <a:t>myorigin</a:t>
+            </a:r>
+            <a:r>
+              <a:rPr lang="en-US" dirty="0"/>
+              <a:t> = $</a:t>
+            </a:r>
             <a:r>
               <a:rPr lang="en-US" dirty="0">
                 <a:hlinkClick r:id="rId3"/>
               </a:rPr>
-              <a:t>mynetworks_style</a:t>
-            </a:r>
-            <a:r>
-              <a:rPr lang="en-US" dirty="0"/>
-              <a:t> = subnet </a:t>
+              <a:t>myhostname</a:t>
+            </a:r>
+            <a:r>
+              <a:rPr lang="en-US" dirty="0"/>
+              <a:t> </a:t>
             </a:r>
           </a:p>
           <a:p>
             <a:pPr lvl="1"/>
             <a:r>
+              <a:rPr lang="en-US" dirty="0"/>
+              <a:t>specifies the domain that appears in mail that is posted on this machine. Defaults to the value of the machine’s hostname</a:t>
+            </a:r>
+          </a:p>
+          <a:p>
+            <a:r>
               <a:rPr lang="en-US" dirty="0">
-                <a:hlinkClick r:id="rId2"/>
+                <a:hlinkClick r:id="rId4"/>
               </a:rPr>
-              <a:t>mynetworks</a:t>
-            </a:r>
-            <a:r>
-              <a:rPr lang="en-US" dirty="0"/>
-              <a:t> = 127.0.0.0/8 168.100.189.2/32</a:t>
-            </a:r>
+              <a:t>mydestination</a:t>
+            </a:r>
+            <a:r>
+              <a:rPr lang="en-US" dirty="0"/>
+              <a:t> = $</a:t>
+            </a:r>
+            <a:r>
+              <a:rPr lang="en-US" dirty="0">
+                <a:hlinkClick r:id="rId3"/>
+              </a:rPr>
+              <a:t>myhostname</a:t>
+            </a:r>
+            <a:r>
+              <a:rPr lang="en-US" dirty="0"/>
+              <a:t>, </a:t>
+            </a:r>
+            <a:r>
+              <a:rPr lang="en-US" dirty="0" err="1"/>
+              <a:t>localhost</a:t>
+            </a:r>
+            <a:endParaRPr lang="en-US" dirty="0"/>
           </a:p>
           <a:p>
             <a:pPr lvl="1"/>
-            <a:endParaRPr lang="en-US" dirty="0"/>
-          </a:p>
-          <a:p>
-            <a:endParaRPr lang="en-US" dirty="0"/>
-          </a:p>
-          <a:p>
-            <a:endParaRPr lang="en-US" dirty="0"/>
+            <a:r>
+              <a:rPr lang="en-US" dirty="0"/>
+              <a:t>specifies what domains this machine will deliver locally</a:t>
+            </a:r>
+          </a:p>
+          <a:p>
+            <a:pPr lvl="1"/>
+            <a:r>
+              <a:rPr lang="en-US" dirty="0"/>
+              <a:t>if your machine is a mail server for its entire domain, you must list $</a:t>
+            </a:r>
+            <a:r>
+              <a:rPr lang="en-US" dirty="0">
+                <a:hlinkClick r:id="rId5"/>
+              </a:rPr>
+              <a:t>mydomain</a:t>
+            </a:r>
+            <a:r>
+              <a:rPr lang="en-US" dirty="0"/>
+              <a:t> as well in this setting</a:t>
+            </a:r>
+          </a:p>
+          <a:p>
+            <a:r>
+              <a:rPr lang="en-US" dirty="0"/>
+              <a:t>The </a:t>
+            </a:r>
+            <a:r>
+              <a:rPr lang="en-US" dirty="0">
+                <a:hlinkClick r:id="rId5"/>
+              </a:rPr>
+              <a:t>mydomain</a:t>
+            </a:r>
+            <a:r>
+              <a:rPr lang="en-US" dirty="0"/>
+              <a:t> parameter specifies the parent domain of $</a:t>
+            </a:r>
+            <a:r>
+              <a:rPr lang="en-US" dirty="0">
+                <a:hlinkClick r:id="rId3"/>
+              </a:rPr>
+              <a:t>myhostname</a:t>
+            </a:r>
+            <a:r>
+              <a:rPr lang="en-US" dirty="0"/>
+              <a:t>. By default, it is derived from $</a:t>
+            </a:r>
+            <a:r>
+              <a:rPr lang="en-US" dirty="0">
+                <a:hlinkClick r:id="rId3"/>
+              </a:rPr>
+              <a:t>myhostname</a:t>
+            </a:r>
+            <a:r>
+              <a:rPr lang="en-US" dirty="0"/>
+              <a:t> by stripping off the first part (unless if the result would be a top-level domain)</a:t>
+            </a:r>
           </a:p>
         </p:txBody>
       </p:sp>
     </p:spTree>
     <p:extLst>
       <p:ext uri="{BB962C8B-B14F-4D97-AF65-F5344CB8AC3E}">
-        <p14:creationId xmlns:p14="http://schemas.microsoft.com/office/powerpoint/2010/main" val="830610643"/>
+        <p14:creationId xmlns:p14="http://schemas.microsoft.com/office/powerpoint/2010/main" val="1766257932"/>
       </p:ext>
     </p:extLst>
   </p:cSld>
@@ -4115,7 +4120,7 @@
           <a:p>
             <a:r>
               <a:rPr lang="en-US" b="1" dirty="0"/>
-              <a:t>Relaying mail - to</a:t>
+              <a:t>Relaying Mail – From</a:t>
             </a:r>
           </a:p>
         </p:txBody>
@@ -4139,51 +4144,87 @@
           <a:p>
             <a:r>
               <a:rPr lang="en-US" dirty="0"/>
-              <a:t>By default, Postfix will forward mail from strangers (clients outside authorized networks) to authorized remote destinations only. </a:t>
-            </a:r>
-          </a:p>
-          <a:p>
-            <a:r>
-              <a:rPr lang="en-US" dirty="0"/>
-              <a:t>Authorized remote destinations are defined with the </a:t>
+              <a:t>Postfix will forward mail from clients in authorized network blocks to any destination</a:t>
+            </a:r>
+          </a:p>
+          <a:p>
+            <a:r>
+              <a:rPr lang="en-US" dirty="0"/>
+              <a:t>Authorized networks are defined with the </a:t>
             </a:r>
             <a:r>
               <a:rPr lang="en-US" dirty="0">
                 <a:hlinkClick r:id="rId2"/>
               </a:rPr>
-              <a:t>relay_domains</a:t>
-            </a:r>
-            <a:r>
-              <a:rPr lang="en-US" dirty="0"/>
-              <a:t> configuration parameter. </a:t>
-            </a:r>
-          </a:p>
-          <a:p>
-            <a:r>
-              <a:rPr lang="en-US" dirty="0"/>
-              <a:t>The default is to authorize all domains (and subdomains) of the domains listed with the </a:t>
-            </a:r>
+              <a:t>mynetworks</a:t>
+            </a:r>
+            <a:r>
+              <a:rPr lang="en-US" dirty="0"/>
+              <a:t> configuration parameter</a:t>
+            </a:r>
+          </a:p>
+          <a:p>
+            <a:r>
+              <a:rPr lang="en-US" dirty="0"/>
+              <a:t>The default is to authorize all clients in the IP </a:t>
+            </a:r>
+            <a:r>
+              <a:rPr lang="en-US" dirty="0" err="1"/>
+              <a:t>subnetworks</a:t>
+            </a:r>
+            <a:r>
+              <a:rPr lang="en-US" dirty="0"/>
+              <a:t> that the local machine is attached to.</a:t>
+            </a:r>
+          </a:p>
+          <a:p>
+            <a:r>
+              <a:rPr lang="en-US" dirty="0"/>
+              <a:t>By default, Postfix will NOT be an open relay </a:t>
+            </a:r>
+            <a:r>
+              <a:rPr lang="en-US" dirty="0" err="1"/>
+              <a:t>ie</a:t>
+            </a:r>
+            <a:r>
+              <a:rPr lang="en-US" dirty="0"/>
+              <a:t> it will not forward from IPs outside your network to the Internet</a:t>
+            </a:r>
+          </a:p>
+          <a:p>
+            <a:pPr lvl="1"/>
             <a:r>
               <a:rPr lang="en-US" dirty="0">
                 <a:hlinkClick r:id="rId3"/>
               </a:rPr>
-              <a:t>mydestination</a:t>
-            </a:r>
-            <a:r>
-              <a:rPr lang="en-US" dirty="0"/>
-              <a:t> parameter. </a:t>
-            </a:r>
-          </a:p>
-          <a:p>
-            <a:r>
-              <a:rPr lang="en-US" dirty="0"/>
-              <a:t>This means that by default, your Postfix mail server will accept mail from anyone to recipients to the local Postfix server</a:t>
-            </a:r>
-          </a:p>
-          <a:p>
-            <a:pPr marL="0" indent="0">
-              <a:buNone/>
-            </a:pPr>
+              <a:t>mynetworks_style</a:t>
+            </a:r>
+            <a:r>
+              <a:rPr lang="en-US" dirty="0"/>
+              <a:t> = subnet </a:t>
+            </a:r>
+          </a:p>
+          <a:p>
+            <a:pPr lvl="1"/>
+            <a:r>
+              <a:rPr lang="en-US" dirty="0">
+                <a:hlinkClick r:id="rId2"/>
+              </a:rPr>
+              <a:t>mynetworks</a:t>
+            </a:r>
+            <a:r>
+              <a:rPr lang="en-US" dirty="0"/>
+              <a:t> = 127.0.0.0/8 168.100.189.2/32</a:t>
+            </a:r>
+          </a:p>
+          <a:p>
+            <a:pPr lvl="1"/>
+            <a:endParaRPr lang="en-US" dirty="0"/>
+          </a:p>
+          <a:p>
+            <a:endParaRPr lang="en-US" dirty="0"/>
+          </a:p>
+          <a:p>
             <a:endParaRPr lang="en-US" dirty="0"/>
           </a:p>
         </p:txBody>
@@ -4191,7 +4232,7 @@
     </p:spTree>
     <p:extLst>
       <p:ext uri="{BB962C8B-B14F-4D97-AF65-F5344CB8AC3E}">
-        <p14:creationId xmlns:p14="http://schemas.microsoft.com/office/powerpoint/2010/main" val="1429371401"/>
+        <p14:creationId xmlns:p14="http://schemas.microsoft.com/office/powerpoint/2010/main" val="830610643"/>
       </p:ext>
     </p:extLst>
   </p:cSld>
@@ -4235,7 +4276,7 @@
           <a:p>
             <a:r>
               <a:rPr lang="en-US" b="1" dirty="0"/>
-              <a:t>Outbound emails</a:t>
+              <a:t>Relaying mail - to</a:t>
             </a:r>
           </a:p>
         </p:txBody>
@@ -4259,71 +4300,59 @@
           <a:p>
             <a:r>
               <a:rPr lang="en-US" dirty="0"/>
-              <a:t>By default, Postfix tries to deliver mail directly to the Internet. </a:t>
-            </a:r>
-          </a:p>
-          <a:p>
-            <a:r>
-              <a:rPr lang="en-US" dirty="0"/>
-              <a:t>Depending on your local conditions this may not be possible or desirable</a:t>
-            </a:r>
-          </a:p>
-          <a:p>
-            <a:r>
-              <a:rPr lang="en-US" dirty="0"/>
-              <a:t>For example, your system may be behind a firewall, or it may be connected via a provider who does not allow direct mail to the Internet.</a:t>
-            </a:r>
-          </a:p>
-          <a:p>
-            <a:r>
-              <a:rPr lang="en-US" dirty="0"/>
-              <a:t>In those cases you need to configure Postfix to deliver mail indirectly via a </a:t>
+              <a:t>By default, Postfix will forward mail from strangers (clients outside authorized networks) to authorized remote destinations only. </a:t>
+            </a:r>
+          </a:p>
+          <a:p>
+            <a:r>
+              <a:rPr lang="en-US" dirty="0"/>
+              <a:t>Authorized remote destinations are defined with the </a:t>
             </a:r>
             <a:r>
               <a:rPr lang="en-US" dirty="0">
                 <a:hlinkClick r:id="rId2"/>
               </a:rPr>
-              <a:t>relay host</a:t>
-            </a:r>
-            <a:r>
-              <a:rPr lang="en-US" dirty="0"/>
-              <a:t>. </a:t>
-            </a:r>
-          </a:p>
-          <a:p>
-            <a:pPr lvl="1"/>
+              <a:t>relay_domains</a:t>
+            </a:r>
+            <a:r>
+              <a:rPr lang="en-US" dirty="0"/>
+              <a:t> configuration parameter. </a:t>
+            </a:r>
+          </a:p>
+          <a:p>
+            <a:r>
+              <a:rPr lang="en-US" dirty="0"/>
+              <a:t>The default is to authorize all domains (and subdomains) of the domains listed with the </a:t>
+            </a:r>
             <a:r>
               <a:rPr lang="en-US" dirty="0">
-                <a:hlinkClick r:id="rId2"/>
+                <a:hlinkClick r:id="rId3"/>
               </a:rPr>
-              <a:t>relayhost</a:t>
-            </a:r>
-            <a:r>
-              <a:rPr lang="en-US" dirty="0"/>
-              <a:t> = [</a:t>
-            </a:r>
-            <a:r>
-              <a:rPr lang="en-US" dirty="0" err="1"/>
-              <a:t>mail.isp.tld</a:t>
-            </a:r>
-            <a:r>
-              <a:rPr lang="en-US" dirty="0"/>
-              <a:t>]</a:t>
-            </a:r>
-          </a:p>
-          <a:p>
-            <a:pPr lvl="1"/>
-            <a:r>
-              <a:rPr lang="en-US" dirty="0"/>
-              <a:t>Note that the [] disables MX lookups so is necessary</a:t>
-            </a:r>
+              <a:t>mydestination</a:t>
+            </a:r>
+            <a:r>
+              <a:rPr lang="en-US" dirty="0"/>
+              <a:t> parameter. </a:t>
+            </a:r>
+          </a:p>
+          <a:p>
+            <a:r>
+              <a:rPr lang="en-US" dirty="0"/>
+              <a:t>This means that by default, your Postfix mail server will accept mail from anyone to recipients to the local Postfix server</a:t>
+            </a:r>
+          </a:p>
+          <a:p>
+            <a:pPr marL="0" indent="0">
+              <a:buNone/>
+            </a:pPr>
+            <a:endParaRPr lang="en-US" dirty="0"/>
           </a:p>
         </p:txBody>
       </p:sp>
     </p:spTree>
     <p:extLst>
       <p:ext uri="{BB962C8B-B14F-4D97-AF65-F5344CB8AC3E}">
-        <p14:creationId xmlns:p14="http://schemas.microsoft.com/office/powerpoint/2010/main" val="1693061265"/>
+        <p14:creationId xmlns:p14="http://schemas.microsoft.com/office/powerpoint/2010/main" val="1429371401"/>
       </p:ext>
     </p:extLst>
   </p:cSld>
@@ -4367,7 +4396,7 @@
           <a:p>
             <a:r>
               <a:rPr lang="en-US" b="1" dirty="0"/>
-              <a:t>Reporting problems</a:t>
+              <a:t>Outbound emails</a:t>
             </a:r>
           </a:p>
         </p:txBody>
@@ -4391,108 +4420,71 @@
           <a:p>
             <a:r>
               <a:rPr lang="en-US" dirty="0"/>
-              <a:t>You should set up a postmaster alias in the aliases table that directs mail to a real person</a:t>
-            </a:r>
-          </a:p>
-          <a:p>
-            <a:r>
-              <a:rPr lang="en-US" dirty="0"/>
-              <a:t>The postmaster address is required to exist, so that people can report mail delivery problems.</a:t>
-            </a:r>
-          </a:p>
-          <a:p>
-            <a:r>
-              <a:rPr lang="en-US" dirty="0"/>
-              <a:t>While you're updating the </a:t>
+              <a:t>By default, Postfix tries to deliver mail directly to the Internet. </a:t>
+            </a:r>
+          </a:p>
+          <a:p>
+            <a:r>
+              <a:rPr lang="en-US" dirty="0"/>
+              <a:t>Depending on your local conditions this may not be possible or desirable</a:t>
+            </a:r>
+          </a:p>
+          <a:p>
+            <a:r>
+              <a:rPr lang="en-US" dirty="0"/>
+              <a:t>For example, your system may be behind a firewall, or it may be connected via a provider who does not allow direct mail to the Internet.</a:t>
+            </a:r>
+          </a:p>
+          <a:p>
+            <a:r>
+              <a:rPr lang="en-US" dirty="0"/>
+              <a:t>In those cases you need to configure Postfix to deliver mail indirectly via a </a:t>
             </a:r>
             <a:r>
               <a:rPr lang="en-US" dirty="0">
                 <a:hlinkClick r:id="rId2"/>
               </a:rPr>
-              <a:t>aliases(5)</a:t>
-            </a:r>
-            <a:r>
-              <a:rPr lang="en-US" dirty="0"/>
-              <a:t> table, be sure to direct mail for the super-user to a human person too. </a:t>
-            </a:r>
-            <a:br>
-              <a:rPr lang="en-US" dirty="0"/>
-            </a:br>
-            <a:r>
-              <a:rPr lang="en-US" dirty="0"/>
-              <a:t>	/</a:t>
+              <a:t>relay host</a:t>
+            </a:r>
+            <a:r>
+              <a:rPr lang="en-US" dirty="0"/>
+              <a:t>. </a:t>
+            </a:r>
+          </a:p>
+          <a:p>
+            <a:pPr lvl="1"/>
+            <a:r>
+              <a:rPr lang="en-US" dirty="0">
+                <a:hlinkClick r:id="rId2"/>
+              </a:rPr>
+              <a:t>relayhost</a:t>
+            </a:r>
+            <a:r>
+              <a:rPr lang="en-US" dirty="0"/>
+              <a:t> = [</a:t>
             </a:r>
             <a:r>
               <a:rPr lang="en-US" dirty="0" err="1"/>
-              <a:t>etc</a:t>
-            </a:r>
-            <a:r>
-              <a:rPr lang="en-US" dirty="0"/>
-              <a:t>/aliases: </a:t>
-            </a:r>
-            <a:br>
-              <a:rPr lang="en-US" dirty="0"/>
-            </a:br>
-            <a:r>
-              <a:rPr lang="en-US" dirty="0"/>
-              <a:t>postmaster: </a:t>
-            </a:r>
-            <a:r>
-              <a:rPr lang="en-US" dirty="0" err="1"/>
-              <a:t>afnog</a:t>
-            </a:r>
-            <a:r>
-              <a:rPr lang="en-US" dirty="0"/>
-              <a:t> </a:t>
-            </a:r>
-            <a:br>
-              <a:rPr lang="en-US" dirty="0"/>
-            </a:br>
-            <a:r>
-              <a:rPr lang="en-US" dirty="0"/>
-              <a:t>root: </a:t>
-            </a:r>
-            <a:r>
-              <a:rPr lang="en-US" dirty="0" err="1"/>
-              <a:t>afnog</a:t>
-            </a:r>
-            <a:endParaRPr lang="en-US" dirty="0"/>
-          </a:p>
-          <a:p>
-            <a:r>
-              <a:rPr lang="en-US" dirty="0"/>
-              <a:t>After editing the aliases file, run the command </a:t>
-            </a:r>
-            <a:r>
-              <a:rPr lang="en-US" i="1" dirty="0"/>
-              <a:t>$</a:t>
-            </a:r>
-            <a:r>
-              <a:rPr lang="en-US" i="1" dirty="0" err="1"/>
-              <a:t>sudo</a:t>
-            </a:r>
-            <a:r>
-              <a:rPr lang="en-US" i="1" dirty="0"/>
-              <a:t> </a:t>
-            </a:r>
-            <a:r>
-              <a:rPr lang="en-US" i="1" dirty="0" err="1"/>
-              <a:t>newaliases</a:t>
-            </a:r>
-            <a:endParaRPr lang="en-US" dirty="0"/>
-          </a:p>
-          <a:p>
-            <a:pPr marL="457200" lvl="1" indent="0">
-              <a:buNone/>
-            </a:pPr>
-            <a:endParaRPr lang="en-US" dirty="0"/>
+              <a:t>mail.isp.tld</a:t>
+            </a:r>
+            <a:r>
+              <a:rPr lang="en-US" dirty="0"/>
+              <a:t>]</a:t>
+            </a:r>
+          </a:p>
+          <a:p>
+            <a:pPr lvl="1"/>
+            <a:r>
+              <a:rPr lang="en-US" dirty="0"/>
+              <a:t>Note that the [] disables MX lookups so is necessary</a:t>
+            </a:r>
           </a:p>
         </p:txBody>
       </p:sp>
     </p:spTree>
     <p:extLst>
       <p:ext uri="{BB962C8B-B14F-4D97-AF65-F5344CB8AC3E}">
-        <p14:creationId xmlns:p14="http://schemas.microsoft.com/office/powerpoint/2010/main" val="1122358105"/>
+        <p14:creationId xmlns:p14="http://schemas.microsoft.com/office/powerpoint/2010/main" val="1693061265"/>
       </p:ext>
     </p:extLst>
   </p:cSld>
@@ -4529,6 +4521,286 @@
             <p:ph type="title"/>
           </p:nvPr>
         </p:nvSpPr>
+        <p:spPr/>
+        <p:txBody>
+          <a:bodyPr/>
+          <a:lstStyle/>
+          <a:p>
+            <a:r>
+              <a:rPr lang="en-US" b="1" dirty="0"/>
+              <a:t>Reporting problems</a:t>
+            </a:r>
+          </a:p>
+        </p:txBody>
+      </p:sp>
+      <p:sp>
+        <p:nvSpPr>
+          <p:cNvPr id="3" name="Content Placeholder 2"/>
+          <p:cNvSpPr>
+            <a:spLocks noGrp="1"/>
+          </p:cNvSpPr>
+          <p:nvPr>
+            <p:ph idx="1"/>
+          </p:nvPr>
+        </p:nvSpPr>
+        <p:spPr/>
+        <p:txBody>
+          <a:bodyPr>
+            <a:normAutofit/>
+          </a:bodyPr>
+          <a:lstStyle/>
+          <a:p>
+            <a:r>
+              <a:rPr lang="en-US" dirty="0"/>
+              <a:t>You should set up a postmaster alias in the aliases table that directs mail to a real person</a:t>
+            </a:r>
+          </a:p>
+          <a:p>
+            <a:r>
+              <a:rPr lang="en-US" dirty="0"/>
+              <a:t>The postmaster address is required to exist, so that people can report mail delivery problems.</a:t>
+            </a:r>
+          </a:p>
+          <a:p>
+            <a:r>
+              <a:rPr lang="en-US" dirty="0"/>
+              <a:t>While you're updating the </a:t>
+            </a:r>
+            <a:r>
+              <a:rPr lang="en-US" dirty="0">
+                <a:hlinkClick r:id="rId2"/>
+              </a:rPr>
+              <a:t>aliases(5)</a:t>
+            </a:r>
+            <a:r>
+              <a:rPr lang="en-US" dirty="0"/>
+              <a:t> table, be sure to direct mail for the super-user to a human person too. </a:t>
+            </a:r>
+            <a:br>
+              <a:rPr lang="en-US" dirty="0"/>
+            </a:br>
+            <a:r>
+              <a:rPr lang="en-US" dirty="0"/>
+              <a:t>	/</a:t>
+            </a:r>
+            <a:r>
+              <a:rPr lang="en-US" dirty="0" err="1"/>
+              <a:t>etc</a:t>
+            </a:r>
+            <a:r>
+              <a:rPr lang="en-US" dirty="0"/>
+              <a:t>/aliases: </a:t>
+            </a:r>
+            <a:br>
+              <a:rPr lang="en-US" dirty="0"/>
+            </a:br>
+            <a:r>
+              <a:rPr lang="en-US" dirty="0"/>
+              <a:t>postmaster: </a:t>
+            </a:r>
+            <a:r>
+              <a:rPr lang="en-US" dirty="0" err="1"/>
+              <a:t>afnog</a:t>
+            </a:r>
+            <a:r>
+              <a:rPr lang="en-US" dirty="0"/>
+              <a:t> </a:t>
+            </a:r>
+            <a:br>
+              <a:rPr lang="en-US" dirty="0"/>
+            </a:br>
+            <a:r>
+              <a:rPr lang="en-US" dirty="0"/>
+              <a:t>root: </a:t>
+            </a:r>
+            <a:r>
+              <a:rPr lang="en-US" dirty="0" err="1"/>
+              <a:t>afnog</a:t>
+            </a:r>
+            <a:endParaRPr lang="en-US" dirty="0"/>
+          </a:p>
+          <a:p>
+            <a:r>
+              <a:rPr lang="en-US" dirty="0"/>
+              <a:t>After editing the aliases file, run the command </a:t>
+            </a:r>
+            <a:r>
+              <a:rPr lang="en-US" i="1" dirty="0"/>
+              <a:t>$</a:t>
+            </a:r>
+            <a:r>
+              <a:rPr lang="en-US" i="1" dirty="0" err="1"/>
+              <a:t>sudo</a:t>
+            </a:r>
+            <a:r>
+              <a:rPr lang="en-US" i="1" dirty="0"/>
+              <a:t> </a:t>
+            </a:r>
+            <a:r>
+              <a:rPr lang="en-US" i="1" dirty="0" err="1"/>
+              <a:t>newaliases</a:t>
+            </a:r>
+            <a:endParaRPr lang="en-US" dirty="0"/>
+          </a:p>
+          <a:p>
+            <a:pPr marL="457200" lvl="1" indent="0">
+              <a:buNone/>
+            </a:pPr>
+            <a:endParaRPr lang="en-US" dirty="0"/>
+          </a:p>
+        </p:txBody>
+      </p:sp>
+    </p:spTree>
+    <p:extLst>
+      <p:ext uri="{BB962C8B-B14F-4D97-AF65-F5344CB8AC3E}">
+        <p14:creationId xmlns:p14="http://schemas.microsoft.com/office/powerpoint/2010/main" val="1122358105"/>
+      </p:ext>
+    </p:extLst>
+  </p:cSld>
+  <p:clrMapOvr>
+    <a:masterClrMapping/>
+  </p:clrMapOvr>
+</p:sld>
+</file>
+
+<file path=ppt/slides/slide2.xml><?xml version="1.0" encoding="utf-8"?>
+<p:sld xmlns:a="http://schemas.openxmlformats.org/drawingml/2006/main" xmlns:r="http://schemas.openxmlformats.org/officeDocument/2006/relationships" xmlns:p="http://schemas.openxmlformats.org/presentationml/2006/main">
+  <p:cSld>
+    <p:spTree>
+      <p:nvGrpSpPr>
+        <p:cNvPr id="1" name=""/>
+        <p:cNvGrpSpPr/>
+        <p:nvPr/>
+      </p:nvGrpSpPr>
+      <p:grpSpPr>
+        <a:xfrm>
+          <a:off x="0" y="0"/>
+          <a:ext cx="0" cy="0"/>
+          <a:chOff x="0" y="0"/>
+          <a:chExt cx="0" cy="0"/>
+        </a:xfrm>
+      </p:grpSpPr>
+      <p:sp>
+        <p:nvSpPr>
+          <p:cNvPr id="2" name="Title 1">
+            <a:extLst>
+              <a:ext uri="{FF2B5EF4-FFF2-40B4-BE49-F238E27FC236}">
+                <a16:creationId xmlns:a16="http://schemas.microsoft.com/office/drawing/2014/main" id="{EFEBD338-2102-0446-A02F-E7D466F608AE}"/>
+              </a:ext>
+            </a:extLst>
+          </p:cNvPr>
+          <p:cNvSpPr>
+            <a:spLocks noGrp="1"/>
+          </p:cNvSpPr>
+          <p:nvPr>
+            <p:ph type="title"/>
+          </p:nvPr>
+        </p:nvSpPr>
+        <p:spPr/>
+        <p:txBody>
+          <a:bodyPr/>
+          <a:lstStyle/>
+          <a:p>
+            <a:r>
+              <a:rPr lang="en-US" b="1" dirty="0"/>
+              <a:t>Goals</a:t>
+            </a:r>
+          </a:p>
+        </p:txBody>
+      </p:sp>
+      <p:sp>
+        <p:nvSpPr>
+          <p:cNvPr id="3" name="Content Placeholder 2">
+            <a:extLst>
+              <a:ext uri="{FF2B5EF4-FFF2-40B4-BE49-F238E27FC236}">
+                <a16:creationId xmlns:a16="http://schemas.microsoft.com/office/drawing/2014/main" id="{2CDC2AB7-5AFB-A941-835E-6E26FFCD7719}"/>
+              </a:ext>
+            </a:extLst>
+          </p:cNvPr>
+          <p:cNvSpPr>
+            <a:spLocks noGrp="1"/>
+          </p:cNvSpPr>
+          <p:nvPr>
+            <p:ph idx="1"/>
+          </p:nvPr>
+        </p:nvSpPr>
+        <p:spPr/>
+        <p:txBody>
+          <a:bodyPr>
+            <a:normAutofit/>
+          </a:bodyPr>
+          <a:lstStyle/>
+          <a:p>
+            <a:r>
+              <a:rPr lang="en-US" sz="3600" dirty="0"/>
+              <a:t>Install a Mail Server (Debian)</a:t>
+            </a:r>
+          </a:p>
+          <a:p>
+            <a:r>
+              <a:rPr lang="en-US" sz="3600" dirty="0"/>
+              <a:t>Put a web interface to access our emails</a:t>
+            </a:r>
+          </a:p>
+          <a:p>
+            <a:r>
+              <a:rPr lang="en-US" sz="3600" dirty="0"/>
+              <a:t>Go through email best practices</a:t>
+            </a:r>
+          </a:p>
+          <a:p>
+            <a:r>
+              <a:rPr lang="en-US" sz="3600" dirty="0"/>
+              <a:t>Build a mail filter to clean emails on other system (</a:t>
+            </a:r>
+            <a:r>
+              <a:rPr lang="en-US" sz="3600"/>
+              <a:t>FreeBSD)</a:t>
+            </a:r>
+            <a:endParaRPr lang="en-US" sz="3600" dirty="0"/>
+          </a:p>
+        </p:txBody>
+      </p:sp>
+    </p:spTree>
+    <p:extLst>
+      <p:ext uri="{BB962C8B-B14F-4D97-AF65-F5344CB8AC3E}">
+        <p14:creationId xmlns:p14="http://schemas.microsoft.com/office/powerpoint/2010/main" val="945560936"/>
+      </p:ext>
+    </p:extLst>
+  </p:cSld>
+  <p:clrMapOvr>
+    <a:masterClrMapping/>
+  </p:clrMapOvr>
+</p:sld>
+</file>
+
+<file path=ppt/slides/slide20.xml><?xml version="1.0" encoding="utf-8"?>
+<p:sld xmlns:a="http://schemas.openxmlformats.org/drawingml/2006/main" xmlns:r="http://schemas.openxmlformats.org/officeDocument/2006/relationships" xmlns:p="http://schemas.openxmlformats.org/presentationml/2006/main">
+  <p:cSld>
+    <p:spTree>
+      <p:nvGrpSpPr>
+        <p:cNvPr id="1" name=""/>
+        <p:cNvGrpSpPr/>
+        <p:nvPr/>
+      </p:nvGrpSpPr>
+      <p:grpSpPr>
+        <a:xfrm>
+          <a:off x="0" y="0"/>
+          <a:ext cx="0" cy="0"/>
+          <a:chOff x="0" y="0"/>
+          <a:chExt cx="0" cy="0"/>
+        </a:xfrm>
+      </p:grpSpPr>
+      <p:sp>
+        <p:nvSpPr>
+          <p:cNvPr id="2" name="Title 1"/>
+          <p:cNvSpPr>
+            <a:spLocks noGrp="1"/>
+          </p:cNvSpPr>
+          <p:nvPr>
+            <p:ph type="title"/>
+          </p:nvPr>
+        </p:nvSpPr>
         <p:spPr>
           <a:xfrm>
             <a:off x="1981200" y="274639"/>
@@ -4675,7 +4947,757 @@
 </p:sld>
 </file>
 
-<file path=ppt/slides/slide2.xml><?xml version="1.0" encoding="utf-8"?>
+<file path=ppt/slides/slide21.xml><?xml version="1.0" encoding="utf-8"?>
+<p:sld xmlns:a="http://schemas.openxmlformats.org/drawingml/2006/main" xmlns:r="http://schemas.openxmlformats.org/officeDocument/2006/relationships" xmlns:p="http://schemas.openxmlformats.org/presentationml/2006/main">
+  <p:cSld>
+    <p:spTree>
+      <p:nvGrpSpPr>
+        <p:cNvPr id="1" name=""/>
+        <p:cNvGrpSpPr/>
+        <p:nvPr/>
+      </p:nvGrpSpPr>
+      <p:grpSpPr>
+        <a:xfrm>
+          <a:off x="0" y="0"/>
+          <a:ext cx="0" cy="0"/>
+          <a:chOff x="0" y="0"/>
+          <a:chExt cx="0" cy="0"/>
+        </a:xfrm>
+      </p:grpSpPr>
+      <p:sp>
+        <p:nvSpPr>
+          <p:cNvPr id="2" name="Title 1"/>
+          <p:cNvSpPr>
+            <a:spLocks noGrp="1"/>
+          </p:cNvSpPr>
+          <p:nvPr>
+            <p:ph type="title"/>
+          </p:nvPr>
+        </p:nvSpPr>
+        <p:spPr/>
+        <p:txBody>
+          <a:bodyPr/>
+          <a:lstStyle/>
+          <a:p>
+            <a:r>
+              <a:rPr lang="en-US" b="1" dirty="0"/>
+              <a:t>Logging</a:t>
+            </a:r>
+          </a:p>
+        </p:txBody>
+      </p:sp>
+      <p:sp>
+        <p:nvSpPr>
+          <p:cNvPr id="3" name="Content Placeholder 2"/>
+          <p:cNvSpPr>
+            <a:spLocks noGrp="1"/>
+          </p:cNvSpPr>
+          <p:nvPr>
+            <p:ph idx="1"/>
+          </p:nvPr>
+        </p:nvSpPr>
+        <p:spPr>
+          <a:xfrm>
+            <a:off x="1981200" y="1312334"/>
+            <a:ext cx="8229600" cy="4813830"/>
+          </a:xfrm>
+        </p:spPr>
+        <p:txBody>
+          <a:bodyPr/>
+          <a:lstStyle/>
+          <a:p>
+            <a:r>
+              <a:rPr lang="en-US" dirty="0"/>
+              <a:t>Postfix will log all messages to</a:t>
+            </a:r>
+            <a:br>
+              <a:rPr lang="en-US" dirty="0"/>
+            </a:br>
+            <a:r>
+              <a:rPr lang="en-US" b="1" i="1" dirty="0"/>
+              <a:t>/</a:t>
+            </a:r>
+            <a:r>
+              <a:rPr lang="en-US" b="1" i="1" dirty="0" err="1"/>
+              <a:t>var</a:t>
+            </a:r>
+            <a:r>
+              <a:rPr lang="en-US" b="1" i="1" dirty="0"/>
+              <a:t>/log/</a:t>
+            </a:r>
+            <a:r>
+              <a:rPr lang="en-US" b="1" i="1" dirty="0" err="1"/>
+              <a:t>mail.log</a:t>
+            </a:r>
+            <a:endParaRPr lang="en-US" b="1" i="1" dirty="0"/>
+          </a:p>
+          <a:p>
+            <a:r>
+              <a:rPr lang="en-US" dirty="0"/>
+              <a:t>Done using the </a:t>
+            </a:r>
+            <a:r>
+              <a:rPr lang="en-US" dirty="0" err="1"/>
+              <a:t>syslogd</a:t>
+            </a:r>
+            <a:r>
+              <a:rPr lang="en-US" dirty="0"/>
+              <a:t> daemon</a:t>
+            </a:r>
+          </a:p>
+          <a:p>
+            <a:r>
+              <a:rPr lang="en-US" dirty="0"/>
+              <a:t>All transactions of messages coming in being sent out of the server will be logged</a:t>
+            </a:r>
+          </a:p>
+          <a:p>
+            <a:r>
+              <a:rPr lang="en-US" dirty="0"/>
+              <a:t>Logs will contain details like hostnames, recipients, time and date, and whether the email was queued or dropped</a:t>
+            </a:r>
+          </a:p>
+        </p:txBody>
+      </p:sp>
+    </p:spTree>
+    <p:extLst>
+      <p:ext uri="{BB962C8B-B14F-4D97-AF65-F5344CB8AC3E}">
+        <p14:creationId xmlns:p14="http://schemas.microsoft.com/office/powerpoint/2010/main" val="1366348351"/>
+      </p:ext>
+    </p:extLst>
+  </p:cSld>
+  <p:clrMapOvr>
+    <a:masterClrMapping/>
+  </p:clrMapOvr>
+</p:sld>
+</file>
+
+<file path=ppt/slides/slide22.xml><?xml version="1.0" encoding="utf-8"?>
+<p:sld xmlns:a="http://schemas.openxmlformats.org/drawingml/2006/main" xmlns:r="http://schemas.openxmlformats.org/officeDocument/2006/relationships" xmlns:p="http://schemas.openxmlformats.org/presentationml/2006/main">
+  <p:cSld>
+    <p:spTree>
+      <p:nvGrpSpPr>
+        <p:cNvPr id="1" name=""/>
+        <p:cNvGrpSpPr/>
+        <p:nvPr/>
+      </p:nvGrpSpPr>
+      <p:grpSpPr>
+        <a:xfrm>
+          <a:off x="0" y="0"/>
+          <a:ext cx="0" cy="0"/>
+          <a:chOff x="0" y="0"/>
+          <a:chExt cx="0" cy="0"/>
+        </a:xfrm>
+      </p:grpSpPr>
+      <p:sp>
+        <p:nvSpPr>
+          <p:cNvPr id="2" name="Title 1"/>
+          <p:cNvSpPr>
+            <a:spLocks noGrp="1"/>
+          </p:cNvSpPr>
+          <p:nvPr>
+            <p:ph type="title"/>
+          </p:nvPr>
+        </p:nvSpPr>
+        <p:spPr/>
+        <p:txBody>
+          <a:bodyPr/>
+          <a:lstStyle/>
+          <a:p>
+            <a:r>
+              <a:rPr lang="en-US" b="1" dirty="0"/>
+              <a:t>Postfix Daemon process </a:t>
+            </a:r>
+            <a:r>
+              <a:rPr lang="en-US" b="1" dirty="0" err="1"/>
+              <a:t>chrooted</a:t>
+            </a:r>
+            <a:endParaRPr lang="en-US" b="1" dirty="0"/>
+          </a:p>
+        </p:txBody>
+      </p:sp>
+      <p:sp>
+        <p:nvSpPr>
+          <p:cNvPr id="3" name="Content Placeholder 2"/>
+          <p:cNvSpPr>
+            <a:spLocks noGrp="1"/>
+          </p:cNvSpPr>
+          <p:nvPr>
+            <p:ph idx="1"/>
+          </p:nvPr>
+        </p:nvSpPr>
+        <p:spPr/>
+        <p:txBody>
+          <a:bodyPr>
+            <a:normAutofit/>
+          </a:bodyPr>
+          <a:lstStyle/>
+          <a:p>
+            <a:r>
+              <a:rPr lang="en-US" dirty="0"/>
+              <a:t>Postfix daemon processes can be configured (via the </a:t>
+            </a:r>
+            <a:r>
+              <a:rPr lang="en-US" dirty="0">
+                <a:hlinkClick r:id="rId2"/>
+              </a:rPr>
+              <a:t>master.cf</a:t>
+            </a:r>
+            <a:r>
+              <a:rPr lang="en-US" dirty="0"/>
+              <a:t> file) to run in a </a:t>
+            </a:r>
+            <a:r>
+              <a:rPr lang="en-US" dirty="0" err="1"/>
+              <a:t>chroot</a:t>
+            </a:r>
+            <a:r>
+              <a:rPr lang="en-US" dirty="0"/>
+              <a:t> jail</a:t>
+            </a:r>
+          </a:p>
+          <a:p>
+            <a:r>
+              <a:rPr lang="en-US" dirty="0"/>
+              <a:t>The processes run at a fixed low privilege and with file system access limited to the Postfix queue directories (/</a:t>
+            </a:r>
+            <a:r>
+              <a:rPr lang="en-US" dirty="0" err="1"/>
+              <a:t>var</a:t>
+            </a:r>
+            <a:r>
+              <a:rPr lang="en-US" dirty="0"/>
+              <a:t>/spool/postfix). </a:t>
+            </a:r>
+          </a:p>
+          <a:p>
+            <a:r>
+              <a:rPr lang="en-US" dirty="0"/>
+              <a:t>This provides a significant barrier against intrusion. </a:t>
+            </a:r>
+          </a:p>
+          <a:p>
+            <a:r>
+              <a:rPr lang="en-US" dirty="0"/>
+              <a:t>The barrier is not impenetrable (</a:t>
+            </a:r>
+            <a:r>
+              <a:rPr lang="en-US" dirty="0" err="1"/>
+              <a:t>chroot</a:t>
+            </a:r>
+            <a:r>
+              <a:rPr lang="en-US" dirty="0"/>
+              <a:t> limits file system access only)</a:t>
+            </a:r>
+          </a:p>
+        </p:txBody>
+      </p:sp>
+    </p:spTree>
+    <p:extLst>
+      <p:ext uri="{BB962C8B-B14F-4D97-AF65-F5344CB8AC3E}">
+        <p14:creationId xmlns:p14="http://schemas.microsoft.com/office/powerpoint/2010/main" val="1174097886"/>
+      </p:ext>
+    </p:extLst>
+  </p:cSld>
+  <p:clrMapOvr>
+    <a:masterClrMapping/>
+  </p:clrMapOvr>
+</p:sld>
+</file>
+
+<file path=ppt/slides/slide23.xml><?xml version="1.0" encoding="utf-8"?>
+<p:sld xmlns:a="http://schemas.openxmlformats.org/drawingml/2006/main" xmlns:r="http://schemas.openxmlformats.org/officeDocument/2006/relationships" xmlns:p="http://schemas.openxmlformats.org/presentationml/2006/main">
+  <p:cSld>
+    <p:spTree>
+      <p:nvGrpSpPr>
+        <p:cNvPr id="1" name=""/>
+        <p:cNvGrpSpPr/>
+        <p:nvPr/>
+      </p:nvGrpSpPr>
+      <p:grpSpPr>
+        <a:xfrm>
+          <a:off x="0" y="0"/>
+          <a:ext cx="0" cy="0"/>
+          <a:chOff x="0" y="0"/>
+          <a:chExt cx="0" cy="0"/>
+        </a:xfrm>
+      </p:grpSpPr>
+      <p:sp>
+        <p:nvSpPr>
+          <p:cNvPr id="2" name="Title 1"/>
+          <p:cNvSpPr>
+            <a:spLocks noGrp="1"/>
+          </p:cNvSpPr>
+          <p:nvPr>
+            <p:ph type="title"/>
+          </p:nvPr>
+        </p:nvSpPr>
+        <p:spPr/>
+        <p:txBody>
+          <a:bodyPr/>
+          <a:lstStyle/>
+          <a:p>
+            <a:r>
+              <a:rPr lang="en-US" b="1" dirty="0"/>
+              <a:t>Interfaces and Protocol</a:t>
+            </a:r>
+          </a:p>
+        </p:txBody>
+      </p:sp>
+      <p:sp>
+        <p:nvSpPr>
+          <p:cNvPr id="3" name="Content Placeholder 2"/>
+          <p:cNvSpPr>
+            <a:spLocks noGrp="1"/>
+          </p:cNvSpPr>
+          <p:nvPr>
+            <p:ph idx="1"/>
+          </p:nvPr>
+        </p:nvSpPr>
+        <p:spPr/>
+        <p:txBody>
+          <a:bodyPr>
+            <a:normAutofit/>
+          </a:bodyPr>
+          <a:lstStyle/>
+          <a:p>
+            <a:r>
+              <a:rPr lang="en-US" dirty="0"/>
+              <a:t>The </a:t>
+            </a:r>
+            <a:r>
+              <a:rPr lang="en-US" dirty="0">
+                <a:hlinkClick r:id="rId2"/>
+              </a:rPr>
+              <a:t>inet_interfaces</a:t>
+            </a:r>
+            <a:r>
+              <a:rPr lang="en-US" dirty="0"/>
+              <a:t> parameter specifies all network interface addresses that the Postfix system should listen on</a:t>
+            </a:r>
+          </a:p>
+          <a:p>
+            <a:pPr lvl="1"/>
+            <a:r>
+              <a:rPr lang="en-US" dirty="0" err="1"/>
+              <a:t>inet_interfaces</a:t>
+            </a:r>
+            <a:r>
+              <a:rPr lang="en-US" dirty="0"/>
+              <a:t> = all</a:t>
+            </a:r>
+          </a:p>
+          <a:p>
+            <a:r>
+              <a:rPr lang="en-US" dirty="0">
+                <a:hlinkClick r:id="rId3"/>
+              </a:rPr>
+              <a:t>inet_protocols</a:t>
+            </a:r>
+            <a:r>
+              <a:rPr lang="en-US" dirty="0"/>
+              <a:t> parameter specifies which protocols Postfix will attempt to use</a:t>
+            </a:r>
+          </a:p>
+          <a:p>
+            <a:pPr lvl="1"/>
+            <a:r>
+              <a:rPr lang="en-US" dirty="0">
+                <a:hlinkClick r:id="rId3"/>
+              </a:rPr>
+              <a:t>inet_protocols</a:t>
+            </a:r>
+            <a:r>
+              <a:rPr lang="en-US" dirty="0"/>
+              <a:t> = ipv4, ipv6 </a:t>
+            </a:r>
+          </a:p>
+          <a:p>
+            <a:endParaRPr lang="en-US" dirty="0"/>
+          </a:p>
+          <a:p>
+            <a:endParaRPr lang="en-US" dirty="0"/>
+          </a:p>
+        </p:txBody>
+      </p:sp>
+    </p:spTree>
+    <p:extLst>
+      <p:ext uri="{BB962C8B-B14F-4D97-AF65-F5344CB8AC3E}">
+        <p14:creationId xmlns:p14="http://schemas.microsoft.com/office/powerpoint/2010/main" val="1983421366"/>
+      </p:ext>
+    </p:extLst>
+  </p:cSld>
+  <p:clrMapOvr>
+    <a:masterClrMapping/>
+  </p:clrMapOvr>
+</p:sld>
+</file>
+
+<file path=ppt/slides/slide24.xml><?xml version="1.0" encoding="utf-8"?>
+<p:sld xmlns:a="http://schemas.openxmlformats.org/drawingml/2006/main" xmlns:r="http://schemas.openxmlformats.org/officeDocument/2006/relationships" xmlns:p="http://schemas.openxmlformats.org/presentationml/2006/main">
+  <p:cSld>
+    <p:spTree>
+      <p:nvGrpSpPr>
+        <p:cNvPr id="1" name=""/>
+        <p:cNvGrpSpPr/>
+        <p:nvPr/>
+      </p:nvGrpSpPr>
+      <p:grpSpPr>
+        <a:xfrm>
+          <a:off x="0" y="0"/>
+          <a:ext cx="0" cy="0"/>
+          <a:chOff x="0" y="0"/>
+          <a:chExt cx="0" cy="0"/>
+        </a:xfrm>
+      </p:grpSpPr>
+      <p:sp>
+        <p:nvSpPr>
+          <p:cNvPr id="2" name="Title 1"/>
+          <p:cNvSpPr>
+            <a:spLocks noGrp="1"/>
+          </p:cNvSpPr>
+          <p:nvPr>
+            <p:ph type="title"/>
+          </p:nvPr>
+        </p:nvSpPr>
+        <p:spPr/>
+        <p:txBody>
+          <a:bodyPr/>
+          <a:lstStyle/>
+          <a:p>
+            <a:r>
+              <a:rPr lang="en-US" b="1" dirty="0"/>
+              <a:t>Starting, stopping and logs</a:t>
+            </a:r>
+          </a:p>
+        </p:txBody>
+      </p:sp>
+      <p:sp>
+        <p:nvSpPr>
+          <p:cNvPr id="3" name="Content Placeholder 2"/>
+          <p:cNvSpPr>
+            <a:spLocks noGrp="1"/>
+          </p:cNvSpPr>
+          <p:nvPr>
+            <p:ph idx="1"/>
+          </p:nvPr>
+        </p:nvSpPr>
+        <p:spPr>
+          <a:xfrm>
+            <a:off x="1981200" y="1600200"/>
+            <a:ext cx="8432800" cy="4778022"/>
+          </a:xfrm>
+        </p:spPr>
+        <p:txBody>
+          <a:bodyPr>
+            <a:normAutofit fontScale="92500" lnSpcReduction="20000"/>
+          </a:bodyPr>
+          <a:lstStyle/>
+          <a:p>
+            <a:r>
+              <a:rPr lang="en-US" b="1" dirty="0"/>
+              <a:t>Starting/Stopping</a:t>
+            </a:r>
+            <a:br>
+              <a:rPr lang="en-US" b="1" dirty="0"/>
+            </a:br>
+            <a:r>
+              <a:rPr lang="en-US" dirty="0"/>
+              <a:t>$</a:t>
+            </a:r>
+            <a:r>
+              <a:rPr lang="en-US" dirty="0" err="1"/>
+              <a:t>sudo</a:t>
+            </a:r>
+            <a:r>
+              <a:rPr lang="en-US" dirty="0"/>
+              <a:t> service postfix start</a:t>
+            </a:r>
+            <a:br>
+              <a:rPr lang="en-US" dirty="0"/>
+            </a:br>
+            <a:r>
+              <a:rPr lang="en-US" dirty="0"/>
+              <a:t>$</a:t>
+            </a:r>
+            <a:r>
+              <a:rPr lang="en-US" dirty="0" err="1"/>
+              <a:t>sudo</a:t>
+            </a:r>
+            <a:r>
+              <a:rPr lang="en-US" dirty="0"/>
+              <a:t> service postfix stop</a:t>
+            </a:r>
+            <a:br>
+              <a:rPr lang="en-US" dirty="0"/>
+            </a:br>
+            <a:endParaRPr lang="en-US" dirty="0"/>
+          </a:p>
+          <a:p>
+            <a:r>
+              <a:rPr lang="en-US" b="1" dirty="0"/>
+              <a:t>Checking non-default running </a:t>
+            </a:r>
+            <a:r>
+              <a:rPr lang="en-US" b="1" dirty="0" err="1"/>
+              <a:t>config</a:t>
+            </a:r>
+            <a:br>
+              <a:rPr lang="en-US" b="1" dirty="0"/>
+            </a:br>
+            <a:r>
+              <a:rPr lang="en-US" b="1" dirty="0"/>
+              <a:t> </a:t>
+            </a:r>
+            <a:r>
+              <a:rPr lang="en-US" dirty="0"/>
+              <a:t>$</a:t>
+            </a:r>
+            <a:r>
+              <a:rPr lang="en-US" dirty="0" err="1"/>
+              <a:t>sudo</a:t>
+            </a:r>
+            <a:r>
+              <a:rPr lang="en-US" dirty="0"/>
+              <a:t> </a:t>
+            </a:r>
+            <a:r>
+              <a:rPr lang="en-US" dirty="0" err="1"/>
+              <a:t>postconf</a:t>
+            </a:r>
+            <a:r>
+              <a:rPr lang="en-US" dirty="0"/>
+              <a:t> –n</a:t>
+            </a:r>
+            <a:br>
+              <a:rPr lang="en-US" dirty="0"/>
+            </a:br>
+            <a:endParaRPr lang="en-US" dirty="0"/>
+          </a:p>
+          <a:p>
+            <a:r>
+              <a:rPr lang="en-US" b="1" dirty="0"/>
+              <a:t>Reloading rules</a:t>
+            </a:r>
+            <a:br>
+              <a:rPr lang="en-US" b="1" dirty="0"/>
+            </a:br>
+            <a:r>
+              <a:rPr lang="en-US" dirty="0"/>
+              <a:t>$</a:t>
+            </a:r>
+            <a:r>
+              <a:rPr lang="en-US" dirty="0" err="1"/>
+              <a:t>sudo</a:t>
+            </a:r>
+            <a:r>
+              <a:rPr lang="en-US" dirty="0"/>
+              <a:t> postfix reload</a:t>
+            </a:r>
+            <a:br>
+              <a:rPr lang="en-US" dirty="0"/>
+            </a:br>
+            <a:endParaRPr lang="en-US" dirty="0"/>
+          </a:p>
+          <a:p>
+            <a:r>
+              <a:rPr lang="en-US" b="1" dirty="0"/>
+              <a:t>Checking logs</a:t>
+            </a:r>
+            <a:br>
+              <a:rPr lang="en-US" b="1" dirty="0"/>
+            </a:br>
+            <a:r>
+              <a:rPr lang="en-US" dirty="0"/>
+              <a:t>Debian</a:t>
+            </a:r>
+            <a:r>
+              <a:rPr lang="en-US" b="1" dirty="0"/>
+              <a:t>: </a:t>
+            </a:r>
+            <a:r>
+              <a:rPr lang="en-US" dirty="0"/>
+              <a:t>$</a:t>
+            </a:r>
+            <a:r>
+              <a:rPr lang="en-US" dirty="0" err="1"/>
+              <a:t>sudo</a:t>
+            </a:r>
+            <a:r>
+              <a:rPr lang="en-US" dirty="0"/>
+              <a:t> tail –f /</a:t>
+            </a:r>
+            <a:r>
+              <a:rPr lang="en-US" dirty="0" err="1"/>
+              <a:t>var</a:t>
+            </a:r>
+            <a:r>
+              <a:rPr lang="en-US" dirty="0"/>
+              <a:t>/log/</a:t>
+            </a:r>
+            <a:r>
+              <a:rPr lang="en-US" dirty="0" err="1"/>
+              <a:t>mail.log</a:t>
+            </a:r>
+            <a:br>
+              <a:rPr lang="en-US" dirty="0"/>
+            </a:br>
+            <a:r>
+              <a:rPr lang="en-US" dirty="0"/>
+              <a:t>FreeBSD: $</a:t>
+            </a:r>
+            <a:r>
+              <a:rPr lang="en-US" dirty="0" err="1"/>
+              <a:t>sudo</a:t>
+            </a:r>
+            <a:r>
+              <a:rPr lang="en-US" dirty="0"/>
+              <a:t> tail –f /</a:t>
+            </a:r>
+            <a:r>
+              <a:rPr lang="en-US" dirty="0" err="1"/>
+              <a:t>var</a:t>
+            </a:r>
+            <a:r>
+              <a:rPr lang="en-US" dirty="0"/>
+              <a:t>/log/</a:t>
+            </a:r>
+            <a:r>
+              <a:rPr lang="en-US" dirty="0" err="1"/>
+              <a:t>maillog</a:t>
+            </a:r>
+            <a:br>
+              <a:rPr lang="en-US" dirty="0"/>
+            </a:br>
+            <a:endParaRPr lang="en-US" dirty="0"/>
+          </a:p>
+          <a:p>
+            <a:endParaRPr lang="en-US" dirty="0"/>
+          </a:p>
+        </p:txBody>
+      </p:sp>
+    </p:spTree>
+    <p:extLst>
+      <p:ext uri="{BB962C8B-B14F-4D97-AF65-F5344CB8AC3E}">
+        <p14:creationId xmlns:p14="http://schemas.microsoft.com/office/powerpoint/2010/main" val="2121729628"/>
+      </p:ext>
+    </p:extLst>
+  </p:cSld>
+  <p:clrMapOvr>
+    <a:masterClrMapping/>
+  </p:clrMapOvr>
+</p:sld>
+</file>
+
+<file path=ppt/slides/slide25.xml><?xml version="1.0" encoding="utf-8"?>
+<p:sld xmlns:a="http://schemas.openxmlformats.org/drawingml/2006/main" xmlns:r="http://schemas.openxmlformats.org/officeDocument/2006/relationships" xmlns:p="http://schemas.openxmlformats.org/presentationml/2006/main">
+  <p:cSld>
+    <p:spTree>
+      <p:nvGrpSpPr>
+        <p:cNvPr id="1" name=""/>
+        <p:cNvGrpSpPr/>
+        <p:nvPr/>
+      </p:nvGrpSpPr>
+      <p:grpSpPr>
+        <a:xfrm>
+          <a:off x="0" y="0"/>
+          <a:ext cx="0" cy="0"/>
+          <a:chOff x="0" y="0"/>
+          <a:chExt cx="0" cy="0"/>
+        </a:xfrm>
+      </p:grpSpPr>
+      <p:sp>
+        <p:nvSpPr>
+          <p:cNvPr id="2" name="Title 1"/>
+          <p:cNvSpPr>
+            <a:spLocks noGrp="1"/>
+          </p:cNvSpPr>
+          <p:nvPr>
+            <p:ph type="title"/>
+          </p:nvPr>
+        </p:nvSpPr>
+        <p:spPr/>
+        <p:txBody>
+          <a:bodyPr/>
+          <a:lstStyle/>
+          <a:p>
+            <a:r>
+              <a:rPr lang="en-US" b="1" dirty="0"/>
+              <a:t>Further Postfix Reading</a:t>
+            </a:r>
+          </a:p>
+        </p:txBody>
+      </p:sp>
+      <p:sp>
+        <p:nvSpPr>
+          <p:cNvPr id="3" name="Content Placeholder 2"/>
+          <p:cNvSpPr>
+            <a:spLocks noGrp="1"/>
+          </p:cNvSpPr>
+          <p:nvPr>
+            <p:ph idx="1"/>
+          </p:nvPr>
+        </p:nvSpPr>
+        <p:spPr/>
+        <p:txBody>
+          <a:bodyPr/>
+          <a:lstStyle/>
+          <a:p>
+            <a:r>
+              <a:rPr lang="en-US" dirty="0"/>
+              <a:t>Queue manipulation</a:t>
+            </a:r>
+          </a:p>
+          <a:p>
+            <a:pPr lvl="1"/>
+            <a:r>
+              <a:rPr lang="en-US" dirty="0">
+                <a:hlinkClick r:id="rId2"/>
+              </a:rPr>
+              <a:t>http://www.tech-g.com/2012/07/15/inspecting-postfixs-email-queue/</a:t>
+            </a:r>
+            <a:r>
+              <a:rPr lang="en-US" dirty="0"/>
+              <a:t> </a:t>
+            </a:r>
+          </a:p>
+          <a:p>
+            <a:r>
+              <a:rPr lang="en-US" u="sng" dirty="0">
+                <a:hlinkClick r:id="rId3"/>
+              </a:rPr>
+              <a:t>Postfix on Debian</a:t>
+            </a:r>
+          </a:p>
+          <a:p>
+            <a:pPr lvl="1"/>
+            <a:r>
+              <a:rPr lang="en-US" dirty="0">
+                <a:hlinkClick r:id="rId3"/>
+              </a:rPr>
+              <a:t>https://wiki.debian.org/Postfix</a:t>
+            </a:r>
+            <a:r>
+              <a:rPr lang="en-US" dirty="0"/>
+              <a:t> </a:t>
+            </a:r>
+          </a:p>
+        </p:txBody>
+      </p:sp>
+    </p:spTree>
+    <p:extLst>
+      <p:ext uri="{BB962C8B-B14F-4D97-AF65-F5344CB8AC3E}">
+        <p14:creationId xmlns:p14="http://schemas.microsoft.com/office/powerpoint/2010/main" val="943899361"/>
+      </p:ext>
+    </p:extLst>
+  </p:cSld>
+  <p:clrMapOvr>
+    <a:masterClrMapping/>
+  </p:clrMapOvr>
+</p:sld>
+</file>
+
+<file path=ppt/slides/slide3.xml><?xml version="1.0" encoding="utf-8"?>
 <p:sld xmlns:a="http://schemas.openxmlformats.org/drawingml/2006/main" xmlns:r="http://schemas.openxmlformats.org/officeDocument/2006/relationships" xmlns:p="http://schemas.openxmlformats.org/presentationml/2006/main">
   <p:cSld>
     <p:spTree>
@@ -4759,757 +5781,7 @@
 </p:sld>
 </file>
 
-<file path=ppt/slides/slide20.xml><?xml version="1.0" encoding="utf-8"?>
-<p:sld xmlns:a="http://schemas.openxmlformats.org/drawingml/2006/main" xmlns:r="http://schemas.openxmlformats.org/officeDocument/2006/relationships" xmlns:p="http://schemas.openxmlformats.org/presentationml/2006/main">
-  <p:cSld>
-    <p:spTree>
-      <p:nvGrpSpPr>
-        <p:cNvPr id="1" name=""/>
-        <p:cNvGrpSpPr/>
-        <p:nvPr/>
-      </p:nvGrpSpPr>
-      <p:grpSpPr>
-        <a:xfrm>
-          <a:off x="0" y="0"/>
-          <a:ext cx="0" cy="0"/>
-          <a:chOff x="0" y="0"/>
-          <a:chExt cx="0" cy="0"/>
-        </a:xfrm>
-      </p:grpSpPr>
-      <p:sp>
-        <p:nvSpPr>
-          <p:cNvPr id="2" name="Title 1"/>
-          <p:cNvSpPr>
-            <a:spLocks noGrp="1"/>
-          </p:cNvSpPr>
-          <p:nvPr>
-            <p:ph type="title"/>
-          </p:nvPr>
-        </p:nvSpPr>
-        <p:spPr/>
-        <p:txBody>
-          <a:bodyPr/>
-          <a:lstStyle/>
-          <a:p>
-            <a:r>
-              <a:rPr lang="en-US" b="1" dirty="0"/>
-              <a:t>Logging</a:t>
-            </a:r>
-          </a:p>
-        </p:txBody>
-      </p:sp>
-      <p:sp>
-        <p:nvSpPr>
-          <p:cNvPr id="3" name="Content Placeholder 2"/>
-          <p:cNvSpPr>
-            <a:spLocks noGrp="1"/>
-          </p:cNvSpPr>
-          <p:nvPr>
-            <p:ph idx="1"/>
-          </p:nvPr>
-        </p:nvSpPr>
-        <p:spPr>
-          <a:xfrm>
-            <a:off x="1981200" y="1312334"/>
-            <a:ext cx="8229600" cy="4813830"/>
-          </a:xfrm>
-        </p:spPr>
-        <p:txBody>
-          <a:bodyPr/>
-          <a:lstStyle/>
-          <a:p>
-            <a:r>
-              <a:rPr lang="en-US" dirty="0"/>
-              <a:t>Postfix will log all messages to</a:t>
-            </a:r>
-            <a:br>
-              <a:rPr lang="en-US" dirty="0"/>
-            </a:br>
-            <a:r>
-              <a:rPr lang="en-US" b="1" i="1" dirty="0"/>
-              <a:t>/</a:t>
-            </a:r>
-            <a:r>
-              <a:rPr lang="en-US" b="1" i="1" dirty="0" err="1"/>
-              <a:t>var</a:t>
-            </a:r>
-            <a:r>
-              <a:rPr lang="en-US" b="1" i="1" dirty="0"/>
-              <a:t>/log/</a:t>
-            </a:r>
-            <a:r>
-              <a:rPr lang="en-US" b="1" i="1" dirty="0" err="1"/>
-              <a:t>mail.log</a:t>
-            </a:r>
-            <a:endParaRPr lang="en-US" b="1" i="1" dirty="0"/>
-          </a:p>
-          <a:p>
-            <a:r>
-              <a:rPr lang="en-US" dirty="0"/>
-              <a:t>Done using the </a:t>
-            </a:r>
-            <a:r>
-              <a:rPr lang="en-US" dirty="0" err="1"/>
-              <a:t>syslogd</a:t>
-            </a:r>
-            <a:r>
-              <a:rPr lang="en-US" dirty="0"/>
-              <a:t> daemon</a:t>
-            </a:r>
-          </a:p>
-          <a:p>
-            <a:r>
-              <a:rPr lang="en-US" dirty="0"/>
-              <a:t>All transactions of messages coming in being sent out of the server will be logged</a:t>
-            </a:r>
-          </a:p>
-          <a:p>
-            <a:r>
-              <a:rPr lang="en-US" dirty="0"/>
-              <a:t>Logs will contain details like hostnames, recipients, time and date, and whether the email was queued or dropped</a:t>
-            </a:r>
-          </a:p>
-        </p:txBody>
-      </p:sp>
-    </p:spTree>
-    <p:extLst>
-      <p:ext uri="{BB962C8B-B14F-4D97-AF65-F5344CB8AC3E}">
-        <p14:creationId xmlns:p14="http://schemas.microsoft.com/office/powerpoint/2010/main" val="1366348351"/>
-      </p:ext>
-    </p:extLst>
-  </p:cSld>
-  <p:clrMapOvr>
-    <a:masterClrMapping/>
-  </p:clrMapOvr>
-</p:sld>
-</file>
-
-<file path=ppt/slides/slide21.xml><?xml version="1.0" encoding="utf-8"?>
-<p:sld xmlns:a="http://schemas.openxmlformats.org/drawingml/2006/main" xmlns:r="http://schemas.openxmlformats.org/officeDocument/2006/relationships" xmlns:p="http://schemas.openxmlformats.org/presentationml/2006/main">
-  <p:cSld>
-    <p:spTree>
-      <p:nvGrpSpPr>
-        <p:cNvPr id="1" name=""/>
-        <p:cNvGrpSpPr/>
-        <p:nvPr/>
-      </p:nvGrpSpPr>
-      <p:grpSpPr>
-        <a:xfrm>
-          <a:off x="0" y="0"/>
-          <a:ext cx="0" cy="0"/>
-          <a:chOff x="0" y="0"/>
-          <a:chExt cx="0" cy="0"/>
-        </a:xfrm>
-      </p:grpSpPr>
-      <p:sp>
-        <p:nvSpPr>
-          <p:cNvPr id="2" name="Title 1"/>
-          <p:cNvSpPr>
-            <a:spLocks noGrp="1"/>
-          </p:cNvSpPr>
-          <p:nvPr>
-            <p:ph type="title"/>
-          </p:nvPr>
-        </p:nvSpPr>
-        <p:spPr/>
-        <p:txBody>
-          <a:bodyPr/>
-          <a:lstStyle/>
-          <a:p>
-            <a:r>
-              <a:rPr lang="en-US" b="1" dirty="0"/>
-              <a:t>Postfix Daemon process </a:t>
-            </a:r>
-            <a:r>
-              <a:rPr lang="en-US" b="1" dirty="0" err="1"/>
-              <a:t>chrooted</a:t>
-            </a:r>
-            <a:endParaRPr lang="en-US" b="1" dirty="0"/>
-          </a:p>
-        </p:txBody>
-      </p:sp>
-      <p:sp>
-        <p:nvSpPr>
-          <p:cNvPr id="3" name="Content Placeholder 2"/>
-          <p:cNvSpPr>
-            <a:spLocks noGrp="1"/>
-          </p:cNvSpPr>
-          <p:nvPr>
-            <p:ph idx="1"/>
-          </p:nvPr>
-        </p:nvSpPr>
-        <p:spPr/>
-        <p:txBody>
-          <a:bodyPr>
-            <a:normAutofit/>
-          </a:bodyPr>
-          <a:lstStyle/>
-          <a:p>
-            <a:r>
-              <a:rPr lang="en-US" dirty="0"/>
-              <a:t>Postfix daemon processes can be configured (via the </a:t>
-            </a:r>
-            <a:r>
-              <a:rPr lang="en-US" dirty="0">
-                <a:hlinkClick r:id="rId2"/>
-              </a:rPr>
-              <a:t>master.cf</a:t>
-            </a:r>
-            <a:r>
-              <a:rPr lang="en-US" dirty="0"/>
-              <a:t> file) to run in a </a:t>
-            </a:r>
-            <a:r>
-              <a:rPr lang="en-US" dirty="0" err="1"/>
-              <a:t>chroot</a:t>
-            </a:r>
-            <a:r>
-              <a:rPr lang="en-US" dirty="0"/>
-              <a:t> jail</a:t>
-            </a:r>
-          </a:p>
-          <a:p>
-            <a:r>
-              <a:rPr lang="en-US" dirty="0"/>
-              <a:t>The processes run at a fixed low privilege and with file system access limited to the Postfix queue directories (/</a:t>
-            </a:r>
-            <a:r>
-              <a:rPr lang="en-US" dirty="0" err="1"/>
-              <a:t>var</a:t>
-            </a:r>
-            <a:r>
-              <a:rPr lang="en-US" dirty="0"/>
-              <a:t>/spool/postfix). </a:t>
-            </a:r>
-          </a:p>
-          <a:p>
-            <a:r>
-              <a:rPr lang="en-US" dirty="0"/>
-              <a:t>This provides a significant barrier against intrusion. </a:t>
-            </a:r>
-          </a:p>
-          <a:p>
-            <a:r>
-              <a:rPr lang="en-US" dirty="0"/>
-              <a:t>The barrier is not impenetrable (</a:t>
-            </a:r>
-            <a:r>
-              <a:rPr lang="en-US" dirty="0" err="1"/>
-              <a:t>chroot</a:t>
-            </a:r>
-            <a:r>
-              <a:rPr lang="en-US" dirty="0"/>
-              <a:t> limits file system access only)</a:t>
-            </a:r>
-          </a:p>
-        </p:txBody>
-      </p:sp>
-    </p:spTree>
-    <p:extLst>
-      <p:ext uri="{BB962C8B-B14F-4D97-AF65-F5344CB8AC3E}">
-        <p14:creationId xmlns:p14="http://schemas.microsoft.com/office/powerpoint/2010/main" val="1174097886"/>
-      </p:ext>
-    </p:extLst>
-  </p:cSld>
-  <p:clrMapOvr>
-    <a:masterClrMapping/>
-  </p:clrMapOvr>
-</p:sld>
-</file>
-
-<file path=ppt/slides/slide22.xml><?xml version="1.0" encoding="utf-8"?>
-<p:sld xmlns:a="http://schemas.openxmlformats.org/drawingml/2006/main" xmlns:r="http://schemas.openxmlformats.org/officeDocument/2006/relationships" xmlns:p="http://schemas.openxmlformats.org/presentationml/2006/main">
-  <p:cSld>
-    <p:spTree>
-      <p:nvGrpSpPr>
-        <p:cNvPr id="1" name=""/>
-        <p:cNvGrpSpPr/>
-        <p:nvPr/>
-      </p:nvGrpSpPr>
-      <p:grpSpPr>
-        <a:xfrm>
-          <a:off x="0" y="0"/>
-          <a:ext cx="0" cy="0"/>
-          <a:chOff x="0" y="0"/>
-          <a:chExt cx="0" cy="0"/>
-        </a:xfrm>
-      </p:grpSpPr>
-      <p:sp>
-        <p:nvSpPr>
-          <p:cNvPr id="2" name="Title 1"/>
-          <p:cNvSpPr>
-            <a:spLocks noGrp="1"/>
-          </p:cNvSpPr>
-          <p:nvPr>
-            <p:ph type="title"/>
-          </p:nvPr>
-        </p:nvSpPr>
-        <p:spPr/>
-        <p:txBody>
-          <a:bodyPr/>
-          <a:lstStyle/>
-          <a:p>
-            <a:r>
-              <a:rPr lang="en-US" b="1" dirty="0"/>
-              <a:t>Interfaces and Protocol</a:t>
-            </a:r>
-          </a:p>
-        </p:txBody>
-      </p:sp>
-      <p:sp>
-        <p:nvSpPr>
-          <p:cNvPr id="3" name="Content Placeholder 2"/>
-          <p:cNvSpPr>
-            <a:spLocks noGrp="1"/>
-          </p:cNvSpPr>
-          <p:nvPr>
-            <p:ph idx="1"/>
-          </p:nvPr>
-        </p:nvSpPr>
-        <p:spPr/>
-        <p:txBody>
-          <a:bodyPr>
-            <a:normAutofit/>
-          </a:bodyPr>
-          <a:lstStyle/>
-          <a:p>
-            <a:r>
-              <a:rPr lang="en-US" dirty="0"/>
-              <a:t>The </a:t>
-            </a:r>
-            <a:r>
-              <a:rPr lang="en-US" dirty="0">
-                <a:hlinkClick r:id="rId2"/>
-              </a:rPr>
-              <a:t>inet_interfaces</a:t>
-            </a:r>
-            <a:r>
-              <a:rPr lang="en-US" dirty="0"/>
-              <a:t> parameter specifies all network interface addresses that the Postfix system should listen on</a:t>
-            </a:r>
-          </a:p>
-          <a:p>
-            <a:pPr lvl="1"/>
-            <a:r>
-              <a:rPr lang="en-US" dirty="0" err="1"/>
-              <a:t>inet_interfaces</a:t>
-            </a:r>
-            <a:r>
-              <a:rPr lang="en-US" dirty="0"/>
-              <a:t> = all</a:t>
-            </a:r>
-          </a:p>
-          <a:p>
-            <a:r>
-              <a:rPr lang="en-US" dirty="0">
-                <a:hlinkClick r:id="rId3"/>
-              </a:rPr>
-              <a:t>inet_protocols</a:t>
-            </a:r>
-            <a:r>
-              <a:rPr lang="en-US" dirty="0"/>
-              <a:t> parameter specifies which protocols Postfix will attempt to use</a:t>
-            </a:r>
-          </a:p>
-          <a:p>
-            <a:pPr lvl="1"/>
-            <a:r>
-              <a:rPr lang="en-US" dirty="0">
-                <a:hlinkClick r:id="rId3"/>
-              </a:rPr>
-              <a:t>inet_protocols</a:t>
-            </a:r>
-            <a:r>
-              <a:rPr lang="en-US" dirty="0"/>
-              <a:t> = ipv4, ipv6 </a:t>
-            </a:r>
-          </a:p>
-          <a:p>
-            <a:endParaRPr lang="en-US" dirty="0"/>
-          </a:p>
-          <a:p>
-            <a:endParaRPr lang="en-US" dirty="0"/>
-          </a:p>
-        </p:txBody>
-      </p:sp>
-    </p:spTree>
-    <p:extLst>
-      <p:ext uri="{BB962C8B-B14F-4D97-AF65-F5344CB8AC3E}">
-        <p14:creationId xmlns:p14="http://schemas.microsoft.com/office/powerpoint/2010/main" val="1983421366"/>
-      </p:ext>
-    </p:extLst>
-  </p:cSld>
-  <p:clrMapOvr>
-    <a:masterClrMapping/>
-  </p:clrMapOvr>
-</p:sld>
-</file>
-
-<file path=ppt/slides/slide23.xml><?xml version="1.0" encoding="utf-8"?>
-<p:sld xmlns:a="http://schemas.openxmlformats.org/drawingml/2006/main" xmlns:r="http://schemas.openxmlformats.org/officeDocument/2006/relationships" xmlns:p="http://schemas.openxmlformats.org/presentationml/2006/main">
-  <p:cSld>
-    <p:spTree>
-      <p:nvGrpSpPr>
-        <p:cNvPr id="1" name=""/>
-        <p:cNvGrpSpPr/>
-        <p:nvPr/>
-      </p:nvGrpSpPr>
-      <p:grpSpPr>
-        <a:xfrm>
-          <a:off x="0" y="0"/>
-          <a:ext cx="0" cy="0"/>
-          <a:chOff x="0" y="0"/>
-          <a:chExt cx="0" cy="0"/>
-        </a:xfrm>
-      </p:grpSpPr>
-      <p:sp>
-        <p:nvSpPr>
-          <p:cNvPr id="2" name="Title 1"/>
-          <p:cNvSpPr>
-            <a:spLocks noGrp="1"/>
-          </p:cNvSpPr>
-          <p:nvPr>
-            <p:ph type="title"/>
-          </p:nvPr>
-        </p:nvSpPr>
-        <p:spPr/>
-        <p:txBody>
-          <a:bodyPr/>
-          <a:lstStyle/>
-          <a:p>
-            <a:r>
-              <a:rPr lang="en-US" b="1" dirty="0"/>
-              <a:t>Starting, stopping and logs</a:t>
-            </a:r>
-          </a:p>
-        </p:txBody>
-      </p:sp>
-      <p:sp>
-        <p:nvSpPr>
-          <p:cNvPr id="3" name="Content Placeholder 2"/>
-          <p:cNvSpPr>
-            <a:spLocks noGrp="1"/>
-          </p:cNvSpPr>
-          <p:nvPr>
-            <p:ph idx="1"/>
-          </p:nvPr>
-        </p:nvSpPr>
-        <p:spPr>
-          <a:xfrm>
-            <a:off x="1981200" y="1600200"/>
-            <a:ext cx="8432800" cy="4778022"/>
-          </a:xfrm>
-        </p:spPr>
-        <p:txBody>
-          <a:bodyPr>
-            <a:normAutofit fontScale="92500" lnSpcReduction="20000"/>
-          </a:bodyPr>
-          <a:lstStyle/>
-          <a:p>
-            <a:r>
-              <a:rPr lang="en-US" b="1" dirty="0"/>
-              <a:t>Starting/Stopping</a:t>
-            </a:r>
-            <a:br>
-              <a:rPr lang="en-US" b="1" dirty="0"/>
-            </a:br>
-            <a:r>
-              <a:rPr lang="en-US" dirty="0"/>
-              <a:t>$</a:t>
-            </a:r>
-            <a:r>
-              <a:rPr lang="en-US" dirty="0" err="1"/>
-              <a:t>sudo</a:t>
-            </a:r>
-            <a:r>
-              <a:rPr lang="en-US" dirty="0"/>
-              <a:t> service postfix start</a:t>
-            </a:r>
-            <a:br>
-              <a:rPr lang="en-US" dirty="0"/>
-            </a:br>
-            <a:r>
-              <a:rPr lang="en-US" dirty="0"/>
-              <a:t>$</a:t>
-            </a:r>
-            <a:r>
-              <a:rPr lang="en-US" dirty="0" err="1"/>
-              <a:t>sudo</a:t>
-            </a:r>
-            <a:r>
-              <a:rPr lang="en-US" dirty="0"/>
-              <a:t> service postfix stop</a:t>
-            </a:r>
-            <a:br>
-              <a:rPr lang="en-US" dirty="0"/>
-            </a:br>
-            <a:endParaRPr lang="en-US" dirty="0"/>
-          </a:p>
-          <a:p>
-            <a:r>
-              <a:rPr lang="en-US" b="1" dirty="0"/>
-              <a:t>Checking non-default running </a:t>
-            </a:r>
-            <a:r>
-              <a:rPr lang="en-US" b="1" dirty="0" err="1"/>
-              <a:t>config</a:t>
-            </a:r>
-            <a:br>
-              <a:rPr lang="en-US" b="1" dirty="0"/>
-            </a:br>
-            <a:r>
-              <a:rPr lang="en-US" b="1" dirty="0"/>
-              <a:t> </a:t>
-            </a:r>
-            <a:r>
-              <a:rPr lang="en-US" dirty="0"/>
-              <a:t>$</a:t>
-            </a:r>
-            <a:r>
-              <a:rPr lang="en-US" dirty="0" err="1"/>
-              <a:t>sudo</a:t>
-            </a:r>
-            <a:r>
-              <a:rPr lang="en-US" dirty="0"/>
-              <a:t> </a:t>
-            </a:r>
-            <a:r>
-              <a:rPr lang="en-US" dirty="0" err="1"/>
-              <a:t>postconf</a:t>
-            </a:r>
-            <a:r>
-              <a:rPr lang="en-US" dirty="0"/>
-              <a:t> –n</a:t>
-            </a:r>
-            <a:br>
-              <a:rPr lang="en-US" dirty="0"/>
-            </a:br>
-            <a:endParaRPr lang="en-US" dirty="0"/>
-          </a:p>
-          <a:p>
-            <a:r>
-              <a:rPr lang="en-US" b="1" dirty="0"/>
-              <a:t>Reloading rules</a:t>
-            </a:r>
-            <a:br>
-              <a:rPr lang="en-US" b="1" dirty="0"/>
-            </a:br>
-            <a:r>
-              <a:rPr lang="en-US" dirty="0"/>
-              <a:t>$</a:t>
-            </a:r>
-            <a:r>
-              <a:rPr lang="en-US" dirty="0" err="1"/>
-              <a:t>sudo</a:t>
-            </a:r>
-            <a:r>
-              <a:rPr lang="en-US" dirty="0"/>
-              <a:t> postfix reload</a:t>
-            </a:r>
-            <a:br>
-              <a:rPr lang="en-US" dirty="0"/>
-            </a:br>
-            <a:endParaRPr lang="en-US" dirty="0"/>
-          </a:p>
-          <a:p>
-            <a:r>
-              <a:rPr lang="en-US" b="1" dirty="0"/>
-              <a:t>Checking logs</a:t>
-            </a:r>
-            <a:br>
-              <a:rPr lang="en-US" b="1" dirty="0"/>
-            </a:br>
-            <a:r>
-              <a:rPr lang="en-US" dirty="0"/>
-              <a:t>Debian</a:t>
-            </a:r>
-            <a:r>
-              <a:rPr lang="en-US" b="1" dirty="0"/>
-              <a:t>: </a:t>
-            </a:r>
-            <a:r>
-              <a:rPr lang="en-US" dirty="0"/>
-              <a:t>$</a:t>
-            </a:r>
-            <a:r>
-              <a:rPr lang="en-US" dirty="0" err="1"/>
-              <a:t>sudo</a:t>
-            </a:r>
-            <a:r>
-              <a:rPr lang="en-US" dirty="0"/>
-              <a:t> tail –f /</a:t>
-            </a:r>
-            <a:r>
-              <a:rPr lang="en-US" dirty="0" err="1"/>
-              <a:t>var</a:t>
-            </a:r>
-            <a:r>
-              <a:rPr lang="en-US" dirty="0"/>
-              <a:t>/log/</a:t>
-            </a:r>
-            <a:r>
-              <a:rPr lang="en-US" dirty="0" err="1"/>
-              <a:t>mail.log</a:t>
-            </a:r>
-            <a:br>
-              <a:rPr lang="en-US" dirty="0"/>
-            </a:br>
-            <a:r>
-              <a:rPr lang="en-US" dirty="0"/>
-              <a:t>FreeBSD: $</a:t>
-            </a:r>
-            <a:r>
-              <a:rPr lang="en-US" dirty="0" err="1"/>
-              <a:t>sudo</a:t>
-            </a:r>
-            <a:r>
-              <a:rPr lang="en-US" dirty="0"/>
-              <a:t> tail –f /</a:t>
-            </a:r>
-            <a:r>
-              <a:rPr lang="en-US" dirty="0" err="1"/>
-              <a:t>var</a:t>
-            </a:r>
-            <a:r>
-              <a:rPr lang="en-US" dirty="0"/>
-              <a:t>/log/</a:t>
-            </a:r>
-            <a:r>
-              <a:rPr lang="en-US" dirty="0" err="1"/>
-              <a:t>maillog</a:t>
-            </a:r>
-            <a:br>
-              <a:rPr lang="en-US" dirty="0"/>
-            </a:br>
-            <a:endParaRPr lang="en-US" dirty="0"/>
-          </a:p>
-          <a:p>
-            <a:endParaRPr lang="en-US" dirty="0"/>
-          </a:p>
-        </p:txBody>
-      </p:sp>
-    </p:spTree>
-    <p:extLst>
-      <p:ext uri="{BB962C8B-B14F-4D97-AF65-F5344CB8AC3E}">
-        <p14:creationId xmlns:p14="http://schemas.microsoft.com/office/powerpoint/2010/main" val="2121729628"/>
-      </p:ext>
-    </p:extLst>
-  </p:cSld>
-  <p:clrMapOvr>
-    <a:masterClrMapping/>
-  </p:clrMapOvr>
-</p:sld>
-</file>
-
-<file path=ppt/slides/slide24.xml><?xml version="1.0" encoding="utf-8"?>
-<p:sld xmlns:a="http://schemas.openxmlformats.org/drawingml/2006/main" xmlns:r="http://schemas.openxmlformats.org/officeDocument/2006/relationships" xmlns:p="http://schemas.openxmlformats.org/presentationml/2006/main">
-  <p:cSld>
-    <p:spTree>
-      <p:nvGrpSpPr>
-        <p:cNvPr id="1" name=""/>
-        <p:cNvGrpSpPr/>
-        <p:nvPr/>
-      </p:nvGrpSpPr>
-      <p:grpSpPr>
-        <a:xfrm>
-          <a:off x="0" y="0"/>
-          <a:ext cx="0" cy="0"/>
-          <a:chOff x="0" y="0"/>
-          <a:chExt cx="0" cy="0"/>
-        </a:xfrm>
-      </p:grpSpPr>
-      <p:sp>
-        <p:nvSpPr>
-          <p:cNvPr id="2" name="Title 1"/>
-          <p:cNvSpPr>
-            <a:spLocks noGrp="1"/>
-          </p:cNvSpPr>
-          <p:nvPr>
-            <p:ph type="title"/>
-          </p:nvPr>
-        </p:nvSpPr>
-        <p:spPr/>
-        <p:txBody>
-          <a:bodyPr/>
-          <a:lstStyle/>
-          <a:p>
-            <a:r>
-              <a:rPr lang="en-US" b="1" dirty="0"/>
-              <a:t>Further Postfix Reading</a:t>
-            </a:r>
-          </a:p>
-        </p:txBody>
-      </p:sp>
-      <p:sp>
-        <p:nvSpPr>
-          <p:cNvPr id="3" name="Content Placeholder 2"/>
-          <p:cNvSpPr>
-            <a:spLocks noGrp="1"/>
-          </p:cNvSpPr>
-          <p:nvPr>
-            <p:ph idx="1"/>
-          </p:nvPr>
-        </p:nvSpPr>
-        <p:spPr/>
-        <p:txBody>
-          <a:bodyPr/>
-          <a:lstStyle/>
-          <a:p>
-            <a:r>
-              <a:rPr lang="en-US" dirty="0"/>
-              <a:t>Queue manipulation</a:t>
-            </a:r>
-          </a:p>
-          <a:p>
-            <a:pPr lvl="1"/>
-            <a:r>
-              <a:rPr lang="en-US" dirty="0">
-                <a:hlinkClick r:id="rId2"/>
-              </a:rPr>
-              <a:t>http://www.tech-g.com/2012/07/15/inspecting-postfixs-email-queue/</a:t>
-            </a:r>
-            <a:r>
-              <a:rPr lang="en-US" dirty="0"/>
-              <a:t> </a:t>
-            </a:r>
-          </a:p>
-          <a:p>
-            <a:r>
-              <a:rPr lang="en-US" u="sng" dirty="0">
-                <a:hlinkClick r:id="rId3"/>
-              </a:rPr>
-              <a:t>Postfix on Debian</a:t>
-            </a:r>
-          </a:p>
-          <a:p>
-            <a:pPr lvl="1"/>
-            <a:r>
-              <a:rPr lang="en-US" dirty="0">
-                <a:hlinkClick r:id="rId3"/>
-              </a:rPr>
-              <a:t>https://wiki.debian.org/Postfix</a:t>
-            </a:r>
-            <a:r>
-              <a:rPr lang="en-US" dirty="0"/>
-              <a:t> </a:t>
-            </a:r>
-          </a:p>
-        </p:txBody>
-      </p:sp>
-    </p:spTree>
-    <p:extLst>
-      <p:ext uri="{BB962C8B-B14F-4D97-AF65-F5344CB8AC3E}">
-        <p14:creationId xmlns:p14="http://schemas.microsoft.com/office/powerpoint/2010/main" val="943899361"/>
-      </p:ext>
-    </p:extLst>
-  </p:cSld>
-  <p:clrMapOvr>
-    <a:masterClrMapping/>
-  </p:clrMapOvr>
-</p:sld>
-</file>
-
-<file path=ppt/slides/slide3.xml><?xml version="1.0" encoding="utf-8"?>
+<file path=ppt/slides/slide4.xml><?xml version="1.0" encoding="utf-8"?>
 <p:sld xmlns:a="http://schemas.openxmlformats.org/drawingml/2006/main" xmlns:r="http://schemas.openxmlformats.org/officeDocument/2006/relationships" xmlns:p="http://schemas.openxmlformats.org/presentationml/2006/main">
   <p:cSld>
     <p:spTree>
@@ -5619,7 +5891,7 @@
 </p:sld>
 </file>
 
-<file path=ppt/slides/slide4.xml><?xml version="1.0" encoding="utf-8"?>
+<file path=ppt/slides/slide5.xml><?xml version="1.0" encoding="utf-8"?>
 <p:sld xmlns:a="http://schemas.openxmlformats.org/drawingml/2006/main" xmlns:r="http://schemas.openxmlformats.org/officeDocument/2006/relationships" xmlns:p="http://schemas.openxmlformats.org/presentationml/2006/main">
   <p:cSld>
     <p:spTree>
@@ -5729,7 +6001,7 @@
 </p:sld>
 </file>
 
-<file path=ppt/slides/slide5.xml><?xml version="1.0" encoding="utf-8"?>
+<file path=ppt/slides/slide6.xml><?xml version="1.0" encoding="utf-8"?>
 <p:sld xmlns:a="http://schemas.openxmlformats.org/drawingml/2006/main" xmlns:r="http://schemas.openxmlformats.org/officeDocument/2006/relationships" xmlns:p="http://schemas.openxmlformats.org/presentationml/2006/main">
   <p:cSld>
     <p:spTree>
@@ -5839,7 +6111,7 @@
 </p:sld>
 </file>
 
-<file path=ppt/slides/slide6.xml><?xml version="1.0" encoding="utf-8"?>
+<file path=ppt/slides/slide7.xml><?xml version="1.0" encoding="utf-8"?>
 <p:sld xmlns:a="http://schemas.openxmlformats.org/drawingml/2006/main" xmlns:r="http://schemas.openxmlformats.org/officeDocument/2006/relationships" xmlns:p="http://schemas.openxmlformats.org/presentationml/2006/main">
   <p:cSld>
     <p:spTree>
@@ -5949,86 +6221,6 @@
 </p:sld>
 </file>
 
-<file path=ppt/slides/slide7.xml><?xml version="1.0" encoding="utf-8"?>
-<p:sld xmlns:a="http://schemas.openxmlformats.org/drawingml/2006/main" xmlns:r="http://schemas.openxmlformats.org/officeDocument/2006/relationships" xmlns:p="http://schemas.openxmlformats.org/presentationml/2006/main">
-  <p:cSld>
-    <p:spTree>
-      <p:nvGrpSpPr>
-        <p:cNvPr id="1" name=""/>
-        <p:cNvGrpSpPr/>
-        <p:nvPr/>
-      </p:nvGrpSpPr>
-      <p:grpSpPr>
-        <a:xfrm>
-          <a:off x="0" y="0"/>
-          <a:ext cx="0" cy="0"/>
-          <a:chOff x="0" y="0"/>
-          <a:chExt cx="0" cy="0"/>
-        </a:xfrm>
-      </p:grpSpPr>
-      <p:sp>
-        <p:nvSpPr>
-          <p:cNvPr id="2" name="Title 1"/>
-          <p:cNvSpPr>
-            <a:spLocks noGrp="1"/>
-          </p:cNvSpPr>
-          <p:nvPr>
-            <p:ph type="ctrTitle"/>
-          </p:nvPr>
-        </p:nvSpPr>
-        <p:spPr/>
-        <p:txBody>
-          <a:bodyPr/>
-          <a:lstStyle/>
-          <a:p>
-            <a:r>
-              <a:rPr lang="en-US" b="1" dirty="0"/>
-              <a:t>Postfix Mail Server</a:t>
-            </a:r>
-          </a:p>
-        </p:txBody>
-      </p:sp>
-      <p:sp>
-        <p:nvSpPr>
-          <p:cNvPr id="3" name="Subtitle 2"/>
-          <p:cNvSpPr>
-            <a:spLocks noGrp="1"/>
-          </p:cNvSpPr>
-          <p:nvPr>
-            <p:ph type="subTitle" idx="1"/>
-          </p:nvPr>
-        </p:nvSpPr>
-        <p:spPr/>
-        <p:txBody>
-          <a:bodyPr/>
-          <a:lstStyle/>
-          <a:p>
-            <a:r>
-              <a:rPr lang="en-US" dirty="0"/>
-              <a:t>Kevin Chege</a:t>
-            </a:r>
-          </a:p>
-          <a:p>
-            <a:r>
-              <a:rPr lang="en-US" dirty="0"/>
-              <a:t>ISOC</a:t>
-            </a:r>
-          </a:p>
-        </p:txBody>
-      </p:sp>
-    </p:spTree>
-    <p:extLst>
-      <p:ext uri="{BB962C8B-B14F-4D97-AF65-F5344CB8AC3E}">
-        <p14:creationId xmlns:p14="http://schemas.microsoft.com/office/powerpoint/2010/main" val="1913290876"/>
-      </p:ext>
-    </p:extLst>
-  </p:cSld>
-  <p:clrMapOvr>
-    <a:masterClrMapping/>
-  </p:clrMapOvr>
-</p:sld>
-</file>
-
 <file path=ppt/slides/slide8.xml><?xml version="1.0" encoding="utf-8"?>
 <p:sld xmlns:a="http://schemas.openxmlformats.org/drawingml/2006/main" xmlns:r="http://schemas.openxmlformats.org/officeDocument/2006/relationships" xmlns:p="http://schemas.openxmlformats.org/presentationml/2006/main">
   <p:cSld>
@@ -6053,200 +6245,53 @@
             <a:spLocks noGrp="1"/>
           </p:cNvSpPr>
           <p:nvPr>
-            <p:ph type="title"/>
-          </p:nvPr>
-        </p:nvSpPr>
-        <p:spPr>
-          <a:xfrm>
-            <a:off x="1981200" y="114557"/>
-            <a:ext cx="8229600" cy="1143000"/>
-          </a:xfrm>
-        </p:spPr>
+            <p:ph type="ctrTitle"/>
+          </p:nvPr>
+        </p:nvSpPr>
+        <p:spPr/>
         <p:txBody>
           <a:bodyPr/>
           <a:lstStyle/>
           <a:p>
             <a:r>
               <a:rPr lang="en-US" b="1" dirty="0"/>
-              <a:t>What is Postfix?</a:t>
-            </a:r>
-          </a:p>
-        </p:txBody>
-      </p:sp>
-      <p:sp>
-        <p:nvSpPr>
-          <p:cNvPr id="3" name="Content Placeholder 2"/>
-          <p:cNvSpPr>
-            <a:spLocks noGrp="1"/>
-          </p:cNvSpPr>
-          <p:nvPr>
-            <p:ph idx="1"/>
-          </p:nvPr>
-        </p:nvSpPr>
-        <p:spPr>
-          <a:xfrm>
-            <a:off x="1981200" y="1257558"/>
-            <a:ext cx="8229600" cy="5030227"/>
-          </a:xfrm>
-        </p:spPr>
-        <p:txBody>
-          <a:bodyPr>
-            <a:normAutofit fontScale="92500" lnSpcReduction="10000"/>
-          </a:bodyPr>
-          <a:lstStyle/>
-          <a:p>
-            <a:r>
-              <a:rPr lang="en-US" b="1" dirty="0"/>
-              <a:t>Postfix</a:t>
-            </a:r>
-            <a:r>
-              <a:rPr lang="en-US" dirty="0"/>
-              <a:t> is a </a:t>
-            </a:r>
-            <a:r>
-              <a:rPr lang="en-US" dirty="0">
-                <a:hlinkClick r:id="rId2" tooltip="Free software"/>
-              </a:rPr>
-              <a:t>free</a:t>
-            </a:r>
-            <a:r>
-              <a:rPr lang="en-US" dirty="0"/>
-              <a:t> and </a:t>
-            </a:r>
-            <a:r>
-              <a:rPr lang="en-US" dirty="0">
-                <a:hlinkClick r:id="rId3" tooltip="Open-source software"/>
-              </a:rPr>
-              <a:t>open-source</a:t>
-            </a:r>
-            <a:r>
-              <a:rPr lang="en-US" dirty="0"/>
-              <a:t> </a:t>
-            </a:r>
-            <a:r>
-              <a:rPr lang="en-US" dirty="0">
-                <a:hlinkClick r:id="rId4" tooltip="Mail transfer agent"/>
-              </a:rPr>
-              <a:t>mail transfer agent</a:t>
-            </a:r>
-            <a:r>
-              <a:rPr lang="en-US" dirty="0"/>
-              <a:t> (MTA) that routes and delivers </a:t>
-            </a:r>
-            <a:r>
-              <a:rPr lang="en-US" dirty="0">
-                <a:hlinkClick r:id="rId5" tooltip="E-mail"/>
-              </a:rPr>
-              <a:t>electronic mail</a:t>
-            </a:r>
-            <a:r>
-              <a:rPr lang="en-US" dirty="0"/>
-              <a:t>, intended as an alternative to the widely used </a:t>
-            </a:r>
-            <a:r>
-              <a:rPr lang="en-US" dirty="0">
-                <a:hlinkClick r:id="rId6" tooltip="Sendmail"/>
-              </a:rPr>
-              <a:t>Sendmail</a:t>
-            </a:r>
-            <a:r>
-              <a:rPr lang="en-US" dirty="0"/>
-              <a:t> MTA.</a:t>
-            </a:r>
-          </a:p>
-          <a:p>
-            <a:r>
-              <a:rPr lang="en-US" dirty="0"/>
-              <a:t>Postfix is released under the </a:t>
-            </a:r>
-            <a:r>
-              <a:rPr lang="en-US" dirty="0">
-                <a:hlinkClick r:id="rId7" tooltip="IBM Public License"/>
-              </a:rPr>
-              <a:t>IBM Public License</a:t>
-            </a:r>
-            <a:r>
-              <a:rPr lang="en-US" dirty="0"/>
-              <a:t> 1.0 which is a </a:t>
-            </a:r>
-            <a:r>
-              <a:rPr lang="en-US" dirty="0">
-                <a:hlinkClick r:id="rId8" tooltip="Free software licence"/>
-              </a:rPr>
-              <a:t>free software licence</a:t>
-            </a:r>
-            <a:r>
-              <a:rPr lang="en-US" dirty="0"/>
-              <a:t>.</a:t>
-            </a:r>
-          </a:p>
-          <a:p>
-            <a:r>
-              <a:rPr lang="en-US" dirty="0"/>
-              <a:t>Originally written in 1997 by </a:t>
-            </a:r>
-            <a:r>
-              <a:rPr lang="en-US" dirty="0">
-                <a:hlinkClick r:id="rId9" tooltip="Wietse Venema"/>
-              </a:rPr>
-              <a:t>Wietse Venema</a:t>
-            </a:r>
-            <a:r>
-              <a:rPr lang="en-US" dirty="0"/>
-              <a:t> at the </a:t>
-            </a:r>
-            <a:r>
-              <a:rPr lang="en-US" dirty="0">
-                <a:hlinkClick r:id="rId10" tooltip="IBM"/>
-              </a:rPr>
-              <a:t>IBM</a:t>
-            </a:r>
-            <a:r>
-              <a:rPr lang="en-US" dirty="0"/>
-              <a:t> </a:t>
-            </a:r>
-            <a:r>
-              <a:rPr lang="en-US" dirty="0">
-                <a:hlinkClick r:id="rId11" tooltip="Thomas J. Watson Research Center"/>
-              </a:rPr>
-              <a:t>Thomas J. Watson Research Center</a:t>
-            </a:r>
-            <a:r>
-              <a:rPr lang="en-US" dirty="0"/>
-              <a:t> and first released in December 1998, Postfix continues as of 2014 to be actively developed by its creator and other contributors. The software is also known by its former names </a:t>
-            </a:r>
-            <a:r>
-              <a:rPr lang="en-US" b="1" dirty="0" err="1"/>
-              <a:t>VMailer</a:t>
-            </a:r>
-            <a:r>
-              <a:rPr lang="en-US" dirty="0"/>
-              <a:t> and </a:t>
-            </a:r>
-            <a:r>
-              <a:rPr lang="en-US" b="1" dirty="0"/>
-              <a:t>IBM Secure Mailer</a:t>
-            </a:r>
-            <a:r>
-              <a:rPr lang="en-US" dirty="0"/>
-              <a:t>.</a:t>
-            </a:r>
-          </a:p>
-          <a:p>
-            <a:r>
-              <a:rPr lang="en-US" dirty="0"/>
-              <a:t>In January 2013 in a study performed by E-Soft, Inc. found that approximately 25% of the publicly reachable mail-servers on the Internet ran Postfix.</a:t>
-            </a:r>
-          </a:p>
-          <a:p>
-            <a:endParaRPr lang="en-US" dirty="0"/>
+              <a:t>Postfix Mail Server</a:t>
+            </a:r>
+          </a:p>
+        </p:txBody>
+      </p:sp>
+      <p:sp>
+        <p:nvSpPr>
+          <p:cNvPr id="3" name="Subtitle 2"/>
+          <p:cNvSpPr>
+            <a:spLocks noGrp="1"/>
+          </p:cNvSpPr>
+          <p:nvPr>
+            <p:ph type="subTitle" idx="1"/>
+          </p:nvPr>
+        </p:nvSpPr>
+        <p:spPr/>
+        <p:txBody>
+          <a:bodyPr/>
+          <a:lstStyle/>
+          <a:p>
+            <a:r>
+              <a:rPr lang="en-US" dirty="0"/>
+              <a:t>Kevin Chege</a:t>
+            </a:r>
+          </a:p>
+          <a:p>
+            <a:r>
+              <a:rPr lang="en-US" dirty="0"/>
+              <a:t>ISOC</a:t>
+            </a:r>
           </a:p>
         </p:txBody>
       </p:sp>
     </p:spTree>
     <p:extLst>
       <p:ext uri="{BB962C8B-B14F-4D97-AF65-F5344CB8AC3E}">
-        <p14:creationId xmlns:p14="http://schemas.microsoft.com/office/powerpoint/2010/main" val="1940339421"/>
+        <p14:creationId xmlns:p14="http://schemas.microsoft.com/office/powerpoint/2010/main" val="1913290876"/>
       </p:ext>
     </p:extLst>
   </p:cSld>
@@ -6283,118 +6328,197 @@
             <p:ph type="title"/>
           </p:nvPr>
         </p:nvSpPr>
-        <p:spPr/>
-        <p:txBody>
-          <a:bodyPr/>
+        <p:spPr>
+          <a:xfrm>
+            <a:off x="1981200" y="114557"/>
+            <a:ext cx="8229600" cy="1143000"/>
+          </a:xfrm>
+        </p:spPr>
+        <p:txBody>
+          <a:bodyPr/>
+          <a:lstStyle/>
+          <a:p>
+            <a:r>
+              <a:rPr lang="en-US" b="1" dirty="0"/>
+              <a:t>What is Postfix?</a:t>
+            </a:r>
+          </a:p>
+        </p:txBody>
+      </p:sp>
+      <p:sp>
+        <p:nvSpPr>
+          <p:cNvPr id="3" name="Content Placeholder 2"/>
+          <p:cNvSpPr>
+            <a:spLocks noGrp="1"/>
+          </p:cNvSpPr>
+          <p:nvPr>
+            <p:ph idx="1"/>
+          </p:nvPr>
+        </p:nvSpPr>
+        <p:spPr>
+          <a:xfrm>
+            <a:off x="1981200" y="1257558"/>
+            <a:ext cx="8229600" cy="5030227"/>
+          </a:xfrm>
+        </p:spPr>
+        <p:txBody>
+          <a:bodyPr>
+            <a:normAutofit fontScale="92500" lnSpcReduction="10000"/>
+          </a:bodyPr>
           <a:lstStyle/>
           <a:p>
             <a:r>
               <a:rPr lang="en-US" b="1" dirty="0"/>
               <a:t>Postfix</a:t>
             </a:r>
-          </a:p>
-        </p:txBody>
-      </p:sp>
-      <p:sp>
-        <p:nvSpPr>
-          <p:cNvPr id="3" name="Content Placeholder 2"/>
-          <p:cNvSpPr>
-            <a:spLocks noGrp="1"/>
-          </p:cNvSpPr>
-          <p:nvPr>
-            <p:ph idx="1"/>
-          </p:nvPr>
-        </p:nvSpPr>
-        <p:spPr/>
-        <p:txBody>
-          <a:bodyPr>
-            <a:normAutofit/>
-          </a:bodyPr>
-          <a:lstStyle/>
-          <a:p>
-            <a:r>
-              <a:rPr lang="en-US" dirty="0"/>
-              <a:t>Works on UNIX-like systems including AIX, BSD, HP-UX, Linux, </a:t>
-            </a:r>
-            <a:r>
-              <a:rPr lang="en-US" dirty="0" err="1"/>
-              <a:t>MacOS</a:t>
-            </a:r>
-            <a:r>
-              <a:rPr lang="en-US" dirty="0"/>
-              <a:t> X, Solaris, and more.</a:t>
-            </a:r>
-          </a:p>
-          <a:p>
-            <a:r>
-              <a:rPr lang="en-US" dirty="0"/>
-              <a:t>It is the default </a:t>
+            <a:r>
+              <a:rPr lang="en-US" dirty="0"/>
+              <a:t> is a </a:t>
             </a:r>
             <a:r>
               <a:rPr lang="en-US" dirty="0">
-                <a:hlinkClick r:id="rId2" tooltip="Message transfer agent"/>
+                <a:hlinkClick r:id="rId2" tooltip="Free software"/>
               </a:rPr>
-              <a:t>MTA</a:t>
-            </a:r>
-            <a:r>
-              <a:rPr lang="en-US" dirty="0"/>
-              <a:t> for the </a:t>
+              <a:t>free</a:t>
+            </a:r>
+            <a:r>
+              <a:rPr lang="en-US" dirty="0"/>
+              <a:t> and </a:t>
             </a:r>
             <a:r>
               <a:rPr lang="en-US" dirty="0">
-                <a:hlinkClick r:id="rId3" tooltip="OS X"/>
+                <a:hlinkClick r:id="rId3" tooltip="Open-source software"/>
               </a:rPr>
-              <a:t>OS X</a:t>
-            </a:r>
-            <a:r>
-              <a:rPr lang="en-US" dirty="0"/>
-              <a:t>, </a:t>
+              <a:t>open-source</a:t>
+            </a:r>
+            <a:r>
+              <a:rPr lang="en-US" dirty="0"/>
+              <a:t> </a:t>
             </a:r>
             <a:r>
               <a:rPr lang="en-US" dirty="0">
-                <a:hlinkClick r:id="rId4" tooltip="NetBSD"/>
+                <a:hlinkClick r:id="rId4" tooltip="Mail transfer agent"/>
               </a:rPr>
-              <a:t>NetBSD</a:t>
-            </a:r>
-            <a:r>
-              <a:rPr lang="en-US" baseline="30000" dirty="0">
-                <a:hlinkClick r:id="rId5"/>
+              <a:t>mail transfer agent</a:t>
+            </a:r>
+            <a:r>
+              <a:rPr lang="en-US" dirty="0"/>
+              <a:t> (MTA) that routes and delivers </a:t>
+            </a:r>
+            <a:r>
+              <a:rPr lang="en-US" dirty="0">
+                <a:hlinkClick r:id="rId5" tooltip="E-mail"/>
               </a:rPr>
-              <a:t>[3]</a:t>
+              <a:t>electronic mail</a:t>
+            </a:r>
+            <a:r>
+              <a:rPr lang="en-US" dirty="0"/>
+              <a:t>, intended as an alternative to the widely used </a:t>
+            </a:r>
+            <a:r>
+              <a:rPr lang="en-US" dirty="0">
+                <a:hlinkClick r:id="rId6" tooltip="Sendmail"/>
+              </a:rPr>
+              <a:t>Sendmail</a:t>
+            </a:r>
+            <a:r>
+              <a:rPr lang="en-US" dirty="0"/>
+              <a:t> MTA.</a:t>
+            </a:r>
+          </a:p>
+          <a:p>
+            <a:r>
+              <a:rPr lang="en-US" dirty="0"/>
+              <a:t>Postfix is released under the </a:t>
+            </a:r>
+            <a:r>
+              <a:rPr lang="en-US" dirty="0">
+                <a:hlinkClick r:id="rId7" tooltip="IBM Public License"/>
+              </a:rPr>
+              <a:t>IBM Public License</a:t>
+            </a:r>
+            <a:r>
+              <a:rPr lang="en-US" dirty="0"/>
+              <a:t> 1.0 which is a </a:t>
+            </a:r>
+            <a:r>
+              <a:rPr lang="en-US" dirty="0">
+                <a:hlinkClick r:id="rId8" tooltip="Free software licence"/>
+              </a:rPr>
+              <a:t>free software licence</a:t>
+            </a:r>
+            <a:r>
+              <a:rPr lang="en-US" dirty="0"/>
+              <a:t>.</a:t>
+            </a:r>
+          </a:p>
+          <a:p>
+            <a:r>
+              <a:rPr lang="en-US" dirty="0"/>
+              <a:t>Originally written in 1997 by </a:t>
+            </a:r>
+            <a:r>
+              <a:rPr lang="en-US" dirty="0">
+                <a:hlinkClick r:id="rId9" tooltip="Wietse Venema"/>
+              </a:rPr>
+              <a:t>Wietse Venema</a:t>
+            </a:r>
+            <a:r>
+              <a:rPr lang="en-US" dirty="0"/>
+              <a:t> at the </a:t>
+            </a:r>
+            <a:r>
+              <a:rPr lang="en-US" dirty="0">
+                <a:hlinkClick r:id="rId10" tooltip="IBM"/>
+              </a:rPr>
+              <a:t>IBM</a:t>
+            </a:r>
+            <a:r>
+              <a:rPr lang="en-US" dirty="0"/>
+              <a:t> </a:t>
+            </a:r>
+            <a:r>
+              <a:rPr lang="en-US" dirty="0">
+                <a:hlinkClick r:id="rId11" tooltip="Thomas J. Watson Research Center"/>
+              </a:rPr>
+              <a:t>Thomas J. Watson Research Center</a:t>
+            </a:r>
+            <a:r>
+              <a:rPr lang="en-US" dirty="0"/>
+              <a:t> and first released in December 1998, Postfix continues as of 2014 to be actively developed by its creator and other contributors. The software is also known by its former names </a:t>
+            </a:r>
+            <a:r>
+              <a:rPr lang="en-US" b="1" dirty="0" err="1"/>
+              <a:t>VMailer</a:t>
             </a:r>
             <a:r>
               <a:rPr lang="en-US" dirty="0"/>
               <a:t> and </a:t>
             </a:r>
             <a:r>
-              <a:rPr lang="en-US" dirty="0">
-                <a:hlinkClick r:id="rId6" tooltip="Ubuntu (operating system)"/>
-              </a:rPr>
-              <a:t>Ubuntu</a:t>
-            </a:r>
-            <a:r>
-              <a:rPr lang="en-US" dirty="0"/>
-              <a:t> operating systems</a:t>
-            </a:r>
-          </a:p>
-          <a:p>
-            <a:r>
-              <a:rPr lang="en-US" dirty="0"/>
-              <a:t>Used by: AOL, Apple Server, Stanford University, United States Navy, NASA, Rackspace, many ISPs</a:t>
-            </a:r>
-          </a:p>
-          <a:p>
-            <a:r>
-              <a:rPr lang="en-US" dirty="0"/>
-              <a:t>Able to process thousands </a:t>
-            </a:r>
+              <a:rPr lang="en-US" b="1" dirty="0"/>
+              <a:t>IBM Secure Mailer</a:t>
+            </a:r>
+            <a:r>
+              <a:rPr lang="en-US" dirty="0"/>
+              <a:t>.</a:t>
+            </a:r>
+          </a:p>
+          <a:p>
+            <a:r>
+              <a:rPr lang="en-US" dirty="0"/>
+              <a:t>In January 2013 in a study performed by E-Soft, Inc. found that approximately 25% of the publicly reachable mail-servers on the Internet ran Postfix.</a:t>
+            </a:r>
+          </a:p>
+          <a:p>
+            <a:endParaRPr lang="en-US" dirty="0"/>
           </a:p>
         </p:txBody>
       </p:sp>
     </p:spTree>
     <p:extLst>
       <p:ext uri="{BB962C8B-B14F-4D97-AF65-F5344CB8AC3E}">
-        <p14:creationId xmlns:p14="http://schemas.microsoft.com/office/powerpoint/2010/main" val="1745469052"/>
+        <p14:creationId xmlns:p14="http://schemas.microsoft.com/office/powerpoint/2010/main" val="1940339421"/>
       </p:ext>
     </p:extLst>
   </p:cSld>
